--- a/lbl2016/HPX - A C++ Standard Library for Parallelism and Concurrency.pptx
+++ b/lbl2016/HPX - A C++ Standard Library for Parallelism and Concurrency.pptx
@@ -204,6 +204,7 @@
           </a:p>
         </c:rich>
       </c:tx>
+      <c:layout/>
       <c:overlay val="0"/>
       <c:spPr>
         <a:noFill/>
@@ -380,8 +381,8 @@
           <c:showPercent val="0"/>
           <c:showBubbleSize val="0"/>
         </c:dLbls>
-        <c:axId val="208594136"/>
-        <c:axId val="208592960"/>
+        <c:axId val="198704872"/>
+        <c:axId val="198706048"/>
       </c:scatterChart>
       <c:scatterChart>
         <c:scatterStyle val="lineMarker"/>
@@ -463,11 +464,11 @@
           <c:showPercent val="0"/>
           <c:showBubbleSize val="0"/>
         </c:dLbls>
-        <c:axId val="208594528"/>
-        <c:axId val="208593352"/>
+        <c:axId val="197996472"/>
+        <c:axId val="197997256"/>
       </c:scatterChart>
       <c:valAx>
-        <c:axId val="208594136"/>
+        <c:axId val="198704872"/>
         <c:scaling>
           <c:orientation val="minMax"/>
           <c:max val="10"/>
@@ -511,6 +512,7 @@
               </a:p>
             </c:rich>
           </c:tx>
+          <c:layout/>
           <c:overlay val="0"/>
           <c:spPr>
             <a:noFill/>
@@ -571,13 +573,13 @@
             <a:endParaRPr lang="en-US"/>
           </a:p>
         </c:txPr>
-        <c:crossAx val="208592960"/>
+        <c:crossAx val="198706048"/>
         <c:crosses val="autoZero"/>
         <c:crossBetween val="midCat"/>
         <c:majorUnit val="2"/>
       </c:valAx>
       <c:valAx>
-        <c:axId val="208592960"/>
+        <c:axId val="198706048"/>
         <c:scaling>
           <c:orientation val="minMax"/>
           <c:max val="7"/>
@@ -621,6 +623,7 @@
               </a:p>
             </c:rich>
           </c:tx>
+          <c:layout/>
           <c:overlay val="0"/>
           <c:spPr>
             <a:noFill/>
@@ -681,12 +684,12 @@
             <a:endParaRPr lang="en-US"/>
           </a:p>
         </c:txPr>
-        <c:crossAx val="208594136"/>
+        <c:crossAx val="198704872"/>
         <c:crosses val="autoZero"/>
         <c:crossBetween val="midCat"/>
       </c:valAx>
       <c:valAx>
-        <c:axId val="208593352"/>
+        <c:axId val="197997256"/>
         <c:scaling>
           <c:orientation val="minMax"/>
         </c:scaling>
@@ -715,6 +718,7 @@
               </a:p>
             </c:rich>
           </c:tx>
+          <c:layout/>
           <c:overlay val="0"/>
           <c:spPr>
             <a:noFill/>
@@ -775,12 +779,12 @@
             <a:endParaRPr lang="en-US"/>
           </a:p>
         </c:txPr>
-        <c:crossAx val="208594528"/>
+        <c:crossAx val="197996472"/>
         <c:crosses val="max"/>
         <c:crossBetween val="midCat"/>
       </c:valAx>
       <c:valAx>
-        <c:axId val="208594528"/>
+        <c:axId val="197996472"/>
         <c:scaling>
           <c:orientation val="minMax"/>
         </c:scaling>
@@ -790,7 +794,7 @@
         <c:majorTickMark val="out"/>
         <c:minorTickMark val="none"/>
         <c:tickLblPos val="nextTo"/>
-        <c:crossAx val="208593352"/>
+        <c:crossAx val="197997256"/>
         <c:crosses val="autoZero"/>
         <c:crossBetween val="midCat"/>
       </c:valAx>
@@ -923,6 +927,7 @@
           </a:p>
         </c:rich>
       </c:tx>
+      <c:layout/>
       <c:overlay val="0"/>
       <c:spPr>
         <a:noFill/>
@@ -1099,8 +1104,8 @@
           <c:showPercent val="0"/>
           <c:showBubbleSize val="0"/>
         </c:dLbls>
-        <c:axId val="209210592"/>
-        <c:axId val="209207848"/>
+        <c:axId val="197998040"/>
+        <c:axId val="197998432"/>
       </c:scatterChart>
       <c:scatterChart>
         <c:scatterStyle val="lineMarker"/>
@@ -1182,11 +1187,11 @@
           <c:showPercent val="0"/>
           <c:showBubbleSize val="0"/>
         </c:dLbls>
-        <c:axId val="209208240"/>
-        <c:axId val="209209808"/>
+        <c:axId val="197999608"/>
+        <c:axId val="197998824"/>
       </c:scatterChart>
       <c:valAx>
-        <c:axId val="209210592"/>
+        <c:axId val="197998040"/>
         <c:scaling>
           <c:orientation val="minMax"/>
           <c:max val="10"/>
@@ -1230,6 +1235,7 @@
               </a:p>
             </c:rich>
           </c:tx>
+          <c:layout/>
           <c:overlay val="0"/>
           <c:spPr>
             <a:noFill/>
@@ -1290,13 +1296,13 @@
             <a:endParaRPr lang="en-US"/>
           </a:p>
         </c:txPr>
-        <c:crossAx val="209207848"/>
+        <c:crossAx val="197998432"/>
         <c:crosses val="autoZero"/>
         <c:crossBetween val="midCat"/>
         <c:majorUnit val="2"/>
       </c:valAx>
       <c:valAx>
-        <c:axId val="209207848"/>
+        <c:axId val="197998432"/>
         <c:scaling>
           <c:orientation val="minMax"/>
           <c:max val="20"/>
@@ -1340,6 +1346,7 @@
               </a:p>
             </c:rich>
           </c:tx>
+          <c:layout/>
           <c:overlay val="0"/>
           <c:spPr>
             <a:noFill/>
@@ -1400,12 +1407,12 @@
             <a:endParaRPr lang="en-US"/>
           </a:p>
         </c:txPr>
-        <c:crossAx val="209210592"/>
+        <c:crossAx val="197998040"/>
         <c:crosses val="autoZero"/>
         <c:crossBetween val="midCat"/>
       </c:valAx>
       <c:valAx>
-        <c:axId val="209209808"/>
+        <c:axId val="197998824"/>
         <c:scaling>
           <c:orientation val="minMax"/>
           <c:max val="3"/>
@@ -1435,6 +1442,7 @@
               </a:p>
             </c:rich>
           </c:tx>
+          <c:layout/>
           <c:overlay val="0"/>
           <c:spPr>
             <a:noFill/>
@@ -1495,12 +1503,12 @@
             <a:endParaRPr lang="en-US"/>
           </a:p>
         </c:txPr>
-        <c:crossAx val="209208240"/>
+        <c:crossAx val="197999608"/>
         <c:crosses val="max"/>
         <c:crossBetween val="midCat"/>
       </c:valAx>
       <c:valAx>
-        <c:axId val="209208240"/>
+        <c:axId val="197999608"/>
         <c:scaling>
           <c:orientation val="minMax"/>
         </c:scaling>
@@ -1510,7 +1518,7 @@
         <c:majorTickMark val="out"/>
         <c:minorTickMark val="none"/>
         <c:tickLblPos val="nextTo"/>
-        <c:crossAx val="209209808"/>
+        <c:crossAx val="197998824"/>
         <c:crosses val="autoZero"/>
         <c:crossBetween val="midCat"/>
       </c:valAx>
@@ -1643,6 +1651,7 @@
           </a:p>
         </c:rich>
       </c:tx>
+      <c:layout/>
       <c:overlay val="0"/>
       <c:spPr>
         <a:noFill/>
@@ -1819,8 +1828,8 @@
           <c:showPercent val="0"/>
           <c:showBubbleSize val="0"/>
         </c:dLbls>
-        <c:axId val="209214904"/>
-        <c:axId val="209210984"/>
+        <c:axId val="197999216"/>
+        <c:axId val="195054696"/>
       </c:scatterChart>
       <c:scatterChart>
         <c:scatterStyle val="lineMarker"/>
@@ -1902,11 +1911,11 @@
           <c:showPercent val="0"/>
           <c:showBubbleSize val="0"/>
         </c:dLbls>
-        <c:axId val="209211768"/>
-        <c:axId val="209208632"/>
+        <c:axId val="195048816"/>
+        <c:axId val="195048032"/>
       </c:scatterChart>
       <c:valAx>
-        <c:axId val="209214904"/>
+        <c:axId val="197999216"/>
         <c:scaling>
           <c:orientation val="minMax"/>
           <c:max val="10"/>
@@ -1950,6 +1959,7 @@
               </a:p>
             </c:rich>
           </c:tx>
+          <c:layout/>
           <c:overlay val="0"/>
           <c:spPr>
             <a:noFill/>
@@ -2010,13 +2020,13 @@
             <a:endParaRPr lang="en-US"/>
           </a:p>
         </c:txPr>
-        <c:crossAx val="209210984"/>
+        <c:crossAx val="195054696"/>
         <c:crosses val="autoZero"/>
         <c:crossBetween val="midCat"/>
         <c:majorUnit val="2"/>
       </c:valAx>
       <c:valAx>
-        <c:axId val="209210984"/>
+        <c:axId val="195054696"/>
         <c:scaling>
           <c:orientation val="minMax"/>
         </c:scaling>
@@ -2059,6 +2069,7 @@
               </a:p>
             </c:rich>
           </c:tx>
+          <c:layout/>
           <c:overlay val="0"/>
           <c:spPr>
             <a:noFill/>
@@ -2119,12 +2130,12 @@
             <a:endParaRPr lang="en-US"/>
           </a:p>
         </c:txPr>
-        <c:crossAx val="209214904"/>
+        <c:crossAx val="197999216"/>
         <c:crosses val="autoZero"/>
         <c:crossBetween val="midCat"/>
       </c:valAx>
       <c:valAx>
-        <c:axId val="209208632"/>
+        <c:axId val="195048032"/>
         <c:scaling>
           <c:orientation val="minMax"/>
           <c:max val="3"/>
@@ -2154,6 +2165,7 @@
               </a:p>
             </c:rich>
           </c:tx>
+          <c:layout/>
           <c:overlay val="0"/>
           <c:spPr>
             <a:noFill/>
@@ -2214,12 +2226,12 @@
             <a:endParaRPr lang="en-US"/>
           </a:p>
         </c:txPr>
-        <c:crossAx val="209211768"/>
+        <c:crossAx val="195048816"/>
         <c:crosses val="max"/>
         <c:crossBetween val="midCat"/>
       </c:valAx>
       <c:valAx>
-        <c:axId val="209211768"/>
+        <c:axId val="195048816"/>
         <c:scaling>
           <c:orientation val="minMax"/>
         </c:scaling>
@@ -2229,7 +2241,7 @@
         <c:majorTickMark val="out"/>
         <c:minorTickMark val="none"/>
         <c:tickLblPos val="nextTo"/>
-        <c:crossAx val="209208632"/>
+        <c:crossAx val="195048032"/>
         <c:crosses val="autoZero"/>
         <c:crossBetween val="midCat"/>
       </c:valAx>
@@ -4075,7 +4087,7 @@
           <a:p>
             <a:fld id="{19F247C8-91F3-4DF9-8405-CA725E248F79}" type="datetimeFigureOut">
               <a:rPr lang="en-US" smtClean="0"/>
-              <a:t>10/12/2016</a:t>
+              <a:t>10/16/2016</a:t>
             </a:fld>
             <a:endParaRPr lang="en-US"/>
           </a:p>
@@ -11227,8 +11239,16 @@
             <a:pPr lvl="1"/>
             <a:r>
               <a:rPr lang="en-US" dirty="0" smtClean="0"/>
-              <a:t>Allows integration with asynchronous control flow</a:t>
-            </a:r>
+              <a:t>Allows integration with asynchronous control </a:t>
+            </a:r>
+            <a:r>
+              <a:rPr lang="en-US" dirty="0" smtClean="0"/>
+              <a:t>flow</a:t>
+            </a:r>
+          </a:p>
+          <a:p>
+            <a:pPr lvl="1"/>
+            <a:endParaRPr lang="en-US" dirty="0" smtClean="0"/>
           </a:p>
           <a:p>
             <a:pPr lvl="1"/>
@@ -12630,15 +12650,28 @@
             </a:r>
             <a:r>
               <a:rPr lang="en-US" dirty="0" smtClean="0"/>
-              <a:t>arallelism in C++ today depends on external solutions</a:t>
+              <a:t>arallelism in </a:t>
+            </a:r>
+            <a:r>
+              <a:rPr lang="en-US" dirty="0" smtClean="0"/>
+              <a:t>(standard) C</a:t>
+            </a:r>
+            <a:r>
+              <a:rPr lang="en-US" dirty="0" smtClean="0"/>
+              <a:t>++ today depends on external solutions</a:t>
             </a:r>
           </a:p>
           <a:p>
             <a:pPr lvl="1"/>
             <a:r>
               <a:rPr lang="en-US" dirty="0" smtClean="0"/>
-              <a:t>Pragma based</a:t>
-            </a:r>
+              <a:t>Pragma </a:t>
+            </a:r>
+            <a:r>
+              <a:rPr lang="en-US" dirty="0" smtClean="0"/>
+              <a:t>based solutions</a:t>
+            </a:r>
+            <a:endParaRPr lang="en-US" dirty="0" smtClean="0"/>
           </a:p>
           <a:p>
             <a:pPr lvl="2"/>
@@ -12685,8 +12718,9 @@
             <a:pPr lvl="2"/>
             <a:r>
               <a:rPr lang="en-US" dirty="0" smtClean="0"/>
-              <a:t>TBB</a:t>
-            </a:r>
+              <a:t>TBB, PPL (C++)</a:t>
+            </a:r>
+            <a:endParaRPr lang="en-US" dirty="0" smtClean="0"/>
           </a:p>
           <a:p>
             <a:pPr lvl="2"/>
@@ -17307,8 +17341,13 @@
             <a:pPr lvl="2"/>
             <a:r>
               <a:rPr lang="en-US" dirty="0" smtClean="0"/>
-              <a:t>TBB, weakly aligned with C++ Standard library</a:t>
-            </a:r>
+              <a:t>TBB, weakly aligned with C++ Standard </a:t>
+            </a:r>
+            <a:r>
+              <a:rPr lang="en-US" dirty="0" smtClean="0"/>
+              <a:t>library, tasks can’t suspend</a:t>
+            </a:r>
+            <a:endParaRPr lang="en-US" dirty="0" smtClean="0"/>
           </a:p>
           <a:p>
             <a:pPr lvl="1"/>

--- a/lbl2016/HPX - A C++ Standard Library for Parallelism and Concurrency.pptx
+++ b/lbl2016/HPX - A C++ Standard Library for Parallelism and Concurrency.pptx
@@ -5,7 +5,7 @@
     <p:sldMasterId id="2147483660" r:id="rId1"/>
   </p:sldMasterIdLst>
   <p:notesMasterIdLst>
-    <p:notesMasterId r:id="rId44"/>
+    <p:notesMasterId r:id="rId48"/>
   </p:notesMasterIdLst>
   <p:sldIdLst>
     <p:sldId id="256" r:id="rId2"/>
@@ -23,33 +23,37 @@
     <p:sldId id="264" r:id="rId14"/>
     <p:sldId id="265" r:id="rId15"/>
     <p:sldId id="269" r:id="rId16"/>
-    <p:sldId id="270" r:id="rId17"/>
-    <p:sldId id="280" r:id="rId18"/>
-    <p:sldId id="271" r:id="rId19"/>
-    <p:sldId id="272" r:id="rId20"/>
-    <p:sldId id="273" r:id="rId21"/>
-    <p:sldId id="288" r:id="rId22"/>
-    <p:sldId id="286" r:id="rId23"/>
-    <p:sldId id="287" r:id="rId24"/>
-    <p:sldId id="274" r:id="rId25"/>
-    <p:sldId id="275" r:id="rId26"/>
-    <p:sldId id="276" r:id="rId27"/>
-    <p:sldId id="277" r:id="rId28"/>
-    <p:sldId id="278" r:id="rId29"/>
-    <p:sldId id="279" r:id="rId30"/>
-    <p:sldId id="300" r:id="rId31"/>
-    <p:sldId id="297" r:id="rId32"/>
-    <p:sldId id="298" r:id="rId33"/>
-    <p:sldId id="299" r:id="rId34"/>
-    <p:sldId id="292" r:id="rId35"/>
-    <p:sldId id="293" r:id="rId36"/>
-    <p:sldId id="296" r:id="rId37"/>
-    <p:sldId id="306" r:id="rId38"/>
-    <p:sldId id="301" r:id="rId39"/>
-    <p:sldId id="302" r:id="rId40"/>
-    <p:sldId id="303" r:id="rId41"/>
-    <p:sldId id="304" r:id="rId42"/>
-    <p:sldId id="305" r:id="rId43"/>
+    <p:sldId id="308" r:id="rId17"/>
+    <p:sldId id="309" r:id="rId18"/>
+    <p:sldId id="310" r:id="rId19"/>
+    <p:sldId id="311" r:id="rId20"/>
+    <p:sldId id="270" r:id="rId21"/>
+    <p:sldId id="280" r:id="rId22"/>
+    <p:sldId id="271" r:id="rId23"/>
+    <p:sldId id="272" r:id="rId24"/>
+    <p:sldId id="273" r:id="rId25"/>
+    <p:sldId id="288" r:id="rId26"/>
+    <p:sldId id="286" r:id="rId27"/>
+    <p:sldId id="287" r:id="rId28"/>
+    <p:sldId id="274" r:id="rId29"/>
+    <p:sldId id="275" r:id="rId30"/>
+    <p:sldId id="276" r:id="rId31"/>
+    <p:sldId id="277" r:id="rId32"/>
+    <p:sldId id="278" r:id="rId33"/>
+    <p:sldId id="279" r:id="rId34"/>
+    <p:sldId id="300" r:id="rId35"/>
+    <p:sldId id="297" r:id="rId36"/>
+    <p:sldId id="298" r:id="rId37"/>
+    <p:sldId id="299" r:id="rId38"/>
+    <p:sldId id="292" r:id="rId39"/>
+    <p:sldId id="293" r:id="rId40"/>
+    <p:sldId id="296" r:id="rId41"/>
+    <p:sldId id="306" r:id="rId42"/>
+    <p:sldId id="301" r:id="rId43"/>
+    <p:sldId id="302" r:id="rId44"/>
+    <p:sldId id="303" r:id="rId45"/>
+    <p:sldId id="304" r:id="rId46"/>
+    <p:sldId id="305" r:id="rId47"/>
   </p:sldIdLst>
   <p:sldSz cx="12192000" cy="6858000"/>
   <p:notesSz cx="6858000" cy="9144000"/>
@@ -204,7 +208,6 @@
           </a:p>
         </c:rich>
       </c:tx>
-      <c:layout/>
       <c:overlay val="0"/>
       <c:spPr>
         <a:noFill/>
@@ -381,8 +384,8 @@
           <c:showPercent val="0"/>
           <c:showBubbleSize val="0"/>
         </c:dLbls>
-        <c:axId val="198704872"/>
-        <c:axId val="198706048"/>
+        <c:axId val="215675672"/>
+        <c:axId val="215676064"/>
       </c:scatterChart>
       <c:scatterChart>
         <c:scatterStyle val="lineMarker"/>
@@ -464,11 +467,11 @@
           <c:showPercent val="0"/>
           <c:showBubbleSize val="0"/>
         </c:dLbls>
-        <c:axId val="197996472"/>
-        <c:axId val="197997256"/>
+        <c:axId val="216618248"/>
+        <c:axId val="215674104"/>
       </c:scatterChart>
       <c:valAx>
-        <c:axId val="198704872"/>
+        <c:axId val="215675672"/>
         <c:scaling>
           <c:orientation val="minMax"/>
           <c:max val="10"/>
@@ -512,7 +515,6 @@
               </a:p>
             </c:rich>
           </c:tx>
-          <c:layout/>
           <c:overlay val="0"/>
           <c:spPr>
             <a:noFill/>
@@ -573,13 +575,13 @@
             <a:endParaRPr lang="en-US"/>
           </a:p>
         </c:txPr>
-        <c:crossAx val="198706048"/>
+        <c:crossAx val="215676064"/>
         <c:crosses val="autoZero"/>
         <c:crossBetween val="midCat"/>
         <c:majorUnit val="2"/>
       </c:valAx>
       <c:valAx>
-        <c:axId val="198706048"/>
+        <c:axId val="215676064"/>
         <c:scaling>
           <c:orientation val="minMax"/>
           <c:max val="7"/>
@@ -623,7 +625,6 @@
               </a:p>
             </c:rich>
           </c:tx>
-          <c:layout/>
           <c:overlay val="0"/>
           <c:spPr>
             <a:noFill/>
@@ -684,12 +685,12 @@
             <a:endParaRPr lang="en-US"/>
           </a:p>
         </c:txPr>
-        <c:crossAx val="198704872"/>
+        <c:crossAx val="215675672"/>
         <c:crosses val="autoZero"/>
         <c:crossBetween val="midCat"/>
       </c:valAx>
       <c:valAx>
-        <c:axId val="197997256"/>
+        <c:axId val="215674104"/>
         <c:scaling>
           <c:orientation val="minMax"/>
         </c:scaling>
@@ -718,7 +719,6 @@
               </a:p>
             </c:rich>
           </c:tx>
-          <c:layout/>
           <c:overlay val="0"/>
           <c:spPr>
             <a:noFill/>
@@ -779,12 +779,12 @@
             <a:endParaRPr lang="en-US"/>
           </a:p>
         </c:txPr>
-        <c:crossAx val="197996472"/>
+        <c:crossAx val="216618248"/>
         <c:crosses val="max"/>
         <c:crossBetween val="midCat"/>
       </c:valAx>
       <c:valAx>
-        <c:axId val="197996472"/>
+        <c:axId val="216618248"/>
         <c:scaling>
           <c:orientation val="minMax"/>
         </c:scaling>
@@ -794,7 +794,7 @@
         <c:majorTickMark val="out"/>
         <c:minorTickMark val="none"/>
         <c:tickLblPos val="nextTo"/>
-        <c:crossAx val="197997256"/>
+        <c:crossAx val="215674104"/>
         <c:crosses val="autoZero"/>
         <c:crossBetween val="midCat"/>
       </c:valAx>
@@ -927,7 +927,6 @@
           </a:p>
         </c:rich>
       </c:tx>
-      <c:layout/>
       <c:overlay val="0"/>
       <c:spPr>
         <a:noFill/>
@@ -1104,8 +1103,8 @@
           <c:showPercent val="0"/>
           <c:showBubbleSize val="0"/>
         </c:dLbls>
-        <c:axId val="197998040"/>
-        <c:axId val="197998432"/>
+        <c:axId val="216618640"/>
+        <c:axId val="216616288"/>
       </c:scatterChart>
       <c:scatterChart>
         <c:scatterStyle val="lineMarker"/>
@@ -1187,11 +1186,11 @@
           <c:showPercent val="0"/>
           <c:showBubbleSize val="0"/>
         </c:dLbls>
-        <c:axId val="197999608"/>
-        <c:axId val="197998824"/>
+        <c:axId val="562312648"/>
+        <c:axId val="212341024"/>
       </c:scatterChart>
       <c:valAx>
-        <c:axId val="197998040"/>
+        <c:axId val="216618640"/>
         <c:scaling>
           <c:orientation val="minMax"/>
           <c:max val="10"/>
@@ -1235,7 +1234,6 @@
               </a:p>
             </c:rich>
           </c:tx>
-          <c:layout/>
           <c:overlay val="0"/>
           <c:spPr>
             <a:noFill/>
@@ -1296,13 +1294,13 @@
             <a:endParaRPr lang="en-US"/>
           </a:p>
         </c:txPr>
-        <c:crossAx val="197998432"/>
+        <c:crossAx val="216616288"/>
         <c:crosses val="autoZero"/>
         <c:crossBetween val="midCat"/>
         <c:majorUnit val="2"/>
       </c:valAx>
       <c:valAx>
-        <c:axId val="197998432"/>
+        <c:axId val="216616288"/>
         <c:scaling>
           <c:orientation val="minMax"/>
           <c:max val="20"/>
@@ -1346,7 +1344,6 @@
               </a:p>
             </c:rich>
           </c:tx>
-          <c:layout/>
           <c:overlay val="0"/>
           <c:spPr>
             <a:noFill/>
@@ -1407,12 +1404,12 @@
             <a:endParaRPr lang="en-US"/>
           </a:p>
         </c:txPr>
-        <c:crossAx val="197998040"/>
+        <c:crossAx val="216618640"/>
         <c:crosses val="autoZero"/>
         <c:crossBetween val="midCat"/>
       </c:valAx>
       <c:valAx>
-        <c:axId val="197998824"/>
+        <c:axId val="212341024"/>
         <c:scaling>
           <c:orientation val="minMax"/>
           <c:max val="3"/>
@@ -1442,7 +1439,6 @@
               </a:p>
             </c:rich>
           </c:tx>
-          <c:layout/>
           <c:overlay val="0"/>
           <c:spPr>
             <a:noFill/>
@@ -1503,12 +1499,12 @@
             <a:endParaRPr lang="en-US"/>
           </a:p>
         </c:txPr>
-        <c:crossAx val="197999608"/>
+        <c:crossAx val="562312648"/>
         <c:crosses val="max"/>
         <c:crossBetween val="midCat"/>
       </c:valAx>
       <c:valAx>
-        <c:axId val="197999608"/>
+        <c:axId val="562312648"/>
         <c:scaling>
           <c:orientation val="minMax"/>
         </c:scaling>
@@ -1518,7 +1514,7 @@
         <c:majorTickMark val="out"/>
         <c:minorTickMark val="none"/>
         <c:tickLblPos val="nextTo"/>
-        <c:crossAx val="197998824"/>
+        <c:crossAx val="212341024"/>
         <c:crosses val="autoZero"/>
         <c:crossBetween val="midCat"/>
       </c:valAx>
@@ -1651,7 +1647,6 @@
           </a:p>
         </c:rich>
       </c:tx>
-      <c:layout/>
       <c:overlay val="0"/>
       <c:spPr>
         <a:noFill/>
@@ -1828,8 +1823,8 @@
           <c:showPercent val="0"/>
           <c:showBubbleSize val="0"/>
         </c:dLbls>
-        <c:axId val="197999216"/>
-        <c:axId val="195054696"/>
+        <c:axId val="562309904"/>
+        <c:axId val="562310296"/>
       </c:scatterChart>
       <c:scatterChart>
         <c:scatterStyle val="lineMarker"/>
@@ -1911,11 +1906,11 @@
           <c:showPercent val="0"/>
           <c:showBubbleSize val="0"/>
         </c:dLbls>
-        <c:axId val="195048816"/>
-        <c:axId val="195048032"/>
+        <c:axId val="562309512"/>
+        <c:axId val="562312256"/>
       </c:scatterChart>
       <c:valAx>
-        <c:axId val="197999216"/>
+        <c:axId val="562309904"/>
         <c:scaling>
           <c:orientation val="minMax"/>
           <c:max val="10"/>
@@ -1959,7 +1954,6 @@
               </a:p>
             </c:rich>
           </c:tx>
-          <c:layout/>
           <c:overlay val="0"/>
           <c:spPr>
             <a:noFill/>
@@ -2020,13 +2014,13 @@
             <a:endParaRPr lang="en-US"/>
           </a:p>
         </c:txPr>
-        <c:crossAx val="195054696"/>
+        <c:crossAx val="562310296"/>
         <c:crosses val="autoZero"/>
         <c:crossBetween val="midCat"/>
         <c:majorUnit val="2"/>
       </c:valAx>
       <c:valAx>
-        <c:axId val="195054696"/>
+        <c:axId val="562310296"/>
         <c:scaling>
           <c:orientation val="minMax"/>
         </c:scaling>
@@ -2069,7 +2063,6 @@
               </a:p>
             </c:rich>
           </c:tx>
-          <c:layout/>
           <c:overlay val="0"/>
           <c:spPr>
             <a:noFill/>
@@ -2130,12 +2123,12 @@
             <a:endParaRPr lang="en-US"/>
           </a:p>
         </c:txPr>
-        <c:crossAx val="197999216"/>
+        <c:crossAx val="562309904"/>
         <c:crosses val="autoZero"/>
         <c:crossBetween val="midCat"/>
       </c:valAx>
       <c:valAx>
-        <c:axId val="195048032"/>
+        <c:axId val="562312256"/>
         <c:scaling>
           <c:orientation val="minMax"/>
           <c:max val="3"/>
@@ -2165,7 +2158,6 @@
               </a:p>
             </c:rich>
           </c:tx>
-          <c:layout/>
           <c:overlay val="0"/>
           <c:spPr>
             <a:noFill/>
@@ -2226,12 +2218,12 @@
             <a:endParaRPr lang="en-US"/>
           </a:p>
         </c:txPr>
-        <c:crossAx val="195048816"/>
+        <c:crossAx val="562309512"/>
         <c:crosses val="max"/>
         <c:crossBetween val="midCat"/>
       </c:valAx>
       <c:valAx>
-        <c:axId val="195048816"/>
+        <c:axId val="562309512"/>
         <c:scaling>
           <c:orientation val="minMax"/>
         </c:scaling>
@@ -2241,7 +2233,7 @@
         <c:majorTickMark val="out"/>
         <c:minorTickMark val="none"/>
         <c:tickLblPos val="nextTo"/>
-        <c:crossAx val="195048032"/>
+        <c:crossAx val="562312256"/>
         <c:crosses val="autoZero"/>
         <c:crossBetween val="midCat"/>
       </c:valAx>
@@ -4087,7 +4079,7 @@
           <a:p>
             <a:fld id="{19F247C8-91F3-4DF9-8405-CA725E248F79}" type="datetimeFigureOut">
               <a:rPr lang="en-US" smtClean="0"/>
-              <a:t>10/16/2016</a:t>
+              <a:t>10/17/2016</a:t>
             </a:fld>
             <a:endParaRPr lang="en-US"/>
           </a:p>
@@ -4840,7 +4832,7 @@
           <a:p>
             <a:fld id="{F7100FA9-CDDB-4B40-AAC2-C36C2446176D}" type="slidenum">
               <a:rPr lang="en-US" smtClean="0"/>
-              <a:t>35</a:t>
+              <a:t>39</a:t>
             </a:fld>
             <a:endParaRPr lang="en-US"/>
           </a:p>
@@ -4924,7 +4916,7 @@
           <a:p>
             <a:fld id="{2A5EEFB3-681E-4A96-858B-F9C3284C6B63}" type="slidenum">
               <a:rPr lang="en-US" smtClean="0"/>
-              <a:t>36</a:t>
+              <a:t>40</a:t>
             </a:fld>
             <a:endParaRPr lang="en-US"/>
           </a:p>
@@ -5008,7 +5000,7 @@
           <a:p>
             <a:fld id="{9895210F-3153-47D6-B786-4D5C9DCDB62B}" type="slidenum">
               <a:rPr lang="en-US" smtClean="0"/>
-              <a:t>42</a:t>
+              <a:t>46</a:t>
             </a:fld>
             <a:endParaRPr lang="en-US"/>
           </a:p>
@@ -11239,11 +11231,7 @@
             <a:pPr lvl="1"/>
             <a:r>
               <a:rPr lang="en-US" dirty="0" smtClean="0"/>
-              <a:t>Allows integration with asynchronous control </a:t>
-            </a:r>
-            <a:r>
-              <a:rPr lang="en-US" dirty="0" smtClean="0"/>
-              <a:t>flow</a:t>
+              <a:t>Allows integration with asynchronous control flow</a:t>
             </a:r>
           </a:p>
           <a:p>
@@ -11384,267 +11372,15 @@
             <p:ph type="title"/>
           </p:nvPr>
         </p:nvSpPr>
-        <p:spPr>
-          <a:xfrm>
-            <a:off x="1261872" y="294198"/>
-            <a:ext cx="9863328" cy="1397124"/>
-          </a:xfrm>
-        </p:spPr>
+        <p:spPr/>
         <p:txBody>
           <a:bodyPr/>
           <a:lstStyle/>
           <a:p>
             <a:r>
               <a:rPr lang="en-US" dirty="0"/>
-              <a:t>Execution </a:t>
-            </a:r>
-            <a:r>
-              <a:rPr lang="en-US" dirty="0" smtClean="0"/>
-              <a:t>Policies (HPX Extensions)</a:t>
-            </a:r>
-            <a:endParaRPr lang="en-US" dirty="0"/>
-          </a:p>
-        </p:txBody>
-      </p:sp>
-      <p:sp>
-        <p:nvSpPr>
-          <p:cNvPr id="3" name="Content Placeholder 2"/>
-          <p:cNvSpPr>
-            <a:spLocks noGrp="1"/>
-          </p:cNvSpPr>
-          <p:nvPr>
-            <p:ph sz="half" idx="1"/>
-          </p:nvPr>
-        </p:nvSpPr>
-        <p:spPr>
-          <a:xfrm>
-            <a:off x="1261871" y="1828800"/>
-            <a:ext cx="10030969" cy="4351337"/>
-          </a:xfrm>
-        </p:spPr>
-        <p:txBody>
-          <a:bodyPr/>
-          <a:lstStyle/>
-          <a:p>
-            <a:r>
-              <a:rPr lang="en-US" dirty="0"/>
-              <a:t>Extensions: vectorization execution policies</a:t>
-            </a:r>
-          </a:p>
-          <a:p>
-            <a:pPr lvl="1"/>
-            <a:endParaRPr lang="en-US" dirty="0" smtClean="0">
-              <a:latin typeface="Consolas" panose="020B0609020204030204" pitchFamily="49" charset="0"/>
-              <a:cs typeface="Consolas" panose="020B0609020204030204" pitchFamily="49" charset="0"/>
-            </a:endParaRPr>
-          </a:p>
-          <a:p>
-            <a:pPr lvl="1">
-              <a:tabLst>
-                <a:tab pos="6400800" algn="l"/>
-              </a:tabLst>
-            </a:pPr>
-            <a:r>
-              <a:rPr lang="en-US" dirty="0" err="1" smtClean="0">
-                <a:latin typeface="Consolas" panose="020B0609020204030204" pitchFamily="49" charset="0"/>
-                <a:cs typeface="Consolas" panose="020B0609020204030204" pitchFamily="49" charset="0"/>
-              </a:rPr>
-              <a:t>datapar_task_execution_policy</a:t>
-            </a:r>
-            <a:r>
-              <a:rPr lang="en-US" dirty="0" smtClean="0"/>
-              <a:t> (asynchronous </a:t>
-            </a:r>
-            <a:r>
-              <a:rPr lang="en-US" dirty="0"/>
-              <a:t>version of </a:t>
-            </a:r>
-            <a:r>
-              <a:rPr lang="en-US" dirty="0" err="1" smtClean="0">
-                <a:latin typeface="Consolas" panose="020B0609020204030204" pitchFamily="49" charset="0"/>
-                <a:cs typeface="Consolas" panose="020B0609020204030204" pitchFamily="49" charset="0"/>
-              </a:rPr>
-              <a:t>datapar_execution_policy</a:t>
-            </a:r>
-            <a:r>
-              <a:rPr lang="en-US" dirty="0" smtClean="0"/>
-              <a:t>), generated with 	</a:t>
-            </a:r>
-            <a:r>
-              <a:rPr lang="en-US" dirty="0" err="1" smtClean="0">
-                <a:latin typeface="Consolas" panose="020B0609020204030204" pitchFamily="49" charset="0"/>
-                <a:cs typeface="Consolas" panose="020B0609020204030204" pitchFamily="49" charset="0"/>
-              </a:rPr>
-              <a:t>datapar</a:t>
-            </a:r>
-            <a:r>
-              <a:rPr lang="en-US" dirty="0" smtClean="0">
-                <a:latin typeface="Consolas" panose="020B0609020204030204" pitchFamily="49" charset="0"/>
-                <a:cs typeface="Consolas" panose="020B0609020204030204" pitchFamily="49" charset="0"/>
-              </a:rPr>
-              <a:t>, </a:t>
-            </a:r>
-            <a:r>
-              <a:rPr lang="en-US" dirty="0" err="1" smtClean="0">
-                <a:latin typeface="Consolas" panose="020B0609020204030204" pitchFamily="49" charset="0"/>
-                <a:cs typeface="Consolas" panose="020B0609020204030204" pitchFamily="49" charset="0"/>
-              </a:rPr>
-              <a:t>datapar</a:t>
-            </a:r>
-            <a:r>
-              <a:rPr lang="en-US" dirty="0" smtClean="0">
-                <a:latin typeface="Consolas" panose="020B0609020204030204" pitchFamily="49" charset="0"/>
-                <a:cs typeface="Consolas" panose="020B0609020204030204" pitchFamily="49" charset="0"/>
-              </a:rPr>
-              <a:t>(task)</a:t>
-            </a:r>
-          </a:p>
-          <a:p>
-            <a:pPr lvl="1">
-              <a:tabLst>
-                <a:tab pos="6400800" algn="l"/>
-              </a:tabLst>
-            </a:pPr>
-            <a:r>
-              <a:rPr lang="en-US" dirty="0" err="1" smtClean="0">
-                <a:latin typeface="Consolas" panose="020B0609020204030204" pitchFamily="49" charset="0"/>
-                <a:cs typeface="Consolas" panose="020B0609020204030204" pitchFamily="49" charset="0"/>
-              </a:rPr>
-              <a:t>dataseq_task_execution_policy</a:t>
-            </a:r>
-            <a:r>
-              <a:rPr lang="en-US" dirty="0" smtClean="0"/>
-              <a:t> </a:t>
-            </a:r>
-            <a:r>
-              <a:rPr lang="en-US" dirty="0"/>
-              <a:t>(</a:t>
-            </a:r>
-            <a:r>
-              <a:rPr lang="en-US" dirty="0" smtClean="0"/>
-              <a:t>asynchronous </a:t>
-            </a:r>
-            <a:r>
-              <a:rPr lang="en-US" dirty="0"/>
-              <a:t>version of </a:t>
-            </a:r>
-            <a:r>
-              <a:rPr lang="en-US" dirty="0" err="1" smtClean="0">
-                <a:latin typeface="Consolas" panose="020B0609020204030204" pitchFamily="49" charset="0"/>
-                <a:cs typeface="Consolas" panose="020B0609020204030204" pitchFamily="49" charset="0"/>
-              </a:rPr>
-              <a:t>dataseq_execution_policy</a:t>
-            </a:r>
-            <a:r>
-              <a:rPr lang="en-US" dirty="0" smtClean="0"/>
-              <a:t>), generated with 	</a:t>
-            </a:r>
-            <a:r>
-              <a:rPr lang="en-US" dirty="0" err="1" smtClean="0">
-                <a:latin typeface="Consolas" panose="020B0609020204030204" pitchFamily="49" charset="0"/>
-                <a:cs typeface="Consolas" panose="020B0609020204030204" pitchFamily="49" charset="0"/>
-              </a:rPr>
-              <a:t>dataseq</a:t>
-            </a:r>
-            <a:r>
-              <a:rPr lang="en-US" dirty="0" smtClean="0">
-                <a:latin typeface="Consolas" panose="020B0609020204030204" pitchFamily="49" charset="0"/>
-                <a:cs typeface="Consolas" panose="020B0609020204030204" pitchFamily="49" charset="0"/>
-              </a:rPr>
-              <a:t>, </a:t>
-            </a:r>
-            <a:r>
-              <a:rPr lang="en-US" dirty="0" err="1" smtClean="0">
-                <a:latin typeface="Consolas" panose="020B0609020204030204" pitchFamily="49" charset="0"/>
-                <a:cs typeface="Consolas" panose="020B0609020204030204" pitchFamily="49" charset="0"/>
-              </a:rPr>
-              <a:t>dataseq</a:t>
-            </a:r>
-            <a:r>
-              <a:rPr lang="en-US" dirty="0" smtClean="0">
-                <a:latin typeface="Consolas" panose="020B0609020204030204" pitchFamily="49" charset="0"/>
-                <a:cs typeface="Consolas" panose="020B0609020204030204" pitchFamily="49" charset="0"/>
-              </a:rPr>
-              <a:t>(task)</a:t>
-            </a:r>
-            <a:endParaRPr lang="en-US" dirty="0">
-              <a:latin typeface="Consolas" panose="020B0609020204030204" pitchFamily="49" charset="0"/>
-              <a:cs typeface="Consolas" panose="020B0609020204030204" pitchFamily="49" charset="0"/>
-            </a:endParaRPr>
-          </a:p>
-          <a:p>
-            <a:pPr marL="274320" lvl="1" indent="0">
-              <a:buNone/>
-            </a:pPr>
-            <a:endParaRPr lang="en-US" dirty="0" smtClean="0"/>
-          </a:p>
-          <a:p>
-            <a:pPr marL="274320" lvl="1" indent="0">
-              <a:buNone/>
-            </a:pPr>
-            <a:endParaRPr lang="en-US" dirty="0" smtClean="0"/>
-          </a:p>
-          <a:p>
-            <a:pPr lvl="1"/>
-            <a:r>
-              <a:rPr lang="en-US" dirty="0" smtClean="0"/>
-              <a:t>Instruct the algorithm to apply certain transformations to used data types allowing for vectorization of code</a:t>
-            </a:r>
-          </a:p>
-          <a:p>
-            <a:pPr lvl="2"/>
-            <a:r>
-              <a:rPr lang="en-US" dirty="0" smtClean="0"/>
-              <a:t>Requires external library: currently </a:t>
-            </a:r>
-            <a:r>
-              <a:rPr lang="en-US" dirty="0" err="1" smtClean="0"/>
-              <a:t>Vc</a:t>
-            </a:r>
-            <a:r>
-              <a:rPr lang="en-US" dirty="0" smtClean="0"/>
-              <a:t> </a:t>
-            </a:r>
-            <a:r>
-              <a:rPr lang="en-US" dirty="0"/>
-              <a:t>(</a:t>
-            </a:r>
-            <a:r>
-              <a:rPr lang="en-US" dirty="0">
-                <a:hlinkClick r:id="rId2"/>
-              </a:rPr>
-              <a:t>https://github.com/VcDevel/Vc</a:t>
-            </a:r>
-            <a:r>
-              <a:rPr lang="en-US" dirty="0" smtClean="0"/>
-              <a:t>), possibly </a:t>
-            </a:r>
-            <a:r>
-              <a:rPr lang="en-US" dirty="0" err="1" smtClean="0"/>
-              <a:t>Boost.SIMD</a:t>
-            </a:r>
-            <a:endParaRPr lang="en-US" dirty="0" smtClean="0"/>
-          </a:p>
-          <a:p>
-            <a:pPr lvl="2"/>
-            <a:r>
-              <a:rPr lang="en-US" dirty="0" smtClean="0"/>
-              <a:t>Requires use of generic lambdas (C++14) or polymorphic function objects</a:t>
-            </a:r>
-          </a:p>
-          <a:p>
-            <a:pPr lvl="1"/>
-            <a:endParaRPr lang="en-US" dirty="0" smtClean="0"/>
-          </a:p>
-          <a:p>
-            <a:pPr lvl="1"/>
-            <a:endParaRPr lang="en-US" dirty="0"/>
-          </a:p>
-          <a:p>
-            <a:pPr marL="0" indent="0">
-              <a:buNone/>
-            </a:pPr>
-            <a:endParaRPr lang="en-US" dirty="0"/>
+              <a:t>Extending Parallel Algorithms</a:t>
+            </a:r>
           </a:p>
         </p:txBody>
       </p:sp>
@@ -11665,7 +11401,7 @@
           <a:p>
             <a:r>
               <a:rPr lang="en-US" smtClean="0"/>
-              <a:t>10/17/2016</a:t>
+              <a:t>10/18/2016</a:t>
             </a:r>
             <a:endParaRPr lang="en-US"/>
           </a:p>
@@ -11688,9 +11424,9 @@
           <a:p>
             <a:r>
               <a:rPr lang="en-US" smtClean="0"/>
-              <a:t>Companions Left Behind, Hartmut Kaiser, Berkeley C++ Summit</a:t>
-            </a:r>
-            <a:endParaRPr lang="en-US"/>
+              <a:t>HPX Workshop (Berkeley C++ Summit) - 3,            Hartmut Kaiser (hkaiser@cct.lsu.edu)</a:t>
+            </a:r>
+            <a:endParaRPr lang="en-US" dirty="0"/>
           </a:p>
         </p:txBody>
       </p:sp>
@@ -11711,18 +11447,439 @@
           </a:bodyPr>
           <a:lstStyle/>
           <a:p>
-            <a:fld id="{65339F38-439B-42BE-A6DB-D203DE66964E}" type="slidenum">
+            <a:fld id="{D59BBAD0-7158-41E2-BB8D-15D14837C8C5}" type="slidenum">
               <a:rPr lang="en-US" smtClean="0"/>
               <a:t>16</a:t>
             </a:fld>
             <a:endParaRPr lang="en-US"/>
+          </a:p>
+        </p:txBody>
+      </p:sp>
+      <p:pic>
+        <p:nvPicPr>
+          <p:cNvPr id="7" name="Picture 6"/>
+          <p:cNvPicPr>
+            <a:picLocks noChangeAspect="1"/>
+          </p:cNvPicPr>
+          <p:nvPr/>
+        </p:nvPicPr>
+        <p:blipFill rotWithShape="1">
+          <a:blip r:embed="rId2"/>
+          <a:srcRect b="2839"/>
+          <a:stretch/>
+        </p:blipFill>
+        <p:spPr>
+          <a:xfrm>
+            <a:off x="2058956" y="2260838"/>
+            <a:ext cx="1971675" cy="3405670"/>
+          </a:xfrm>
+          <a:prstGeom prst="rect">
+            <a:avLst/>
+          </a:prstGeom>
+          <a:ln w="28575">
+            <a:solidFill>
+              <a:schemeClr val="accent1">
+                <a:lumMod val="75000"/>
+              </a:schemeClr>
+            </a:solidFill>
+          </a:ln>
+        </p:spPr>
+      </p:pic>
+      <p:grpSp>
+        <p:nvGrpSpPr>
+          <p:cNvPr id="38" name="Group 37"/>
+          <p:cNvGrpSpPr/>
+          <p:nvPr/>
+        </p:nvGrpSpPr>
+        <p:grpSpPr>
+          <a:xfrm>
+            <a:off x="4568822" y="2258290"/>
+            <a:ext cx="2752725" cy="3397827"/>
+            <a:chOff x="4187880" y="2265218"/>
+            <a:chExt cx="2752725" cy="3397827"/>
+          </a:xfrm>
+        </p:grpSpPr>
+        <p:pic>
+          <p:nvPicPr>
+            <p:cNvPr id="8" name="Picture 7"/>
+            <p:cNvPicPr>
+              <a:picLocks noChangeAspect="1"/>
+            </p:cNvPicPr>
+            <p:nvPr/>
+          </p:nvPicPr>
+          <p:blipFill rotWithShape="1">
+            <a:blip r:embed="rId3"/>
+            <a:srcRect t="1888" b="4971"/>
+            <a:stretch/>
+          </p:blipFill>
+          <p:spPr>
+            <a:xfrm>
+              <a:off x="4187880" y="2265218"/>
+              <a:ext cx="2752725" cy="3397827"/>
+            </a:xfrm>
+            <a:prstGeom prst="rect">
+              <a:avLst/>
+            </a:prstGeom>
+            <a:ln w="28575">
+              <a:solidFill>
+                <a:schemeClr val="accent1">
+                  <a:lumMod val="75000"/>
+                </a:schemeClr>
+              </a:solidFill>
+            </a:ln>
+          </p:spPr>
+        </p:pic>
+        <p:cxnSp>
+          <p:nvCxnSpPr>
+            <p:cNvPr id="11" name="Curved Connector 10"/>
+            <p:cNvCxnSpPr/>
+            <p:nvPr/>
+          </p:nvCxnSpPr>
+          <p:spPr>
+            <a:xfrm>
+              <a:off x="5444836" y="2909455"/>
+              <a:ext cx="810491" cy="696191"/>
+            </a:xfrm>
+            <a:prstGeom prst="curvedConnector3">
+              <a:avLst>
+                <a:gd name="adj1" fmla="val 100000"/>
+              </a:avLst>
+            </a:prstGeom>
+            <a:ln w="19050">
+              <a:solidFill>
+                <a:srgbClr val="002060"/>
+              </a:solidFill>
+              <a:tailEnd type="triangle"/>
+            </a:ln>
+          </p:spPr>
+          <p:style>
+            <a:lnRef idx="1">
+              <a:schemeClr val="accent1"/>
+            </a:lnRef>
+            <a:fillRef idx="0">
+              <a:schemeClr val="accent1"/>
+            </a:fillRef>
+            <a:effectRef idx="0">
+              <a:schemeClr val="accent1"/>
+            </a:effectRef>
+            <a:fontRef idx="minor">
+              <a:schemeClr val="tx1"/>
+            </a:fontRef>
+          </p:style>
+        </p:cxnSp>
+        <p:cxnSp>
+          <p:nvCxnSpPr>
+            <p:cNvPr id="16" name="Curved Connector 15"/>
+            <p:cNvCxnSpPr/>
+            <p:nvPr/>
+          </p:nvCxnSpPr>
+          <p:spPr>
+            <a:xfrm flipV="1">
+              <a:off x="5448300" y="4199658"/>
+              <a:ext cx="807027" cy="746415"/>
+            </a:xfrm>
+            <a:prstGeom prst="curvedConnector3">
+              <a:avLst>
+                <a:gd name="adj1" fmla="val 98927"/>
+              </a:avLst>
+            </a:prstGeom>
+            <a:ln w="19050">
+              <a:solidFill>
+                <a:srgbClr val="002060"/>
+              </a:solidFill>
+              <a:tailEnd type="triangle"/>
+            </a:ln>
+          </p:spPr>
+          <p:style>
+            <a:lnRef idx="1">
+              <a:schemeClr val="accent1"/>
+            </a:lnRef>
+            <a:fillRef idx="0">
+              <a:schemeClr val="accent1"/>
+            </a:fillRef>
+            <a:effectRef idx="0">
+              <a:schemeClr val="accent1"/>
+            </a:effectRef>
+            <a:fontRef idx="minor">
+              <a:schemeClr val="tx1"/>
+            </a:fontRef>
+          </p:style>
+        </p:cxnSp>
+        <p:cxnSp>
+          <p:nvCxnSpPr>
+            <p:cNvPr id="29" name="Straight Arrow Connector 28"/>
+            <p:cNvCxnSpPr/>
+            <p:nvPr/>
+          </p:nvCxnSpPr>
+          <p:spPr>
+            <a:xfrm flipV="1">
+              <a:off x="4930771" y="2774374"/>
+              <a:ext cx="1" cy="976744"/>
+            </a:xfrm>
+            <a:prstGeom prst="straightConnector1">
+              <a:avLst/>
+            </a:prstGeom>
+            <a:ln w="19050">
+              <a:solidFill>
+                <a:srgbClr val="002060"/>
+              </a:solidFill>
+              <a:tailEnd type="triangle"/>
+            </a:ln>
+          </p:spPr>
+          <p:style>
+            <a:lnRef idx="1">
+              <a:schemeClr val="accent1"/>
+            </a:lnRef>
+            <a:fillRef idx="0">
+              <a:schemeClr val="accent1"/>
+            </a:fillRef>
+            <a:effectRef idx="0">
+              <a:schemeClr val="accent1"/>
+            </a:effectRef>
+            <a:fontRef idx="minor">
+              <a:schemeClr val="tx1"/>
+            </a:fontRef>
+          </p:style>
+        </p:cxnSp>
+        <p:cxnSp>
+          <p:nvCxnSpPr>
+            <p:cNvPr id="35" name="Straight Arrow Connector 34"/>
+            <p:cNvCxnSpPr/>
+            <p:nvPr/>
+          </p:nvCxnSpPr>
+          <p:spPr>
+            <a:xfrm>
+              <a:off x="4930771" y="4001774"/>
+              <a:ext cx="0" cy="975472"/>
+            </a:xfrm>
+            <a:prstGeom prst="straightConnector1">
+              <a:avLst/>
+            </a:prstGeom>
+            <a:ln w="19050">
+              <a:solidFill>
+                <a:srgbClr val="002060"/>
+              </a:solidFill>
+              <a:tailEnd type="triangle"/>
+            </a:ln>
+          </p:spPr>
+          <p:style>
+            <a:lnRef idx="1">
+              <a:schemeClr val="accent1"/>
+            </a:lnRef>
+            <a:fillRef idx="0">
+              <a:schemeClr val="accent1"/>
+            </a:fillRef>
+            <a:effectRef idx="0">
+              <a:schemeClr val="accent1"/>
+            </a:effectRef>
+            <a:fontRef idx="minor">
+              <a:schemeClr val="tx1"/>
+            </a:fontRef>
+          </p:style>
+        </p:cxnSp>
+      </p:grpSp>
+      <p:pic>
+        <p:nvPicPr>
+          <p:cNvPr id="9" name="Picture 8"/>
+          <p:cNvPicPr>
+            <a:picLocks noChangeAspect="1"/>
+          </p:cNvPicPr>
+          <p:nvPr/>
+        </p:nvPicPr>
+        <p:blipFill rotWithShape="1">
+          <a:blip r:embed="rId4"/>
+          <a:srcRect t="1701" b="3076"/>
+          <a:stretch/>
+        </p:blipFill>
+        <p:spPr>
+          <a:xfrm>
+            <a:off x="7866785" y="2247900"/>
+            <a:ext cx="2295525" cy="3408218"/>
+          </a:xfrm>
+          <a:prstGeom prst="rect">
+            <a:avLst/>
+          </a:prstGeom>
+          <a:ln w="28575">
+            <a:solidFill>
+              <a:schemeClr val="accent1">
+                <a:lumMod val="75000"/>
+              </a:schemeClr>
+            </a:solidFill>
+          </a:ln>
+        </p:spPr>
+      </p:pic>
+      <p:grpSp>
+        <p:nvGrpSpPr>
+          <p:cNvPr id="13" name="Group 12"/>
+          <p:cNvGrpSpPr/>
+          <p:nvPr/>
+        </p:nvGrpSpPr>
+        <p:grpSpPr>
+          <a:xfrm>
+            <a:off x="2216796" y="3739045"/>
+            <a:ext cx="7664957" cy="13854"/>
+            <a:chOff x="2216796" y="3739045"/>
+            <a:chExt cx="7664957" cy="13854"/>
+          </a:xfrm>
+        </p:grpSpPr>
+        <p:grpSp>
+          <p:nvGrpSpPr>
+            <p:cNvPr id="12" name="Group 11"/>
+            <p:cNvGrpSpPr/>
+            <p:nvPr/>
+          </p:nvGrpSpPr>
+          <p:grpSpPr>
+            <a:xfrm>
+              <a:off x="4880200" y="3739045"/>
+              <a:ext cx="5001553" cy="13854"/>
+              <a:chOff x="4880200" y="3739045"/>
+              <a:chExt cx="5001553" cy="13854"/>
+            </a:xfrm>
+          </p:grpSpPr>
+          <p:cxnSp>
+            <p:nvCxnSpPr>
+              <p:cNvPr id="40" name="Straight Connector 39"/>
+              <p:cNvCxnSpPr/>
+              <p:nvPr/>
+            </p:nvCxnSpPr>
+            <p:spPr>
+              <a:xfrm flipV="1">
+                <a:off x="8125689" y="3739045"/>
+                <a:ext cx="1756064" cy="3464"/>
+              </a:xfrm>
+              <a:prstGeom prst="line">
+                <a:avLst/>
+              </a:prstGeom>
+              <a:ln w="57150">
+                <a:solidFill>
+                  <a:srgbClr val="C00000"/>
+                </a:solidFill>
+                <a:prstDash val="dash"/>
+              </a:ln>
+            </p:spPr>
+            <p:style>
+              <a:lnRef idx="1">
+                <a:schemeClr val="accent1"/>
+              </a:lnRef>
+              <a:fillRef idx="0">
+                <a:schemeClr val="accent1"/>
+              </a:fillRef>
+              <a:effectRef idx="0">
+                <a:schemeClr val="accent1"/>
+              </a:effectRef>
+              <a:fontRef idx="minor">
+                <a:schemeClr val="tx1"/>
+              </a:fontRef>
+            </p:style>
+          </p:cxnSp>
+          <p:cxnSp>
+            <p:nvCxnSpPr>
+              <p:cNvPr id="15" name="Straight Connector 14"/>
+              <p:cNvCxnSpPr/>
+              <p:nvPr/>
+            </p:nvCxnSpPr>
+            <p:spPr>
+              <a:xfrm flipV="1">
+                <a:off x="4880200" y="3742509"/>
+                <a:ext cx="2216886" cy="10390"/>
+              </a:xfrm>
+              <a:prstGeom prst="line">
+                <a:avLst/>
+              </a:prstGeom>
+              <a:ln w="57150">
+                <a:solidFill>
+                  <a:srgbClr val="C00000"/>
+                </a:solidFill>
+                <a:prstDash val="dash"/>
+              </a:ln>
+            </p:spPr>
+            <p:style>
+              <a:lnRef idx="1">
+                <a:schemeClr val="accent1"/>
+              </a:lnRef>
+              <a:fillRef idx="0">
+                <a:schemeClr val="accent1"/>
+              </a:fillRef>
+              <a:effectRef idx="0">
+                <a:schemeClr val="accent1"/>
+              </a:effectRef>
+              <a:fontRef idx="minor">
+                <a:schemeClr val="tx1"/>
+              </a:fontRef>
+            </p:style>
+          </p:cxnSp>
+        </p:grpSp>
+        <p:cxnSp>
+          <p:nvCxnSpPr>
+            <p:cNvPr id="19" name="Straight Connector 18"/>
+            <p:cNvCxnSpPr/>
+            <p:nvPr/>
+          </p:nvCxnSpPr>
+          <p:spPr>
+            <a:xfrm flipV="1">
+              <a:off x="2216796" y="3747704"/>
+              <a:ext cx="1756064" cy="3464"/>
+            </a:xfrm>
+            <a:prstGeom prst="line">
+              <a:avLst/>
+            </a:prstGeom>
+            <a:ln w="57150">
+              <a:solidFill>
+                <a:srgbClr val="C00000"/>
+              </a:solidFill>
+              <a:prstDash val="dash"/>
+            </a:ln>
+          </p:spPr>
+          <p:style>
+            <a:lnRef idx="1">
+              <a:schemeClr val="accent1"/>
+            </a:lnRef>
+            <a:fillRef idx="0">
+              <a:schemeClr val="accent1"/>
+            </a:fillRef>
+            <a:effectRef idx="0">
+              <a:schemeClr val="accent1"/>
+            </a:effectRef>
+            <a:fontRef idx="minor">
+              <a:schemeClr val="tx1"/>
+            </a:fontRef>
+          </p:style>
+        </p:cxnSp>
+      </p:grpSp>
+      <p:sp>
+        <p:nvSpPr>
+          <p:cNvPr id="3" name="TextBox 2"/>
+          <p:cNvSpPr txBox="1"/>
+          <p:nvPr/>
+        </p:nvSpPr>
+        <p:spPr>
+          <a:xfrm>
+            <a:off x="7478744" y="6028030"/>
+            <a:ext cx="3634328" cy="276999"/>
+          </a:xfrm>
+          <a:prstGeom prst="rect">
+            <a:avLst/>
+          </a:prstGeom>
+          <a:noFill/>
+        </p:spPr>
+        <p:txBody>
+          <a:bodyPr wrap="none" rtlCol="0">
+            <a:spAutoFit/>
+          </a:bodyPr>
+          <a:lstStyle/>
+          <a:p>
+            <a:r>
+              <a:rPr lang="en-US" sz="1200" dirty="0" smtClean="0"/>
+              <a:t>Sean Parent: C++ Seasoning, Going Native 2013</a:t>
+            </a:r>
+            <a:endParaRPr lang="en-US" sz="1200" dirty="0"/>
           </a:p>
         </p:txBody>
       </p:sp>
     </p:spTree>
     <p:extLst>
       <p:ext uri="{BB962C8B-B14F-4D97-AF65-F5344CB8AC3E}">
-        <p14:creationId xmlns:p14="http://schemas.microsoft.com/office/powerpoint/2010/main" val="3357743156"/>
+        <p14:creationId xmlns:p14="http://schemas.microsoft.com/office/powerpoint/2010/main" val="1926288744"/>
       </p:ext>
     </p:extLst>
   </p:cSld>
@@ -11732,7 +11889,303 @@
   <p:timing>
     <p:tnLst>
       <p:par>
-        <p:cTn id="1" dur="indefinite" restart="never" nodeType="tmRoot"/>
+        <p:cTn id="1" dur="indefinite" restart="never" nodeType="tmRoot">
+          <p:childTnLst>
+            <p:seq concurrent="1" nextAc="seek">
+              <p:cTn id="2" dur="indefinite" nodeType="mainSeq">
+                <p:childTnLst>
+                  <p:par>
+                    <p:cTn id="3" fill="hold">
+                      <p:stCondLst>
+                        <p:cond delay="indefinite"/>
+                      </p:stCondLst>
+                      <p:childTnLst>
+                        <p:par>
+                          <p:cTn id="4" fill="hold">
+                            <p:stCondLst>
+                              <p:cond delay="0"/>
+                            </p:stCondLst>
+                            <p:childTnLst>
+                              <p:par>
+                                <p:cTn id="5" presetID="2" presetClass="entr" presetSubtype="8" fill="hold" nodeType="clickEffect">
+                                  <p:stCondLst>
+                                    <p:cond delay="0"/>
+                                  </p:stCondLst>
+                                  <p:childTnLst>
+                                    <p:set>
+                                      <p:cBhvr>
+                                        <p:cTn id="6" dur="1" fill="hold">
+                                          <p:stCondLst>
+                                            <p:cond delay="0"/>
+                                          </p:stCondLst>
+                                        </p:cTn>
+                                        <p:tgtEl>
+                                          <p:spTgt spid="38"/>
+                                        </p:tgtEl>
+                                        <p:attrNameLst>
+                                          <p:attrName>style.visibility</p:attrName>
+                                        </p:attrNameLst>
+                                      </p:cBhvr>
+                                      <p:to>
+                                        <p:strVal val="visible"/>
+                                      </p:to>
+                                    </p:set>
+                                    <p:anim calcmode="lin" valueType="num">
+                                      <p:cBhvr additive="base">
+                                        <p:cTn id="7" dur="500" fill="hold"/>
+                                        <p:tgtEl>
+                                          <p:spTgt spid="38"/>
+                                        </p:tgtEl>
+                                        <p:attrNameLst>
+                                          <p:attrName>ppt_x</p:attrName>
+                                        </p:attrNameLst>
+                                      </p:cBhvr>
+                                      <p:tavLst>
+                                        <p:tav tm="0">
+                                          <p:val>
+                                            <p:strVal val="0-#ppt_w/2"/>
+                                          </p:val>
+                                        </p:tav>
+                                        <p:tav tm="100000">
+                                          <p:val>
+                                            <p:strVal val="#ppt_x"/>
+                                          </p:val>
+                                        </p:tav>
+                                      </p:tavLst>
+                                    </p:anim>
+                                    <p:anim calcmode="lin" valueType="num">
+                                      <p:cBhvr additive="base">
+                                        <p:cTn id="8" dur="500" fill="hold"/>
+                                        <p:tgtEl>
+                                          <p:spTgt spid="38"/>
+                                        </p:tgtEl>
+                                        <p:attrNameLst>
+                                          <p:attrName>ppt_y</p:attrName>
+                                        </p:attrNameLst>
+                                      </p:cBhvr>
+                                      <p:tavLst>
+                                        <p:tav tm="0">
+                                          <p:val>
+                                            <p:strVal val="#ppt_y"/>
+                                          </p:val>
+                                        </p:tav>
+                                        <p:tav tm="100000">
+                                          <p:val>
+                                            <p:strVal val="#ppt_y"/>
+                                          </p:val>
+                                        </p:tav>
+                                      </p:tavLst>
+                                    </p:anim>
+                                  </p:childTnLst>
+                                </p:cTn>
+                              </p:par>
+                            </p:childTnLst>
+                          </p:cTn>
+                        </p:par>
+                      </p:childTnLst>
+                    </p:cTn>
+                  </p:par>
+                  <p:par>
+                    <p:cTn id="9" fill="hold">
+                      <p:stCondLst>
+                        <p:cond delay="indefinite"/>
+                      </p:stCondLst>
+                      <p:childTnLst>
+                        <p:par>
+                          <p:cTn id="10" fill="hold">
+                            <p:stCondLst>
+                              <p:cond delay="0"/>
+                            </p:stCondLst>
+                            <p:childTnLst>
+                              <p:par>
+                                <p:cTn id="11" presetID="2" presetClass="entr" presetSubtype="8" fill="hold" nodeType="clickEffect">
+                                  <p:stCondLst>
+                                    <p:cond delay="0"/>
+                                  </p:stCondLst>
+                                  <p:childTnLst>
+                                    <p:set>
+                                      <p:cBhvr>
+                                        <p:cTn id="12" dur="1" fill="hold">
+                                          <p:stCondLst>
+                                            <p:cond delay="0"/>
+                                          </p:stCondLst>
+                                        </p:cTn>
+                                        <p:tgtEl>
+                                          <p:spTgt spid="9"/>
+                                        </p:tgtEl>
+                                        <p:attrNameLst>
+                                          <p:attrName>style.visibility</p:attrName>
+                                        </p:attrNameLst>
+                                      </p:cBhvr>
+                                      <p:to>
+                                        <p:strVal val="visible"/>
+                                      </p:to>
+                                    </p:set>
+                                    <p:anim calcmode="lin" valueType="num">
+                                      <p:cBhvr additive="base">
+                                        <p:cTn id="13" dur="500" fill="hold"/>
+                                        <p:tgtEl>
+                                          <p:spTgt spid="9"/>
+                                        </p:tgtEl>
+                                        <p:attrNameLst>
+                                          <p:attrName>ppt_x</p:attrName>
+                                        </p:attrNameLst>
+                                      </p:cBhvr>
+                                      <p:tavLst>
+                                        <p:tav tm="0">
+                                          <p:val>
+                                            <p:strVal val="0-#ppt_w/2"/>
+                                          </p:val>
+                                        </p:tav>
+                                        <p:tav tm="100000">
+                                          <p:val>
+                                            <p:strVal val="#ppt_x"/>
+                                          </p:val>
+                                        </p:tav>
+                                      </p:tavLst>
+                                    </p:anim>
+                                    <p:anim calcmode="lin" valueType="num">
+                                      <p:cBhvr additive="base">
+                                        <p:cTn id="14" dur="500" fill="hold"/>
+                                        <p:tgtEl>
+                                          <p:spTgt spid="9"/>
+                                        </p:tgtEl>
+                                        <p:attrNameLst>
+                                          <p:attrName>ppt_y</p:attrName>
+                                        </p:attrNameLst>
+                                      </p:cBhvr>
+                                      <p:tavLst>
+                                        <p:tav tm="0">
+                                          <p:val>
+                                            <p:strVal val="#ppt_y"/>
+                                          </p:val>
+                                        </p:tav>
+                                        <p:tav tm="100000">
+                                          <p:val>
+                                            <p:strVal val="#ppt_y"/>
+                                          </p:val>
+                                        </p:tav>
+                                      </p:tavLst>
+                                    </p:anim>
+                                  </p:childTnLst>
+                                </p:cTn>
+                              </p:par>
+                            </p:childTnLst>
+                          </p:cTn>
+                        </p:par>
+                      </p:childTnLst>
+                    </p:cTn>
+                  </p:par>
+                  <p:par>
+                    <p:cTn id="15" fill="hold">
+                      <p:stCondLst>
+                        <p:cond delay="indefinite"/>
+                      </p:stCondLst>
+                      <p:childTnLst>
+                        <p:par>
+                          <p:cTn id="16" fill="hold">
+                            <p:stCondLst>
+                              <p:cond delay="0"/>
+                            </p:stCondLst>
+                            <p:childTnLst>
+                              <p:par>
+                                <p:cTn id="17" presetID="2" presetClass="entr" presetSubtype="8" fill="hold" nodeType="clickEffect">
+                                  <p:stCondLst>
+                                    <p:cond delay="0"/>
+                                  </p:stCondLst>
+                                  <p:childTnLst>
+                                    <p:set>
+                                      <p:cBhvr>
+                                        <p:cTn id="18" dur="1" fill="hold">
+                                          <p:stCondLst>
+                                            <p:cond delay="0"/>
+                                          </p:stCondLst>
+                                        </p:cTn>
+                                        <p:tgtEl>
+                                          <p:spTgt spid="13"/>
+                                        </p:tgtEl>
+                                        <p:attrNameLst>
+                                          <p:attrName>style.visibility</p:attrName>
+                                        </p:attrNameLst>
+                                      </p:cBhvr>
+                                      <p:to>
+                                        <p:strVal val="visible"/>
+                                      </p:to>
+                                    </p:set>
+                                    <p:anim calcmode="lin" valueType="num">
+                                      <p:cBhvr additive="base">
+                                        <p:cTn id="19" dur="500" fill="hold"/>
+                                        <p:tgtEl>
+                                          <p:spTgt spid="13"/>
+                                        </p:tgtEl>
+                                        <p:attrNameLst>
+                                          <p:attrName>ppt_x</p:attrName>
+                                        </p:attrNameLst>
+                                      </p:cBhvr>
+                                      <p:tavLst>
+                                        <p:tav tm="0">
+                                          <p:val>
+                                            <p:strVal val="0-#ppt_w/2"/>
+                                          </p:val>
+                                        </p:tav>
+                                        <p:tav tm="100000">
+                                          <p:val>
+                                            <p:strVal val="#ppt_x"/>
+                                          </p:val>
+                                        </p:tav>
+                                      </p:tavLst>
+                                    </p:anim>
+                                    <p:anim calcmode="lin" valueType="num">
+                                      <p:cBhvr additive="base">
+                                        <p:cTn id="20" dur="500" fill="hold"/>
+                                        <p:tgtEl>
+                                          <p:spTgt spid="13"/>
+                                        </p:tgtEl>
+                                        <p:attrNameLst>
+                                          <p:attrName>ppt_y</p:attrName>
+                                        </p:attrNameLst>
+                                      </p:cBhvr>
+                                      <p:tavLst>
+                                        <p:tav tm="0">
+                                          <p:val>
+                                            <p:strVal val="#ppt_y"/>
+                                          </p:val>
+                                        </p:tav>
+                                        <p:tav tm="100000">
+                                          <p:val>
+                                            <p:strVal val="#ppt_y"/>
+                                          </p:val>
+                                        </p:tav>
+                                      </p:tavLst>
+                                    </p:anim>
+                                  </p:childTnLst>
+                                </p:cTn>
+                              </p:par>
+                            </p:childTnLst>
+                          </p:cTn>
+                        </p:par>
+                      </p:childTnLst>
+                    </p:cTn>
+                  </p:par>
+                </p:childTnLst>
+              </p:cTn>
+              <p:prevCondLst>
+                <p:cond evt="onPrev" delay="0">
+                  <p:tgtEl>
+                    <p:sldTgt/>
+                  </p:tgtEl>
+                </p:cond>
+              </p:prevCondLst>
+              <p:nextCondLst>
+                <p:cond evt="onNext" delay="0">
+                  <p:tgtEl>
+                    <p:sldTgt/>
+                  </p:tgtEl>
+                </p:cond>
+              </p:nextCondLst>
+            </p:seq>
+          </p:childTnLst>
+        </p:cTn>
       </p:par>
     </p:tnLst>
   </p:timing>
@@ -11758,7 +12211,45 @@
       </p:grpSpPr>
       <p:sp>
         <p:nvSpPr>
-          <p:cNvPr id="8" name="Title 7"/>
+          <p:cNvPr id="7" name="Rectangle 6"/>
+          <p:cNvSpPr/>
+          <p:nvPr/>
+        </p:nvSpPr>
+        <p:spPr>
+          <a:xfrm>
+            <a:off x="800100" y="2286000"/>
+            <a:ext cx="10485120" cy="2514599"/>
+          </a:xfrm>
+          <a:prstGeom prst="rect">
+            <a:avLst/>
+          </a:prstGeom>
+        </p:spPr>
+        <p:style>
+          <a:lnRef idx="1">
+            <a:schemeClr val="accent1"/>
+          </a:lnRef>
+          <a:fillRef idx="2">
+            <a:schemeClr val="accent1"/>
+          </a:fillRef>
+          <a:effectRef idx="1">
+            <a:schemeClr val="accent1"/>
+          </a:effectRef>
+          <a:fontRef idx="minor">
+            <a:schemeClr val="dk1"/>
+          </a:fontRef>
+        </p:style>
+        <p:txBody>
+          <a:bodyPr rtlCol="0" anchor="ctr"/>
+          <a:lstStyle/>
+          <a:p>
+            <a:pPr algn="ctr"/>
+            <a:endParaRPr lang="en-US"/>
+          </a:p>
+        </p:txBody>
+      </p:sp>
+      <p:sp>
+        <p:nvSpPr>
+          <p:cNvPr id="2" name="Title 1"/>
           <p:cNvSpPr>
             <a:spLocks noGrp="1"/>
           </p:cNvSpPr>
@@ -11772,8 +12263,8 @@
           <a:lstStyle/>
           <a:p>
             <a:r>
-              <a:rPr lang="en-US" dirty="0" smtClean="0"/>
-              <a:t>Executors</a:t>
+              <a:rPr lang="en-US" smtClean="0"/>
+              <a:t>Extending Parallel Algorithms</a:t>
             </a:r>
             <a:endParaRPr lang="en-US" dirty="0"/>
           </a:p>
@@ -11781,26 +12272,577 @@
       </p:sp>
       <p:sp>
         <p:nvSpPr>
-          <p:cNvPr id="9" name="Text Placeholder 8"/>
+          <p:cNvPr id="3" name="Content Placeholder 2"/>
           <p:cNvSpPr>
             <a:spLocks noGrp="1"/>
           </p:cNvSpPr>
           <p:nvPr>
-            <p:ph type="body" idx="1"/>
+            <p:ph idx="1"/>
           </p:nvPr>
         </p:nvSpPr>
-        <p:spPr/>
+        <p:spPr>
+          <a:xfrm>
+            <a:off x="1261871" y="1828800"/>
+            <a:ext cx="10146357" cy="4351337"/>
+          </a:xfrm>
+        </p:spPr>
         <p:txBody>
           <a:bodyPr/>
           <a:lstStyle/>
           <a:p>
-            <a:endParaRPr lang="en-US"/>
+            <a:r>
+              <a:rPr lang="en-US" dirty="0" smtClean="0"/>
+              <a:t>New algorithm: gather</a:t>
+            </a:r>
+          </a:p>
+          <a:p>
+            <a:pPr lvl="2"/>
+            <a:endParaRPr lang="en-US" sz="1200" dirty="0" smtClean="0"/>
+          </a:p>
+          <a:p>
+            <a:pPr marL="227013" lvl="2" indent="0">
+              <a:buNone/>
+            </a:pPr>
+            <a:r>
+              <a:rPr lang="en-US" dirty="0" smtClean="0">
+                <a:solidFill>
+                  <a:schemeClr val="tx1"/>
+                </a:solidFill>
+                <a:latin typeface="Consolas" panose="020B0609020204030204" pitchFamily="49" charset="0"/>
+                <a:cs typeface="Consolas" panose="020B0609020204030204" pitchFamily="49" charset="0"/>
+              </a:rPr>
+              <a:t>template </a:t>
+            </a:r>
+            <a:r>
+              <a:rPr lang="en-US" dirty="0">
+                <a:solidFill>
+                  <a:schemeClr val="tx1"/>
+                </a:solidFill>
+                <a:latin typeface="Consolas" panose="020B0609020204030204" pitchFamily="49" charset="0"/>
+                <a:cs typeface="Consolas" panose="020B0609020204030204" pitchFamily="49" charset="0"/>
+              </a:rPr>
+              <a:t>&lt;</a:t>
+            </a:r>
+            <a:r>
+              <a:rPr lang="en-US" dirty="0" err="1">
+                <a:solidFill>
+                  <a:schemeClr val="tx1"/>
+                </a:solidFill>
+                <a:latin typeface="Consolas" panose="020B0609020204030204" pitchFamily="49" charset="0"/>
+                <a:cs typeface="Consolas" panose="020B0609020204030204" pitchFamily="49" charset="0"/>
+              </a:rPr>
+              <a:t>typename</a:t>
+            </a:r>
+            <a:r>
+              <a:rPr lang="en-US" dirty="0">
+                <a:solidFill>
+                  <a:schemeClr val="tx1"/>
+                </a:solidFill>
+                <a:latin typeface="Consolas" panose="020B0609020204030204" pitchFamily="49" charset="0"/>
+                <a:cs typeface="Consolas" panose="020B0609020204030204" pitchFamily="49" charset="0"/>
+              </a:rPr>
+              <a:t> </a:t>
+            </a:r>
+            <a:r>
+              <a:rPr lang="en-US" dirty="0" err="1">
+                <a:solidFill>
+                  <a:schemeClr val="tx1"/>
+                </a:solidFill>
+                <a:latin typeface="Consolas" panose="020B0609020204030204" pitchFamily="49" charset="0"/>
+                <a:cs typeface="Consolas" panose="020B0609020204030204" pitchFamily="49" charset="0"/>
+              </a:rPr>
+              <a:t>BiIter</a:t>
+            </a:r>
+            <a:r>
+              <a:rPr lang="en-US" dirty="0">
+                <a:solidFill>
+                  <a:schemeClr val="tx1"/>
+                </a:solidFill>
+                <a:latin typeface="Consolas" panose="020B0609020204030204" pitchFamily="49" charset="0"/>
+                <a:cs typeface="Consolas" panose="020B0609020204030204" pitchFamily="49" charset="0"/>
+              </a:rPr>
+              <a:t>, </a:t>
+            </a:r>
+            <a:r>
+              <a:rPr lang="en-US" dirty="0" err="1">
+                <a:solidFill>
+                  <a:schemeClr val="tx1"/>
+                </a:solidFill>
+                <a:latin typeface="Consolas" panose="020B0609020204030204" pitchFamily="49" charset="0"/>
+                <a:cs typeface="Consolas" panose="020B0609020204030204" pitchFamily="49" charset="0"/>
+              </a:rPr>
+              <a:t>typename</a:t>
+            </a:r>
+            <a:r>
+              <a:rPr lang="en-US" dirty="0">
+                <a:solidFill>
+                  <a:schemeClr val="tx1"/>
+                </a:solidFill>
+                <a:latin typeface="Consolas" panose="020B0609020204030204" pitchFamily="49" charset="0"/>
+                <a:cs typeface="Consolas" panose="020B0609020204030204" pitchFamily="49" charset="0"/>
+              </a:rPr>
+              <a:t> </a:t>
+            </a:r>
+            <a:r>
+              <a:rPr lang="en-US" dirty="0" err="1">
+                <a:solidFill>
+                  <a:schemeClr val="tx1"/>
+                </a:solidFill>
+                <a:latin typeface="Consolas" panose="020B0609020204030204" pitchFamily="49" charset="0"/>
+                <a:cs typeface="Consolas" panose="020B0609020204030204" pitchFamily="49" charset="0"/>
+              </a:rPr>
+              <a:t>Pred</a:t>
+            </a:r>
+            <a:r>
+              <a:rPr lang="en-US" dirty="0">
+                <a:solidFill>
+                  <a:schemeClr val="tx1"/>
+                </a:solidFill>
+                <a:latin typeface="Consolas" panose="020B0609020204030204" pitchFamily="49" charset="0"/>
+                <a:cs typeface="Consolas" panose="020B0609020204030204" pitchFamily="49" charset="0"/>
+              </a:rPr>
+              <a:t>&gt;</a:t>
+            </a:r>
+          </a:p>
+          <a:p>
+            <a:pPr marL="227013" lvl="2" indent="0">
+              <a:buNone/>
+            </a:pPr>
+            <a:r>
+              <a:rPr lang="en-US" dirty="0">
+                <a:solidFill>
+                  <a:schemeClr val="tx1"/>
+                </a:solidFill>
+                <a:latin typeface="Consolas" panose="020B0609020204030204" pitchFamily="49" charset="0"/>
+                <a:cs typeface="Consolas" panose="020B0609020204030204" pitchFamily="49" charset="0"/>
+              </a:rPr>
+              <a:t>pair&lt;</a:t>
+            </a:r>
+            <a:r>
+              <a:rPr lang="en-US" dirty="0" err="1">
+                <a:solidFill>
+                  <a:schemeClr val="tx1"/>
+                </a:solidFill>
+                <a:latin typeface="Consolas" panose="020B0609020204030204" pitchFamily="49" charset="0"/>
+                <a:cs typeface="Consolas" panose="020B0609020204030204" pitchFamily="49" charset="0"/>
+              </a:rPr>
+              <a:t>BiIter</a:t>
+            </a:r>
+            <a:r>
+              <a:rPr lang="en-US" dirty="0">
+                <a:solidFill>
+                  <a:schemeClr val="tx1"/>
+                </a:solidFill>
+                <a:latin typeface="Consolas" panose="020B0609020204030204" pitchFamily="49" charset="0"/>
+                <a:cs typeface="Consolas" panose="020B0609020204030204" pitchFamily="49" charset="0"/>
+              </a:rPr>
+              <a:t>, </a:t>
+            </a:r>
+            <a:r>
+              <a:rPr lang="en-US" dirty="0" err="1">
+                <a:solidFill>
+                  <a:schemeClr val="tx1"/>
+                </a:solidFill>
+                <a:latin typeface="Consolas" panose="020B0609020204030204" pitchFamily="49" charset="0"/>
+                <a:cs typeface="Consolas" panose="020B0609020204030204" pitchFamily="49" charset="0"/>
+              </a:rPr>
+              <a:t>BiIter</a:t>
+            </a:r>
+            <a:r>
+              <a:rPr lang="en-US" dirty="0">
+                <a:solidFill>
+                  <a:schemeClr val="tx1"/>
+                </a:solidFill>
+                <a:latin typeface="Consolas" panose="020B0609020204030204" pitchFamily="49" charset="0"/>
+                <a:cs typeface="Consolas" panose="020B0609020204030204" pitchFamily="49" charset="0"/>
+              </a:rPr>
+              <a:t>&gt; gather(</a:t>
+            </a:r>
+            <a:r>
+              <a:rPr lang="en-US" dirty="0" err="1">
+                <a:solidFill>
+                  <a:schemeClr val="tx1"/>
+                </a:solidFill>
+                <a:latin typeface="Consolas" panose="020B0609020204030204" pitchFamily="49" charset="0"/>
+                <a:cs typeface="Consolas" panose="020B0609020204030204" pitchFamily="49" charset="0"/>
+              </a:rPr>
+              <a:t>BiIter</a:t>
+            </a:r>
+            <a:r>
+              <a:rPr lang="en-US" dirty="0">
+                <a:solidFill>
+                  <a:schemeClr val="tx1"/>
+                </a:solidFill>
+                <a:latin typeface="Consolas" panose="020B0609020204030204" pitchFamily="49" charset="0"/>
+                <a:cs typeface="Consolas" panose="020B0609020204030204" pitchFamily="49" charset="0"/>
+              </a:rPr>
+              <a:t> f, </a:t>
+            </a:r>
+            <a:r>
+              <a:rPr lang="en-US" dirty="0" err="1">
+                <a:solidFill>
+                  <a:schemeClr val="tx1"/>
+                </a:solidFill>
+                <a:latin typeface="Consolas" panose="020B0609020204030204" pitchFamily="49" charset="0"/>
+                <a:cs typeface="Consolas" panose="020B0609020204030204" pitchFamily="49" charset="0"/>
+              </a:rPr>
+              <a:t>BiIter</a:t>
+            </a:r>
+            <a:r>
+              <a:rPr lang="en-US" dirty="0">
+                <a:solidFill>
+                  <a:schemeClr val="tx1"/>
+                </a:solidFill>
+                <a:latin typeface="Consolas" panose="020B0609020204030204" pitchFamily="49" charset="0"/>
+                <a:cs typeface="Consolas" panose="020B0609020204030204" pitchFamily="49" charset="0"/>
+              </a:rPr>
+              <a:t> l, </a:t>
+            </a:r>
+            <a:r>
+              <a:rPr lang="en-US" dirty="0" err="1">
+                <a:solidFill>
+                  <a:schemeClr val="tx1"/>
+                </a:solidFill>
+                <a:latin typeface="Consolas" panose="020B0609020204030204" pitchFamily="49" charset="0"/>
+                <a:cs typeface="Consolas" panose="020B0609020204030204" pitchFamily="49" charset="0"/>
+              </a:rPr>
+              <a:t>BiIter</a:t>
+            </a:r>
+            <a:r>
+              <a:rPr lang="en-US" dirty="0">
+                <a:solidFill>
+                  <a:schemeClr val="tx1"/>
+                </a:solidFill>
+                <a:latin typeface="Consolas" panose="020B0609020204030204" pitchFamily="49" charset="0"/>
+                <a:cs typeface="Consolas" panose="020B0609020204030204" pitchFamily="49" charset="0"/>
+              </a:rPr>
+              <a:t> p, </a:t>
+            </a:r>
+            <a:r>
+              <a:rPr lang="en-US" dirty="0" err="1">
+                <a:solidFill>
+                  <a:schemeClr val="tx1"/>
+                </a:solidFill>
+                <a:latin typeface="Consolas" panose="020B0609020204030204" pitchFamily="49" charset="0"/>
+                <a:cs typeface="Consolas" panose="020B0609020204030204" pitchFamily="49" charset="0"/>
+              </a:rPr>
+              <a:t>Pred</a:t>
+            </a:r>
+            <a:r>
+              <a:rPr lang="en-US" dirty="0">
+                <a:solidFill>
+                  <a:schemeClr val="tx1"/>
+                </a:solidFill>
+                <a:latin typeface="Consolas" panose="020B0609020204030204" pitchFamily="49" charset="0"/>
+                <a:cs typeface="Consolas" panose="020B0609020204030204" pitchFamily="49" charset="0"/>
+              </a:rPr>
+              <a:t> </a:t>
+            </a:r>
+            <a:r>
+              <a:rPr lang="en-US" dirty="0" err="1">
+                <a:solidFill>
+                  <a:schemeClr val="tx1"/>
+                </a:solidFill>
+                <a:latin typeface="Consolas" panose="020B0609020204030204" pitchFamily="49" charset="0"/>
+                <a:cs typeface="Consolas" panose="020B0609020204030204" pitchFamily="49" charset="0"/>
+              </a:rPr>
+              <a:t>pred</a:t>
+            </a:r>
+            <a:r>
+              <a:rPr lang="en-US" dirty="0">
+                <a:solidFill>
+                  <a:schemeClr val="tx1"/>
+                </a:solidFill>
+                <a:latin typeface="Consolas" panose="020B0609020204030204" pitchFamily="49" charset="0"/>
+                <a:cs typeface="Consolas" panose="020B0609020204030204" pitchFamily="49" charset="0"/>
+              </a:rPr>
+              <a:t>)</a:t>
+            </a:r>
+          </a:p>
+          <a:p>
+            <a:pPr marL="227013" lvl="2" indent="0">
+              <a:buNone/>
+            </a:pPr>
+            <a:r>
+              <a:rPr lang="en-US" dirty="0" smtClean="0">
+                <a:solidFill>
+                  <a:schemeClr val="tx1"/>
+                </a:solidFill>
+                <a:latin typeface="Consolas" panose="020B0609020204030204" pitchFamily="49" charset="0"/>
+                <a:cs typeface="Consolas" panose="020B0609020204030204" pitchFamily="49" charset="0"/>
+              </a:rPr>
+              <a:t>{</a:t>
+            </a:r>
+          </a:p>
+          <a:p>
+            <a:pPr marL="227013" lvl="2" indent="0">
+              <a:buNone/>
+            </a:pPr>
+            <a:r>
+              <a:rPr lang="en-US" dirty="0">
+                <a:solidFill>
+                  <a:schemeClr val="tx1"/>
+                </a:solidFill>
+                <a:latin typeface="Consolas" panose="020B0609020204030204" pitchFamily="49" charset="0"/>
+                <a:cs typeface="Consolas" panose="020B0609020204030204" pitchFamily="49" charset="0"/>
+              </a:rPr>
+              <a:t> </a:t>
+            </a:r>
+            <a:r>
+              <a:rPr lang="en-US" dirty="0" smtClean="0">
+                <a:solidFill>
+                  <a:schemeClr val="tx1"/>
+                </a:solidFill>
+                <a:latin typeface="Consolas" panose="020B0609020204030204" pitchFamily="49" charset="0"/>
+                <a:cs typeface="Consolas" panose="020B0609020204030204" pitchFamily="49" charset="0"/>
+              </a:rPr>
+              <a:t>   </a:t>
+            </a:r>
+            <a:r>
+              <a:rPr lang="en-US" dirty="0" err="1" smtClean="0">
+                <a:solidFill>
+                  <a:schemeClr val="tx1"/>
+                </a:solidFill>
+                <a:latin typeface="Consolas" panose="020B0609020204030204" pitchFamily="49" charset="0"/>
+                <a:cs typeface="Consolas" panose="020B0609020204030204" pitchFamily="49" charset="0"/>
+              </a:rPr>
+              <a:t>BiIter</a:t>
+            </a:r>
+            <a:r>
+              <a:rPr lang="en-US" dirty="0" smtClean="0">
+                <a:solidFill>
+                  <a:schemeClr val="tx1"/>
+                </a:solidFill>
+                <a:latin typeface="Consolas" panose="020B0609020204030204" pitchFamily="49" charset="0"/>
+                <a:cs typeface="Consolas" panose="020B0609020204030204" pitchFamily="49" charset="0"/>
+              </a:rPr>
+              <a:t> it1 = </a:t>
+            </a:r>
+            <a:r>
+              <a:rPr lang="en-US" dirty="0" err="1" smtClean="0">
+                <a:solidFill>
+                  <a:schemeClr val="tx1"/>
+                </a:solidFill>
+                <a:latin typeface="Consolas" panose="020B0609020204030204" pitchFamily="49" charset="0"/>
+                <a:cs typeface="Consolas" panose="020B0609020204030204" pitchFamily="49" charset="0"/>
+              </a:rPr>
+              <a:t>stable_partition</a:t>
+            </a:r>
+            <a:r>
+              <a:rPr lang="en-US" dirty="0" smtClean="0">
+                <a:solidFill>
+                  <a:schemeClr val="tx1"/>
+                </a:solidFill>
+                <a:latin typeface="Consolas" panose="020B0609020204030204" pitchFamily="49" charset="0"/>
+                <a:cs typeface="Consolas" panose="020B0609020204030204" pitchFamily="49" charset="0"/>
+              </a:rPr>
+              <a:t>(f</a:t>
+            </a:r>
+            <a:r>
+              <a:rPr lang="en-US" dirty="0">
+                <a:solidFill>
+                  <a:schemeClr val="tx1"/>
+                </a:solidFill>
+                <a:latin typeface="Consolas" panose="020B0609020204030204" pitchFamily="49" charset="0"/>
+                <a:cs typeface="Consolas" panose="020B0609020204030204" pitchFamily="49" charset="0"/>
+              </a:rPr>
+              <a:t>, p, not1(</a:t>
+            </a:r>
+            <a:r>
+              <a:rPr lang="en-US" dirty="0" err="1">
+                <a:solidFill>
+                  <a:schemeClr val="tx1"/>
+                </a:solidFill>
+                <a:latin typeface="Consolas" panose="020B0609020204030204" pitchFamily="49" charset="0"/>
+                <a:cs typeface="Consolas" panose="020B0609020204030204" pitchFamily="49" charset="0"/>
+              </a:rPr>
+              <a:t>pred</a:t>
+            </a:r>
+            <a:r>
+              <a:rPr lang="en-US" dirty="0" smtClean="0">
+                <a:solidFill>
+                  <a:schemeClr val="tx1"/>
+                </a:solidFill>
+                <a:latin typeface="Consolas" panose="020B0609020204030204" pitchFamily="49" charset="0"/>
+                <a:cs typeface="Consolas" panose="020B0609020204030204" pitchFamily="49" charset="0"/>
+              </a:rPr>
+              <a:t>));</a:t>
+            </a:r>
+            <a:endParaRPr lang="en-US" dirty="0">
+              <a:solidFill>
+                <a:schemeClr val="tx1"/>
+              </a:solidFill>
+              <a:latin typeface="Consolas" panose="020B0609020204030204" pitchFamily="49" charset="0"/>
+              <a:cs typeface="Consolas" panose="020B0609020204030204" pitchFamily="49" charset="0"/>
+            </a:endParaRPr>
+          </a:p>
+          <a:p>
+            <a:pPr marL="227013" lvl="2" indent="0">
+              <a:buNone/>
+            </a:pPr>
+            <a:r>
+              <a:rPr lang="en-US" dirty="0" smtClean="0">
+                <a:solidFill>
+                  <a:schemeClr val="tx1"/>
+                </a:solidFill>
+                <a:latin typeface="Consolas" panose="020B0609020204030204" pitchFamily="49" charset="0"/>
+                <a:cs typeface="Consolas" panose="020B0609020204030204" pitchFamily="49" charset="0"/>
+              </a:rPr>
+              <a:t>    </a:t>
+            </a:r>
+            <a:r>
+              <a:rPr lang="en-US" dirty="0" err="1">
+                <a:solidFill>
+                  <a:schemeClr val="tx1"/>
+                </a:solidFill>
+                <a:latin typeface="Consolas" panose="020B0609020204030204" pitchFamily="49" charset="0"/>
+                <a:cs typeface="Consolas" panose="020B0609020204030204" pitchFamily="49" charset="0"/>
+              </a:rPr>
+              <a:t>BiIter</a:t>
+            </a:r>
+            <a:r>
+              <a:rPr lang="en-US" dirty="0">
+                <a:solidFill>
+                  <a:schemeClr val="tx1"/>
+                </a:solidFill>
+                <a:latin typeface="Consolas" panose="020B0609020204030204" pitchFamily="49" charset="0"/>
+                <a:cs typeface="Consolas" panose="020B0609020204030204" pitchFamily="49" charset="0"/>
+              </a:rPr>
+              <a:t> </a:t>
+            </a:r>
+            <a:r>
+              <a:rPr lang="en-US" dirty="0" smtClean="0">
+                <a:solidFill>
+                  <a:schemeClr val="tx1"/>
+                </a:solidFill>
+                <a:latin typeface="Consolas" panose="020B0609020204030204" pitchFamily="49" charset="0"/>
+                <a:cs typeface="Consolas" panose="020B0609020204030204" pitchFamily="49" charset="0"/>
+              </a:rPr>
+              <a:t>it2 </a:t>
+            </a:r>
+            <a:r>
+              <a:rPr lang="en-US" dirty="0">
+                <a:solidFill>
+                  <a:schemeClr val="tx1"/>
+                </a:solidFill>
+                <a:latin typeface="Consolas" panose="020B0609020204030204" pitchFamily="49" charset="0"/>
+                <a:cs typeface="Consolas" panose="020B0609020204030204" pitchFamily="49" charset="0"/>
+              </a:rPr>
+              <a:t>= </a:t>
+            </a:r>
+            <a:r>
+              <a:rPr lang="en-US" dirty="0" err="1" smtClean="0">
+                <a:solidFill>
+                  <a:schemeClr val="tx1"/>
+                </a:solidFill>
+                <a:latin typeface="Consolas" panose="020B0609020204030204" pitchFamily="49" charset="0"/>
+                <a:cs typeface="Consolas" panose="020B0609020204030204" pitchFamily="49" charset="0"/>
+              </a:rPr>
+              <a:t>stable_partition</a:t>
+            </a:r>
+            <a:r>
+              <a:rPr lang="en-US" dirty="0" smtClean="0">
+                <a:solidFill>
+                  <a:schemeClr val="tx1"/>
+                </a:solidFill>
+                <a:latin typeface="Consolas" panose="020B0609020204030204" pitchFamily="49" charset="0"/>
+                <a:cs typeface="Consolas" panose="020B0609020204030204" pitchFamily="49" charset="0"/>
+              </a:rPr>
+              <a:t>(p, l, </a:t>
+            </a:r>
+            <a:r>
+              <a:rPr lang="en-US" dirty="0" err="1" smtClean="0">
+                <a:solidFill>
+                  <a:schemeClr val="tx1"/>
+                </a:solidFill>
+                <a:latin typeface="Consolas" panose="020B0609020204030204" pitchFamily="49" charset="0"/>
+                <a:cs typeface="Consolas" panose="020B0609020204030204" pitchFamily="49" charset="0"/>
+              </a:rPr>
+              <a:t>pred</a:t>
+            </a:r>
+            <a:r>
+              <a:rPr lang="en-US" dirty="0" smtClean="0">
+                <a:solidFill>
+                  <a:schemeClr val="tx1"/>
+                </a:solidFill>
+                <a:latin typeface="Consolas" panose="020B0609020204030204" pitchFamily="49" charset="0"/>
+                <a:cs typeface="Consolas" panose="020B0609020204030204" pitchFamily="49" charset="0"/>
+              </a:rPr>
+              <a:t>);</a:t>
+            </a:r>
+            <a:endParaRPr lang="en-US" dirty="0">
+              <a:solidFill>
+                <a:schemeClr val="tx1"/>
+              </a:solidFill>
+              <a:latin typeface="Consolas" panose="020B0609020204030204" pitchFamily="49" charset="0"/>
+              <a:cs typeface="Consolas" panose="020B0609020204030204" pitchFamily="49" charset="0"/>
+            </a:endParaRPr>
+          </a:p>
+          <a:p>
+            <a:pPr marL="227013" lvl="2" indent="0">
+              <a:buNone/>
+            </a:pPr>
+            <a:r>
+              <a:rPr lang="en-US" dirty="0" smtClean="0">
+                <a:solidFill>
+                  <a:schemeClr val="tx1"/>
+                </a:solidFill>
+                <a:latin typeface="Consolas" panose="020B0609020204030204" pitchFamily="49" charset="0"/>
+                <a:cs typeface="Consolas" panose="020B0609020204030204" pitchFamily="49" charset="0"/>
+              </a:rPr>
+              <a:t>    return </a:t>
+            </a:r>
+            <a:r>
+              <a:rPr lang="en-US" dirty="0" err="1" smtClean="0">
+                <a:solidFill>
+                  <a:schemeClr val="tx1"/>
+                </a:solidFill>
+                <a:latin typeface="Consolas" panose="020B0609020204030204" pitchFamily="49" charset="0"/>
+                <a:cs typeface="Consolas" panose="020B0609020204030204" pitchFamily="49" charset="0"/>
+              </a:rPr>
+              <a:t>make_pair</a:t>
+            </a:r>
+            <a:r>
+              <a:rPr lang="en-US" dirty="0" smtClean="0">
+                <a:solidFill>
+                  <a:schemeClr val="tx1"/>
+                </a:solidFill>
+                <a:latin typeface="Consolas" panose="020B0609020204030204" pitchFamily="49" charset="0"/>
+                <a:cs typeface="Consolas" panose="020B0609020204030204" pitchFamily="49" charset="0"/>
+              </a:rPr>
+              <a:t>(it1, it2);</a:t>
+            </a:r>
+            <a:endParaRPr lang="en-US" dirty="0">
+              <a:solidFill>
+                <a:schemeClr val="tx1"/>
+              </a:solidFill>
+              <a:latin typeface="Consolas" panose="020B0609020204030204" pitchFamily="49" charset="0"/>
+              <a:cs typeface="Consolas" panose="020B0609020204030204" pitchFamily="49" charset="0"/>
+            </a:endParaRPr>
+          </a:p>
+          <a:p>
+            <a:pPr marL="227013" lvl="2" indent="0">
+              <a:buNone/>
+            </a:pPr>
+            <a:r>
+              <a:rPr lang="en-US" dirty="0">
+                <a:solidFill>
+                  <a:schemeClr val="tx1"/>
+                </a:solidFill>
+                <a:latin typeface="Consolas" panose="020B0609020204030204" pitchFamily="49" charset="0"/>
+                <a:cs typeface="Consolas" panose="020B0609020204030204" pitchFamily="49" charset="0"/>
+              </a:rPr>
+              <a:t>}</a:t>
+            </a:r>
+          </a:p>
+          <a:p>
+            <a:endParaRPr lang="en-US" dirty="0"/>
           </a:p>
         </p:txBody>
       </p:sp>
       <p:sp>
         <p:nvSpPr>
-          <p:cNvPr id="5" name="Date Placeholder 4"/>
+          <p:cNvPr id="4" name="Date Placeholder 3"/>
           <p:cNvSpPr>
             <a:spLocks noGrp="1"/>
           </p:cNvSpPr>
@@ -11815,7 +12857,7 @@
           <a:p>
             <a:r>
               <a:rPr lang="en-US" smtClean="0"/>
-              <a:t>10/17/2016</a:t>
+              <a:t>10/18/2016</a:t>
             </a:r>
             <a:endParaRPr lang="en-US"/>
           </a:p>
@@ -11823,7 +12865,7 @@
       </p:sp>
       <p:sp>
         <p:nvSpPr>
-          <p:cNvPr id="6" name="Footer Placeholder 5"/>
+          <p:cNvPr id="5" name="Footer Placeholder 4"/>
           <p:cNvSpPr>
             <a:spLocks noGrp="1"/>
           </p:cNvSpPr>
@@ -11838,15 +12880,15 @@
           <a:p>
             <a:r>
               <a:rPr lang="en-US" smtClean="0"/>
-              <a:t>Companions Left Behind, Hartmut Kaiser, Berkeley C++ Summit</a:t>
-            </a:r>
-            <a:endParaRPr lang="en-US"/>
+              <a:t>HPX Workshop (Berkeley C++ Summit) - 3,            Hartmut Kaiser (hkaiser@cct.lsu.edu)</a:t>
+            </a:r>
+            <a:endParaRPr lang="en-US" dirty="0"/>
           </a:p>
         </p:txBody>
       </p:sp>
       <p:sp>
         <p:nvSpPr>
-          <p:cNvPr id="7" name="Slide Number Placeholder 6"/>
+          <p:cNvPr id="6" name="Slide Number Placeholder 5"/>
           <p:cNvSpPr>
             <a:spLocks noGrp="1"/>
           </p:cNvSpPr>
@@ -11861,24 +12903,62 @@
           </a:bodyPr>
           <a:lstStyle/>
           <a:p>
-            <a:fld id="{9C258B88-CF52-443C-8272-F67BF66C7540}" type="slidenum">
+            <a:fld id="{D59BBAD0-7158-41E2-BB8D-15D14837C8C5}" type="slidenum">
               <a:rPr lang="en-US" smtClean="0"/>
+              <a:pPr/>
               <a:t>17</a:t>
             </a:fld>
             <a:endParaRPr lang="en-US"/>
+          </a:p>
+        </p:txBody>
+      </p:sp>
+      <p:sp>
+        <p:nvSpPr>
+          <p:cNvPr id="8" name="TextBox 7"/>
+          <p:cNvSpPr txBox="1"/>
+          <p:nvPr/>
+        </p:nvSpPr>
+        <p:spPr>
+          <a:xfrm>
+            <a:off x="7478744" y="6028030"/>
+            <a:ext cx="3634328" cy="276999"/>
+          </a:xfrm>
+          <a:prstGeom prst="rect">
+            <a:avLst/>
+          </a:prstGeom>
+          <a:noFill/>
+        </p:spPr>
+        <p:txBody>
+          <a:bodyPr wrap="none" rtlCol="0">
+            <a:spAutoFit/>
+          </a:bodyPr>
+          <a:lstStyle/>
+          <a:p>
+            <a:r>
+              <a:rPr lang="en-US" sz="1200" dirty="0" smtClean="0"/>
+              <a:t>Sean Parent: C++ Seasoning, Going Native 2013</a:t>
+            </a:r>
+            <a:endParaRPr lang="en-US" sz="1200" dirty="0"/>
           </a:p>
         </p:txBody>
       </p:sp>
     </p:spTree>
     <p:extLst>
       <p:ext uri="{BB962C8B-B14F-4D97-AF65-F5344CB8AC3E}">
-        <p14:creationId xmlns:p14="http://schemas.microsoft.com/office/powerpoint/2010/main" val="2813008358"/>
+        <p14:creationId xmlns:p14="http://schemas.microsoft.com/office/powerpoint/2010/main" val="2813864839"/>
       </p:ext>
     </p:extLst>
   </p:cSld>
   <p:clrMapOvr>
     <a:masterClrMapping/>
   </p:clrMapOvr>
+  <p:timing>
+    <p:tnLst>
+      <p:par>
+        <p:cTn id="1" dur="indefinite" restart="never" nodeType="tmRoot"/>
+      </p:par>
+    </p:tnLst>
+  </p:timing>
 </p:sld>
 </file>
 
@@ -11901,6 +12981,44 @@
       </p:grpSpPr>
       <p:sp>
         <p:nvSpPr>
+          <p:cNvPr id="7" name="Rectangle 6"/>
+          <p:cNvSpPr/>
+          <p:nvPr/>
+        </p:nvSpPr>
+        <p:spPr>
+          <a:xfrm>
+            <a:off x="800100" y="2286000"/>
+            <a:ext cx="10485120" cy="2990849"/>
+          </a:xfrm>
+          <a:prstGeom prst="rect">
+            <a:avLst/>
+          </a:prstGeom>
+        </p:spPr>
+        <p:style>
+          <a:lnRef idx="1">
+            <a:schemeClr val="accent1"/>
+          </a:lnRef>
+          <a:fillRef idx="2">
+            <a:schemeClr val="accent1"/>
+          </a:fillRef>
+          <a:effectRef idx="1">
+            <a:schemeClr val="accent1"/>
+          </a:effectRef>
+          <a:fontRef idx="minor">
+            <a:schemeClr val="dk1"/>
+          </a:fontRef>
+        </p:style>
+        <p:txBody>
+          <a:bodyPr rtlCol="0" anchor="ctr"/>
+          <a:lstStyle/>
+          <a:p>
+            <a:pPr algn="ctr"/>
+            <a:endParaRPr lang="en-US"/>
+          </a:p>
+        </p:txBody>
+      </p:sp>
+      <p:sp>
+        <p:nvSpPr>
           <p:cNvPr id="2" name="Title 1"/>
           <p:cNvSpPr>
             <a:spLocks noGrp="1"/>
@@ -11916,7 +13034,7 @@
           <a:p>
             <a:r>
               <a:rPr lang="en-US" dirty="0" smtClean="0"/>
-              <a:t>Executors</a:t>
+              <a:t>Extending Parallel Algorithms</a:t>
             </a:r>
             <a:endParaRPr lang="en-US" dirty="0"/>
           </a:p>
@@ -11932,189 +13050,419 @@
             <p:ph idx="1"/>
           </p:nvPr>
         </p:nvSpPr>
-        <p:spPr/>
+        <p:spPr>
+          <a:xfrm>
+            <a:off x="1261872" y="1828800"/>
+            <a:ext cx="9863328" cy="4351337"/>
+          </a:xfrm>
+        </p:spPr>
         <p:txBody>
-          <a:bodyPr/>
+          <a:bodyPr>
+            <a:normAutofit/>
+          </a:bodyPr>
           <a:lstStyle/>
           <a:p>
-            <a:pPr marL="182880" lvl="1">
-              <a:lnSpc>
-                <a:spcPct val="95000"/>
-              </a:lnSpc>
-              <a:spcBef>
-                <a:spcPts val="1400"/>
-              </a:spcBef>
-              <a:spcAft>
-                <a:spcPts val="200"/>
-              </a:spcAft>
-              <a:buSzPct val="80000"/>
-              <a:buFont typeface="Arial" pitchFamily="34" charset="0"/>
-              <a:buChar char="•"/>
-            </a:pPr>
-            <a:r>
-              <a:rPr lang="en-US" sz="2000" spc="10" dirty="0" smtClean="0"/>
-              <a:t>Executors </a:t>
-            </a:r>
-            <a:r>
-              <a:rPr lang="en-US" sz="2000" spc="10" dirty="0"/>
-              <a:t>must implement one function: </a:t>
-            </a:r>
-            <a:r>
-              <a:rPr lang="en-US" sz="2000" dirty="0" err="1">
-                <a:solidFill>
-                  <a:schemeClr val="tx1"/>
-                </a:solidFill>
-                <a:latin typeface="Consolas" panose="020B0609020204030204" pitchFamily="49" charset="0"/>
-                <a:cs typeface="Consolas" panose="020B0609020204030204" pitchFamily="49" charset="0"/>
-              </a:rPr>
-              <a:t>async_execute</a:t>
-            </a:r>
-            <a:r>
-              <a:rPr lang="en-US" sz="2000" dirty="0">
-                <a:solidFill>
-                  <a:schemeClr val="tx1"/>
-                </a:solidFill>
-                <a:latin typeface="Consolas" panose="020B0609020204030204" pitchFamily="49" charset="0"/>
-                <a:cs typeface="Consolas" panose="020B0609020204030204" pitchFamily="49" charset="0"/>
-              </a:rPr>
-              <a:t>(F &amp;&amp; f)</a:t>
-            </a:r>
-          </a:p>
-          <a:p>
             <a:r>
               <a:rPr lang="en-US" dirty="0" smtClean="0"/>
-              <a:t>Invocation of executors happens through </a:t>
-            </a:r>
-            <a:r>
-              <a:rPr lang="en-US" dirty="0" err="1" smtClean="0">
-                <a:latin typeface="Consolas" panose="020B0609020204030204" pitchFamily="49" charset="0"/>
-                <a:cs typeface="Consolas" panose="020B0609020204030204" pitchFamily="49" charset="0"/>
-              </a:rPr>
-              <a:t>executor_traits</a:t>
-            </a:r>
-            <a:r>
-              <a:rPr lang="en-US" dirty="0" smtClean="0"/>
-              <a:t> which exposes (emulates) additional functionality:</a:t>
-            </a:r>
-          </a:p>
-          <a:p>
-            <a:pPr marL="274320" lvl="1" indent="0">
+              <a:t>New algorithm: </a:t>
+            </a:r>
+            <a:r>
+              <a:rPr lang="en-US" dirty="0" err="1" smtClean="0"/>
+              <a:t>gather_async</a:t>
+            </a:r>
+            <a:endParaRPr lang="en-US" dirty="0" smtClean="0"/>
+          </a:p>
+          <a:p>
+            <a:pPr marL="914400" lvl="2" indent="0">
               <a:buNone/>
             </a:pPr>
-            <a:endParaRPr lang="en-US" dirty="0" smtClean="0">
+            <a:endParaRPr lang="en-US" sz="1200" dirty="0" smtClean="0">
+              <a:effectLst/>
               <a:latin typeface="Consolas" panose="020B0609020204030204" pitchFamily="49" charset="0"/>
               <a:cs typeface="Consolas" panose="020B0609020204030204" pitchFamily="49" charset="0"/>
             </a:endParaRPr>
           </a:p>
           <a:p>
-            <a:pPr marL="274320" lvl="1" indent="0">
+            <a:pPr marL="227013" lvl="2" indent="0">
               <a:buNone/>
             </a:pPr>
             <a:r>
+              <a:rPr lang="en-US" dirty="0" smtClean="0">
+                <a:solidFill>
+                  <a:schemeClr val="tx1"/>
+                </a:solidFill>
+                <a:effectLst/>
+                <a:latin typeface="Consolas" panose="020B0609020204030204" pitchFamily="49" charset="0"/>
+                <a:cs typeface="Consolas" panose="020B0609020204030204" pitchFamily="49" charset="0"/>
+              </a:rPr>
+              <a:t>template </a:t>
+            </a:r>
+            <a:r>
+              <a:rPr lang="en-US" dirty="0">
+                <a:solidFill>
+                  <a:schemeClr val="tx1"/>
+                </a:solidFill>
+                <a:effectLst/>
+                <a:latin typeface="Consolas" panose="020B0609020204030204" pitchFamily="49" charset="0"/>
+                <a:cs typeface="Consolas" panose="020B0609020204030204" pitchFamily="49" charset="0"/>
+              </a:rPr>
+              <a:t>&lt;</a:t>
+            </a:r>
+            <a:r>
+              <a:rPr lang="en-US" dirty="0" err="1">
+                <a:solidFill>
+                  <a:schemeClr val="tx1"/>
+                </a:solidFill>
+                <a:effectLst/>
+                <a:latin typeface="Consolas" panose="020B0609020204030204" pitchFamily="49" charset="0"/>
+                <a:cs typeface="Consolas" panose="020B0609020204030204" pitchFamily="49" charset="0"/>
+              </a:rPr>
+              <a:t>typename</a:t>
+            </a:r>
+            <a:r>
+              <a:rPr lang="en-US" dirty="0">
+                <a:solidFill>
+                  <a:schemeClr val="tx1"/>
+                </a:solidFill>
+                <a:effectLst/>
+                <a:latin typeface="Consolas" panose="020B0609020204030204" pitchFamily="49" charset="0"/>
+                <a:cs typeface="Consolas" panose="020B0609020204030204" pitchFamily="49" charset="0"/>
+              </a:rPr>
+              <a:t> </a:t>
+            </a:r>
+            <a:r>
+              <a:rPr lang="en-US" dirty="0" err="1">
+                <a:solidFill>
+                  <a:schemeClr val="tx1"/>
+                </a:solidFill>
+                <a:effectLst/>
+                <a:latin typeface="Consolas" panose="020B0609020204030204" pitchFamily="49" charset="0"/>
+                <a:cs typeface="Consolas" panose="020B0609020204030204" pitchFamily="49" charset="0"/>
+              </a:rPr>
+              <a:t>BiIter</a:t>
+            </a:r>
+            <a:r>
+              <a:rPr lang="en-US" dirty="0" smtClean="0">
+                <a:solidFill>
+                  <a:schemeClr val="tx1"/>
+                </a:solidFill>
+                <a:effectLst/>
+                <a:latin typeface="Consolas" panose="020B0609020204030204" pitchFamily="49" charset="0"/>
+                <a:cs typeface="Consolas" panose="020B0609020204030204" pitchFamily="49" charset="0"/>
+              </a:rPr>
+              <a:t>, </a:t>
+            </a:r>
+            <a:r>
+              <a:rPr lang="en-US" dirty="0" err="1">
+                <a:solidFill>
+                  <a:schemeClr val="tx1"/>
+                </a:solidFill>
+                <a:effectLst/>
+                <a:latin typeface="Consolas" panose="020B0609020204030204" pitchFamily="49" charset="0"/>
+                <a:cs typeface="Consolas" panose="020B0609020204030204" pitchFamily="49" charset="0"/>
+              </a:rPr>
+              <a:t>typename</a:t>
+            </a:r>
+            <a:r>
+              <a:rPr lang="en-US" dirty="0">
+                <a:solidFill>
+                  <a:schemeClr val="tx1"/>
+                </a:solidFill>
+                <a:effectLst/>
+                <a:latin typeface="Consolas" panose="020B0609020204030204" pitchFamily="49" charset="0"/>
+                <a:cs typeface="Consolas" panose="020B0609020204030204" pitchFamily="49" charset="0"/>
+              </a:rPr>
+              <a:t> </a:t>
+            </a:r>
+            <a:r>
               <a:rPr lang="en-US" dirty="0" err="1" smtClean="0">
-                <a:latin typeface="Consolas" panose="020B0609020204030204" pitchFamily="49" charset="0"/>
-                <a:cs typeface="Consolas" panose="020B0609020204030204" pitchFamily="49" charset="0"/>
-              </a:rPr>
-              <a:t>executor_traits</a:t>
+                <a:solidFill>
+                  <a:schemeClr val="tx1"/>
+                </a:solidFill>
+                <a:effectLst/>
+                <a:latin typeface="Consolas" panose="020B0609020204030204" pitchFamily="49" charset="0"/>
+                <a:cs typeface="Consolas" panose="020B0609020204030204" pitchFamily="49" charset="0"/>
+              </a:rPr>
+              <a:t>Pred</a:t>
             </a:r>
             <a:r>
               <a:rPr lang="en-US" dirty="0" smtClean="0">
-                <a:latin typeface="Consolas" panose="020B0609020204030204" pitchFamily="49" charset="0"/>
-                <a:cs typeface="Consolas" panose="020B0609020204030204" pitchFamily="49" charset="0"/>
-              </a:rPr>
-              <a:t>&lt;</a:t>
-            </a:r>
-            <a:r>
-              <a:rPr lang="en-US" dirty="0" err="1" smtClean="0">
-                <a:latin typeface="Consolas" panose="020B0609020204030204" pitchFamily="49" charset="0"/>
-                <a:cs typeface="Consolas" panose="020B0609020204030204" pitchFamily="49" charset="0"/>
-              </a:rPr>
-              <a:t>my_executor_type</a:t>
-            </a:r>
-            <a:r>
-              <a:rPr lang="en-US" dirty="0" smtClean="0">
-                <a:latin typeface="Consolas" panose="020B0609020204030204" pitchFamily="49" charset="0"/>
-                <a:cs typeface="Consolas" panose="020B0609020204030204" pitchFamily="49" charset="0"/>
-              </a:rPr>
-              <a:t>&gt;::execute(</a:t>
-            </a:r>
-          </a:p>
-          <a:p>
-            <a:pPr marL="274320" lvl="1" indent="0">
-              <a:buNone/>
-            </a:pPr>
-            <a:r>
-              <a:rPr lang="en-US" dirty="0">
-                <a:latin typeface="Consolas" panose="020B0609020204030204" pitchFamily="49" charset="0"/>
-                <a:cs typeface="Consolas" panose="020B0609020204030204" pitchFamily="49" charset="0"/>
-              </a:rPr>
-              <a:t> </a:t>
-            </a:r>
-            <a:r>
-              <a:rPr lang="en-US" dirty="0" smtClean="0">
-                <a:latin typeface="Consolas" panose="020B0609020204030204" pitchFamily="49" charset="0"/>
-                <a:cs typeface="Consolas" panose="020B0609020204030204" pitchFamily="49" charset="0"/>
-              </a:rPr>
-              <a:t>   </a:t>
-            </a:r>
-            <a:r>
-              <a:rPr lang="en-US" dirty="0" err="1" smtClean="0">
-                <a:latin typeface="Consolas" panose="020B0609020204030204" pitchFamily="49" charset="0"/>
-                <a:cs typeface="Consolas" panose="020B0609020204030204" pitchFamily="49" charset="0"/>
-              </a:rPr>
-              <a:t>my_executor</a:t>
-            </a:r>
-            <a:r>
-              <a:rPr lang="en-US" dirty="0">
-                <a:latin typeface="Consolas" panose="020B0609020204030204" pitchFamily="49" charset="0"/>
-                <a:cs typeface="Consolas" panose="020B0609020204030204" pitchFamily="49" charset="0"/>
-              </a:rPr>
-              <a:t>, </a:t>
-            </a:r>
-            <a:endParaRPr lang="en-US" dirty="0" smtClean="0">
+                <a:solidFill>
+                  <a:schemeClr val="tx1"/>
+                </a:solidFill>
+                <a:effectLst/>
+                <a:latin typeface="Consolas" panose="020B0609020204030204" pitchFamily="49" charset="0"/>
+                <a:cs typeface="Consolas" panose="020B0609020204030204" pitchFamily="49" charset="0"/>
+              </a:rPr>
+              <a:t>&gt;</a:t>
+            </a:r>
+            <a:endParaRPr lang="en-US" dirty="0">
+              <a:solidFill>
+                <a:schemeClr val="tx1"/>
+              </a:solidFill>
+              <a:effectLst/>
               <a:latin typeface="Consolas" panose="020B0609020204030204" pitchFamily="49" charset="0"/>
               <a:cs typeface="Consolas" panose="020B0609020204030204" pitchFamily="49" charset="0"/>
             </a:endParaRPr>
           </a:p>
           <a:p>
-            <a:pPr marL="274320" lvl="1" indent="0">
+            <a:pPr marL="227013" lvl="2" indent="0">
               <a:buNone/>
             </a:pPr>
             <a:r>
               <a:rPr lang="en-US" dirty="0">
+                <a:solidFill>
+                  <a:schemeClr val="tx1"/>
+                </a:solidFill>
+                <a:effectLst/>
+                <a:latin typeface="Consolas" panose="020B0609020204030204" pitchFamily="49" charset="0"/>
+                <a:cs typeface="Consolas" panose="020B0609020204030204" pitchFamily="49" charset="0"/>
+              </a:rPr>
+              <a:t>future&lt;pair&lt;</a:t>
+            </a:r>
+            <a:r>
+              <a:rPr lang="en-US" dirty="0" err="1">
+                <a:solidFill>
+                  <a:schemeClr val="tx1"/>
+                </a:solidFill>
+                <a:effectLst/>
+                <a:latin typeface="Consolas" panose="020B0609020204030204" pitchFamily="49" charset="0"/>
+                <a:cs typeface="Consolas" panose="020B0609020204030204" pitchFamily="49" charset="0"/>
+              </a:rPr>
+              <a:t>BiIter</a:t>
+            </a:r>
+            <a:r>
+              <a:rPr lang="en-US" dirty="0">
+                <a:solidFill>
+                  <a:schemeClr val="tx1"/>
+                </a:solidFill>
+                <a:effectLst/>
+                <a:latin typeface="Consolas" panose="020B0609020204030204" pitchFamily="49" charset="0"/>
+                <a:cs typeface="Consolas" panose="020B0609020204030204" pitchFamily="49" charset="0"/>
+              </a:rPr>
+              <a:t>, </a:t>
+            </a:r>
+            <a:r>
+              <a:rPr lang="en-US" dirty="0" err="1">
+                <a:solidFill>
+                  <a:schemeClr val="tx1"/>
+                </a:solidFill>
+                <a:effectLst/>
+                <a:latin typeface="Consolas" panose="020B0609020204030204" pitchFamily="49" charset="0"/>
+                <a:cs typeface="Consolas" panose="020B0609020204030204" pitchFamily="49" charset="0"/>
+              </a:rPr>
+              <a:t>BiIter</a:t>
+            </a:r>
+            <a:r>
+              <a:rPr lang="en-US" dirty="0">
+                <a:solidFill>
+                  <a:schemeClr val="tx1"/>
+                </a:solidFill>
+                <a:effectLst/>
+                <a:latin typeface="Consolas" panose="020B0609020204030204" pitchFamily="49" charset="0"/>
+                <a:cs typeface="Consolas" panose="020B0609020204030204" pitchFamily="49" charset="0"/>
+              </a:rPr>
+              <a:t>&gt;&gt; </a:t>
+            </a:r>
+            <a:r>
+              <a:rPr lang="en-US" dirty="0" err="1" smtClean="0">
+                <a:solidFill>
+                  <a:schemeClr val="tx1"/>
+                </a:solidFill>
+                <a:effectLst/>
+                <a:latin typeface="Consolas" panose="020B0609020204030204" pitchFamily="49" charset="0"/>
+                <a:cs typeface="Consolas" panose="020B0609020204030204" pitchFamily="49" charset="0"/>
+              </a:rPr>
+              <a:t>gather_async</a:t>
+            </a:r>
+            <a:r>
+              <a:rPr lang="en-US" dirty="0" smtClean="0">
+                <a:solidFill>
+                  <a:schemeClr val="tx1"/>
+                </a:solidFill>
+                <a:effectLst/>
+                <a:latin typeface="Consolas" panose="020B0609020204030204" pitchFamily="49" charset="0"/>
+                <a:cs typeface="Consolas" panose="020B0609020204030204" pitchFamily="49" charset="0"/>
+              </a:rPr>
+              <a:t>(</a:t>
+            </a:r>
+            <a:r>
+              <a:rPr lang="en-US" dirty="0" err="1" smtClean="0">
+                <a:solidFill>
+                  <a:schemeClr val="tx1"/>
+                </a:solidFill>
+                <a:effectLst/>
+                <a:latin typeface="Consolas" panose="020B0609020204030204" pitchFamily="49" charset="0"/>
+                <a:cs typeface="Consolas" panose="020B0609020204030204" pitchFamily="49" charset="0"/>
+              </a:rPr>
+              <a:t>BiIter</a:t>
+            </a:r>
+            <a:r>
+              <a:rPr lang="en-US" dirty="0" smtClean="0">
+                <a:solidFill>
+                  <a:schemeClr val="tx1"/>
+                </a:solidFill>
+                <a:effectLst/>
                 <a:latin typeface="Consolas" panose="020B0609020204030204" pitchFamily="49" charset="0"/>
                 <a:cs typeface="Consolas" panose="020B0609020204030204" pitchFamily="49" charset="0"/>
               </a:rPr>
               <a:t> </a:t>
             </a:r>
             <a:r>
+              <a:rPr lang="en-US" dirty="0">
+                <a:solidFill>
+                  <a:schemeClr val="tx1"/>
+                </a:solidFill>
+                <a:effectLst/>
+                <a:latin typeface="Consolas" panose="020B0609020204030204" pitchFamily="49" charset="0"/>
+                <a:cs typeface="Consolas" panose="020B0609020204030204" pitchFamily="49" charset="0"/>
+              </a:rPr>
+              <a:t>f, </a:t>
+            </a:r>
+            <a:r>
+              <a:rPr lang="en-US" dirty="0" err="1">
+                <a:solidFill>
+                  <a:schemeClr val="tx1"/>
+                </a:solidFill>
+                <a:effectLst/>
+                <a:latin typeface="Consolas" panose="020B0609020204030204" pitchFamily="49" charset="0"/>
+                <a:cs typeface="Consolas" panose="020B0609020204030204" pitchFamily="49" charset="0"/>
+              </a:rPr>
+              <a:t>BiIter</a:t>
+            </a:r>
+            <a:r>
               <a:rPr lang="en-US" dirty="0" smtClean="0">
-                <a:latin typeface="Consolas" panose="020B0609020204030204" pitchFamily="49" charset="0"/>
-                <a:cs typeface="Consolas" panose="020B0609020204030204" pitchFamily="49" charset="0"/>
-              </a:rPr>
-              <a:t>   [](...){ </a:t>
+                <a:solidFill>
+                  <a:schemeClr val="tx1"/>
+                </a:solidFill>
+                <a:effectLst/>
+                <a:latin typeface="Consolas" panose="020B0609020204030204" pitchFamily="49" charset="0"/>
+                <a:cs typeface="Consolas" panose="020B0609020204030204" pitchFamily="49" charset="0"/>
+              </a:rPr>
+              <a:t> </a:t>
             </a:r>
             <a:r>
               <a:rPr lang="en-US" dirty="0">
-                <a:latin typeface="Consolas" panose="020B0609020204030204" pitchFamily="49" charset="0"/>
-                <a:cs typeface="Consolas" panose="020B0609020204030204" pitchFamily="49" charset="0"/>
-              </a:rPr>
-              <a:t>// perform task </a:t>
+                <a:solidFill>
+                  <a:schemeClr val="tx1"/>
+                </a:solidFill>
+                <a:effectLst/>
+                <a:latin typeface="Consolas" panose="020B0609020204030204" pitchFamily="49" charset="0"/>
+                <a:cs typeface="Consolas" panose="020B0609020204030204" pitchFamily="49" charset="0"/>
+              </a:rPr>
+              <a:t>l, </a:t>
+            </a:r>
+            <a:r>
+              <a:rPr lang="en-US" dirty="0" err="1">
+                <a:solidFill>
+                  <a:schemeClr val="tx1"/>
+                </a:solidFill>
+                <a:effectLst/>
+                <a:latin typeface="Consolas" panose="020B0609020204030204" pitchFamily="49" charset="0"/>
+                <a:cs typeface="Consolas" panose="020B0609020204030204" pitchFamily="49" charset="0"/>
+              </a:rPr>
+              <a:t>BiIter</a:t>
             </a:r>
             <a:r>
               <a:rPr lang="en-US" dirty="0" smtClean="0">
-                <a:latin typeface="Consolas" panose="020B0609020204030204" pitchFamily="49" charset="0"/>
-                <a:cs typeface="Consolas" panose="020B0609020204030204" pitchFamily="49" charset="0"/>
-              </a:rPr>
-              <a:t>}, </a:t>
-            </a:r>
-          </a:p>
-          <a:p>
-            <a:pPr marL="274320" lvl="1" indent="0">
+                <a:solidFill>
+                  <a:schemeClr val="tx1"/>
+                </a:solidFill>
+                <a:effectLst/>
+                <a:latin typeface="Consolas" panose="020B0609020204030204" pitchFamily="49" charset="0"/>
+                <a:cs typeface="Consolas" panose="020B0609020204030204" pitchFamily="49" charset="0"/>
+              </a:rPr>
+              <a:t> </a:t>
+            </a:r>
+            <a:r>
+              <a:rPr lang="en-US" dirty="0">
+                <a:solidFill>
+                  <a:schemeClr val="tx1"/>
+                </a:solidFill>
+                <a:effectLst/>
+                <a:latin typeface="Consolas" panose="020B0609020204030204" pitchFamily="49" charset="0"/>
+                <a:cs typeface="Consolas" panose="020B0609020204030204" pitchFamily="49" charset="0"/>
+              </a:rPr>
+              <a:t>p, </a:t>
+            </a:r>
+            <a:r>
+              <a:rPr lang="en-US" dirty="0" err="1" smtClean="0">
+                <a:solidFill>
+                  <a:schemeClr val="tx1"/>
+                </a:solidFill>
+                <a:effectLst/>
+                <a:latin typeface="Consolas" panose="020B0609020204030204" pitchFamily="49" charset="0"/>
+                <a:cs typeface="Consolas" panose="020B0609020204030204" pitchFamily="49" charset="0"/>
+              </a:rPr>
+              <a:t>Pred</a:t>
+            </a:r>
+            <a:r>
+              <a:rPr lang="en-US" dirty="0" smtClean="0">
+                <a:solidFill>
+                  <a:schemeClr val="tx1"/>
+                </a:solidFill>
+                <a:effectLst/>
+                <a:latin typeface="Consolas" panose="020B0609020204030204" pitchFamily="49" charset="0"/>
+                <a:cs typeface="Consolas" panose="020B0609020204030204" pitchFamily="49" charset="0"/>
+              </a:rPr>
+              <a:t> </a:t>
+            </a:r>
+            <a:r>
+              <a:rPr lang="en-US" dirty="0" err="1" smtClean="0">
+                <a:solidFill>
+                  <a:schemeClr val="tx1"/>
+                </a:solidFill>
+                <a:effectLst/>
+                <a:latin typeface="Consolas" panose="020B0609020204030204" pitchFamily="49" charset="0"/>
+                <a:cs typeface="Consolas" panose="020B0609020204030204" pitchFamily="49" charset="0"/>
+              </a:rPr>
+              <a:t>pred</a:t>
+            </a:r>
+            <a:r>
+              <a:rPr lang="en-US" dirty="0" smtClean="0">
+                <a:solidFill>
+                  <a:schemeClr val="tx1"/>
+                </a:solidFill>
+                <a:effectLst/>
+                <a:latin typeface="Consolas" panose="020B0609020204030204" pitchFamily="49" charset="0"/>
+                <a:cs typeface="Consolas" panose="020B0609020204030204" pitchFamily="49" charset="0"/>
+              </a:rPr>
+              <a:t>)</a:t>
+            </a:r>
+            <a:endParaRPr lang="en-US" dirty="0">
+              <a:solidFill>
+                <a:schemeClr val="tx1"/>
+              </a:solidFill>
+              <a:effectLst/>
+              <a:latin typeface="Consolas" panose="020B0609020204030204" pitchFamily="49" charset="0"/>
+              <a:cs typeface="Consolas" panose="020B0609020204030204" pitchFamily="49" charset="0"/>
+            </a:endParaRPr>
+          </a:p>
+          <a:p>
+            <a:pPr marL="227013" lvl="2" indent="0">
               <a:buNone/>
             </a:pPr>
             <a:r>
               <a:rPr lang="en-US" dirty="0">
+                <a:solidFill>
+                  <a:schemeClr val="tx1"/>
+                </a:solidFill>
+                <a:effectLst/>
+                <a:latin typeface="Consolas" panose="020B0609020204030204" pitchFamily="49" charset="0"/>
+                <a:cs typeface="Consolas" panose="020B0609020204030204" pitchFamily="49" charset="0"/>
+              </a:rPr>
+              <a:t>{</a:t>
+            </a:r>
+          </a:p>
+          <a:p>
+            <a:pPr marL="227013" lvl="2" indent="0">
+              <a:buNone/>
+            </a:pPr>
+            <a:r>
+              <a:rPr lang="en-US" dirty="0">
+                <a:solidFill>
+                  <a:schemeClr val="tx1"/>
+                </a:solidFill>
                 <a:latin typeface="Consolas" panose="020B0609020204030204" pitchFamily="49" charset="0"/>
                 <a:cs typeface="Consolas" panose="020B0609020204030204" pitchFamily="49" charset="0"/>
               </a:rPr>
@@ -12122,57 +13470,350 @@
             </a:r>
             <a:r>
               <a:rPr lang="en-US" dirty="0" smtClean="0">
-                <a:latin typeface="Consolas" panose="020B0609020204030204" pitchFamily="49" charset="0"/>
-                <a:cs typeface="Consolas" panose="020B0609020204030204" pitchFamily="49" charset="0"/>
-              </a:rPr>
-              <a:t>   ...);</a:t>
-            </a:r>
-          </a:p>
-          <a:p>
-            <a:r>
-              <a:rPr lang="en-US" dirty="0" smtClean="0"/>
-              <a:t>Four modes of invocation: single </a:t>
-            </a:r>
-            <a:r>
-              <a:rPr lang="en-US" dirty="0" err="1" smtClean="0"/>
-              <a:t>async</a:t>
-            </a:r>
-            <a:r>
-              <a:rPr lang="en-US" dirty="0" smtClean="0"/>
-              <a:t>, single sync, bulk </a:t>
-            </a:r>
-            <a:r>
-              <a:rPr lang="en-US" dirty="0" err="1" smtClean="0"/>
-              <a:t>async</a:t>
-            </a:r>
-            <a:r>
-              <a:rPr lang="en-US" dirty="0" smtClean="0"/>
-              <a:t> and bulk sync </a:t>
-            </a:r>
-          </a:p>
-          <a:p>
-            <a:pPr lvl="1"/>
-            <a:r>
-              <a:rPr lang="en-US" dirty="0"/>
-              <a:t>T</a:t>
-            </a:r>
-            <a:r>
-              <a:rPr lang="en-US" dirty="0" smtClean="0"/>
-              <a:t>he </a:t>
-            </a:r>
-            <a:r>
-              <a:rPr lang="en-US" dirty="0" err="1" smtClean="0"/>
-              <a:t>async</a:t>
-            </a:r>
-            <a:r>
-              <a:rPr lang="en-US" dirty="0" smtClean="0"/>
-              <a:t> calls return a future</a:t>
-            </a:r>
-            <a:r>
-              <a:rPr lang="de-DE" dirty="0" smtClean="0"/>
+                <a:solidFill>
+                  <a:schemeClr val="tx1"/>
+                </a:solidFill>
+                <a:latin typeface="Consolas" panose="020B0609020204030204" pitchFamily="49" charset="0"/>
+                <a:cs typeface="Consolas" panose="020B0609020204030204" pitchFamily="49" charset="0"/>
+              </a:rPr>
+              <a:t>   future&lt;</a:t>
+            </a:r>
+            <a:r>
+              <a:rPr lang="en-US" dirty="0" err="1" smtClean="0">
+                <a:solidFill>
+                  <a:schemeClr val="tx1"/>
+                </a:solidFill>
+                <a:latin typeface="Consolas" panose="020B0609020204030204" pitchFamily="49" charset="0"/>
+                <a:cs typeface="Consolas" panose="020B0609020204030204" pitchFamily="49" charset="0"/>
+              </a:rPr>
+              <a:t>BiIter</a:t>
+            </a:r>
+            <a:r>
+              <a:rPr lang="en-US" dirty="0">
+                <a:solidFill>
+                  <a:schemeClr val="tx1"/>
+                </a:solidFill>
+                <a:latin typeface="Consolas" panose="020B0609020204030204" pitchFamily="49" charset="0"/>
+                <a:cs typeface="Consolas" panose="020B0609020204030204" pitchFamily="49" charset="0"/>
+              </a:rPr>
+              <a:t>&gt; f1 = parallel::</a:t>
+            </a:r>
+            <a:r>
+              <a:rPr lang="en-US" dirty="0" err="1">
+                <a:solidFill>
+                  <a:schemeClr val="tx1"/>
+                </a:solidFill>
+                <a:latin typeface="Consolas" panose="020B0609020204030204" pitchFamily="49" charset="0"/>
+                <a:cs typeface="Consolas" panose="020B0609020204030204" pitchFamily="49" charset="0"/>
+              </a:rPr>
+              <a:t>stable_partition</a:t>
+            </a:r>
+            <a:r>
+              <a:rPr lang="en-US" dirty="0">
+                <a:solidFill>
+                  <a:schemeClr val="tx1"/>
+                </a:solidFill>
+                <a:latin typeface="Consolas" panose="020B0609020204030204" pitchFamily="49" charset="0"/>
+                <a:cs typeface="Consolas" panose="020B0609020204030204" pitchFamily="49" charset="0"/>
+              </a:rPr>
+              <a:t>(par(task), f, p, not1(</a:t>
+            </a:r>
+            <a:r>
+              <a:rPr lang="en-US" dirty="0" err="1">
+                <a:solidFill>
+                  <a:schemeClr val="tx1"/>
+                </a:solidFill>
+                <a:latin typeface="Consolas" panose="020B0609020204030204" pitchFamily="49" charset="0"/>
+                <a:cs typeface="Consolas" panose="020B0609020204030204" pitchFamily="49" charset="0"/>
+              </a:rPr>
+              <a:t>pred</a:t>
+            </a:r>
+            <a:r>
+              <a:rPr lang="en-US" dirty="0">
+                <a:solidFill>
+                  <a:schemeClr val="tx1"/>
+                </a:solidFill>
+                <a:latin typeface="Consolas" panose="020B0609020204030204" pitchFamily="49" charset="0"/>
+                <a:cs typeface="Consolas" panose="020B0609020204030204" pitchFamily="49" charset="0"/>
+              </a:rPr>
+              <a:t>));</a:t>
+            </a:r>
+          </a:p>
+          <a:p>
+            <a:pPr marL="227013" lvl="2" indent="0">
+              <a:buNone/>
+            </a:pPr>
+            <a:r>
+              <a:rPr lang="en-US" dirty="0">
+                <a:solidFill>
+                  <a:schemeClr val="tx1"/>
+                </a:solidFill>
+                <a:latin typeface="Consolas" panose="020B0609020204030204" pitchFamily="49" charset="0"/>
+                <a:cs typeface="Consolas" panose="020B0609020204030204" pitchFamily="49" charset="0"/>
+              </a:rPr>
+              <a:t>    future&lt;</a:t>
+            </a:r>
+            <a:r>
+              <a:rPr lang="en-US" dirty="0" err="1">
+                <a:solidFill>
+                  <a:schemeClr val="tx1"/>
+                </a:solidFill>
+                <a:latin typeface="Consolas" panose="020B0609020204030204" pitchFamily="49" charset="0"/>
+                <a:cs typeface="Consolas" panose="020B0609020204030204" pitchFamily="49" charset="0"/>
+              </a:rPr>
+              <a:t>BiIter</a:t>
+            </a:r>
+            <a:r>
+              <a:rPr lang="en-US" dirty="0">
+                <a:solidFill>
+                  <a:schemeClr val="tx1"/>
+                </a:solidFill>
+                <a:latin typeface="Consolas" panose="020B0609020204030204" pitchFamily="49" charset="0"/>
+                <a:cs typeface="Consolas" panose="020B0609020204030204" pitchFamily="49" charset="0"/>
+              </a:rPr>
+              <a:t>&gt; f2 = parallel::</a:t>
+            </a:r>
+            <a:r>
+              <a:rPr lang="en-US" dirty="0" err="1">
+                <a:solidFill>
+                  <a:schemeClr val="tx1"/>
+                </a:solidFill>
+                <a:latin typeface="Consolas" panose="020B0609020204030204" pitchFamily="49" charset="0"/>
+                <a:cs typeface="Consolas" panose="020B0609020204030204" pitchFamily="49" charset="0"/>
+              </a:rPr>
+              <a:t>stable_partition</a:t>
+            </a:r>
+            <a:r>
+              <a:rPr lang="en-US" dirty="0">
+                <a:solidFill>
+                  <a:schemeClr val="tx1"/>
+                </a:solidFill>
+                <a:latin typeface="Consolas" panose="020B0609020204030204" pitchFamily="49" charset="0"/>
+                <a:cs typeface="Consolas" panose="020B0609020204030204" pitchFamily="49" charset="0"/>
+              </a:rPr>
+              <a:t>(par(task), p, l, </a:t>
+            </a:r>
+            <a:r>
+              <a:rPr lang="en-US" dirty="0" err="1">
+                <a:solidFill>
+                  <a:schemeClr val="tx1"/>
+                </a:solidFill>
+                <a:latin typeface="Consolas" panose="020B0609020204030204" pitchFamily="49" charset="0"/>
+                <a:cs typeface="Consolas" panose="020B0609020204030204" pitchFamily="49" charset="0"/>
+              </a:rPr>
+              <a:t>pred</a:t>
+            </a:r>
+            <a:r>
+              <a:rPr lang="en-US" dirty="0" smtClean="0">
+                <a:solidFill>
+                  <a:schemeClr val="tx1"/>
+                </a:solidFill>
+                <a:latin typeface="Consolas" panose="020B0609020204030204" pitchFamily="49" charset="0"/>
+                <a:cs typeface="Consolas" panose="020B0609020204030204" pitchFamily="49" charset="0"/>
+              </a:rPr>
+              <a:t>);</a:t>
+            </a:r>
+          </a:p>
+          <a:p>
+            <a:pPr marL="227013" lvl="2" indent="0">
+              <a:buNone/>
+            </a:pPr>
+            <a:r>
+              <a:rPr lang="en-US" dirty="0" smtClean="0">
+                <a:solidFill>
+                  <a:schemeClr val="tx1"/>
+                </a:solidFill>
+                <a:effectLst/>
+                <a:latin typeface="Consolas" panose="020B0609020204030204" pitchFamily="49" charset="0"/>
+                <a:cs typeface="Consolas" panose="020B0609020204030204" pitchFamily="49" charset="0"/>
+              </a:rPr>
+              <a:t>    </a:t>
+            </a:r>
+            <a:r>
+              <a:rPr lang="en-US" dirty="0">
+                <a:solidFill>
+                  <a:schemeClr val="tx1"/>
+                </a:solidFill>
+                <a:effectLst/>
+                <a:latin typeface="Consolas" panose="020B0609020204030204" pitchFamily="49" charset="0"/>
+                <a:cs typeface="Consolas" panose="020B0609020204030204" pitchFamily="49" charset="0"/>
+              </a:rPr>
+              <a:t>return dataflow(</a:t>
+            </a:r>
+          </a:p>
+          <a:p>
+            <a:pPr marL="227013" lvl="2" indent="0">
+              <a:buNone/>
+            </a:pPr>
+            <a:r>
+              <a:rPr lang="en-US" dirty="0">
+                <a:solidFill>
+                  <a:schemeClr val="tx1"/>
+                </a:solidFill>
+                <a:effectLst/>
+                <a:latin typeface="Consolas" panose="020B0609020204030204" pitchFamily="49" charset="0"/>
+                <a:cs typeface="Consolas" panose="020B0609020204030204" pitchFamily="49" charset="0"/>
+              </a:rPr>
+              <a:t>        unwrapped</a:t>
+            </a:r>
+            <a:r>
+              <a:rPr lang="en-US" dirty="0" smtClean="0">
+                <a:solidFill>
+                  <a:schemeClr val="tx1"/>
+                </a:solidFill>
+                <a:effectLst/>
+                <a:latin typeface="Consolas" panose="020B0609020204030204" pitchFamily="49" charset="0"/>
+                <a:cs typeface="Consolas" panose="020B0609020204030204" pitchFamily="49" charset="0"/>
+              </a:rPr>
+              <a:t>([](</a:t>
+            </a:r>
+            <a:r>
+              <a:rPr lang="en-US" dirty="0" err="1">
+                <a:solidFill>
+                  <a:schemeClr val="tx1"/>
+                </a:solidFill>
+                <a:effectLst/>
+                <a:latin typeface="Consolas" panose="020B0609020204030204" pitchFamily="49" charset="0"/>
+                <a:cs typeface="Consolas" panose="020B0609020204030204" pitchFamily="49" charset="0"/>
+              </a:rPr>
+              <a:t>BiIter</a:t>
+            </a:r>
+            <a:r>
+              <a:rPr lang="en-US" dirty="0" smtClean="0">
+                <a:solidFill>
+                  <a:schemeClr val="tx1"/>
+                </a:solidFill>
+                <a:effectLst/>
+                <a:latin typeface="Consolas" panose="020B0609020204030204" pitchFamily="49" charset="0"/>
+                <a:cs typeface="Consolas" panose="020B0609020204030204" pitchFamily="49" charset="0"/>
+              </a:rPr>
               <a:t> </a:t>
             </a:r>
-            <a:endParaRPr lang="en-US" dirty="0"/>
+            <a:r>
+              <a:rPr lang="en-US" dirty="0">
+                <a:solidFill>
+                  <a:schemeClr val="tx1"/>
+                </a:solidFill>
+                <a:effectLst/>
+                <a:latin typeface="Consolas" panose="020B0609020204030204" pitchFamily="49" charset="0"/>
+                <a:cs typeface="Consolas" panose="020B0609020204030204" pitchFamily="49" charset="0"/>
+              </a:rPr>
+              <a:t>r1, </a:t>
+            </a:r>
+            <a:r>
+              <a:rPr lang="en-US" dirty="0" err="1">
+                <a:solidFill>
+                  <a:schemeClr val="tx1"/>
+                </a:solidFill>
+                <a:effectLst/>
+                <a:latin typeface="Consolas" panose="020B0609020204030204" pitchFamily="49" charset="0"/>
+                <a:cs typeface="Consolas" panose="020B0609020204030204" pitchFamily="49" charset="0"/>
+              </a:rPr>
+              <a:t>BiIter</a:t>
+            </a:r>
+            <a:r>
+              <a:rPr lang="en-US" dirty="0" smtClean="0">
+                <a:solidFill>
+                  <a:schemeClr val="tx1"/>
+                </a:solidFill>
+                <a:effectLst/>
+                <a:latin typeface="Consolas" panose="020B0609020204030204" pitchFamily="49" charset="0"/>
+                <a:cs typeface="Consolas" panose="020B0609020204030204" pitchFamily="49" charset="0"/>
+              </a:rPr>
+              <a:t> </a:t>
+            </a:r>
+            <a:r>
+              <a:rPr lang="en-US" dirty="0">
+                <a:solidFill>
+                  <a:schemeClr val="tx1"/>
+                </a:solidFill>
+                <a:effectLst/>
+                <a:latin typeface="Consolas" panose="020B0609020204030204" pitchFamily="49" charset="0"/>
+                <a:cs typeface="Consolas" panose="020B0609020204030204" pitchFamily="49" charset="0"/>
+              </a:rPr>
+              <a:t>r2) { return </a:t>
+            </a:r>
+            <a:r>
+              <a:rPr lang="en-US" dirty="0" err="1">
+                <a:solidFill>
+                  <a:schemeClr val="tx1"/>
+                </a:solidFill>
+                <a:effectLst/>
+                <a:latin typeface="Consolas" panose="020B0609020204030204" pitchFamily="49" charset="0"/>
+                <a:cs typeface="Consolas" panose="020B0609020204030204" pitchFamily="49" charset="0"/>
+              </a:rPr>
+              <a:t>make_pair</a:t>
+            </a:r>
+            <a:r>
+              <a:rPr lang="en-US" dirty="0">
+                <a:solidFill>
+                  <a:schemeClr val="tx1"/>
+                </a:solidFill>
+                <a:effectLst/>
+                <a:latin typeface="Consolas" panose="020B0609020204030204" pitchFamily="49" charset="0"/>
+                <a:cs typeface="Consolas" panose="020B0609020204030204" pitchFamily="49" charset="0"/>
+              </a:rPr>
+              <a:t>(r1, r2); }),</a:t>
+            </a:r>
+          </a:p>
+          <a:p>
+            <a:pPr marL="227013" lvl="2" indent="0">
+              <a:buNone/>
+            </a:pPr>
+            <a:r>
+              <a:rPr lang="en-US" dirty="0">
+                <a:solidFill>
+                  <a:schemeClr val="tx1"/>
+                </a:solidFill>
+                <a:effectLst/>
+                <a:latin typeface="Consolas" panose="020B0609020204030204" pitchFamily="49" charset="0"/>
+                <a:cs typeface="Consolas" panose="020B0609020204030204" pitchFamily="49" charset="0"/>
+              </a:rPr>
+              <a:t>        </a:t>
+            </a:r>
+            <a:r>
+              <a:rPr lang="en-US" dirty="0" smtClean="0">
+                <a:solidFill>
+                  <a:schemeClr val="tx1"/>
+                </a:solidFill>
+                <a:effectLst/>
+                <a:latin typeface="Consolas" panose="020B0609020204030204" pitchFamily="49" charset="0"/>
+                <a:cs typeface="Consolas" panose="020B0609020204030204" pitchFamily="49" charset="0"/>
+              </a:rPr>
+              <a:t>f1, f2);</a:t>
+            </a:r>
+            <a:endParaRPr lang="en-US" dirty="0">
+              <a:solidFill>
+                <a:schemeClr val="tx1"/>
+              </a:solidFill>
+              <a:effectLst/>
+              <a:latin typeface="Consolas" panose="020B0609020204030204" pitchFamily="49" charset="0"/>
+              <a:cs typeface="Consolas" panose="020B0609020204030204" pitchFamily="49" charset="0"/>
+            </a:endParaRPr>
+          </a:p>
+          <a:p>
+            <a:pPr marL="227013" lvl="2" indent="0">
+              <a:buNone/>
+            </a:pPr>
+            <a:r>
+              <a:rPr lang="en-US" dirty="0" smtClean="0">
+                <a:solidFill>
+                  <a:schemeClr val="tx1"/>
+                </a:solidFill>
+                <a:effectLst/>
+                <a:latin typeface="Consolas" panose="020B0609020204030204" pitchFamily="49" charset="0"/>
+                <a:cs typeface="Consolas" panose="020B0609020204030204" pitchFamily="49" charset="0"/>
+              </a:rPr>
+              <a:t>}</a:t>
+            </a:r>
+            <a:endParaRPr lang="en-US" dirty="0">
+              <a:solidFill>
+                <a:schemeClr val="tx1"/>
+              </a:solidFill>
+              <a:effectLst/>
+              <a:latin typeface="Consolas" panose="020B0609020204030204" pitchFamily="49" charset="0"/>
+              <a:cs typeface="Consolas" panose="020B0609020204030204" pitchFamily="49" charset="0"/>
+            </a:endParaRPr>
           </a:p>
         </p:txBody>
       </p:sp>
@@ -12193,7 +13834,7 @@
           <a:p>
             <a:r>
               <a:rPr lang="en-US" smtClean="0"/>
-              <a:t>10/17/2016</a:t>
+              <a:t>10/18/2016</a:t>
             </a:r>
             <a:endParaRPr lang="en-US"/>
           </a:p>
@@ -12216,9 +13857,9 @@
           <a:p>
             <a:r>
               <a:rPr lang="en-US" smtClean="0"/>
-              <a:t>Companions Left Behind, Hartmut Kaiser, Berkeley C++ Summit</a:t>
-            </a:r>
-            <a:endParaRPr lang="en-US"/>
+              <a:t>HPX Workshop (Berkeley C++ Summit) - 3,            Hartmut Kaiser (hkaiser@cct.lsu.edu)</a:t>
+            </a:r>
+            <a:endParaRPr lang="en-US" dirty="0"/>
           </a:p>
         </p:txBody>
       </p:sp>
@@ -12239,7 +13880,7 @@
           </a:bodyPr>
           <a:lstStyle/>
           <a:p>
-            <a:fld id="{65339F38-439B-42BE-A6DB-D203DE66964E}" type="slidenum">
+            <a:fld id="{D59BBAD0-7158-41E2-BB8D-15D14837C8C5}" type="slidenum">
               <a:rPr lang="en-US" smtClean="0"/>
               <a:t>18</a:t>
             </a:fld>
@@ -12250,7 +13891,7 @@
     </p:spTree>
     <p:extLst>
       <p:ext uri="{BB962C8B-B14F-4D97-AF65-F5344CB8AC3E}">
-        <p14:creationId xmlns:p14="http://schemas.microsoft.com/office/powerpoint/2010/main" val="678859237"/>
+        <p14:creationId xmlns:p14="http://schemas.microsoft.com/office/powerpoint/2010/main" val="2082227383"/>
       </p:ext>
     </p:extLst>
   </p:cSld>
@@ -12260,7 +13901,509 @@
   <p:timing>
     <p:tnLst>
       <p:par>
-        <p:cTn id="1" dur="indefinite" restart="never" nodeType="tmRoot"/>
+        <p:cTn id="1" dur="indefinite" restart="never" nodeType="tmRoot">
+          <p:childTnLst>
+            <p:seq concurrent="1" nextAc="seek">
+              <p:cTn id="2" dur="indefinite" nodeType="mainSeq">
+                <p:childTnLst>
+                  <p:par>
+                    <p:cTn id="3" fill="hold">
+                      <p:stCondLst>
+                        <p:cond delay="indefinite"/>
+                      </p:stCondLst>
+                      <p:childTnLst>
+                        <p:par>
+                          <p:cTn id="4" fill="hold">
+                            <p:stCondLst>
+                              <p:cond delay="0"/>
+                            </p:stCondLst>
+                            <p:childTnLst>
+                              <p:par>
+                                <p:cTn id="5" presetID="2" presetClass="entr" presetSubtype="8" fill="hold" nodeType="clickEffect">
+                                  <p:stCondLst>
+                                    <p:cond delay="0"/>
+                                  </p:stCondLst>
+                                  <p:childTnLst>
+                                    <p:set>
+                                      <p:cBhvr>
+                                        <p:cTn id="6" dur="1" fill="hold">
+                                          <p:stCondLst>
+                                            <p:cond delay="0"/>
+                                          </p:stCondLst>
+                                        </p:cTn>
+                                        <p:tgtEl>
+                                          <p:spTgt spid="3">
+                                            <p:txEl>
+                                              <p:pRg st="5" end="5"/>
+                                            </p:txEl>
+                                          </p:spTgt>
+                                        </p:tgtEl>
+                                        <p:attrNameLst>
+                                          <p:attrName>style.visibility</p:attrName>
+                                        </p:attrNameLst>
+                                      </p:cBhvr>
+                                      <p:to>
+                                        <p:strVal val="visible"/>
+                                      </p:to>
+                                    </p:set>
+                                    <p:anim calcmode="lin" valueType="num">
+                                      <p:cBhvr additive="base">
+                                        <p:cTn id="7" dur="500" fill="hold"/>
+                                        <p:tgtEl>
+                                          <p:spTgt spid="3">
+                                            <p:txEl>
+                                              <p:pRg st="5" end="5"/>
+                                            </p:txEl>
+                                          </p:spTgt>
+                                        </p:tgtEl>
+                                        <p:attrNameLst>
+                                          <p:attrName>ppt_x</p:attrName>
+                                        </p:attrNameLst>
+                                      </p:cBhvr>
+                                      <p:tavLst>
+                                        <p:tav tm="0">
+                                          <p:val>
+                                            <p:strVal val="0-#ppt_w/2"/>
+                                          </p:val>
+                                        </p:tav>
+                                        <p:tav tm="100000">
+                                          <p:val>
+                                            <p:strVal val="#ppt_x"/>
+                                          </p:val>
+                                        </p:tav>
+                                      </p:tavLst>
+                                    </p:anim>
+                                    <p:anim calcmode="lin" valueType="num">
+                                      <p:cBhvr additive="base">
+                                        <p:cTn id="8" dur="500" fill="hold"/>
+                                        <p:tgtEl>
+                                          <p:spTgt spid="3">
+                                            <p:txEl>
+                                              <p:pRg st="5" end="5"/>
+                                            </p:txEl>
+                                          </p:spTgt>
+                                        </p:tgtEl>
+                                        <p:attrNameLst>
+                                          <p:attrName>ppt_y</p:attrName>
+                                        </p:attrNameLst>
+                                      </p:cBhvr>
+                                      <p:tavLst>
+                                        <p:tav tm="0">
+                                          <p:val>
+                                            <p:strVal val="#ppt_y"/>
+                                          </p:val>
+                                        </p:tav>
+                                        <p:tav tm="100000">
+                                          <p:val>
+                                            <p:strVal val="#ppt_y"/>
+                                          </p:val>
+                                        </p:tav>
+                                      </p:tavLst>
+                                    </p:anim>
+                                  </p:childTnLst>
+                                </p:cTn>
+                              </p:par>
+                            </p:childTnLst>
+                          </p:cTn>
+                        </p:par>
+                      </p:childTnLst>
+                    </p:cTn>
+                  </p:par>
+                  <p:par>
+                    <p:cTn id="9" fill="hold">
+                      <p:stCondLst>
+                        <p:cond delay="indefinite"/>
+                      </p:stCondLst>
+                      <p:childTnLst>
+                        <p:par>
+                          <p:cTn id="10" fill="hold">
+                            <p:stCondLst>
+                              <p:cond delay="0"/>
+                            </p:stCondLst>
+                            <p:childTnLst>
+                              <p:par>
+                                <p:cTn id="11" presetID="2" presetClass="entr" presetSubtype="8" fill="hold" nodeType="clickEffect">
+                                  <p:stCondLst>
+                                    <p:cond delay="0"/>
+                                  </p:stCondLst>
+                                  <p:childTnLst>
+                                    <p:set>
+                                      <p:cBhvr>
+                                        <p:cTn id="12" dur="1" fill="hold">
+                                          <p:stCondLst>
+                                            <p:cond delay="0"/>
+                                          </p:stCondLst>
+                                        </p:cTn>
+                                        <p:tgtEl>
+                                          <p:spTgt spid="3">
+                                            <p:txEl>
+                                              <p:pRg st="6" end="6"/>
+                                            </p:txEl>
+                                          </p:spTgt>
+                                        </p:tgtEl>
+                                        <p:attrNameLst>
+                                          <p:attrName>style.visibility</p:attrName>
+                                        </p:attrNameLst>
+                                      </p:cBhvr>
+                                      <p:to>
+                                        <p:strVal val="visible"/>
+                                      </p:to>
+                                    </p:set>
+                                    <p:anim calcmode="lin" valueType="num">
+                                      <p:cBhvr additive="base">
+                                        <p:cTn id="13" dur="500" fill="hold"/>
+                                        <p:tgtEl>
+                                          <p:spTgt spid="3">
+                                            <p:txEl>
+                                              <p:pRg st="6" end="6"/>
+                                            </p:txEl>
+                                          </p:spTgt>
+                                        </p:tgtEl>
+                                        <p:attrNameLst>
+                                          <p:attrName>ppt_x</p:attrName>
+                                        </p:attrNameLst>
+                                      </p:cBhvr>
+                                      <p:tavLst>
+                                        <p:tav tm="0">
+                                          <p:val>
+                                            <p:strVal val="0-#ppt_w/2"/>
+                                          </p:val>
+                                        </p:tav>
+                                        <p:tav tm="100000">
+                                          <p:val>
+                                            <p:strVal val="#ppt_x"/>
+                                          </p:val>
+                                        </p:tav>
+                                      </p:tavLst>
+                                    </p:anim>
+                                    <p:anim calcmode="lin" valueType="num">
+                                      <p:cBhvr additive="base">
+                                        <p:cTn id="14" dur="500" fill="hold"/>
+                                        <p:tgtEl>
+                                          <p:spTgt spid="3">
+                                            <p:txEl>
+                                              <p:pRg st="6" end="6"/>
+                                            </p:txEl>
+                                          </p:spTgt>
+                                        </p:tgtEl>
+                                        <p:attrNameLst>
+                                          <p:attrName>ppt_y</p:attrName>
+                                        </p:attrNameLst>
+                                      </p:cBhvr>
+                                      <p:tavLst>
+                                        <p:tav tm="0">
+                                          <p:val>
+                                            <p:strVal val="#ppt_y"/>
+                                          </p:val>
+                                        </p:tav>
+                                        <p:tav tm="100000">
+                                          <p:val>
+                                            <p:strVal val="#ppt_y"/>
+                                          </p:val>
+                                        </p:tav>
+                                      </p:tavLst>
+                                    </p:anim>
+                                  </p:childTnLst>
+                                </p:cTn>
+                              </p:par>
+                            </p:childTnLst>
+                          </p:cTn>
+                        </p:par>
+                      </p:childTnLst>
+                    </p:cTn>
+                  </p:par>
+                  <p:par>
+                    <p:cTn id="15" fill="hold">
+                      <p:stCondLst>
+                        <p:cond delay="indefinite"/>
+                      </p:stCondLst>
+                      <p:childTnLst>
+                        <p:par>
+                          <p:cTn id="16" fill="hold">
+                            <p:stCondLst>
+                              <p:cond delay="0"/>
+                            </p:stCondLst>
+                            <p:childTnLst>
+                              <p:par>
+                                <p:cTn id="17" presetID="2" presetClass="entr" presetSubtype="8" fill="hold" nodeType="clickEffect">
+                                  <p:stCondLst>
+                                    <p:cond delay="0"/>
+                                  </p:stCondLst>
+                                  <p:childTnLst>
+                                    <p:set>
+                                      <p:cBhvr>
+                                        <p:cTn id="18" dur="1" fill="hold">
+                                          <p:stCondLst>
+                                            <p:cond delay="0"/>
+                                          </p:stCondLst>
+                                        </p:cTn>
+                                        <p:tgtEl>
+                                          <p:spTgt spid="3">
+                                            <p:txEl>
+                                              <p:pRg st="7" end="7"/>
+                                            </p:txEl>
+                                          </p:spTgt>
+                                        </p:tgtEl>
+                                        <p:attrNameLst>
+                                          <p:attrName>style.visibility</p:attrName>
+                                        </p:attrNameLst>
+                                      </p:cBhvr>
+                                      <p:to>
+                                        <p:strVal val="visible"/>
+                                      </p:to>
+                                    </p:set>
+                                    <p:anim calcmode="lin" valueType="num">
+                                      <p:cBhvr additive="base">
+                                        <p:cTn id="19" dur="500" fill="hold"/>
+                                        <p:tgtEl>
+                                          <p:spTgt spid="3">
+                                            <p:txEl>
+                                              <p:pRg st="7" end="7"/>
+                                            </p:txEl>
+                                          </p:spTgt>
+                                        </p:tgtEl>
+                                        <p:attrNameLst>
+                                          <p:attrName>ppt_x</p:attrName>
+                                        </p:attrNameLst>
+                                      </p:cBhvr>
+                                      <p:tavLst>
+                                        <p:tav tm="0">
+                                          <p:val>
+                                            <p:strVal val="0-#ppt_w/2"/>
+                                          </p:val>
+                                        </p:tav>
+                                        <p:tav tm="100000">
+                                          <p:val>
+                                            <p:strVal val="#ppt_x"/>
+                                          </p:val>
+                                        </p:tav>
+                                      </p:tavLst>
+                                    </p:anim>
+                                    <p:anim calcmode="lin" valueType="num">
+                                      <p:cBhvr additive="base">
+                                        <p:cTn id="20" dur="500" fill="hold"/>
+                                        <p:tgtEl>
+                                          <p:spTgt spid="3">
+                                            <p:txEl>
+                                              <p:pRg st="7" end="7"/>
+                                            </p:txEl>
+                                          </p:spTgt>
+                                        </p:tgtEl>
+                                        <p:attrNameLst>
+                                          <p:attrName>ppt_y</p:attrName>
+                                        </p:attrNameLst>
+                                      </p:cBhvr>
+                                      <p:tavLst>
+                                        <p:tav tm="0">
+                                          <p:val>
+                                            <p:strVal val="#ppt_y"/>
+                                          </p:val>
+                                        </p:tav>
+                                        <p:tav tm="100000">
+                                          <p:val>
+                                            <p:strVal val="#ppt_y"/>
+                                          </p:val>
+                                        </p:tav>
+                                      </p:tavLst>
+                                    </p:anim>
+                                  </p:childTnLst>
+                                </p:cTn>
+                              </p:par>
+                              <p:par>
+                                <p:cTn id="21" presetID="2" presetClass="entr" presetSubtype="8" fill="hold" nodeType="withEffect">
+                                  <p:stCondLst>
+                                    <p:cond delay="0"/>
+                                  </p:stCondLst>
+                                  <p:childTnLst>
+                                    <p:set>
+                                      <p:cBhvr>
+                                        <p:cTn id="22" dur="1" fill="hold">
+                                          <p:stCondLst>
+                                            <p:cond delay="0"/>
+                                          </p:stCondLst>
+                                        </p:cTn>
+                                        <p:tgtEl>
+                                          <p:spTgt spid="3">
+                                            <p:txEl>
+                                              <p:pRg st="8" end="8"/>
+                                            </p:txEl>
+                                          </p:spTgt>
+                                        </p:tgtEl>
+                                        <p:attrNameLst>
+                                          <p:attrName>style.visibility</p:attrName>
+                                        </p:attrNameLst>
+                                      </p:cBhvr>
+                                      <p:to>
+                                        <p:strVal val="visible"/>
+                                      </p:to>
+                                    </p:set>
+                                    <p:anim calcmode="lin" valueType="num">
+                                      <p:cBhvr additive="base">
+                                        <p:cTn id="23" dur="500" fill="hold"/>
+                                        <p:tgtEl>
+                                          <p:spTgt spid="3">
+                                            <p:txEl>
+                                              <p:pRg st="8" end="8"/>
+                                            </p:txEl>
+                                          </p:spTgt>
+                                        </p:tgtEl>
+                                        <p:attrNameLst>
+                                          <p:attrName>ppt_x</p:attrName>
+                                        </p:attrNameLst>
+                                      </p:cBhvr>
+                                      <p:tavLst>
+                                        <p:tav tm="0">
+                                          <p:val>
+                                            <p:strVal val="0-#ppt_w/2"/>
+                                          </p:val>
+                                        </p:tav>
+                                        <p:tav tm="100000">
+                                          <p:val>
+                                            <p:strVal val="#ppt_x"/>
+                                          </p:val>
+                                        </p:tav>
+                                      </p:tavLst>
+                                    </p:anim>
+                                    <p:anim calcmode="lin" valueType="num">
+                                      <p:cBhvr additive="base">
+                                        <p:cTn id="24" dur="500" fill="hold"/>
+                                        <p:tgtEl>
+                                          <p:spTgt spid="3">
+                                            <p:txEl>
+                                              <p:pRg st="8" end="8"/>
+                                            </p:txEl>
+                                          </p:spTgt>
+                                        </p:tgtEl>
+                                        <p:attrNameLst>
+                                          <p:attrName>ppt_y</p:attrName>
+                                        </p:attrNameLst>
+                                      </p:cBhvr>
+                                      <p:tavLst>
+                                        <p:tav tm="0">
+                                          <p:val>
+                                            <p:strVal val="#ppt_y"/>
+                                          </p:val>
+                                        </p:tav>
+                                        <p:tav tm="100000">
+                                          <p:val>
+                                            <p:strVal val="#ppt_y"/>
+                                          </p:val>
+                                        </p:tav>
+                                      </p:tavLst>
+                                    </p:anim>
+                                  </p:childTnLst>
+                                </p:cTn>
+                              </p:par>
+                              <p:par>
+                                <p:cTn id="25" presetID="2" presetClass="entr" presetSubtype="8" fill="hold" nodeType="withEffect">
+                                  <p:stCondLst>
+                                    <p:cond delay="0"/>
+                                  </p:stCondLst>
+                                  <p:childTnLst>
+                                    <p:set>
+                                      <p:cBhvr>
+                                        <p:cTn id="26" dur="1" fill="hold">
+                                          <p:stCondLst>
+                                            <p:cond delay="0"/>
+                                          </p:stCondLst>
+                                        </p:cTn>
+                                        <p:tgtEl>
+                                          <p:spTgt spid="3">
+                                            <p:txEl>
+                                              <p:pRg st="9" end="9"/>
+                                            </p:txEl>
+                                          </p:spTgt>
+                                        </p:tgtEl>
+                                        <p:attrNameLst>
+                                          <p:attrName>style.visibility</p:attrName>
+                                        </p:attrNameLst>
+                                      </p:cBhvr>
+                                      <p:to>
+                                        <p:strVal val="visible"/>
+                                      </p:to>
+                                    </p:set>
+                                    <p:anim calcmode="lin" valueType="num">
+                                      <p:cBhvr additive="base">
+                                        <p:cTn id="27" dur="500" fill="hold"/>
+                                        <p:tgtEl>
+                                          <p:spTgt spid="3">
+                                            <p:txEl>
+                                              <p:pRg st="9" end="9"/>
+                                            </p:txEl>
+                                          </p:spTgt>
+                                        </p:tgtEl>
+                                        <p:attrNameLst>
+                                          <p:attrName>ppt_x</p:attrName>
+                                        </p:attrNameLst>
+                                      </p:cBhvr>
+                                      <p:tavLst>
+                                        <p:tav tm="0">
+                                          <p:val>
+                                            <p:strVal val="0-#ppt_w/2"/>
+                                          </p:val>
+                                        </p:tav>
+                                        <p:tav tm="100000">
+                                          <p:val>
+                                            <p:strVal val="#ppt_x"/>
+                                          </p:val>
+                                        </p:tav>
+                                      </p:tavLst>
+                                    </p:anim>
+                                    <p:anim calcmode="lin" valueType="num">
+                                      <p:cBhvr additive="base">
+                                        <p:cTn id="28" dur="500" fill="hold"/>
+                                        <p:tgtEl>
+                                          <p:spTgt spid="3">
+                                            <p:txEl>
+                                              <p:pRg st="9" end="9"/>
+                                            </p:txEl>
+                                          </p:spTgt>
+                                        </p:tgtEl>
+                                        <p:attrNameLst>
+                                          <p:attrName>ppt_y</p:attrName>
+                                        </p:attrNameLst>
+                                      </p:cBhvr>
+                                      <p:tavLst>
+                                        <p:tav tm="0">
+                                          <p:val>
+                                            <p:strVal val="#ppt_y"/>
+                                          </p:val>
+                                        </p:tav>
+                                        <p:tav tm="100000">
+                                          <p:val>
+                                            <p:strVal val="#ppt_y"/>
+                                          </p:val>
+                                        </p:tav>
+                                      </p:tavLst>
+                                    </p:anim>
+                                  </p:childTnLst>
+                                </p:cTn>
+                              </p:par>
+                            </p:childTnLst>
+                          </p:cTn>
+                        </p:par>
+                      </p:childTnLst>
+                    </p:cTn>
+                  </p:par>
+                </p:childTnLst>
+              </p:cTn>
+              <p:prevCondLst>
+                <p:cond evt="onPrev" delay="0">
+                  <p:tgtEl>
+                    <p:sldTgt/>
+                  </p:tgtEl>
+                </p:cond>
+              </p:prevCondLst>
+              <p:nextCondLst>
+                <p:cond evt="onNext" delay="0">
+                  <p:tgtEl>
+                    <p:sldTgt/>
+                  </p:tgtEl>
+                </p:cond>
+              </p:nextCondLst>
+            </p:seq>
+          </p:childTnLst>
+        </p:cTn>
       </p:par>
     </p:tnLst>
   </p:timing>
@@ -12286,6 +14429,44 @@
       </p:grpSpPr>
       <p:sp>
         <p:nvSpPr>
+          <p:cNvPr id="7" name="Rectangle 6"/>
+          <p:cNvSpPr/>
+          <p:nvPr/>
+        </p:nvSpPr>
+        <p:spPr>
+          <a:xfrm>
+            <a:off x="800100" y="2286001"/>
+            <a:ext cx="10485120" cy="2495549"/>
+          </a:xfrm>
+          <a:prstGeom prst="rect">
+            <a:avLst/>
+          </a:prstGeom>
+        </p:spPr>
+        <p:style>
+          <a:lnRef idx="1">
+            <a:schemeClr val="accent1"/>
+          </a:lnRef>
+          <a:fillRef idx="2">
+            <a:schemeClr val="accent1"/>
+          </a:fillRef>
+          <a:effectRef idx="1">
+            <a:schemeClr val="accent1"/>
+          </a:effectRef>
+          <a:fontRef idx="minor">
+            <a:schemeClr val="dk1"/>
+          </a:fontRef>
+        </p:style>
+        <p:txBody>
+          <a:bodyPr rtlCol="0" anchor="ctr"/>
+          <a:lstStyle/>
+          <a:p>
+            <a:pPr algn="ctr"/>
+            <a:endParaRPr lang="en-US"/>
+          </a:p>
+        </p:txBody>
+      </p:sp>
+      <p:sp>
+        <p:nvSpPr>
           <p:cNvPr id="2" name="Title 1"/>
           <p:cNvSpPr>
             <a:spLocks noGrp="1"/>
@@ -12294,14 +14475,19 @@
             <p:ph type="title"/>
           </p:nvPr>
         </p:nvSpPr>
-        <p:spPr/>
+        <p:spPr>
+          <a:xfrm>
+            <a:off x="1261872" y="294198"/>
+            <a:ext cx="10023348" cy="1397124"/>
+          </a:xfrm>
+        </p:spPr>
         <p:txBody>
           <a:bodyPr/>
           <a:lstStyle/>
           <a:p>
             <a:r>
               <a:rPr lang="en-US" dirty="0" smtClean="0"/>
-              <a:t>Executor Examples</a:t>
+              <a:t>Extending Parallel Algorithms (await)</a:t>
             </a:r>
             <a:endParaRPr lang="en-US" dirty="0"/>
           </a:p>
@@ -12320,179 +14506,807 @@
         <p:spPr>
           <a:xfrm>
             <a:off x="1261872" y="1828800"/>
-            <a:ext cx="9040894" cy="4351337"/>
+            <a:ext cx="9863328" cy="4351337"/>
           </a:xfrm>
         </p:spPr>
         <p:txBody>
-          <a:bodyPr/>
+          <a:bodyPr>
+            <a:normAutofit/>
+          </a:bodyPr>
           <a:lstStyle/>
           <a:p>
             <a:r>
-              <a:rPr lang="en-US" dirty="0" err="1" smtClean="0">
-                <a:latin typeface="Consolas" panose="020B0609020204030204" pitchFamily="49" charset="0"/>
-                <a:cs typeface="Consolas" panose="020B0609020204030204" pitchFamily="49" charset="0"/>
-              </a:rPr>
-              <a:t>sequential_executor</a:t>
-            </a:r>
-            <a:r>
-              <a:rPr lang="en-US" dirty="0" smtClean="0">
-                <a:cs typeface="Consolas" panose="020B0609020204030204" pitchFamily="49" charset="0"/>
-              </a:rPr>
-              <a:t>, </a:t>
-            </a:r>
-            <a:r>
-              <a:rPr lang="en-US" dirty="0" err="1" smtClean="0">
-                <a:latin typeface="Consolas" panose="020B0609020204030204" pitchFamily="49" charset="0"/>
-                <a:cs typeface="Consolas" panose="020B0609020204030204" pitchFamily="49" charset="0"/>
-              </a:rPr>
-              <a:t>parallel_executor</a:t>
-            </a:r>
-            <a:r>
-              <a:rPr lang="en-US" dirty="0" smtClean="0">
-                <a:cs typeface="Consolas" panose="020B0609020204030204" pitchFamily="49" charset="0"/>
-              </a:rPr>
-              <a:t>: </a:t>
-            </a:r>
-          </a:p>
-          <a:p>
-            <a:pPr lvl="1"/>
-            <a:r>
-              <a:rPr lang="en-US" dirty="0" smtClean="0">
-                <a:cs typeface="Consolas" panose="020B0609020204030204" pitchFamily="49" charset="0"/>
-              </a:rPr>
-              <a:t>Default executors corresponding to </a:t>
-            </a:r>
-            <a:r>
-              <a:rPr lang="en-US" dirty="0" smtClean="0">
-                <a:latin typeface="Consolas" panose="020B0609020204030204" pitchFamily="49" charset="0"/>
-                <a:cs typeface="Consolas" panose="020B0609020204030204" pitchFamily="49" charset="0"/>
-              </a:rPr>
-              <a:t>par, </a:t>
-            </a:r>
-            <a:r>
-              <a:rPr lang="en-US" dirty="0" err="1" smtClean="0">
-                <a:latin typeface="Consolas" panose="020B0609020204030204" pitchFamily="49" charset="0"/>
-                <a:cs typeface="Consolas" panose="020B0609020204030204" pitchFamily="49" charset="0"/>
-              </a:rPr>
-              <a:t>seq</a:t>
-            </a:r>
-            <a:endParaRPr lang="en-US" dirty="0" smtClean="0">
+              <a:rPr lang="en-US" dirty="0" smtClean="0"/>
+              <a:t>New algorithm: </a:t>
+            </a:r>
+            <a:r>
+              <a:rPr lang="en-US" dirty="0" err="1" smtClean="0"/>
+              <a:t>gather_async</a:t>
+            </a:r>
+            <a:endParaRPr lang="en-US" dirty="0" smtClean="0"/>
+          </a:p>
+          <a:p>
+            <a:pPr marL="914400" lvl="2" indent="0">
+              <a:buNone/>
+            </a:pPr>
+            <a:endParaRPr lang="en-US" sz="1200" dirty="0" smtClean="0">
+              <a:effectLst/>
               <a:latin typeface="Consolas" panose="020B0609020204030204" pitchFamily="49" charset="0"/>
               <a:cs typeface="Consolas" panose="020B0609020204030204" pitchFamily="49" charset="0"/>
             </a:endParaRPr>
           </a:p>
           <a:p>
+            <a:pPr marL="227013" lvl="2" indent="0">
+              <a:buNone/>
+            </a:pPr>
+            <a:r>
+              <a:rPr lang="en-US" dirty="0" smtClean="0">
+                <a:solidFill>
+                  <a:schemeClr val="tx1"/>
+                </a:solidFill>
+                <a:effectLst/>
+                <a:latin typeface="Consolas" panose="020B0609020204030204" pitchFamily="49" charset="0"/>
+                <a:cs typeface="Consolas" panose="020B0609020204030204" pitchFamily="49" charset="0"/>
+              </a:rPr>
+              <a:t>template </a:t>
+            </a:r>
+            <a:r>
+              <a:rPr lang="en-US" dirty="0">
+                <a:solidFill>
+                  <a:schemeClr val="tx1"/>
+                </a:solidFill>
+                <a:effectLst/>
+                <a:latin typeface="Consolas" panose="020B0609020204030204" pitchFamily="49" charset="0"/>
+                <a:cs typeface="Consolas" panose="020B0609020204030204" pitchFamily="49" charset="0"/>
+              </a:rPr>
+              <a:t>&lt;</a:t>
+            </a:r>
+            <a:r>
+              <a:rPr lang="en-US" dirty="0" err="1">
+                <a:solidFill>
+                  <a:schemeClr val="tx1"/>
+                </a:solidFill>
+                <a:effectLst/>
+                <a:latin typeface="Consolas" panose="020B0609020204030204" pitchFamily="49" charset="0"/>
+                <a:cs typeface="Consolas" panose="020B0609020204030204" pitchFamily="49" charset="0"/>
+              </a:rPr>
+              <a:t>typename</a:t>
+            </a:r>
+            <a:r>
+              <a:rPr lang="en-US" dirty="0">
+                <a:solidFill>
+                  <a:schemeClr val="tx1"/>
+                </a:solidFill>
+                <a:effectLst/>
+                <a:latin typeface="Consolas" panose="020B0609020204030204" pitchFamily="49" charset="0"/>
+                <a:cs typeface="Consolas" panose="020B0609020204030204" pitchFamily="49" charset="0"/>
+              </a:rPr>
+              <a:t> </a:t>
+            </a:r>
+            <a:r>
+              <a:rPr lang="en-US" dirty="0" err="1">
+                <a:solidFill>
+                  <a:schemeClr val="tx1"/>
+                </a:solidFill>
+                <a:effectLst/>
+                <a:latin typeface="Consolas" panose="020B0609020204030204" pitchFamily="49" charset="0"/>
+                <a:cs typeface="Consolas" panose="020B0609020204030204" pitchFamily="49" charset="0"/>
+              </a:rPr>
+              <a:t>BiIter</a:t>
+            </a:r>
+            <a:r>
+              <a:rPr lang="en-US" dirty="0" smtClean="0">
+                <a:solidFill>
+                  <a:schemeClr val="tx1"/>
+                </a:solidFill>
+                <a:effectLst/>
+                <a:latin typeface="Consolas" panose="020B0609020204030204" pitchFamily="49" charset="0"/>
+                <a:cs typeface="Consolas" panose="020B0609020204030204" pitchFamily="49" charset="0"/>
+              </a:rPr>
+              <a:t>, </a:t>
+            </a:r>
+            <a:r>
+              <a:rPr lang="en-US" dirty="0" err="1">
+                <a:solidFill>
+                  <a:schemeClr val="tx1"/>
+                </a:solidFill>
+                <a:effectLst/>
+                <a:latin typeface="Consolas" panose="020B0609020204030204" pitchFamily="49" charset="0"/>
+                <a:cs typeface="Consolas" panose="020B0609020204030204" pitchFamily="49" charset="0"/>
+              </a:rPr>
+              <a:t>typename</a:t>
+            </a:r>
+            <a:r>
+              <a:rPr lang="en-US" dirty="0">
+                <a:solidFill>
+                  <a:schemeClr val="tx1"/>
+                </a:solidFill>
+                <a:effectLst/>
+                <a:latin typeface="Consolas" panose="020B0609020204030204" pitchFamily="49" charset="0"/>
+                <a:cs typeface="Consolas" panose="020B0609020204030204" pitchFamily="49" charset="0"/>
+              </a:rPr>
+              <a:t> </a:t>
+            </a:r>
             <a:r>
               <a:rPr lang="en-US" dirty="0" err="1" smtClean="0">
-                <a:latin typeface="Consolas" panose="020B0609020204030204" pitchFamily="49" charset="0"/>
-                <a:cs typeface="Consolas" panose="020B0609020204030204" pitchFamily="49" charset="0"/>
-              </a:rPr>
-              <a:t>this_thread_executor</a:t>
-            </a:r>
-            <a:endParaRPr lang="en-US" dirty="0" smtClean="0">
+                <a:solidFill>
+                  <a:schemeClr val="tx1"/>
+                </a:solidFill>
+                <a:effectLst/>
+                <a:latin typeface="Consolas" panose="020B0609020204030204" pitchFamily="49" charset="0"/>
+                <a:cs typeface="Consolas" panose="020B0609020204030204" pitchFamily="49" charset="0"/>
+              </a:rPr>
+              <a:t>Pred</a:t>
+            </a:r>
+            <a:r>
+              <a:rPr lang="en-US" dirty="0" smtClean="0">
+                <a:solidFill>
+                  <a:schemeClr val="tx1"/>
+                </a:solidFill>
+                <a:effectLst/>
+                <a:latin typeface="Consolas" panose="020B0609020204030204" pitchFamily="49" charset="0"/>
+                <a:cs typeface="Consolas" panose="020B0609020204030204" pitchFamily="49" charset="0"/>
+              </a:rPr>
+              <a:t>&gt;</a:t>
+            </a:r>
+            <a:endParaRPr lang="en-US" dirty="0">
+              <a:solidFill>
+                <a:schemeClr val="tx1"/>
+              </a:solidFill>
+              <a:effectLst/>
               <a:latin typeface="Consolas" panose="020B0609020204030204" pitchFamily="49" charset="0"/>
               <a:cs typeface="Consolas" panose="020B0609020204030204" pitchFamily="49" charset="0"/>
             </a:endParaRPr>
           </a:p>
           <a:p>
+            <a:pPr marL="227013" lvl="2" indent="0">
+              <a:buNone/>
+            </a:pPr>
+            <a:r>
+              <a:rPr lang="en-US" dirty="0">
+                <a:solidFill>
+                  <a:schemeClr val="tx1"/>
+                </a:solidFill>
+                <a:effectLst/>
+                <a:latin typeface="Consolas" panose="020B0609020204030204" pitchFamily="49" charset="0"/>
+                <a:cs typeface="Consolas" panose="020B0609020204030204" pitchFamily="49" charset="0"/>
+              </a:rPr>
+              <a:t>future&lt;pair&lt;</a:t>
+            </a:r>
+            <a:r>
+              <a:rPr lang="en-US" dirty="0" err="1">
+                <a:solidFill>
+                  <a:schemeClr val="tx1"/>
+                </a:solidFill>
+                <a:effectLst/>
+                <a:latin typeface="Consolas" panose="020B0609020204030204" pitchFamily="49" charset="0"/>
+                <a:cs typeface="Consolas" panose="020B0609020204030204" pitchFamily="49" charset="0"/>
+              </a:rPr>
+              <a:t>BiIter</a:t>
+            </a:r>
+            <a:r>
+              <a:rPr lang="en-US" dirty="0">
+                <a:solidFill>
+                  <a:schemeClr val="tx1"/>
+                </a:solidFill>
+                <a:effectLst/>
+                <a:latin typeface="Consolas" panose="020B0609020204030204" pitchFamily="49" charset="0"/>
+                <a:cs typeface="Consolas" panose="020B0609020204030204" pitchFamily="49" charset="0"/>
+              </a:rPr>
+              <a:t>, </a:t>
+            </a:r>
+            <a:r>
+              <a:rPr lang="en-US" dirty="0" err="1">
+                <a:solidFill>
+                  <a:schemeClr val="tx1"/>
+                </a:solidFill>
+                <a:effectLst/>
+                <a:latin typeface="Consolas" panose="020B0609020204030204" pitchFamily="49" charset="0"/>
+                <a:cs typeface="Consolas" panose="020B0609020204030204" pitchFamily="49" charset="0"/>
+              </a:rPr>
+              <a:t>BiIter</a:t>
+            </a:r>
+            <a:r>
+              <a:rPr lang="en-US" dirty="0">
+                <a:solidFill>
+                  <a:schemeClr val="tx1"/>
+                </a:solidFill>
+                <a:effectLst/>
+                <a:latin typeface="Consolas" panose="020B0609020204030204" pitchFamily="49" charset="0"/>
+                <a:cs typeface="Consolas" panose="020B0609020204030204" pitchFamily="49" charset="0"/>
+              </a:rPr>
+              <a:t>&gt;&gt; </a:t>
+            </a:r>
             <a:r>
               <a:rPr lang="en-US" dirty="0" err="1" smtClean="0">
-                <a:latin typeface="Consolas" panose="020B0609020204030204" pitchFamily="49" charset="0"/>
-                <a:cs typeface="Consolas" panose="020B0609020204030204" pitchFamily="49" charset="0"/>
-              </a:rPr>
-              <a:t>distribution_policy_executor</a:t>
-            </a:r>
-            <a:endParaRPr lang="en-US" dirty="0" smtClean="0">
+                <a:solidFill>
+                  <a:schemeClr val="tx1"/>
+                </a:solidFill>
+                <a:effectLst/>
+                <a:latin typeface="Consolas" panose="020B0609020204030204" pitchFamily="49" charset="0"/>
+                <a:cs typeface="Consolas" panose="020B0609020204030204" pitchFamily="49" charset="0"/>
+              </a:rPr>
+              <a:t>gather_async</a:t>
+            </a:r>
+            <a:r>
+              <a:rPr lang="en-US" dirty="0" smtClean="0">
+                <a:solidFill>
+                  <a:schemeClr val="tx1"/>
+                </a:solidFill>
+                <a:effectLst/>
+                <a:latin typeface="Consolas" panose="020B0609020204030204" pitchFamily="49" charset="0"/>
+                <a:cs typeface="Consolas" panose="020B0609020204030204" pitchFamily="49" charset="0"/>
+              </a:rPr>
+              <a:t>(</a:t>
+            </a:r>
+            <a:r>
+              <a:rPr lang="en-US" dirty="0" err="1" smtClean="0">
+                <a:solidFill>
+                  <a:schemeClr val="tx1"/>
+                </a:solidFill>
+                <a:effectLst/>
+                <a:latin typeface="Consolas" panose="020B0609020204030204" pitchFamily="49" charset="0"/>
+                <a:cs typeface="Consolas" panose="020B0609020204030204" pitchFamily="49" charset="0"/>
+              </a:rPr>
+              <a:t>BiIter</a:t>
+            </a:r>
+            <a:r>
+              <a:rPr lang="en-US" dirty="0" smtClean="0">
+                <a:solidFill>
+                  <a:schemeClr val="tx1"/>
+                </a:solidFill>
+                <a:effectLst/>
+                <a:latin typeface="Consolas" panose="020B0609020204030204" pitchFamily="49" charset="0"/>
+                <a:cs typeface="Consolas" panose="020B0609020204030204" pitchFamily="49" charset="0"/>
+              </a:rPr>
+              <a:t> </a:t>
+            </a:r>
+            <a:r>
+              <a:rPr lang="en-US" dirty="0">
+                <a:solidFill>
+                  <a:schemeClr val="tx1"/>
+                </a:solidFill>
+                <a:effectLst/>
+                <a:latin typeface="Consolas" panose="020B0609020204030204" pitchFamily="49" charset="0"/>
+                <a:cs typeface="Consolas" panose="020B0609020204030204" pitchFamily="49" charset="0"/>
+              </a:rPr>
+              <a:t>f, </a:t>
+            </a:r>
+            <a:r>
+              <a:rPr lang="en-US" dirty="0" err="1">
+                <a:solidFill>
+                  <a:schemeClr val="tx1"/>
+                </a:solidFill>
+                <a:effectLst/>
+                <a:latin typeface="Consolas" panose="020B0609020204030204" pitchFamily="49" charset="0"/>
+                <a:cs typeface="Consolas" panose="020B0609020204030204" pitchFamily="49" charset="0"/>
+              </a:rPr>
+              <a:t>BiIter</a:t>
+            </a:r>
+            <a:r>
+              <a:rPr lang="en-US" dirty="0" smtClean="0">
+                <a:solidFill>
+                  <a:schemeClr val="tx1"/>
+                </a:solidFill>
+                <a:effectLst/>
+                <a:latin typeface="Consolas" panose="020B0609020204030204" pitchFamily="49" charset="0"/>
+                <a:cs typeface="Consolas" panose="020B0609020204030204" pitchFamily="49" charset="0"/>
+              </a:rPr>
+              <a:t> </a:t>
+            </a:r>
+            <a:r>
+              <a:rPr lang="en-US" dirty="0">
+                <a:solidFill>
+                  <a:schemeClr val="tx1"/>
+                </a:solidFill>
+                <a:effectLst/>
+                <a:latin typeface="Consolas" panose="020B0609020204030204" pitchFamily="49" charset="0"/>
+                <a:cs typeface="Consolas" panose="020B0609020204030204" pitchFamily="49" charset="0"/>
+              </a:rPr>
+              <a:t>l, </a:t>
+            </a:r>
+            <a:r>
+              <a:rPr lang="en-US" dirty="0" err="1">
+                <a:solidFill>
+                  <a:schemeClr val="tx1"/>
+                </a:solidFill>
+                <a:effectLst/>
+                <a:latin typeface="Consolas" panose="020B0609020204030204" pitchFamily="49" charset="0"/>
+                <a:cs typeface="Consolas" panose="020B0609020204030204" pitchFamily="49" charset="0"/>
+              </a:rPr>
+              <a:t>BiIter</a:t>
+            </a:r>
+            <a:r>
+              <a:rPr lang="en-US" dirty="0" smtClean="0">
+                <a:solidFill>
+                  <a:schemeClr val="tx1"/>
+                </a:solidFill>
+                <a:effectLst/>
+                <a:latin typeface="Consolas" panose="020B0609020204030204" pitchFamily="49" charset="0"/>
+                <a:cs typeface="Consolas" panose="020B0609020204030204" pitchFamily="49" charset="0"/>
+              </a:rPr>
+              <a:t> </a:t>
+            </a:r>
+            <a:r>
+              <a:rPr lang="en-US" dirty="0">
+                <a:solidFill>
+                  <a:schemeClr val="tx1"/>
+                </a:solidFill>
+                <a:effectLst/>
+                <a:latin typeface="Consolas" panose="020B0609020204030204" pitchFamily="49" charset="0"/>
+                <a:cs typeface="Consolas" panose="020B0609020204030204" pitchFamily="49" charset="0"/>
+              </a:rPr>
+              <a:t>p, </a:t>
+            </a:r>
+            <a:r>
+              <a:rPr lang="en-US" dirty="0" err="1" smtClean="0">
+                <a:solidFill>
+                  <a:schemeClr val="tx1"/>
+                </a:solidFill>
+                <a:effectLst/>
+                <a:latin typeface="Consolas" panose="020B0609020204030204" pitchFamily="49" charset="0"/>
+                <a:cs typeface="Consolas" panose="020B0609020204030204" pitchFamily="49" charset="0"/>
+              </a:rPr>
+              <a:t>Pred</a:t>
+            </a:r>
+            <a:r>
+              <a:rPr lang="en-US" dirty="0" smtClean="0">
+                <a:solidFill>
+                  <a:schemeClr val="tx1"/>
+                </a:solidFill>
+                <a:effectLst/>
+                <a:latin typeface="Consolas" panose="020B0609020204030204" pitchFamily="49" charset="0"/>
+                <a:cs typeface="Consolas" panose="020B0609020204030204" pitchFamily="49" charset="0"/>
+              </a:rPr>
+              <a:t> </a:t>
+            </a:r>
+            <a:r>
+              <a:rPr lang="en-US" dirty="0" err="1" smtClean="0">
+                <a:solidFill>
+                  <a:schemeClr val="tx1"/>
+                </a:solidFill>
+                <a:effectLst/>
+                <a:latin typeface="Consolas" panose="020B0609020204030204" pitchFamily="49" charset="0"/>
+                <a:cs typeface="Consolas" panose="020B0609020204030204" pitchFamily="49" charset="0"/>
+              </a:rPr>
+              <a:t>pred</a:t>
+            </a:r>
+            <a:r>
+              <a:rPr lang="en-US" dirty="0" smtClean="0">
+                <a:solidFill>
+                  <a:schemeClr val="tx1"/>
+                </a:solidFill>
+                <a:effectLst/>
+                <a:latin typeface="Consolas" panose="020B0609020204030204" pitchFamily="49" charset="0"/>
+                <a:cs typeface="Consolas" panose="020B0609020204030204" pitchFamily="49" charset="0"/>
+              </a:rPr>
+              <a:t>)</a:t>
+            </a:r>
+            <a:endParaRPr lang="en-US" dirty="0">
+              <a:solidFill>
+                <a:schemeClr val="tx1"/>
+              </a:solidFill>
+              <a:effectLst/>
               <a:latin typeface="Consolas" panose="020B0609020204030204" pitchFamily="49" charset="0"/>
               <a:cs typeface="Consolas" panose="020B0609020204030204" pitchFamily="49" charset="0"/>
             </a:endParaRPr>
           </a:p>
           <a:p>
-            <a:pPr lvl="1"/>
+            <a:pPr marL="227013" lvl="2" indent="0">
+              <a:buNone/>
+            </a:pPr>
             <a:r>
               <a:rPr lang="en-US" dirty="0" smtClean="0">
-                <a:cs typeface="Consolas" panose="020B0609020204030204" pitchFamily="49" charset="0"/>
-              </a:rPr>
-              <a:t>Use one of HPX’s (distributed) distribution policies, specify node(s) to run on</a:t>
-            </a:r>
-          </a:p>
-          <a:p>
+                <a:solidFill>
+                  <a:schemeClr val="tx1"/>
+                </a:solidFill>
+                <a:effectLst/>
+                <a:latin typeface="Consolas" panose="020B0609020204030204" pitchFamily="49" charset="0"/>
+                <a:cs typeface="Consolas" panose="020B0609020204030204" pitchFamily="49" charset="0"/>
+              </a:rPr>
+              <a:t>{</a:t>
+            </a:r>
+          </a:p>
+          <a:p>
+            <a:pPr marL="227013" lvl="2" indent="0">
+              <a:buNone/>
+            </a:pPr>
+            <a:r>
+              <a:rPr lang="en-US" dirty="0">
+                <a:solidFill>
+                  <a:schemeClr val="tx1"/>
+                </a:solidFill>
+                <a:latin typeface="Consolas" panose="020B0609020204030204" pitchFamily="49" charset="0"/>
+                <a:cs typeface="Consolas" panose="020B0609020204030204" pitchFamily="49" charset="0"/>
+              </a:rPr>
+              <a:t> </a:t>
+            </a:r>
             <a:r>
               <a:rPr lang="en-US" dirty="0" smtClean="0">
-                <a:latin typeface="Consolas" panose="020B0609020204030204" pitchFamily="49" charset="0"/>
-                <a:cs typeface="Consolas" panose="020B0609020204030204" pitchFamily="49" charset="0"/>
-              </a:rPr>
-              <a:t>host::</a:t>
+                <a:solidFill>
+                  <a:schemeClr val="tx1"/>
+                </a:solidFill>
+                <a:latin typeface="Consolas" panose="020B0609020204030204" pitchFamily="49" charset="0"/>
+                <a:cs typeface="Consolas" panose="020B0609020204030204" pitchFamily="49" charset="0"/>
+              </a:rPr>
+              <a:t>   future&lt;</a:t>
             </a:r>
             <a:r>
               <a:rPr lang="en-US" dirty="0" err="1" smtClean="0">
-                <a:latin typeface="Consolas" panose="020B0609020204030204" pitchFamily="49" charset="0"/>
-                <a:cs typeface="Consolas" panose="020B0609020204030204" pitchFamily="49" charset="0"/>
-              </a:rPr>
-              <a:t>parallel_executor</a:t>
-            </a:r>
-            <a:endParaRPr lang="en-US" dirty="0" smtClean="0">
+                <a:solidFill>
+                  <a:schemeClr val="tx1"/>
+                </a:solidFill>
+                <a:latin typeface="Consolas" panose="020B0609020204030204" pitchFamily="49" charset="0"/>
+                <a:cs typeface="Consolas" panose="020B0609020204030204" pitchFamily="49" charset="0"/>
+              </a:rPr>
+              <a:t>BiIter</a:t>
+            </a:r>
+            <a:r>
+              <a:rPr lang="en-US" dirty="0" smtClean="0">
+                <a:solidFill>
+                  <a:schemeClr val="tx1"/>
+                </a:solidFill>
+                <a:latin typeface="Consolas" panose="020B0609020204030204" pitchFamily="49" charset="0"/>
+                <a:cs typeface="Consolas" panose="020B0609020204030204" pitchFamily="49" charset="0"/>
+              </a:rPr>
+              <a:t>&gt; f1 = </a:t>
+            </a:r>
+            <a:r>
+              <a:rPr lang="en-US" dirty="0">
+                <a:solidFill>
+                  <a:schemeClr val="tx1"/>
+                </a:solidFill>
+                <a:latin typeface="Consolas" panose="020B0609020204030204" pitchFamily="49" charset="0"/>
+                <a:cs typeface="Consolas" panose="020B0609020204030204" pitchFamily="49" charset="0"/>
+              </a:rPr>
+              <a:t>parallel::</a:t>
+            </a:r>
+            <a:r>
+              <a:rPr lang="en-US" dirty="0" err="1">
+                <a:solidFill>
+                  <a:schemeClr val="tx1"/>
+                </a:solidFill>
+                <a:latin typeface="Consolas" panose="020B0609020204030204" pitchFamily="49" charset="0"/>
+                <a:cs typeface="Consolas" panose="020B0609020204030204" pitchFamily="49" charset="0"/>
+              </a:rPr>
+              <a:t>stable_partition</a:t>
+            </a:r>
+            <a:r>
+              <a:rPr lang="en-US" dirty="0">
+                <a:solidFill>
+                  <a:schemeClr val="tx1"/>
+                </a:solidFill>
+                <a:latin typeface="Consolas" panose="020B0609020204030204" pitchFamily="49" charset="0"/>
+                <a:cs typeface="Consolas" panose="020B0609020204030204" pitchFamily="49" charset="0"/>
+              </a:rPr>
+              <a:t>(par(task), f, p, not1(</a:t>
+            </a:r>
+            <a:r>
+              <a:rPr lang="en-US" dirty="0" err="1">
+                <a:solidFill>
+                  <a:schemeClr val="tx1"/>
+                </a:solidFill>
+                <a:latin typeface="Consolas" panose="020B0609020204030204" pitchFamily="49" charset="0"/>
+                <a:cs typeface="Consolas" panose="020B0609020204030204" pitchFamily="49" charset="0"/>
+              </a:rPr>
+              <a:t>pred</a:t>
+            </a:r>
+            <a:r>
+              <a:rPr lang="en-US" dirty="0" smtClean="0">
+                <a:solidFill>
+                  <a:schemeClr val="tx1"/>
+                </a:solidFill>
+                <a:latin typeface="Consolas" panose="020B0609020204030204" pitchFamily="49" charset="0"/>
+                <a:cs typeface="Consolas" panose="020B0609020204030204" pitchFamily="49" charset="0"/>
+              </a:rPr>
+              <a:t>));</a:t>
+            </a:r>
+          </a:p>
+          <a:p>
+            <a:pPr marL="227013" lvl="2" indent="0">
+              <a:buNone/>
+            </a:pPr>
+            <a:r>
+              <a:rPr lang="en-US" dirty="0" smtClean="0">
+                <a:solidFill>
+                  <a:schemeClr val="tx1"/>
+                </a:solidFill>
+                <a:latin typeface="Consolas" panose="020B0609020204030204" pitchFamily="49" charset="0"/>
+                <a:cs typeface="Consolas" panose="020B0609020204030204" pitchFamily="49" charset="0"/>
+              </a:rPr>
+              <a:t>    </a:t>
+            </a:r>
+            <a:r>
+              <a:rPr lang="en-US" dirty="0">
+                <a:solidFill>
+                  <a:schemeClr val="tx1"/>
+                </a:solidFill>
+                <a:latin typeface="Consolas" panose="020B0609020204030204" pitchFamily="49" charset="0"/>
+                <a:cs typeface="Consolas" panose="020B0609020204030204" pitchFamily="49" charset="0"/>
+              </a:rPr>
+              <a:t>future&lt;</a:t>
+            </a:r>
+            <a:r>
+              <a:rPr lang="en-US" dirty="0" err="1">
+                <a:solidFill>
+                  <a:schemeClr val="tx1"/>
+                </a:solidFill>
+                <a:latin typeface="Consolas" panose="020B0609020204030204" pitchFamily="49" charset="0"/>
+                <a:cs typeface="Consolas" panose="020B0609020204030204" pitchFamily="49" charset="0"/>
+              </a:rPr>
+              <a:t>BiIter</a:t>
+            </a:r>
+            <a:r>
+              <a:rPr lang="en-US" dirty="0">
+                <a:solidFill>
+                  <a:schemeClr val="tx1"/>
+                </a:solidFill>
+                <a:latin typeface="Consolas" panose="020B0609020204030204" pitchFamily="49" charset="0"/>
+                <a:cs typeface="Consolas" panose="020B0609020204030204" pitchFamily="49" charset="0"/>
+              </a:rPr>
+              <a:t>&gt; </a:t>
+            </a:r>
+            <a:r>
+              <a:rPr lang="en-US" dirty="0" smtClean="0">
+                <a:solidFill>
+                  <a:schemeClr val="tx1"/>
+                </a:solidFill>
+                <a:latin typeface="Consolas" panose="020B0609020204030204" pitchFamily="49" charset="0"/>
+                <a:cs typeface="Consolas" panose="020B0609020204030204" pitchFamily="49" charset="0"/>
+              </a:rPr>
+              <a:t>f2 </a:t>
+            </a:r>
+            <a:r>
+              <a:rPr lang="en-US" dirty="0">
+                <a:solidFill>
+                  <a:schemeClr val="tx1"/>
+                </a:solidFill>
+                <a:latin typeface="Consolas" panose="020B0609020204030204" pitchFamily="49" charset="0"/>
+                <a:cs typeface="Consolas" panose="020B0609020204030204" pitchFamily="49" charset="0"/>
+              </a:rPr>
+              <a:t>= parallel::</a:t>
+            </a:r>
+            <a:r>
+              <a:rPr lang="en-US" dirty="0" err="1">
+                <a:solidFill>
+                  <a:schemeClr val="tx1"/>
+                </a:solidFill>
+                <a:latin typeface="Consolas" panose="020B0609020204030204" pitchFamily="49" charset="0"/>
+                <a:cs typeface="Consolas" panose="020B0609020204030204" pitchFamily="49" charset="0"/>
+              </a:rPr>
+              <a:t>stable_partition</a:t>
+            </a:r>
+            <a:r>
+              <a:rPr lang="en-US" dirty="0">
+                <a:solidFill>
+                  <a:schemeClr val="tx1"/>
+                </a:solidFill>
+                <a:latin typeface="Consolas" panose="020B0609020204030204" pitchFamily="49" charset="0"/>
+                <a:cs typeface="Consolas" panose="020B0609020204030204" pitchFamily="49" charset="0"/>
+              </a:rPr>
+              <a:t>(par(task), </a:t>
+            </a:r>
+            <a:r>
+              <a:rPr lang="en-US" dirty="0" smtClean="0">
+                <a:solidFill>
+                  <a:schemeClr val="tx1"/>
+                </a:solidFill>
+                <a:latin typeface="Consolas" panose="020B0609020204030204" pitchFamily="49" charset="0"/>
+                <a:cs typeface="Consolas" panose="020B0609020204030204" pitchFamily="49" charset="0"/>
+              </a:rPr>
+              <a:t>p, l, </a:t>
+            </a:r>
+            <a:r>
+              <a:rPr lang="en-US" dirty="0" err="1" smtClean="0">
+                <a:solidFill>
+                  <a:schemeClr val="tx1"/>
+                </a:solidFill>
+                <a:latin typeface="Consolas" panose="020B0609020204030204" pitchFamily="49" charset="0"/>
+                <a:cs typeface="Consolas" panose="020B0609020204030204" pitchFamily="49" charset="0"/>
+              </a:rPr>
+              <a:t>pred</a:t>
+            </a:r>
+            <a:r>
+              <a:rPr lang="en-US" dirty="0" smtClean="0">
+                <a:solidFill>
+                  <a:schemeClr val="tx1"/>
+                </a:solidFill>
+                <a:latin typeface="Consolas" panose="020B0609020204030204" pitchFamily="49" charset="0"/>
+                <a:cs typeface="Consolas" panose="020B0609020204030204" pitchFamily="49" charset="0"/>
+              </a:rPr>
+              <a:t>);</a:t>
+            </a:r>
+            <a:endParaRPr lang="en-US" dirty="0">
+              <a:solidFill>
+                <a:schemeClr val="tx1"/>
+              </a:solidFill>
+              <a:effectLst/>
               <a:latin typeface="Consolas" panose="020B0609020204030204" pitchFamily="49" charset="0"/>
               <a:cs typeface="Consolas" panose="020B0609020204030204" pitchFamily="49" charset="0"/>
             </a:endParaRPr>
           </a:p>
           <a:p>
-            <a:pPr lvl="1"/>
+            <a:pPr marL="227013" lvl="2" indent="0">
+              <a:buNone/>
+            </a:pPr>
+            <a:r>
+              <a:rPr lang="en-US" dirty="0">
+                <a:solidFill>
+                  <a:schemeClr val="tx1"/>
+                </a:solidFill>
+                <a:effectLst/>
+                <a:latin typeface="Consolas" panose="020B0609020204030204" pitchFamily="49" charset="0"/>
+                <a:cs typeface="Consolas" panose="020B0609020204030204" pitchFamily="49" charset="0"/>
+              </a:rPr>
+              <a:t>    </a:t>
+            </a:r>
+            <a:r>
+              <a:rPr lang="en-US" dirty="0" err="1">
+                <a:solidFill>
+                  <a:schemeClr val="accent2">
+                    <a:lumMod val="75000"/>
+                  </a:schemeClr>
+                </a:solidFill>
+                <a:latin typeface="Consolas" panose="020B0609020204030204" pitchFamily="49" charset="0"/>
+                <a:cs typeface="Consolas" panose="020B0609020204030204" pitchFamily="49" charset="0"/>
+              </a:rPr>
+              <a:t>co_return</a:t>
+            </a:r>
             <a:r>
               <a:rPr lang="en-US" dirty="0" smtClean="0">
-                <a:cs typeface="Consolas" panose="020B0609020204030204" pitchFamily="49" charset="0"/>
-              </a:rPr>
-              <a:t>Specify core(s) to run on (NUMA aware)</a:t>
-            </a:r>
-          </a:p>
-          <a:p>
+                <a:solidFill>
+                  <a:schemeClr val="tx1"/>
+                </a:solidFill>
+                <a:effectLst/>
+                <a:latin typeface="Consolas" panose="020B0609020204030204" pitchFamily="49" charset="0"/>
+                <a:cs typeface="Consolas" panose="020B0609020204030204" pitchFamily="49" charset="0"/>
+              </a:rPr>
+              <a:t> </a:t>
+            </a:r>
             <a:r>
               <a:rPr lang="en-US" dirty="0" err="1" smtClean="0">
-                <a:latin typeface="Consolas" panose="020B0609020204030204" pitchFamily="49" charset="0"/>
-                <a:cs typeface="Consolas" panose="020B0609020204030204" pitchFamily="49" charset="0"/>
-              </a:rPr>
-              <a:t>cuda</a:t>
+                <a:solidFill>
+                  <a:schemeClr val="tx1"/>
+                </a:solidFill>
+                <a:effectLst/>
+                <a:latin typeface="Consolas" panose="020B0609020204030204" pitchFamily="49" charset="0"/>
+                <a:cs typeface="Consolas" panose="020B0609020204030204" pitchFamily="49" charset="0"/>
+              </a:rPr>
+              <a:t>make_pair</a:t>
             </a:r>
             <a:r>
               <a:rPr lang="en-US" dirty="0" smtClean="0">
-                <a:latin typeface="Consolas" panose="020B0609020204030204" pitchFamily="49" charset="0"/>
-                <a:cs typeface="Consolas" panose="020B0609020204030204" pitchFamily="49" charset="0"/>
-              </a:rPr>
-              <a:t>::</a:t>
+                <a:solidFill>
+                  <a:schemeClr val="tx1"/>
+                </a:solidFill>
+                <a:effectLst/>
+                <a:latin typeface="Consolas" panose="020B0609020204030204" pitchFamily="49" charset="0"/>
+                <a:cs typeface="Consolas" panose="020B0609020204030204" pitchFamily="49" charset="0"/>
+              </a:rPr>
+              <a:t>(</a:t>
             </a:r>
             <a:r>
               <a:rPr lang="en-US" dirty="0" err="1" smtClean="0">
-                <a:latin typeface="Consolas" panose="020B0609020204030204" pitchFamily="49" charset="0"/>
-                <a:cs typeface="Consolas" panose="020B0609020204030204" pitchFamily="49" charset="0"/>
-              </a:rPr>
-              <a:t>default_executor</a:t>
-            </a:r>
-            <a:endParaRPr lang="en-US" dirty="0" smtClean="0">
+                <a:solidFill>
+                  <a:schemeClr val="accent2">
+                    <a:lumMod val="75000"/>
+                  </a:schemeClr>
+                </a:solidFill>
+                <a:effectLst/>
+                <a:latin typeface="Consolas" panose="020B0609020204030204" pitchFamily="49" charset="0"/>
+                <a:cs typeface="Consolas" panose="020B0609020204030204" pitchFamily="49" charset="0"/>
+              </a:rPr>
+              <a:t>co_await</a:t>
+            </a:r>
+            <a:r>
+              <a:rPr lang="en-US" dirty="0" smtClean="0">
+                <a:solidFill>
+                  <a:schemeClr val="accent2">
+                    <a:lumMod val="75000"/>
+                  </a:schemeClr>
+                </a:solidFill>
+                <a:effectLst/>
+                <a:latin typeface="Consolas" panose="020B0609020204030204" pitchFamily="49" charset="0"/>
+                <a:cs typeface="Consolas" panose="020B0609020204030204" pitchFamily="49" charset="0"/>
+              </a:rPr>
+              <a:t> </a:t>
+            </a:r>
+            <a:r>
+              <a:rPr lang="en-US" dirty="0" smtClean="0">
+                <a:solidFill>
+                  <a:schemeClr val="tx1"/>
+                </a:solidFill>
+                <a:effectLst/>
+                <a:latin typeface="Consolas" panose="020B0609020204030204" pitchFamily="49" charset="0"/>
+                <a:cs typeface="Consolas" panose="020B0609020204030204" pitchFamily="49" charset="0"/>
+              </a:rPr>
+              <a:t>f1, </a:t>
+            </a:r>
+            <a:r>
+              <a:rPr lang="en-US" dirty="0" err="1" smtClean="0">
+                <a:solidFill>
+                  <a:schemeClr val="accent2">
+                    <a:lumMod val="75000"/>
+                  </a:schemeClr>
+                </a:solidFill>
+                <a:effectLst/>
+                <a:latin typeface="Consolas" panose="020B0609020204030204" pitchFamily="49" charset="0"/>
+                <a:cs typeface="Consolas" panose="020B0609020204030204" pitchFamily="49" charset="0"/>
+              </a:rPr>
+              <a:t>co_await</a:t>
+            </a:r>
+            <a:r>
+              <a:rPr lang="en-US" dirty="0" smtClean="0">
+                <a:solidFill>
+                  <a:schemeClr val="accent2">
+                    <a:lumMod val="75000"/>
+                  </a:schemeClr>
+                </a:solidFill>
+                <a:effectLst/>
+                <a:latin typeface="Consolas" panose="020B0609020204030204" pitchFamily="49" charset="0"/>
+                <a:cs typeface="Consolas" panose="020B0609020204030204" pitchFamily="49" charset="0"/>
+              </a:rPr>
+              <a:t> </a:t>
+            </a:r>
+            <a:r>
+              <a:rPr lang="en-US" dirty="0" smtClean="0">
+                <a:solidFill>
+                  <a:schemeClr val="tx1"/>
+                </a:solidFill>
+                <a:effectLst/>
+                <a:latin typeface="Consolas" panose="020B0609020204030204" pitchFamily="49" charset="0"/>
+                <a:cs typeface="Consolas" panose="020B0609020204030204" pitchFamily="49" charset="0"/>
+              </a:rPr>
+              <a:t>f2</a:t>
+            </a:r>
+            <a:r>
+              <a:rPr lang="en-US" dirty="0" smtClean="0">
+                <a:solidFill>
+                  <a:schemeClr val="tx1"/>
+                </a:solidFill>
+                <a:latin typeface="Consolas" panose="020B0609020204030204" pitchFamily="49" charset="0"/>
+                <a:cs typeface="Consolas" panose="020B0609020204030204" pitchFamily="49" charset="0"/>
+              </a:rPr>
+              <a:t>)</a:t>
+            </a:r>
+            <a:r>
+              <a:rPr lang="en-US" dirty="0" smtClean="0">
+                <a:solidFill>
+                  <a:schemeClr val="tx1"/>
+                </a:solidFill>
+                <a:effectLst/>
+                <a:latin typeface="Consolas" panose="020B0609020204030204" pitchFamily="49" charset="0"/>
+                <a:cs typeface="Consolas" panose="020B0609020204030204" pitchFamily="49" charset="0"/>
+              </a:rPr>
+              <a:t>;</a:t>
+            </a:r>
+          </a:p>
+          <a:p>
+            <a:pPr marL="227013" lvl="2" indent="0">
+              <a:buNone/>
+            </a:pPr>
+            <a:r>
+              <a:rPr lang="en-US" dirty="0" smtClean="0">
+                <a:solidFill>
+                  <a:schemeClr val="tx1"/>
+                </a:solidFill>
+                <a:effectLst/>
+                <a:latin typeface="Consolas" panose="020B0609020204030204" pitchFamily="49" charset="0"/>
+                <a:cs typeface="Consolas" panose="020B0609020204030204" pitchFamily="49" charset="0"/>
+              </a:rPr>
+              <a:t>}</a:t>
+            </a:r>
+            <a:endParaRPr lang="en-US" dirty="0">
+              <a:solidFill>
+                <a:schemeClr val="tx1"/>
+              </a:solidFill>
+              <a:effectLst/>
               <a:latin typeface="Consolas" panose="020B0609020204030204" pitchFamily="49" charset="0"/>
               <a:cs typeface="Consolas" panose="020B0609020204030204" pitchFamily="49" charset="0"/>
             </a:endParaRPr>
           </a:p>
           <a:p>
-            <a:pPr lvl="1"/>
-            <a:r>
-              <a:rPr lang="en-US" dirty="0" smtClean="0">
-                <a:cs typeface="Consolas" panose="020B0609020204030204" pitchFamily="49" charset="0"/>
-              </a:rPr>
-              <a:t>Use for running things on GPU</a:t>
-            </a:r>
-          </a:p>
-          <a:p>
-            <a:r>
-              <a:rPr lang="en-US" dirty="0" smtClean="0">
-                <a:cs typeface="Consolas" panose="020B0609020204030204" pitchFamily="49" charset="0"/>
-              </a:rPr>
-              <a:t>Etc.</a:t>
-            </a:r>
-          </a:p>
-          <a:p>
-            <a:endParaRPr lang="en-US" dirty="0">
-              <a:cs typeface="Consolas" panose="020B0609020204030204" pitchFamily="49" charset="0"/>
-            </a:endParaRPr>
+            <a:endParaRPr lang="en-US" dirty="0"/>
           </a:p>
         </p:txBody>
       </p:sp>
@@ -12513,7 +15327,7 @@
           <a:p>
             <a:r>
               <a:rPr lang="en-US" smtClean="0"/>
-              <a:t>10/17/2016</a:t>
+              <a:t>10/18/2016</a:t>
             </a:r>
             <a:endParaRPr lang="en-US"/>
           </a:p>
@@ -12536,9 +15350,9 @@
           <a:p>
             <a:r>
               <a:rPr lang="en-US" smtClean="0"/>
-              <a:t>Companions Left Behind, Hartmut Kaiser, Berkeley C++ Summit</a:t>
-            </a:r>
-            <a:endParaRPr lang="en-US"/>
+              <a:t>HPX Workshop (Berkeley C++ Summit) - 3,            Hartmut Kaiser (hkaiser@cct.lsu.edu)</a:t>
+            </a:r>
+            <a:endParaRPr lang="en-US" dirty="0"/>
           </a:p>
         </p:txBody>
       </p:sp>
@@ -12559,7 +15373,7 @@
           </a:bodyPr>
           <a:lstStyle/>
           <a:p>
-            <a:fld id="{65339F38-439B-42BE-A6DB-D203DE66964E}" type="slidenum">
+            <a:fld id="{D59BBAD0-7158-41E2-BB8D-15D14837C8C5}" type="slidenum">
               <a:rPr lang="en-US" smtClean="0"/>
               <a:t>19</a:t>
             </a:fld>
@@ -12570,7 +15384,7 @@
     </p:spTree>
     <p:extLst>
       <p:ext uri="{BB962C8B-B14F-4D97-AF65-F5344CB8AC3E}">
-        <p14:creationId xmlns:p14="http://schemas.microsoft.com/office/powerpoint/2010/main" val="3073623095"/>
+        <p14:creationId xmlns:p14="http://schemas.microsoft.com/office/powerpoint/2010/main" val="1954382035"/>
       </p:ext>
     </p:extLst>
   </p:cSld>
@@ -12580,7 +15394,321 @@
   <p:timing>
     <p:tnLst>
       <p:par>
-        <p:cTn id="1" dur="indefinite" restart="never" nodeType="tmRoot"/>
+        <p:cTn id="1" dur="indefinite" restart="never" nodeType="tmRoot">
+          <p:childTnLst>
+            <p:seq concurrent="1" nextAc="seek">
+              <p:cTn id="2" dur="indefinite" nodeType="mainSeq">
+                <p:childTnLst>
+                  <p:par>
+                    <p:cTn id="3" fill="hold">
+                      <p:stCondLst>
+                        <p:cond delay="indefinite"/>
+                      </p:stCondLst>
+                      <p:childTnLst>
+                        <p:par>
+                          <p:cTn id="4" fill="hold">
+                            <p:stCondLst>
+                              <p:cond delay="0"/>
+                            </p:stCondLst>
+                            <p:childTnLst>
+                              <p:par>
+                                <p:cTn id="5" presetID="2" presetClass="entr" presetSubtype="8" fill="hold" nodeType="clickEffect">
+                                  <p:stCondLst>
+                                    <p:cond delay="0"/>
+                                  </p:stCondLst>
+                                  <p:childTnLst>
+                                    <p:set>
+                                      <p:cBhvr>
+                                        <p:cTn id="6" dur="1" fill="hold">
+                                          <p:stCondLst>
+                                            <p:cond delay="0"/>
+                                          </p:stCondLst>
+                                        </p:cTn>
+                                        <p:tgtEl>
+                                          <p:spTgt spid="3">
+                                            <p:txEl>
+                                              <p:pRg st="5" end="5"/>
+                                            </p:txEl>
+                                          </p:spTgt>
+                                        </p:tgtEl>
+                                        <p:attrNameLst>
+                                          <p:attrName>style.visibility</p:attrName>
+                                        </p:attrNameLst>
+                                      </p:cBhvr>
+                                      <p:to>
+                                        <p:strVal val="visible"/>
+                                      </p:to>
+                                    </p:set>
+                                    <p:anim calcmode="lin" valueType="num">
+                                      <p:cBhvr additive="base">
+                                        <p:cTn id="7" dur="500" fill="hold"/>
+                                        <p:tgtEl>
+                                          <p:spTgt spid="3">
+                                            <p:txEl>
+                                              <p:pRg st="5" end="5"/>
+                                            </p:txEl>
+                                          </p:spTgt>
+                                        </p:tgtEl>
+                                        <p:attrNameLst>
+                                          <p:attrName>ppt_x</p:attrName>
+                                        </p:attrNameLst>
+                                      </p:cBhvr>
+                                      <p:tavLst>
+                                        <p:tav tm="0">
+                                          <p:val>
+                                            <p:strVal val="0-#ppt_w/2"/>
+                                          </p:val>
+                                        </p:tav>
+                                        <p:tav tm="100000">
+                                          <p:val>
+                                            <p:strVal val="#ppt_x"/>
+                                          </p:val>
+                                        </p:tav>
+                                      </p:tavLst>
+                                    </p:anim>
+                                    <p:anim calcmode="lin" valueType="num">
+                                      <p:cBhvr additive="base">
+                                        <p:cTn id="8" dur="500" fill="hold"/>
+                                        <p:tgtEl>
+                                          <p:spTgt spid="3">
+                                            <p:txEl>
+                                              <p:pRg st="5" end="5"/>
+                                            </p:txEl>
+                                          </p:spTgt>
+                                        </p:tgtEl>
+                                        <p:attrNameLst>
+                                          <p:attrName>ppt_y</p:attrName>
+                                        </p:attrNameLst>
+                                      </p:cBhvr>
+                                      <p:tavLst>
+                                        <p:tav tm="0">
+                                          <p:val>
+                                            <p:strVal val="#ppt_y"/>
+                                          </p:val>
+                                        </p:tav>
+                                        <p:tav tm="100000">
+                                          <p:val>
+                                            <p:strVal val="#ppt_y"/>
+                                          </p:val>
+                                        </p:tav>
+                                      </p:tavLst>
+                                    </p:anim>
+                                  </p:childTnLst>
+                                </p:cTn>
+                              </p:par>
+                              <p:par>
+                                <p:cTn id="9" presetID="2" presetClass="entr" presetSubtype="8" fill="hold" nodeType="withEffect">
+                                  <p:stCondLst>
+                                    <p:cond delay="0"/>
+                                  </p:stCondLst>
+                                  <p:childTnLst>
+                                    <p:set>
+                                      <p:cBhvr>
+                                        <p:cTn id="10" dur="1" fill="hold">
+                                          <p:stCondLst>
+                                            <p:cond delay="0"/>
+                                          </p:stCondLst>
+                                        </p:cTn>
+                                        <p:tgtEl>
+                                          <p:spTgt spid="3">
+                                            <p:txEl>
+                                              <p:pRg st="6" end="6"/>
+                                            </p:txEl>
+                                          </p:spTgt>
+                                        </p:tgtEl>
+                                        <p:attrNameLst>
+                                          <p:attrName>style.visibility</p:attrName>
+                                        </p:attrNameLst>
+                                      </p:cBhvr>
+                                      <p:to>
+                                        <p:strVal val="visible"/>
+                                      </p:to>
+                                    </p:set>
+                                    <p:anim calcmode="lin" valueType="num">
+                                      <p:cBhvr additive="base">
+                                        <p:cTn id="11" dur="500" fill="hold"/>
+                                        <p:tgtEl>
+                                          <p:spTgt spid="3">
+                                            <p:txEl>
+                                              <p:pRg st="6" end="6"/>
+                                            </p:txEl>
+                                          </p:spTgt>
+                                        </p:tgtEl>
+                                        <p:attrNameLst>
+                                          <p:attrName>ppt_x</p:attrName>
+                                        </p:attrNameLst>
+                                      </p:cBhvr>
+                                      <p:tavLst>
+                                        <p:tav tm="0">
+                                          <p:val>
+                                            <p:strVal val="0-#ppt_w/2"/>
+                                          </p:val>
+                                        </p:tav>
+                                        <p:tav tm="100000">
+                                          <p:val>
+                                            <p:strVal val="#ppt_x"/>
+                                          </p:val>
+                                        </p:tav>
+                                      </p:tavLst>
+                                    </p:anim>
+                                    <p:anim calcmode="lin" valueType="num">
+                                      <p:cBhvr additive="base">
+                                        <p:cTn id="12" dur="500" fill="hold"/>
+                                        <p:tgtEl>
+                                          <p:spTgt spid="3">
+                                            <p:txEl>
+                                              <p:pRg st="6" end="6"/>
+                                            </p:txEl>
+                                          </p:spTgt>
+                                        </p:tgtEl>
+                                        <p:attrNameLst>
+                                          <p:attrName>ppt_y</p:attrName>
+                                        </p:attrNameLst>
+                                      </p:cBhvr>
+                                      <p:tavLst>
+                                        <p:tav tm="0">
+                                          <p:val>
+                                            <p:strVal val="#ppt_y"/>
+                                          </p:val>
+                                        </p:tav>
+                                        <p:tav tm="100000">
+                                          <p:val>
+                                            <p:strVal val="#ppt_y"/>
+                                          </p:val>
+                                        </p:tav>
+                                      </p:tavLst>
+                                    </p:anim>
+                                  </p:childTnLst>
+                                </p:cTn>
+                              </p:par>
+                            </p:childTnLst>
+                          </p:cTn>
+                        </p:par>
+                      </p:childTnLst>
+                    </p:cTn>
+                  </p:par>
+                  <p:par>
+                    <p:cTn id="13" fill="hold">
+                      <p:stCondLst>
+                        <p:cond delay="indefinite"/>
+                      </p:stCondLst>
+                      <p:childTnLst>
+                        <p:par>
+                          <p:cTn id="14" fill="hold">
+                            <p:stCondLst>
+                              <p:cond delay="0"/>
+                            </p:stCondLst>
+                            <p:childTnLst>
+                              <p:par>
+                                <p:cTn id="15" presetID="2" presetClass="entr" presetSubtype="8" fill="hold" nodeType="clickEffect">
+                                  <p:stCondLst>
+                                    <p:cond delay="0"/>
+                                  </p:stCondLst>
+                                  <p:childTnLst>
+                                    <p:set>
+                                      <p:cBhvr>
+                                        <p:cTn id="16" dur="1" fill="hold">
+                                          <p:stCondLst>
+                                            <p:cond delay="0"/>
+                                          </p:stCondLst>
+                                        </p:cTn>
+                                        <p:tgtEl>
+                                          <p:spTgt spid="3">
+                                            <p:txEl>
+                                              <p:pRg st="7" end="7"/>
+                                            </p:txEl>
+                                          </p:spTgt>
+                                        </p:tgtEl>
+                                        <p:attrNameLst>
+                                          <p:attrName>style.visibility</p:attrName>
+                                        </p:attrNameLst>
+                                      </p:cBhvr>
+                                      <p:to>
+                                        <p:strVal val="visible"/>
+                                      </p:to>
+                                    </p:set>
+                                    <p:anim calcmode="lin" valueType="num">
+                                      <p:cBhvr additive="base">
+                                        <p:cTn id="17" dur="500" fill="hold"/>
+                                        <p:tgtEl>
+                                          <p:spTgt spid="3">
+                                            <p:txEl>
+                                              <p:pRg st="7" end="7"/>
+                                            </p:txEl>
+                                          </p:spTgt>
+                                        </p:tgtEl>
+                                        <p:attrNameLst>
+                                          <p:attrName>ppt_x</p:attrName>
+                                        </p:attrNameLst>
+                                      </p:cBhvr>
+                                      <p:tavLst>
+                                        <p:tav tm="0">
+                                          <p:val>
+                                            <p:strVal val="0-#ppt_w/2"/>
+                                          </p:val>
+                                        </p:tav>
+                                        <p:tav tm="100000">
+                                          <p:val>
+                                            <p:strVal val="#ppt_x"/>
+                                          </p:val>
+                                        </p:tav>
+                                      </p:tavLst>
+                                    </p:anim>
+                                    <p:anim calcmode="lin" valueType="num">
+                                      <p:cBhvr additive="base">
+                                        <p:cTn id="18" dur="500" fill="hold"/>
+                                        <p:tgtEl>
+                                          <p:spTgt spid="3">
+                                            <p:txEl>
+                                              <p:pRg st="7" end="7"/>
+                                            </p:txEl>
+                                          </p:spTgt>
+                                        </p:tgtEl>
+                                        <p:attrNameLst>
+                                          <p:attrName>ppt_y</p:attrName>
+                                        </p:attrNameLst>
+                                      </p:cBhvr>
+                                      <p:tavLst>
+                                        <p:tav tm="0">
+                                          <p:val>
+                                            <p:strVal val="#ppt_y"/>
+                                          </p:val>
+                                        </p:tav>
+                                        <p:tav tm="100000">
+                                          <p:val>
+                                            <p:strVal val="#ppt_y"/>
+                                          </p:val>
+                                        </p:tav>
+                                      </p:tavLst>
+                                    </p:anim>
+                                  </p:childTnLst>
+                                </p:cTn>
+                              </p:par>
+                            </p:childTnLst>
+                          </p:cTn>
+                        </p:par>
+                      </p:childTnLst>
+                    </p:cTn>
+                  </p:par>
+                </p:childTnLst>
+              </p:cTn>
+              <p:prevCondLst>
+                <p:cond evt="onPrev" delay="0">
+                  <p:tgtEl>
+                    <p:sldTgt/>
+                  </p:tgtEl>
+                </p:cond>
+              </p:prevCondLst>
+              <p:nextCondLst>
+                <p:cond evt="onNext" delay="0">
+                  <p:tgtEl>
+                    <p:sldTgt/>
+                  </p:tgtEl>
+                </p:cond>
+              </p:nextCondLst>
+            </p:seq>
+          </p:childTnLst>
+        </p:cTn>
       </p:par>
     </p:tnLst>
   </p:timing>
@@ -12650,28 +15778,15 @@
             </a:r>
             <a:r>
               <a:rPr lang="en-US" dirty="0" smtClean="0"/>
-              <a:t>arallelism in </a:t>
-            </a:r>
+              <a:t>arallelism in (standard) C++ today depends on external solutions</a:t>
+            </a:r>
+          </a:p>
+          <a:p>
+            <a:pPr lvl="1"/>
             <a:r>
               <a:rPr lang="en-US" dirty="0" smtClean="0"/>
-              <a:t>(standard) C</a:t>
-            </a:r>
-            <a:r>
-              <a:rPr lang="en-US" dirty="0" smtClean="0"/>
-              <a:t>++ today depends on external solutions</a:t>
-            </a:r>
-          </a:p>
-          <a:p>
-            <a:pPr lvl="1"/>
-            <a:r>
-              <a:rPr lang="en-US" dirty="0" smtClean="0"/>
-              <a:t>Pragma </a:t>
-            </a:r>
-            <a:r>
-              <a:rPr lang="en-US" dirty="0" smtClean="0"/>
-              <a:t>based solutions</a:t>
-            </a:r>
-            <a:endParaRPr lang="en-US" dirty="0" smtClean="0"/>
+              <a:t>Pragma based solutions</a:t>
+            </a:r>
           </a:p>
           <a:p>
             <a:pPr lvl="2"/>
@@ -12720,7 +15835,6 @@
               <a:rPr lang="en-US" dirty="0" smtClean="0"/>
               <a:t>TBB, PPL (C++)</a:t>
             </a:r>
-            <a:endParaRPr lang="en-US" dirty="0" smtClean="0"/>
           </a:p>
           <a:p>
             <a:pPr lvl="2"/>
@@ -12873,6 +15987,1236 @@
             <p:ph type="title"/>
           </p:nvPr>
         </p:nvSpPr>
+        <p:spPr>
+          <a:xfrm>
+            <a:off x="1261872" y="294198"/>
+            <a:ext cx="9863328" cy="1397124"/>
+          </a:xfrm>
+        </p:spPr>
+        <p:txBody>
+          <a:bodyPr/>
+          <a:lstStyle/>
+          <a:p>
+            <a:r>
+              <a:rPr lang="en-US" dirty="0"/>
+              <a:t>Execution </a:t>
+            </a:r>
+            <a:r>
+              <a:rPr lang="en-US" dirty="0" smtClean="0"/>
+              <a:t>Policies (HPX Extensions)</a:t>
+            </a:r>
+            <a:endParaRPr lang="en-US" dirty="0"/>
+          </a:p>
+        </p:txBody>
+      </p:sp>
+      <p:sp>
+        <p:nvSpPr>
+          <p:cNvPr id="3" name="Content Placeholder 2"/>
+          <p:cNvSpPr>
+            <a:spLocks noGrp="1"/>
+          </p:cNvSpPr>
+          <p:nvPr>
+            <p:ph sz="half" idx="1"/>
+          </p:nvPr>
+        </p:nvSpPr>
+        <p:spPr>
+          <a:xfrm>
+            <a:off x="1261871" y="1828800"/>
+            <a:ext cx="10030969" cy="4351337"/>
+          </a:xfrm>
+        </p:spPr>
+        <p:txBody>
+          <a:bodyPr/>
+          <a:lstStyle/>
+          <a:p>
+            <a:r>
+              <a:rPr lang="en-US" dirty="0"/>
+              <a:t>Extensions: vectorization execution policies</a:t>
+            </a:r>
+          </a:p>
+          <a:p>
+            <a:pPr lvl="1"/>
+            <a:endParaRPr lang="en-US" dirty="0" smtClean="0">
+              <a:latin typeface="Consolas" panose="020B0609020204030204" pitchFamily="49" charset="0"/>
+              <a:cs typeface="Consolas" panose="020B0609020204030204" pitchFamily="49" charset="0"/>
+            </a:endParaRPr>
+          </a:p>
+          <a:p>
+            <a:pPr lvl="1">
+              <a:tabLst>
+                <a:tab pos="6400800" algn="l"/>
+              </a:tabLst>
+            </a:pPr>
+            <a:r>
+              <a:rPr lang="en-US" dirty="0" err="1" smtClean="0">
+                <a:latin typeface="Consolas" panose="020B0609020204030204" pitchFamily="49" charset="0"/>
+                <a:cs typeface="Consolas" panose="020B0609020204030204" pitchFamily="49" charset="0"/>
+              </a:rPr>
+              <a:t>datapar_task_execution_policy</a:t>
+            </a:r>
+            <a:r>
+              <a:rPr lang="en-US" dirty="0" smtClean="0"/>
+              <a:t> (asynchronous </a:t>
+            </a:r>
+            <a:r>
+              <a:rPr lang="en-US" dirty="0"/>
+              <a:t>version of </a:t>
+            </a:r>
+            <a:r>
+              <a:rPr lang="en-US" dirty="0" err="1" smtClean="0">
+                <a:latin typeface="Consolas" panose="020B0609020204030204" pitchFamily="49" charset="0"/>
+                <a:cs typeface="Consolas" panose="020B0609020204030204" pitchFamily="49" charset="0"/>
+              </a:rPr>
+              <a:t>datapar_execution_policy</a:t>
+            </a:r>
+            <a:r>
+              <a:rPr lang="en-US" dirty="0" smtClean="0"/>
+              <a:t>), generated with 	</a:t>
+            </a:r>
+            <a:r>
+              <a:rPr lang="en-US" dirty="0" err="1" smtClean="0">
+                <a:latin typeface="Consolas" panose="020B0609020204030204" pitchFamily="49" charset="0"/>
+                <a:cs typeface="Consolas" panose="020B0609020204030204" pitchFamily="49" charset="0"/>
+              </a:rPr>
+              <a:t>datapar</a:t>
+            </a:r>
+            <a:r>
+              <a:rPr lang="en-US" dirty="0" smtClean="0">
+                <a:latin typeface="Consolas" panose="020B0609020204030204" pitchFamily="49" charset="0"/>
+                <a:cs typeface="Consolas" panose="020B0609020204030204" pitchFamily="49" charset="0"/>
+              </a:rPr>
+              <a:t>, </a:t>
+            </a:r>
+            <a:r>
+              <a:rPr lang="en-US" dirty="0" err="1" smtClean="0">
+                <a:latin typeface="Consolas" panose="020B0609020204030204" pitchFamily="49" charset="0"/>
+                <a:cs typeface="Consolas" panose="020B0609020204030204" pitchFamily="49" charset="0"/>
+              </a:rPr>
+              <a:t>datapar</a:t>
+            </a:r>
+            <a:r>
+              <a:rPr lang="en-US" dirty="0" smtClean="0">
+                <a:latin typeface="Consolas" panose="020B0609020204030204" pitchFamily="49" charset="0"/>
+                <a:cs typeface="Consolas" panose="020B0609020204030204" pitchFamily="49" charset="0"/>
+              </a:rPr>
+              <a:t>(task)</a:t>
+            </a:r>
+          </a:p>
+          <a:p>
+            <a:pPr lvl="1">
+              <a:tabLst>
+                <a:tab pos="6400800" algn="l"/>
+              </a:tabLst>
+            </a:pPr>
+            <a:r>
+              <a:rPr lang="en-US" dirty="0" err="1" smtClean="0">
+                <a:latin typeface="Consolas" panose="020B0609020204030204" pitchFamily="49" charset="0"/>
+                <a:cs typeface="Consolas" panose="020B0609020204030204" pitchFamily="49" charset="0"/>
+              </a:rPr>
+              <a:t>dataseq_task_execution_policy</a:t>
+            </a:r>
+            <a:r>
+              <a:rPr lang="en-US" dirty="0" smtClean="0"/>
+              <a:t> </a:t>
+            </a:r>
+            <a:r>
+              <a:rPr lang="en-US" dirty="0"/>
+              <a:t>(</a:t>
+            </a:r>
+            <a:r>
+              <a:rPr lang="en-US" dirty="0" smtClean="0"/>
+              <a:t>asynchronous </a:t>
+            </a:r>
+            <a:r>
+              <a:rPr lang="en-US" dirty="0"/>
+              <a:t>version of </a:t>
+            </a:r>
+            <a:r>
+              <a:rPr lang="en-US" dirty="0" err="1" smtClean="0">
+                <a:latin typeface="Consolas" panose="020B0609020204030204" pitchFamily="49" charset="0"/>
+                <a:cs typeface="Consolas" panose="020B0609020204030204" pitchFamily="49" charset="0"/>
+              </a:rPr>
+              <a:t>dataseq_execution_policy</a:t>
+            </a:r>
+            <a:r>
+              <a:rPr lang="en-US" dirty="0" smtClean="0"/>
+              <a:t>), generated with 	</a:t>
+            </a:r>
+            <a:r>
+              <a:rPr lang="en-US" dirty="0" err="1" smtClean="0">
+                <a:latin typeface="Consolas" panose="020B0609020204030204" pitchFamily="49" charset="0"/>
+                <a:cs typeface="Consolas" panose="020B0609020204030204" pitchFamily="49" charset="0"/>
+              </a:rPr>
+              <a:t>dataseq</a:t>
+            </a:r>
+            <a:r>
+              <a:rPr lang="en-US" dirty="0" smtClean="0">
+                <a:latin typeface="Consolas" panose="020B0609020204030204" pitchFamily="49" charset="0"/>
+                <a:cs typeface="Consolas" panose="020B0609020204030204" pitchFamily="49" charset="0"/>
+              </a:rPr>
+              <a:t>, </a:t>
+            </a:r>
+            <a:r>
+              <a:rPr lang="en-US" dirty="0" err="1" smtClean="0">
+                <a:latin typeface="Consolas" panose="020B0609020204030204" pitchFamily="49" charset="0"/>
+                <a:cs typeface="Consolas" panose="020B0609020204030204" pitchFamily="49" charset="0"/>
+              </a:rPr>
+              <a:t>dataseq</a:t>
+            </a:r>
+            <a:r>
+              <a:rPr lang="en-US" dirty="0" smtClean="0">
+                <a:latin typeface="Consolas" panose="020B0609020204030204" pitchFamily="49" charset="0"/>
+                <a:cs typeface="Consolas" panose="020B0609020204030204" pitchFamily="49" charset="0"/>
+              </a:rPr>
+              <a:t>(task)</a:t>
+            </a:r>
+            <a:endParaRPr lang="en-US" dirty="0">
+              <a:latin typeface="Consolas" panose="020B0609020204030204" pitchFamily="49" charset="0"/>
+              <a:cs typeface="Consolas" panose="020B0609020204030204" pitchFamily="49" charset="0"/>
+            </a:endParaRPr>
+          </a:p>
+          <a:p>
+            <a:pPr marL="274320" lvl="1" indent="0">
+              <a:buNone/>
+            </a:pPr>
+            <a:endParaRPr lang="en-US" dirty="0" smtClean="0"/>
+          </a:p>
+          <a:p>
+            <a:pPr marL="274320" lvl="1" indent="0">
+              <a:buNone/>
+            </a:pPr>
+            <a:endParaRPr lang="en-US" dirty="0" smtClean="0"/>
+          </a:p>
+          <a:p>
+            <a:pPr lvl="1"/>
+            <a:r>
+              <a:rPr lang="en-US" dirty="0" smtClean="0"/>
+              <a:t>Instruct the algorithm to apply certain transformations to used data types allowing for vectorization of code</a:t>
+            </a:r>
+          </a:p>
+          <a:p>
+            <a:pPr lvl="2"/>
+            <a:r>
+              <a:rPr lang="en-US" dirty="0" smtClean="0"/>
+              <a:t>Requires external library: currently </a:t>
+            </a:r>
+            <a:r>
+              <a:rPr lang="en-US" dirty="0" err="1" smtClean="0"/>
+              <a:t>Vc</a:t>
+            </a:r>
+            <a:r>
+              <a:rPr lang="en-US" dirty="0" smtClean="0"/>
+              <a:t> </a:t>
+            </a:r>
+            <a:r>
+              <a:rPr lang="en-US" dirty="0"/>
+              <a:t>(</a:t>
+            </a:r>
+            <a:r>
+              <a:rPr lang="en-US" dirty="0">
+                <a:hlinkClick r:id="rId2"/>
+              </a:rPr>
+              <a:t>https://github.com/VcDevel/Vc</a:t>
+            </a:r>
+            <a:r>
+              <a:rPr lang="en-US" dirty="0" smtClean="0"/>
+              <a:t>), possibly </a:t>
+            </a:r>
+            <a:r>
+              <a:rPr lang="en-US" dirty="0" err="1" smtClean="0"/>
+              <a:t>Boost.SIMD</a:t>
+            </a:r>
+            <a:endParaRPr lang="en-US" dirty="0" smtClean="0"/>
+          </a:p>
+          <a:p>
+            <a:pPr lvl="2"/>
+            <a:r>
+              <a:rPr lang="en-US" dirty="0" smtClean="0"/>
+              <a:t>Requires use of generic lambdas (C++14) or polymorphic function objects</a:t>
+            </a:r>
+          </a:p>
+          <a:p>
+            <a:pPr lvl="1"/>
+            <a:endParaRPr lang="en-US" dirty="0" smtClean="0"/>
+          </a:p>
+          <a:p>
+            <a:pPr lvl="1"/>
+            <a:endParaRPr lang="en-US" dirty="0"/>
+          </a:p>
+          <a:p>
+            <a:pPr marL="0" indent="0">
+              <a:buNone/>
+            </a:pPr>
+            <a:endParaRPr lang="en-US" dirty="0"/>
+          </a:p>
+        </p:txBody>
+      </p:sp>
+      <p:sp>
+        <p:nvSpPr>
+          <p:cNvPr id="4" name="Date Placeholder 3"/>
+          <p:cNvSpPr>
+            <a:spLocks noGrp="1"/>
+          </p:cNvSpPr>
+          <p:nvPr>
+            <p:ph type="dt" sz="half" idx="10"/>
+          </p:nvPr>
+        </p:nvSpPr>
+        <p:spPr/>
+        <p:txBody>
+          <a:bodyPr/>
+          <a:lstStyle/>
+          <a:p>
+            <a:r>
+              <a:rPr lang="en-US" smtClean="0"/>
+              <a:t>10/17/2016</a:t>
+            </a:r>
+            <a:endParaRPr lang="en-US"/>
+          </a:p>
+        </p:txBody>
+      </p:sp>
+      <p:sp>
+        <p:nvSpPr>
+          <p:cNvPr id="5" name="Footer Placeholder 4"/>
+          <p:cNvSpPr>
+            <a:spLocks noGrp="1"/>
+          </p:cNvSpPr>
+          <p:nvPr>
+            <p:ph type="ftr" sz="quarter" idx="11"/>
+          </p:nvPr>
+        </p:nvSpPr>
+        <p:spPr/>
+        <p:txBody>
+          <a:bodyPr/>
+          <a:lstStyle/>
+          <a:p>
+            <a:r>
+              <a:rPr lang="en-US" smtClean="0"/>
+              <a:t>Companions Left Behind, Hartmut Kaiser, Berkeley C++ Summit</a:t>
+            </a:r>
+            <a:endParaRPr lang="en-US"/>
+          </a:p>
+        </p:txBody>
+      </p:sp>
+      <p:sp>
+        <p:nvSpPr>
+          <p:cNvPr id="6" name="Slide Number Placeholder 5"/>
+          <p:cNvSpPr>
+            <a:spLocks noGrp="1"/>
+          </p:cNvSpPr>
+          <p:nvPr>
+            <p:ph type="sldNum" sz="quarter" idx="12"/>
+          </p:nvPr>
+        </p:nvSpPr>
+        <p:spPr/>
+        <p:txBody>
+          <a:bodyPr>
+            <a:normAutofit lnSpcReduction="10000"/>
+          </a:bodyPr>
+          <a:lstStyle/>
+          <a:p>
+            <a:fld id="{65339F38-439B-42BE-A6DB-D203DE66964E}" type="slidenum">
+              <a:rPr lang="en-US" smtClean="0"/>
+              <a:t>20</a:t>
+            </a:fld>
+            <a:endParaRPr lang="en-US"/>
+          </a:p>
+        </p:txBody>
+      </p:sp>
+    </p:spTree>
+    <p:extLst>
+      <p:ext uri="{BB962C8B-B14F-4D97-AF65-F5344CB8AC3E}">
+        <p14:creationId xmlns:p14="http://schemas.microsoft.com/office/powerpoint/2010/main" val="3357743156"/>
+      </p:ext>
+    </p:extLst>
+  </p:cSld>
+  <p:clrMapOvr>
+    <a:masterClrMapping/>
+  </p:clrMapOvr>
+  <p:timing>
+    <p:tnLst>
+      <p:par>
+        <p:cTn id="1" dur="indefinite" restart="never" nodeType="tmRoot"/>
+      </p:par>
+    </p:tnLst>
+  </p:timing>
+</p:sld>
+</file>
+
+<file path=ppt/slides/slide21.xml><?xml version="1.0" encoding="utf-8"?>
+<p:sld xmlns:a="http://schemas.openxmlformats.org/drawingml/2006/main" xmlns:r="http://schemas.openxmlformats.org/officeDocument/2006/relationships" xmlns:p="http://schemas.openxmlformats.org/presentationml/2006/main">
+  <p:cSld>
+    <p:spTree>
+      <p:nvGrpSpPr>
+        <p:cNvPr id="1" name=""/>
+        <p:cNvGrpSpPr/>
+        <p:nvPr/>
+      </p:nvGrpSpPr>
+      <p:grpSpPr>
+        <a:xfrm>
+          <a:off x="0" y="0"/>
+          <a:ext cx="0" cy="0"/>
+          <a:chOff x="0" y="0"/>
+          <a:chExt cx="0" cy="0"/>
+        </a:xfrm>
+      </p:grpSpPr>
+      <p:sp>
+        <p:nvSpPr>
+          <p:cNvPr id="8" name="Title 7"/>
+          <p:cNvSpPr>
+            <a:spLocks noGrp="1"/>
+          </p:cNvSpPr>
+          <p:nvPr>
+            <p:ph type="title"/>
+          </p:nvPr>
+        </p:nvSpPr>
+        <p:spPr/>
+        <p:txBody>
+          <a:bodyPr/>
+          <a:lstStyle/>
+          <a:p>
+            <a:r>
+              <a:rPr lang="en-US" dirty="0" smtClean="0"/>
+              <a:t>Executors</a:t>
+            </a:r>
+            <a:endParaRPr lang="en-US" dirty="0"/>
+          </a:p>
+        </p:txBody>
+      </p:sp>
+      <p:sp>
+        <p:nvSpPr>
+          <p:cNvPr id="9" name="Text Placeholder 8"/>
+          <p:cNvSpPr>
+            <a:spLocks noGrp="1"/>
+          </p:cNvSpPr>
+          <p:nvPr>
+            <p:ph type="body" idx="1"/>
+          </p:nvPr>
+        </p:nvSpPr>
+        <p:spPr/>
+        <p:txBody>
+          <a:bodyPr/>
+          <a:lstStyle/>
+          <a:p>
+            <a:endParaRPr lang="en-US"/>
+          </a:p>
+        </p:txBody>
+      </p:sp>
+      <p:sp>
+        <p:nvSpPr>
+          <p:cNvPr id="5" name="Date Placeholder 4"/>
+          <p:cNvSpPr>
+            <a:spLocks noGrp="1"/>
+          </p:cNvSpPr>
+          <p:nvPr>
+            <p:ph type="dt" sz="half" idx="10"/>
+          </p:nvPr>
+        </p:nvSpPr>
+        <p:spPr/>
+        <p:txBody>
+          <a:bodyPr/>
+          <a:lstStyle/>
+          <a:p>
+            <a:r>
+              <a:rPr lang="en-US" smtClean="0"/>
+              <a:t>10/17/2016</a:t>
+            </a:r>
+            <a:endParaRPr lang="en-US"/>
+          </a:p>
+        </p:txBody>
+      </p:sp>
+      <p:sp>
+        <p:nvSpPr>
+          <p:cNvPr id="6" name="Footer Placeholder 5"/>
+          <p:cNvSpPr>
+            <a:spLocks noGrp="1"/>
+          </p:cNvSpPr>
+          <p:nvPr>
+            <p:ph type="ftr" sz="quarter" idx="11"/>
+          </p:nvPr>
+        </p:nvSpPr>
+        <p:spPr/>
+        <p:txBody>
+          <a:bodyPr/>
+          <a:lstStyle/>
+          <a:p>
+            <a:r>
+              <a:rPr lang="en-US" smtClean="0"/>
+              <a:t>Companions Left Behind, Hartmut Kaiser, Berkeley C++ Summit</a:t>
+            </a:r>
+            <a:endParaRPr lang="en-US"/>
+          </a:p>
+        </p:txBody>
+      </p:sp>
+      <p:sp>
+        <p:nvSpPr>
+          <p:cNvPr id="7" name="Slide Number Placeholder 6"/>
+          <p:cNvSpPr>
+            <a:spLocks noGrp="1"/>
+          </p:cNvSpPr>
+          <p:nvPr>
+            <p:ph type="sldNum" sz="quarter" idx="12"/>
+          </p:nvPr>
+        </p:nvSpPr>
+        <p:spPr/>
+        <p:txBody>
+          <a:bodyPr>
+            <a:normAutofit lnSpcReduction="10000"/>
+          </a:bodyPr>
+          <a:lstStyle/>
+          <a:p>
+            <a:fld id="{9C258B88-CF52-443C-8272-F67BF66C7540}" type="slidenum">
+              <a:rPr lang="en-US" smtClean="0"/>
+              <a:t>21</a:t>
+            </a:fld>
+            <a:endParaRPr lang="en-US"/>
+          </a:p>
+        </p:txBody>
+      </p:sp>
+    </p:spTree>
+    <p:extLst>
+      <p:ext uri="{BB962C8B-B14F-4D97-AF65-F5344CB8AC3E}">
+        <p14:creationId xmlns:p14="http://schemas.microsoft.com/office/powerpoint/2010/main" val="2813008358"/>
+      </p:ext>
+    </p:extLst>
+  </p:cSld>
+  <p:clrMapOvr>
+    <a:masterClrMapping/>
+  </p:clrMapOvr>
+</p:sld>
+</file>
+
+<file path=ppt/slides/slide22.xml><?xml version="1.0" encoding="utf-8"?>
+<p:sld xmlns:a="http://schemas.openxmlformats.org/drawingml/2006/main" xmlns:r="http://schemas.openxmlformats.org/officeDocument/2006/relationships" xmlns:p="http://schemas.openxmlformats.org/presentationml/2006/main">
+  <p:cSld>
+    <p:spTree>
+      <p:nvGrpSpPr>
+        <p:cNvPr id="1" name=""/>
+        <p:cNvGrpSpPr/>
+        <p:nvPr/>
+      </p:nvGrpSpPr>
+      <p:grpSpPr>
+        <a:xfrm>
+          <a:off x="0" y="0"/>
+          <a:ext cx="0" cy="0"/>
+          <a:chOff x="0" y="0"/>
+          <a:chExt cx="0" cy="0"/>
+        </a:xfrm>
+      </p:grpSpPr>
+      <p:sp>
+        <p:nvSpPr>
+          <p:cNvPr id="2" name="Title 1"/>
+          <p:cNvSpPr>
+            <a:spLocks noGrp="1"/>
+          </p:cNvSpPr>
+          <p:nvPr>
+            <p:ph type="title"/>
+          </p:nvPr>
+        </p:nvSpPr>
+        <p:spPr/>
+        <p:txBody>
+          <a:bodyPr/>
+          <a:lstStyle/>
+          <a:p>
+            <a:r>
+              <a:rPr lang="en-US" dirty="0" smtClean="0"/>
+              <a:t>Executors</a:t>
+            </a:r>
+            <a:endParaRPr lang="en-US" dirty="0"/>
+          </a:p>
+        </p:txBody>
+      </p:sp>
+      <p:sp>
+        <p:nvSpPr>
+          <p:cNvPr id="3" name="Content Placeholder 2"/>
+          <p:cNvSpPr>
+            <a:spLocks noGrp="1"/>
+          </p:cNvSpPr>
+          <p:nvPr>
+            <p:ph idx="1"/>
+          </p:nvPr>
+        </p:nvSpPr>
+        <p:spPr/>
+        <p:txBody>
+          <a:bodyPr/>
+          <a:lstStyle/>
+          <a:p>
+            <a:pPr marL="182880" lvl="1">
+              <a:lnSpc>
+                <a:spcPct val="95000"/>
+              </a:lnSpc>
+              <a:spcBef>
+                <a:spcPts val="1400"/>
+              </a:spcBef>
+              <a:spcAft>
+                <a:spcPts val="200"/>
+              </a:spcAft>
+              <a:buSzPct val="80000"/>
+              <a:buFont typeface="Arial" pitchFamily="34" charset="0"/>
+              <a:buChar char="•"/>
+            </a:pPr>
+            <a:r>
+              <a:rPr lang="en-US" sz="2000" spc="10" dirty="0" smtClean="0"/>
+              <a:t>Executors </a:t>
+            </a:r>
+            <a:r>
+              <a:rPr lang="en-US" sz="2000" spc="10" dirty="0"/>
+              <a:t>must implement one function: </a:t>
+            </a:r>
+            <a:r>
+              <a:rPr lang="en-US" sz="2000" dirty="0" err="1">
+                <a:solidFill>
+                  <a:schemeClr val="tx1"/>
+                </a:solidFill>
+                <a:latin typeface="Consolas" panose="020B0609020204030204" pitchFamily="49" charset="0"/>
+                <a:cs typeface="Consolas" panose="020B0609020204030204" pitchFamily="49" charset="0"/>
+              </a:rPr>
+              <a:t>async_execute</a:t>
+            </a:r>
+            <a:r>
+              <a:rPr lang="en-US" sz="2000" dirty="0">
+                <a:solidFill>
+                  <a:schemeClr val="tx1"/>
+                </a:solidFill>
+                <a:latin typeface="Consolas" panose="020B0609020204030204" pitchFamily="49" charset="0"/>
+                <a:cs typeface="Consolas" panose="020B0609020204030204" pitchFamily="49" charset="0"/>
+              </a:rPr>
+              <a:t>(F &amp;&amp; f)</a:t>
+            </a:r>
+          </a:p>
+          <a:p>
+            <a:r>
+              <a:rPr lang="en-US" dirty="0" smtClean="0"/>
+              <a:t>Invocation of executors happens through </a:t>
+            </a:r>
+            <a:r>
+              <a:rPr lang="en-US" dirty="0" err="1" smtClean="0">
+                <a:latin typeface="Consolas" panose="020B0609020204030204" pitchFamily="49" charset="0"/>
+                <a:cs typeface="Consolas" panose="020B0609020204030204" pitchFamily="49" charset="0"/>
+              </a:rPr>
+              <a:t>executor_traits</a:t>
+            </a:r>
+            <a:r>
+              <a:rPr lang="en-US" dirty="0" smtClean="0"/>
+              <a:t> which exposes (emulates) additional functionality:</a:t>
+            </a:r>
+          </a:p>
+          <a:p>
+            <a:pPr marL="274320" lvl="1" indent="0">
+              <a:buNone/>
+            </a:pPr>
+            <a:endParaRPr lang="en-US" dirty="0" smtClean="0">
+              <a:latin typeface="Consolas" panose="020B0609020204030204" pitchFamily="49" charset="0"/>
+              <a:cs typeface="Consolas" panose="020B0609020204030204" pitchFamily="49" charset="0"/>
+            </a:endParaRPr>
+          </a:p>
+          <a:p>
+            <a:pPr marL="274320" lvl="1" indent="0">
+              <a:buNone/>
+            </a:pPr>
+            <a:r>
+              <a:rPr lang="en-US" dirty="0" err="1" smtClean="0">
+                <a:latin typeface="Consolas" panose="020B0609020204030204" pitchFamily="49" charset="0"/>
+                <a:cs typeface="Consolas" panose="020B0609020204030204" pitchFamily="49" charset="0"/>
+              </a:rPr>
+              <a:t>executor_traits</a:t>
+            </a:r>
+            <a:r>
+              <a:rPr lang="en-US" dirty="0" smtClean="0">
+                <a:latin typeface="Consolas" panose="020B0609020204030204" pitchFamily="49" charset="0"/>
+                <a:cs typeface="Consolas" panose="020B0609020204030204" pitchFamily="49" charset="0"/>
+              </a:rPr>
+              <a:t>&lt;</a:t>
+            </a:r>
+            <a:r>
+              <a:rPr lang="en-US" dirty="0" err="1" smtClean="0">
+                <a:latin typeface="Consolas" panose="020B0609020204030204" pitchFamily="49" charset="0"/>
+                <a:cs typeface="Consolas" panose="020B0609020204030204" pitchFamily="49" charset="0"/>
+              </a:rPr>
+              <a:t>my_executor_type</a:t>
+            </a:r>
+            <a:r>
+              <a:rPr lang="en-US" dirty="0" smtClean="0">
+                <a:latin typeface="Consolas" panose="020B0609020204030204" pitchFamily="49" charset="0"/>
+                <a:cs typeface="Consolas" panose="020B0609020204030204" pitchFamily="49" charset="0"/>
+              </a:rPr>
+              <a:t>&gt;::execute(</a:t>
+            </a:r>
+          </a:p>
+          <a:p>
+            <a:pPr marL="274320" lvl="1" indent="0">
+              <a:buNone/>
+            </a:pPr>
+            <a:r>
+              <a:rPr lang="en-US" dirty="0">
+                <a:latin typeface="Consolas" panose="020B0609020204030204" pitchFamily="49" charset="0"/>
+                <a:cs typeface="Consolas" panose="020B0609020204030204" pitchFamily="49" charset="0"/>
+              </a:rPr>
+              <a:t> </a:t>
+            </a:r>
+            <a:r>
+              <a:rPr lang="en-US" dirty="0" smtClean="0">
+                <a:latin typeface="Consolas" panose="020B0609020204030204" pitchFamily="49" charset="0"/>
+                <a:cs typeface="Consolas" panose="020B0609020204030204" pitchFamily="49" charset="0"/>
+              </a:rPr>
+              <a:t>   </a:t>
+            </a:r>
+            <a:r>
+              <a:rPr lang="en-US" dirty="0" err="1" smtClean="0">
+                <a:latin typeface="Consolas" panose="020B0609020204030204" pitchFamily="49" charset="0"/>
+                <a:cs typeface="Consolas" panose="020B0609020204030204" pitchFamily="49" charset="0"/>
+              </a:rPr>
+              <a:t>my_executor</a:t>
+            </a:r>
+            <a:r>
+              <a:rPr lang="en-US" dirty="0">
+                <a:latin typeface="Consolas" panose="020B0609020204030204" pitchFamily="49" charset="0"/>
+                <a:cs typeface="Consolas" panose="020B0609020204030204" pitchFamily="49" charset="0"/>
+              </a:rPr>
+              <a:t>, </a:t>
+            </a:r>
+            <a:endParaRPr lang="en-US" dirty="0" smtClean="0">
+              <a:latin typeface="Consolas" panose="020B0609020204030204" pitchFamily="49" charset="0"/>
+              <a:cs typeface="Consolas" panose="020B0609020204030204" pitchFamily="49" charset="0"/>
+            </a:endParaRPr>
+          </a:p>
+          <a:p>
+            <a:pPr marL="274320" lvl="1" indent="0">
+              <a:buNone/>
+            </a:pPr>
+            <a:r>
+              <a:rPr lang="en-US" dirty="0">
+                <a:latin typeface="Consolas" panose="020B0609020204030204" pitchFamily="49" charset="0"/>
+                <a:cs typeface="Consolas" panose="020B0609020204030204" pitchFamily="49" charset="0"/>
+              </a:rPr>
+              <a:t> </a:t>
+            </a:r>
+            <a:r>
+              <a:rPr lang="en-US" dirty="0" smtClean="0">
+                <a:latin typeface="Consolas" panose="020B0609020204030204" pitchFamily="49" charset="0"/>
+                <a:cs typeface="Consolas" panose="020B0609020204030204" pitchFamily="49" charset="0"/>
+              </a:rPr>
+              <a:t>   [](...){ </a:t>
+            </a:r>
+            <a:r>
+              <a:rPr lang="en-US" dirty="0">
+                <a:latin typeface="Consolas" panose="020B0609020204030204" pitchFamily="49" charset="0"/>
+                <a:cs typeface="Consolas" panose="020B0609020204030204" pitchFamily="49" charset="0"/>
+              </a:rPr>
+              <a:t>// perform task </a:t>
+            </a:r>
+            <a:r>
+              <a:rPr lang="en-US" dirty="0" smtClean="0">
+                <a:latin typeface="Consolas" panose="020B0609020204030204" pitchFamily="49" charset="0"/>
+                <a:cs typeface="Consolas" panose="020B0609020204030204" pitchFamily="49" charset="0"/>
+              </a:rPr>
+              <a:t>}, </a:t>
+            </a:r>
+          </a:p>
+          <a:p>
+            <a:pPr marL="274320" lvl="1" indent="0">
+              <a:buNone/>
+            </a:pPr>
+            <a:r>
+              <a:rPr lang="en-US" dirty="0">
+                <a:latin typeface="Consolas" panose="020B0609020204030204" pitchFamily="49" charset="0"/>
+                <a:cs typeface="Consolas" panose="020B0609020204030204" pitchFamily="49" charset="0"/>
+              </a:rPr>
+              <a:t> </a:t>
+            </a:r>
+            <a:r>
+              <a:rPr lang="en-US" dirty="0" smtClean="0">
+                <a:latin typeface="Consolas" panose="020B0609020204030204" pitchFamily="49" charset="0"/>
+                <a:cs typeface="Consolas" panose="020B0609020204030204" pitchFamily="49" charset="0"/>
+              </a:rPr>
+              <a:t>   ...);</a:t>
+            </a:r>
+          </a:p>
+          <a:p>
+            <a:r>
+              <a:rPr lang="en-US" dirty="0" smtClean="0"/>
+              <a:t>Four modes of invocation: single </a:t>
+            </a:r>
+            <a:r>
+              <a:rPr lang="en-US" dirty="0" err="1" smtClean="0"/>
+              <a:t>async</a:t>
+            </a:r>
+            <a:r>
+              <a:rPr lang="en-US" dirty="0" smtClean="0"/>
+              <a:t>, single sync, bulk </a:t>
+            </a:r>
+            <a:r>
+              <a:rPr lang="en-US" dirty="0" err="1" smtClean="0"/>
+              <a:t>async</a:t>
+            </a:r>
+            <a:r>
+              <a:rPr lang="en-US" dirty="0" smtClean="0"/>
+              <a:t> and bulk sync </a:t>
+            </a:r>
+          </a:p>
+          <a:p>
+            <a:pPr lvl="1"/>
+            <a:r>
+              <a:rPr lang="en-US" dirty="0"/>
+              <a:t>T</a:t>
+            </a:r>
+            <a:r>
+              <a:rPr lang="en-US" dirty="0" smtClean="0"/>
+              <a:t>he </a:t>
+            </a:r>
+            <a:r>
+              <a:rPr lang="en-US" dirty="0" err="1" smtClean="0"/>
+              <a:t>async</a:t>
+            </a:r>
+            <a:r>
+              <a:rPr lang="en-US" dirty="0" smtClean="0"/>
+              <a:t> calls return a future</a:t>
+            </a:r>
+            <a:r>
+              <a:rPr lang="de-DE" dirty="0" smtClean="0"/>
+              <a:t> </a:t>
+            </a:r>
+            <a:endParaRPr lang="en-US" dirty="0"/>
+          </a:p>
+        </p:txBody>
+      </p:sp>
+      <p:sp>
+        <p:nvSpPr>
+          <p:cNvPr id="4" name="Date Placeholder 3"/>
+          <p:cNvSpPr>
+            <a:spLocks noGrp="1"/>
+          </p:cNvSpPr>
+          <p:nvPr>
+            <p:ph type="dt" sz="half" idx="10"/>
+          </p:nvPr>
+        </p:nvSpPr>
+        <p:spPr/>
+        <p:txBody>
+          <a:bodyPr/>
+          <a:lstStyle/>
+          <a:p>
+            <a:r>
+              <a:rPr lang="en-US" smtClean="0"/>
+              <a:t>10/17/2016</a:t>
+            </a:r>
+            <a:endParaRPr lang="en-US"/>
+          </a:p>
+        </p:txBody>
+      </p:sp>
+      <p:sp>
+        <p:nvSpPr>
+          <p:cNvPr id="5" name="Footer Placeholder 4"/>
+          <p:cNvSpPr>
+            <a:spLocks noGrp="1"/>
+          </p:cNvSpPr>
+          <p:nvPr>
+            <p:ph type="ftr" sz="quarter" idx="11"/>
+          </p:nvPr>
+        </p:nvSpPr>
+        <p:spPr/>
+        <p:txBody>
+          <a:bodyPr/>
+          <a:lstStyle/>
+          <a:p>
+            <a:r>
+              <a:rPr lang="en-US" smtClean="0"/>
+              <a:t>Companions Left Behind, Hartmut Kaiser, Berkeley C++ Summit</a:t>
+            </a:r>
+            <a:endParaRPr lang="en-US"/>
+          </a:p>
+        </p:txBody>
+      </p:sp>
+      <p:sp>
+        <p:nvSpPr>
+          <p:cNvPr id="6" name="Slide Number Placeholder 5"/>
+          <p:cNvSpPr>
+            <a:spLocks noGrp="1"/>
+          </p:cNvSpPr>
+          <p:nvPr>
+            <p:ph type="sldNum" sz="quarter" idx="12"/>
+          </p:nvPr>
+        </p:nvSpPr>
+        <p:spPr/>
+        <p:txBody>
+          <a:bodyPr>
+            <a:normAutofit lnSpcReduction="10000"/>
+          </a:bodyPr>
+          <a:lstStyle/>
+          <a:p>
+            <a:fld id="{65339F38-439B-42BE-A6DB-D203DE66964E}" type="slidenum">
+              <a:rPr lang="en-US" smtClean="0"/>
+              <a:t>22</a:t>
+            </a:fld>
+            <a:endParaRPr lang="en-US"/>
+          </a:p>
+        </p:txBody>
+      </p:sp>
+    </p:spTree>
+    <p:extLst>
+      <p:ext uri="{BB962C8B-B14F-4D97-AF65-F5344CB8AC3E}">
+        <p14:creationId xmlns:p14="http://schemas.microsoft.com/office/powerpoint/2010/main" val="678859237"/>
+      </p:ext>
+    </p:extLst>
+  </p:cSld>
+  <p:clrMapOvr>
+    <a:masterClrMapping/>
+  </p:clrMapOvr>
+  <p:timing>
+    <p:tnLst>
+      <p:par>
+        <p:cTn id="1" dur="indefinite" restart="never" nodeType="tmRoot"/>
+      </p:par>
+    </p:tnLst>
+  </p:timing>
+</p:sld>
+</file>
+
+<file path=ppt/slides/slide23.xml><?xml version="1.0" encoding="utf-8"?>
+<p:sld xmlns:a="http://schemas.openxmlformats.org/drawingml/2006/main" xmlns:r="http://schemas.openxmlformats.org/officeDocument/2006/relationships" xmlns:p="http://schemas.openxmlformats.org/presentationml/2006/main">
+  <p:cSld>
+    <p:spTree>
+      <p:nvGrpSpPr>
+        <p:cNvPr id="1" name=""/>
+        <p:cNvGrpSpPr/>
+        <p:nvPr/>
+      </p:nvGrpSpPr>
+      <p:grpSpPr>
+        <a:xfrm>
+          <a:off x="0" y="0"/>
+          <a:ext cx="0" cy="0"/>
+          <a:chOff x="0" y="0"/>
+          <a:chExt cx="0" cy="0"/>
+        </a:xfrm>
+      </p:grpSpPr>
+      <p:sp>
+        <p:nvSpPr>
+          <p:cNvPr id="2" name="Title 1"/>
+          <p:cNvSpPr>
+            <a:spLocks noGrp="1"/>
+          </p:cNvSpPr>
+          <p:nvPr>
+            <p:ph type="title"/>
+          </p:nvPr>
+        </p:nvSpPr>
+        <p:spPr/>
+        <p:txBody>
+          <a:bodyPr/>
+          <a:lstStyle/>
+          <a:p>
+            <a:r>
+              <a:rPr lang="en-US" dirty="0" smtClean="0"/>
+              <a:t>Executor Examples</a:t>
+            </a:r>
+            <a:endParaRPr lang="en-US" dirty="0"/>
+          </a:p>
+        </p:txBody>
+      </p:sp>
+      <p:sp>
+        <p:nvSpPr>
+          <p:cNvPr id="3" name="Content Placeholder 2"/>
+          <p:cNvSpPr>
+            <a:spLocks noGrp="1"/>
+          </p:cNvSpPr>
+          <p:nvPr>
+            <p:ph idx="1"/>
+          </p:nvPr>
+        </p:nvSpPr>
+        <p:spPr>
+          <a:xfrm>
+            <a:off x="1261872" y="1828800"/>
+            <a:ext cx="9040894" cy="4351337"/>
+          </a:xfrm>
+        </p:spPr>
+        <p:txBody>
+          <a:bodyPr/>
+          <a:lstStyle/>
+          <a:p>
+            <a:r>
+              <a:rPr lang="en-US" dirty="0" err="1" smtClean="0">
+                <a:latin typeface="Consolas" panose="020B0609020204030204" pitchFamily="49" charset="0"/>
+                <a:cs typeface="Consolas" panose="020B0609020204030204" pitchFamily="49" charset="0"/>
+              </a:rPr>
+              <a:t>sequential_executor</a:t>
+            </a:r>
+            <a:r>
+              <a:rPr lang="en-US" dirty="0" smtClean="0">
+                <a:cs typeface="Consolas" panose="020B0609020204030204" pitchFamily="49" charset="0"/>
+              </a:rPr>
+              <a:t>, </a:t>
+            </a:r>
+            <a:r>
+              <a:rPr lang="en-US" dirty="0" err="1" smtClean="0">
+                <a:latin typeface="Consolas" panose="020B0609020204030204" pitchFamily="49" charset="0"/>
+                <a:cs typeface="Consolas" panose="020B0609020204030204" pitchFamily="49" charset="0"/>
+              </a:rPr>
+              <a:t>parallel_executor</a:t>
+            </a:r>
+            <a:r>
+              <a:rPr lang="en-US" dirty="0" smtClean="0">
+                <a:cs typeface="Consolas" panose="020B0609020204030204" pitchFamily="49" charset="0"/>
+              </a:rPr>
+              <a:t>: </a:t>
+            </a:r>
+          </a:p>
+          <a:p>
+            <a:pPr lvl="1"/>
+            <a:r>
+              <a:rPr lang="en-US" dirty="0" smtClean="0">
+                <a:cs typeface="Consolas" panose="020B0609020204030204" pitchFamily="49" charset="0"/>
+              </a:rPr>
+              <a:t>Default executors corresponding to </a:t>
+            </a:r>
+            <a:r>
+              <a:rPr lang="en-US" dirty="0" smtClean="0">
+                <a:latin typeface="Consolas" panose="020B0609020204030204" pitchFamily="49" charset="0"/>
+                <a:cs typeface="Consolas" panose="020B0609020204030204" pitchFamily="49" charset="0"/>
+              </a:rPr>
+              <a:t>par, </a:t>
+            </a:r>
+            <a:r>
+              <a:rPr lang="en-US" dirty="0" err="1" smtClean="0">
+                <a:latin typeface="Consolas" panose="020B0609020204030204" pitchFamily="49" charset="0"/>
+                <a:cs typeface="Consolas" panose="020B0609020204030204" pitchFamily="49" charset="0"/>
+              </a:rPr>
+              <a:t>seq</a:t>
+            </a:r>
+            <a:endParaRPr lang="en-US" dirty="0" smtClean="0">
+              <a:latin typeface="Consolas" panose="020B0609020204030204" pitchFamily="49" charset="0"/>
+              <a:cs typeface="Consolas" panose="020B0609020204030204" pitchFamily="49" charset="0"/>
+            </a:endParaRPr>
+          </a:p>
+          <a:p>
+            <a:r>
+              <a:rPr lang="en-US" dirty="0" err="1" smtClean="0">
+                <a:latin typeface="Consolas" panose="020B0609020204030204" pitchFamily="49" charset="0"/>
+                <a:cs typeface="Consolas" panose="020B0609020204030204" pitchFamily="49" charset="0"/>
+              </a:rPr>
+              <a:t>this_thread_executor</a:t>
+            </a:r>
+            <a:endParaRPr lang="en-US" dirty="0" smtClean="0">
+              <a:latin typeface="Consolas" panose="020B0609020204030204" pitchFamily="49" charset="0"/>
+              <a:cs typeface="Consolas" panose="020B0609020204030204" pitchFamily="49" charset="0"/>
+            </a:endParaRPr>
+          </a:p>
+          <a:p>
+            <a:r>
+              <a:rPr lang="en-US" dirty="0" err="1" smtClean="0">
+                <a:latin typeface="Consolas" panose="020B0609020204030204" pitchFamily="49" charset="0"/>
+                <a:cs typeface="Consolas" panose="020B0609020204030204" pitchFamily="49" charset="0"/>
+              </a:rPr>
+              <a:t>distribution_policy_executor</a:t>
+            </a:r>
+            <a:endParaRPr lang="en-US" dirty="0" smtClean="0">
+              <a:latin typeface="Consolas" panose="020B0609020204030204" pitchFamily="49" charset="0"/>
+              <a:cs typeface="Consolas" panose="020B0609020204030204" pitchFamily="49" charset="0"/>
+            </a:endParaRPr>
+          </a:p>
+          <a:p>
+            <a:pPr lvl="1"/>
+            <a:r>
+              <a:rPr lang="en-US" dirty="0" smtClean="0">
+                <a:cs typeface="Consolas" panose="020B0609020204030204" pitchFamily="49" charset="0"/>
+              </a:rPr>
+              <a:t>Use one of HPX’s (distributed) distribution policies, specify node(s) to run on</a:t>
+            </a:r>
+          </a:p>
+          <a:p>
+            <a:r>
+              <a:rPr lang="en-US" dirty="0" smtClean="0">
+                <a:latin typeface="Consolas" panose="020B0609020204030204" pitchFamily="49" charset="0"/>
+                <a:cs typeface="Consolas" panose="020B0609020204030204" pitchFamily="49" charset="0"/>
+              </a:rPr>
+              <a:t>host::</a:t>
+            </a:r>
+            <a:r>
+              <a:rPr lang="en-US" dirty="0" err="1" smtClean="0">
+                <a:latin typeface="Consolas" panose="020B0609020204030204" pitchFamily="49" charset="0"/>
+                <a:cs typeface="Consolas" panose="020B0609020204030204" pitchFamily="49" charset="0"/>
+              </a:rPr>
+              <a:t>parallel_executor</a:t>
+            </a:r>
+            <a:endParaRPr lang="en-US" dirty="0" smtClean="0">
+              <a:latin typeface="Consolas" panose="020B0609020204030204" pitchFamily="49" charset="0"/>
+              <a:cs typeface="Consolas" panose="020B0609020204030204" pitchFamily="49" charset="0"/>
+            </a:endParaRPr>
+          </a:p>
+          <a:p>
+            <a:pPr lvl="1"/>
+            <a:r>
+              <a:rPr lang="en-US" dirty="0" smtClean="0">
+                <a:cs typeface="Consolas" panose="020B0609020204030204" pitchFamily="49" charset="0"/>
+              </a:rPr>
+              <a:t>Specify core(s) to run on (NUMA aware)</a:t>
+            </a:r>
+          </a:p>
+          <a:p>
+            <a:r>
+              <a:rPr lang="en-US" dirty="0" err="1" smtClean="0">
+                <a:latin typeface="Consolas" panose="020B0609020204030204" pitchFamily="49" charset="0"/>
+                <a:cs typeface="Consolas" panose="020B0609020204030204" pitchFamily="49" charset="0"/>
+              </a:rPr>
+              <a:t>cuda</a:t>
+            </a:r>
+            <a:r>
+              <a:rPr lang="en-US" dirty="0" smtClean="0">
+                <a:latin typeface="Consolas" panose="020B0609020204030204" pitchFamily="49" charset="0"/>
+                <a:cs typeface="Consolas" panose="020B0609020204030204" pitchFamily="49" charset="0"/>
+              </a:rPr>
+              <a:t>::</a:t>
+            </a:r>
+            <a:r>
+              <a:rPr lang="en-US" dirty="0" err="1" smtClean="0">
+                <a:latin typeface="Consolas" panose="020B0609020204030204" pitchFamily="49" charset="0"/>
+                <a:cs typeface="Consolas" panose="020B0609020204030204" pitchFamily="49" charset="0"/>
+              </a:rPr>
+              <a:t>default_executor</a:t>
+            </a:r>
+            <a:endParaRPr lang="en-US" dirty="0" smtClean="0">
+              <a:latin typeface="Consolas" panose="020B0609020204030204" pitchFamily="49" charset="0"/>
+              <a:cs typeface="Consolas" panose="020B0609020204030204" pitchFamily="49" charset="0"/>
+            </a:endParaRPr>
+          </a:p>
+          <a:p>
+            <a:pPr lvl="1"/>
+            <a:r>
+              <a:rPr lang="en-US" dirty="0" smtClean="0">
+                <a:cs typeface="Consolas" panose="020B0609020204030204" pitchFamily="49" charset="0"/>
+              </a:rPr>
+              <a:t>Use for running things on GPU</a:t>
+            </a:r>
+          </a:p>
+          <a:p>
+            <a:r>
+              <a:rPr lang="en-US" dirty="0" smtClean="0">
+                <a:cs typeface="Consolas" panose="020B0609020204030204" pitchFamily="49" charset="0"/>
+              </a:rPr>
+              <a:t>Etc.</a:t>
+            </a:r>
+          </a:p>
+          <a:p>
+            <a:endParaRPr lang="en-US" dirty="0">
+              <a:cs typeface="Consolas" panose="020B0609020204030204" pitchFamily="49" charset="0"/>
+            </a:endParaRPr>
+          </a:p>
+        </p:txBody>
+      </p:sp>
+      <p:sp>
+        <p:nvSpPr>
+          <p:cNvPr id="4" name="Date Placeholder 3"/>
+          <p:cNvSpPr>
+            <a:spLocks noGrp="1"/>
+          </p:cNvSpPr>
+          <p:nvPr>
+            <p:ph type="dt" sz="half" idx="10"/>
+          </p:nvPr>
+        </p:nvSpPr>
+        <p:spPr/>
+        <p:txBody>
+          <a:bodyPr/>
+          <a:lstStyle/>
+          <a:p>
+            <a:r>
+              <a:rPr lang="en-US" smtClean="0"/>
+              <a:t>10/17/2016</a:t>
+            </a:r>
+            <a:endParaRPr lang="en-US"/>
+          </a:p>
+        </p:txBody>
+      </p:sp>
+      <p:sp>
+        <p:nvSpPr>
+          <p:cNvPr id="5" name="Footer Placeholder 4"/>
+          <p:cNvSpPr>
+            <a:spLocks noGrp="1"/>
+          </p:cNvSpPr>
+          <p:nvPr>
+            <p:ph type="ftr" sz="quarter" idx="11"/>
+          </p:nvPr>
+        </p:nvSpPr>
+        <p:spPr/>
+        <p:txBody>
+          <a:bodyPr/>
+          <a:lstStyle/>
+          <a:p>
+            <a:r>
+              <a:rPr lang="en-US" smtClean="0"/>
+              <a:t>Companions Left Behind, Hartmut Kaiser, Berkeley C++ Summit</a:t>
+            </a:r>
+            <a:endParaRPr lang="en-US"/>
+          </a:p>
+        </p:txBody>
+      </p:sp>
+      <p:sp>
+        <p:nvSpPr>
+          <p:cNvPr id="6" name="Slide Number Placeholder 5"/>
+          <p:cNvSpPr>
+            <a:spLocks noGrp="1"/>
+          </p:cNvSpPr>
+          <p:nvPr>
+            <p:ph type="sldNum" sz="quarter" idx="12"/>
+          </p:nvPr>
+        </p:nvSpPr>
+        <p:spPr/>
+        <p:txBody>
+          <a:bodyPr>
+            <a:normAutofit lnSpcReduction="10000"/>
+          </a:bodyPr>
+          <a:lstStyle/>
+          <a:p>
+            <a:fld id="{65339F38-439B-42BE-A6DB-D203DE66964E}" type="slidenum">
+              <a:rPr lang="en-US" smtClean="0"/>
+              <a:t>23</a:t>
+            </a:fld>
+            <a:endParaRPr lang="en-US"/>
+          </a:p>
+        </p:txBody>
+      </p:sp>
+    </p:spTree>
+    <p:extLst>
+      <p:ext uri="{BB962C8B-B14F-4D97-AF65-F5344CB8AC3E}">
+        <p14:creationId xmlns:p14="http://schemas.microsoft.com/office/powerpoint/2010/main" val="3073623095"/>
+      </p:ext>
+    </p:extLst>
+  </p:cSld>
+  <p:clrMapOvr>
+    <a:masterClrMapping/>
+  </p:clrMapOvr>
+  <p:timing>
+    <p:tnLst>
+      <p:par>
+        <p:cTn id="1" dur="indefinite" restart="never" nodeType="tmRoot"/>
+      </p:par>
+    </p:tnLst>
+  </p:timing>
+</p:sld>
+</file>
+
+<file path=ppt/slides/slide24.xml><?xml version="1.0" encoding="utf-8"?>
+<p:sld xmlns:a="http://schemas.openxmlformats.org/drawingml/2006/main" xmlns:r="http://schemas.openxmlformats.org/officeDocument/2006/relationships" xmlns:p="http://schemas.openxmlformats.org/presentationml/2006/main">
+  <p:cSld>
+    <p:spTree>
+      <p:nvGrpSpPr>
+        <p:cNvPr id="1" name=""/>
+        <p:cNvGrpSpPr/>
+        <p:nvPr/>
+      </p:nvGrpSpPr>
+      <p:grpSpPr>
+        <a:xfrm>
+          <a:off x="0" y="0"/>
+          <a:ext cx="0" cy="0"/>
+          <a:chOff x="0" y="0"/>
+          <a:chExt cx="0" cy="0"/>
+        </a:xfrm>
+      </p:grpSpPr>
+      <p:sp>
+        <p:nvSpPr>
+          <p:cNvPr id="2" name="Title 1"/>
+          <p:cNvSpPr>
+            <a:spLocks noGrp="1"/>
+          </p:cNvSpPr>
+          <p:nvPr>
+            <p:ph type="title"/>
+          </p:nvPr>
+        </p:nvSpPr>
         <p:spPr/>
         <p:txBody>
           <a:bodyPr>
@@ -13149,7 +17493,7 @@
           <a:p>
             <a:fld id="{65339F38-439B-42BE-A6DB-D203DE66964E}" type="slidenum">
               <a:rPr lang="en-US" smtClean="0"/>
-              <a:t>20</a:t>
+              <a:t>24</a:t>
             </a:fld>
             <a:endParaRPr lang="en-US"/>
           </a:p>
@@ -13175,7 +17519,7 @@
 </p:sld>
 </file>
 
-<file path=ppt/slides/slide21.xml><?xml version="1.0" encoding="utf-8"?>
+<file path=ppt/slides/slide25.xml><?xml version="1.0" encoding="utf-8"?>
 <p:sld xmlns:a="http://schemas.openxmlformats.org/drawingml/2006/main" xmlns:r="http://schemas.openxmlformats.org/officeDocument/2006/relationships" xmlns:p="http://schemas.openxmlformats.org/presentationml/2006/main">
   <p:cSld>
     <p:spTree>
@@ -13663,7 +18007,7 @@
           <a:p>
             <a:fld id="{52899393-25BE-4C26-9FDC-BEBB44BDB216}" type="slidenum">
               <a:rPr lang="en-US" smtClean="0"/>
-              <a:t>21</a:t>
+              <a:t>25</a:t>
             </a:fld>
             <a:endParaRPr lang="en-US"/>
           </a:p>
@@ -13689,7 +18033,7 @@
 </p:sld>
 </file>
 
-<file path=ppt/slides/slide22.xml><?xml version="1.0" encoding="utf-8"?>
+<file path=ppt/slides/slide26.xml><?xml version="1.0" encoding="utf-8"?>
 <p:sld xmlns:a="http://schemas.openxmlformats.org/drawingml/2006/main" xmlns:r="http://schemas.openxmlformats.org/officeDocument/2006/relationships" xmlns:p="http://schemas.openxmlformats.org/presentationml/2006/main">
   <p:cSld>
     <p:spTree>
@@ -14217,7 +18561,7 @@
           <a:p>
             <a:fld id="{52899393-25BE-4C26-9FDC-BEBB44BDB216}" type="slidenum">
               <a:rPr lang="en-US" smtClean="0"/>
-              <a:t>22</a:t>
+              <a:t>26</a:t>
             </a:fld>
             <a:endParaRPr lang="en-US"/>
           </a:p>
@@ -14243,8 +18587,8 @@
 </p:sld>
 </file>
 
-<file path=ppt/slides/slide23.xml><?xml version="1.0" encoding="utf-8"?>
-<p:sld xmlns:a="http://schemas.openxmlformats.org/drawingml/2006/main" xmlns:r="http://schemas.openxmlformats.org/officeDocument/2006/relationships" xmlns:p="http://schemas.openxmlformats.org/presentationml/2006/main">
+<file path=ppt/slides/slide27.xml><?xml version="1.0" encoding="utf-8"?>
+<p:sld xmlns:a="http://schemas.openxmlformats.org/drawingml/2006/main" xmlns:r="http://schemas.openxmlformats.org/officeDocument/2006/relationships" xmlns:p="http://schemas.openxmlformats.org/presentationml/2006/main" show="0">
   <p:cSld>
     <p:spTree>
       <p:nvGrpSpPr>
@@ -14890,7 +19234,7 @@
           <a:p>
             <a:fld id="{65339F38-439B-42BE-A6DB-D203DE66964E}" type="slidenum">
               <a:rPr lang="en-US" smtClean="0"/>
-              <a:t>23</a:t>
+              <a:t>27</a:t>
             </a:fld>
             <a:endParaRPr lang="en-US"/>
           </a:p>
@@ -14906,11 +19250,11 @@
   <p:clrMapOvr>
     <a:masterClrMapping/>
   </p:clrMapOvr>
-  <mc:AlternateContent xmlns:mc="http://schemas.openxmlformats.org/markup-compatibility/2006" xmlns:p14="http://schemas.microsoft.com/office/powerpoint/2010/main">
-    <mc:Choice Requires="p14">
+  <mc:AlternateContent xmlns:mc="http://schemas.openxmlformats.org/markup-compatibility/2006">
+    <mc:Choice xmlns:p14="http://schemas.microsoft.com/office/powerpoint/2010/main" Requires="p14">
       <p:transition spd="slow" p14:dur="2000"/>
     </mc:Choice>
-    <mc:Fallback xmlns="">
+    <mc:Fallback>
       <p:transition spd="slow"/>
     </mc:Fallback>
   </mc:AlternateContent>
@@ -15769,988 +20113,6 @@
 </p:sld>
 </file>
 
-<file path=ppt/slides/slide24.xml><?xml version="1.0" encoding="utf-8"?>
-<p:sld xmlns:a="http://schemas.openxmlformats.org/drawingml/2006/main" xmlns:r="http://schemas.openxmlformats.org/officeDocument/2006/relationships" xmlns:p="http://schemas.openxmlformats.org/presentationml/2006/main">
-  <p:cSld>
-    <p:spTree>
-      <p:nvGrpSpPr>
-        <p:cNvPr id="1" name=""/>
-        <p:cNvGrpSpPr/>
-        <p:nvPr/>
-      </p:nvGrpSpPr>
-      <p:grpSpPr>
-        <a:xfrm>
-          <a:off x="0" y="0"/>
-          <a:ext cx="0" cy="0"/>
-          <a:chOff x="0" y="0"/>
-          <a:chExt cx="0" cy="0"/>
-        </a:xfrm>
-      </p:grpSpPr>
-      <p:sp>
-        <p:nvSpPr>
-          <p:cNvPr id="7" name="Title 6"/>
-          <p:cNvSpPr>
-            <a:spLocks noGrp="1"/>
-          </p:cNvSpPr>
-          <p:nvPr>
-            <p:ph type="title"/>
-          </p:nvPr>
-        </p:nvSpPr>
-        <p:spPr/>
-        <p:txBody>
-          <a:bodyPr/>
-          <a:lstStyle/>
-          <a:p>
-            <a:r>
-              <a:rPr lang="en-US" dirty="0" smtClean="0"/>
-              <a:t>Data placement</a:t>
-            </a:r>
-            <a:endParaRPr lang="en-US" dirty="0"/>
-          </a:p>
-        </p:txBody>
-      </p:sp>
-      <p:sp>
-        <p:nvSpPr>
-          <p:cNvPr id="8" name="Text Placeholder 7"/>
-          <p:cNvSpPr>
-            <a:spLocks noGrp="1"/>
-          </p:cNvSpPr>
-          <p:nvPr>
-            <p:ph type="body" idx="1"/>
-          </p:nvPr>
-        </p:nvSpPr>
-        <p:spPr/>
-        <p:txBody>
-          <a:bodyPr/>
-          <a:lstStyle/>
-          <a:p>
-            <a:endParaRPr lang="en-US"/>
-          </a:p>
-        </p:txBody>
-      </p:sp>
-      <p:sp>
-        <p:nvSpPr>
-          <p:cNvPr id="4" name="Date Placeholder 3"/>
-          <p:cNvSpPr>
-            <a:spLocks noGrp="1"/>
-          </p:cNvSpPr>
-          <p:nvPr>
-            <p:ph type="dt" sz="half" idx="10"/>
-          </p:nvPr>
-        </p:nvSpPr>
-        <p:spPr/>
-        <p:txBody>
-          <a:bodyPr/>
-          <a:lstStyle/>
-          <a:p>
-            <a:r>
-              <a:rPr lang="en-US" smtClean="0"/>
-              <a:t>10/17/2016</a:t>
-            </a:r>
-            <a:endParaRPr lang="en-US"/>
-          </a:p>
-        </p:txBody>
-      </p:sp>
-      <p:sp>
-        <p:nvSpPr>
-          <p:cNvPr id="5" name="Footer Placeholder 4"/>
-          <p:cNvSpPr>
-            <a:spLocks noGrp="1"/>
-          </p:cNvSpPr>
-          <p:nvPr>
-            <p:ph type="ftr" sz="quarter" idx="11"/>
-          </p:nvPr>
-        </p:nvSpPr>
-        <p:spPr/>
-        <p:txBody>
-          <a:bodyPr/>
-          <a:lstStyle/>
-          <a:p>
-            <a:r>
-              <a:rPr lang="en-US" smtClean="0"/>
-              <a:t>Companions Left Behind, Hartmut Kaiser, Berkeley C++ Summit</a:t>
-            </a:r>
-            <a:endParaRPr lang="en-US"/>
-          </a:p>
-        </p:txBody>
-      </p:sp>
-      <p:sp>
-        <p:nvSpPr>
-          <p:cNvPr id="6" name="Slide Number Placeholder 5"/>
-          <p:cNvSpPr>
-            <a:spLocks noGrp="1"/>
-          </p:cNvSpPr>
-          <p:nvPr>
-            <p:ph type="sldNum" sz="quarter" idx="12"/>
-          </p:nvPr>
-        </p:nvSpPr>
-        <p:spPr/>
-        <p:txBody>
-          <a:bodyPr>
-            <a:normAutofit lnSpcReduction="10000"/>
-          </a:bodyPr>
-          <a:lstStyle/>
-          <a:p>
-            <a:fld id="{52899393-25BE-4C26-9FDC-BEBB44BDB216}" type="slidenum">
-              <a:rPr lang="en-US" smtClean="0"/>
-              <a:t>24</a:t>
-            </a:fld>
-            <a:endParaRPr lang="en-US"/>
-          </a:p>
-        </p:txBody>
-      </p:sp>
-    </p:spTree>
-    <p:extLst>
-      <p:ext uri="{BB962C8B-B14F-4D97-AF65-F5344CB8AC3E}">
-        <p14:creationId xmlns:p14="http://schemas.microsoft.com/office/powerpoint/2010/main" val="1758233898"/>
-      </p:ext>
-    </p:extLst>
-  </p:cSld>
-  <p:clrMapOvr>
-    <a:masterClrMapping/>
-  </p:clrMapOvr>
-  <p:timing>
-    <p:tnLst>
-      <p:par>
-        <p:cTn id="1" dur="indefinite" restart="never" nodeType="tmRoot"/>
-      </p:par>
-    </p:tnLst>
-  </p:timing>
-</p:sld>
-</file>
-
-<file path=ppt/slides/slide25.xml><?xml version="1.0" encoding="utf-8"?>
-<p:sld xmlns:a="http://schemas.openxmlformats.org/drawingml/2006/main" xmlns:r="http://schemas.openxmlformats.org/officeDocument/2006/relationships" xmlns:p="http://schemas.openxmlformats.org/presentationml/2006/main">
-  <p:cSld>
-    <p:spTree>
-      <p:nvGrpSpPr>
-        <p:cNvPr id="1" name=""/>
-        <p:cNvGrpSpPr/>
-        <p:nvPr/>
-      </p:nvGrpSpPr>
-      <p:grpSpPr>
-        <a:xfrm>
-          <a:off x="0" y="0"/>
-          <a:ext cx="0" cy="0"/>
-          <a:chOff x="0" y="0"/>
-          <a:chExt cx="0" cy="0"/>
-        </a:xfrm>
-      </p:grpSpPr>
-      <p:sp>
-        <p:nvSpPr>
-          <p:cNvPr id="7" name="Title 6"/>
-          <p:cNvSpPr>
-            <a:spLocks noGrp="1"/>
-          </p:cNvSpPr>
-          <p:nvPr>
-            <p:ph type="title"/>
-          </p:nvPr>
-        </p:nvSpPr>
-        <p:spPr/>
-        <p:txBody>
-          <a:bodyPr/>
-          <a:lstStyle/>
-          <a:p>
-            <a:r>
-              <a:rPr lang="en-US" dirty="0" smtClean="0"/>
-              <a:t>Data Placement</a:t>
-            </a:r>
-            <a:endParaRPr lang="en-US" dirty="0"/>
-          </a:p>
-        </p:txBody>
-      </p:sp>
-      <p:sp>
-        <p:nvSpPr>
-          <p:cNvPr id="8" name="Content Placeholder 7"/>
-          <p:cNvSpPr>
-            <a:spLocks noGrp="1"/>
-          </p:cNvSpPr>
-          <p:nvPr>
-            <p:ph idx="1"/>
-          </p:nvPr>
-        </p:nvSpPr>
-        <p:spPr/>
-        <p:txBody>
-          <a:bodyPr>
-            <a:normAutofit/>
-          </a:bodyPr>
-          <a:lstStyle/>
-          <a:p>
-            <a:r>
-              <a:rPr lang="en-US" dirty="0" smtClean="0"/>
-              <a:t>Different strategies for different platforms</a:t>
-            </a:r>
-          </a:p>
-          <a:p>
-            <a:pPr lvl="1"/>
-            <a:r>
-              <a:rPr lang="en-US" dirty="0" smtClean="0"/>
-              <a:t>Need interface to control explicit placement of data</a:t>
-            </a:r>
-          </a:p>
-          <a:p>
-            <a:pPr lvl="2"/>
-            <a:r>
-              <a:rPr lang="en-US" dirty="0" smtClean="0"/>
-              <a:t>NUMA architectures</a:t>
-            </a:r>
-          </a:p>
-          <a:p>
-            <a:pPr lvl="2"/>
-            <a:r>
-              <a:rPr lang="en-US" dirty="0" smtClean="0"/>
-              <a:t>GPUs</a:t>
-            </a:r>
-          </a:p>
-          <a:p>
-            <a:pPr lvl="2"/>
-            <a:r>
-              <a:rPr lang="en-US" dirty="0" smtClean="0"/>
-              <a:t>Distributed systems</a:t>
-            </a:r>
-          </a:p>
-          <a:p>
-            <a:pPr lvl="1"/>
-            <a:r>
-              <a:rPr lang="en-US" dirty="0"/>
-              <a:t>U</a:t>
-            </a:r>
-            <a:r>
-              <a:rPr lang="en-US" dirty="0" smtClean="0"/>
-              <a:t>se </a:t>
-            </a:r>
-            <a:r>
-              <a:rPr lang="en-US" dirty="0" err="1" smtClean="0">
-                <a:latin typeface="Consolas" panose="020B0609020204030204" pitchFamily="49" charset="0"/>
-              </a:rPr>
-              <a:t>std</a:t>
-            </a:r>
-            <a:r>
-              <a:rPr lang="en-US" dirty="0" smtClean="0">
-                <a:latin typeface="Consolas" panose="020B0609020204030204" pitchFamily="49" charset="0"/>
-              </a:rPr>
-              <a:t>::allocator&lt;T&gt;</a:t>
-            </a:r>
-            <a:r>
-              <a:rPr lang="en-US" dirty="0" smtClean="0"/>
-              <a:t> interfaces</a:t>
-            </a:r>
-            <a:endParaRPr lang="en-US" dirty="0"/>
-          </a:p>
-          <a:p>
-            <a:pPr lvl="2"/>
-            <a:r>
-              <a:rPr lang="en-US" dirty="0" smtClean="0"/>
-              <a:t>NUMA architectures: first touch</a:t>
-            </a:r>
-          </a:p>
-          <a:p>
-            <a:pPr lvl="2"/>
-            <a:r>
-              <a:rPr lang="en-US" dirty="0" smtClean="0"/>
-              <a:t>Slightly extended: bulk-operations for allocation, construction, destruction, and deallocation</a:t>
-            </a:r>
-            <a:endParaRPr lang="en-US" dirty="0"/>
-          </a:p>
-          <a:p>
-            <a:endParaRPr lang="en-US" dirty="0" smtClean="0"/>
-          </a:p>
-        </p:txBody>
-      </p:sp>
-      <p:sp>
-        <p:nvSpPr>
-          <p:cNvPr id="4" name="Date Placeholder 3"/>
-          <p:cNvSpPr>
-            <a:spLocks noGrp="1"/>
-          </p:cNvSpPr>
-          <p:nvPr>
-            <p:ph type="dt" sz="half" idx="10"/>
-          </p:nvPr>
-        </p:nvSpPr>
-        <p:spPr/>
-        <p:txBody>
-          <a:bodyPr/>
-          <a:lstStyle/>
-          <a:p>
-            <a:r>
-              <a:rPr lang="en-US" smtClean="0"/>
-              <a:t>10/17/2016</a:t>
-            </a:r>
-            <a:endParaRPr lang="en-US"/>
-          </a:p>
-        </p:txBody>
-      </p:sp>
-      <p:sp>
-        <p:nvSpPr>
-          <p:cNvPr id="5" name="Footer Placeholder 4"/>
-          <p:cNvSpPr>
-            <a:spLocks noGrp="1"/>
-          </p:cNvSpPr>
-          <p:nvPr>
-            <p:ph type="ftr" sz="quarter" idx="11"/>
-          </p:nvPr>
-        </p:nvSpPr>
-        <p:spPr/>
-        <p:txBody>
-          <a:bodyPr/>
-          <a:lstStyle/>
-          <a:p>
-            <a:r>
-              <a:rPr lang="en-US" smtClean="0"/>
-              <a:t>Companions Left Behind, Hartmut Kaiser, Berkeley C++ Summit</a:t>
-            </a:r>
-            <a:endParaRPr lang="en-US"/>
-          </a:p>
-        </p:txBody>
-      </p:sp>
-      <p:sp>
-        <p:nvSpPr>
-          <p:cNvPr id="6" name="Slide Number Placeholder 5"/>
-          <p:cNvSpPr>
-            <a:spLocks noGrp="1"/>
-          </p:cNvSpPr>
-          <p:nvPr>
-            <p:ph type="sldNum" sz="quarter" idx="12"/>
-          </p:nvPr>
-        </p:nvSpPr>
-        <p:spPr/>
-        <p:txBody>
-          <a:bodyPr>
-            <a:normAutofit lnSpcReduction="10000"/>
-          </a:bodyPr>
-          <a:lstStyle/>
-          <a:p>
-            <a:fld id="{52899393-25BE-4C26-9FDC-BEBB44BDB216}" type="slidenum">
-              <a:rPr lang="en-US" smtClean="0"/>
-              <a:t>25</a:t>
-            </a:fld>
-            <a:endParaRPr lang="en-US"/>
-          </a:p>
-        </p:txBody>
-      </p:sp>
-    </p:spTree>
-    <p:extLst>
-      <p:ext uri="{BB962C8B-B14F-4D97-AF65-F5344CB8AC3E}">
-        <p14:creationId xmlns:p14="http://schemas.microsoft.com/office/powerpoint/2010/main" val="4005423671"/>
-      </p:ext>
-    </p:extLst>
-  </p:cSld>
-  <p:clrMapOvr>
-    <a:masterClrMapping/>
-  </p:clrMapOvr>
-  <p:timing>
-    <p:tnLst>
-      <p:par>
-        <p:cTn id="1" dur="indefinite" restart="never" nodeType="tmRoot"/>
-      </p:par>
-    </p:tnLst>
-  </p:timing>
-</p:sld>
-</file>
-
-<file path=ppt/slides/slide26.xml><?xml version="1.0" encoding="utf-8"?>
-<p:sld xmlns:a="http://schemas.openxmlformats.org/drawingml/2006/main" xmlns:r="http://schemas.openxmlformats.org/officeDocument/2006/relationships" xmlns:p="http://schemas.openxmlformats.org/presentationml/2006/main">
-  <p:cSld>
-    <p:spTree>
-      <p:nvGrpSpPr>
-        <p:cNvPr id="1" name=""/>
-        <p:cNvGrpSpPr/>
-        <p:nvPr/>
-      </p:nvGrpSpPr>
-      <p:grpSpPr>
-        <a:xfrm>
-          <a:off x="0" y="0"/>
-          <a:ext cx="0" cy="0"/>
-          <a:chOff x="0" y="0"/>
-          <a:chExt cx="0" cy="0"/>
-        </a:xfrm>
-      </p:grpSpPr>
-      <p:sp>
-        <p:nvSpPr>
-          <p:cNvPr id="7" name="Title 6"/>
-          <p:cNvSpPr>
-            <a:spLocks noGrp="1"/>
-          </p:cNvSpPr>
-          <p:nvPr>
-            <p:ph type="title"/>
-          </p:nvPr>
-        </p:nvSpPr>
-        <p:spPr/>
-        <p:txBody>
-          <a:bodyPr/>
-          <a:lstStyle/>
-          <a:p>
-            <a:r>
-              <a:rPr lang="en-US" dirty="0" smtClean="0"/>
-              <a:t>Data Placement</a:t>
-            </a:r>
-            <a:endParaRPr lang="en-US" dirty="0"/>
-          </a:p>
-        </p:txBody>
-      </p:sp>
-      <p:sp>
-        <p:nvSpPr>
-          <p:cNvPr id="8" name="Content Placeholder 7"/>
-          <p:cNvSpPr>
-            <a:spLocks noGrp="1"/>
-          </p:cNvSpPr>
-          <p:nvPr>
-            <p:ph idx="1"/>
-          </p:nvPr>
-        </p:nvSpPr>
-        <p:spPr>
-          <a:xfrm>
-            <a:off x="1261872" y="1828800"/>
-            <a:ext cx="9368028" cy="4351337"/>
-          </a:xfrm>
-        </p:spPr>
-        <p:txBody>
-          <a:bodyPr>
-            <a:normAutofit/>
-          </a:bodyPr>
-          <a:lstStyle/>
-          <a:p>
-            <a:r>
-              <a:rPr lang="en-US" dirty="0" smtClean="0"/>
-              <a:t>HPX: </a:t>
-            </a:r>
-          </a:p>
-          <a:p>
-            <a:pPr lvl="1"/>
-            <a:r>
-              <a:rPr lang="en-US" dirty="0" err="1" smtClean="0">
-                <a:latin typeface="Consolas" panose="020B0609020204030204" pitchFamily="49" charset="0"/>
-              </a:rPr>
-              <a:t>hpx</a:t>
-            </a:r>
-            <a:r>
-              <a:rPr lang="en-US" dirty="0" smtClean="0">
-                <a:latin typeface="Consolas" panose="020B0609020204030204" pitchFamily="49" charset="0"/>
-              </a:rPr>
-              <a:t>::vector&lt;T, </a:t>
-            </a:r>
-            <a:r>
-              <a:rPr lang="en-US" dirty="0" err="1" smtClean="0">
-                <a:latin typeface="Consolas" panose="020B0609020204030204" pitchFamily="49" charset="0"/>
-              </a:rPr>
-              <a:t>Alloc</a:t>
-            </a:r>
-            <a:r>
-              <a:rPr lang="en-US" dirty="0" smtClean="0">
-                <a:latin typeface="Consolas" panose="020B0609020204030204" pitchFamily="49" charset="0"/>
-              </a:rPr>
-              <a:t>&gt;</a:t>
-            </a:r>
-          </a:p>
-          <a:p>
-            <a:pPr lvl="2"/>
-            <a:r>
-              <a:rPr lang="en-US" dirty="0" smtClean="0"/>
-              <a:t>Same interface as </a:t>
-            </a:r>
-            <a:r>
-              <a:rPr lang="en-US" dirty="0" err="1">
-                <a:latin typeface="Consolas" panose="020B0609020204030204" pitchFamily="49" charset="0"/>
-              </a:rPr>
-              <a:t>std</a:t>
-            </a:r>
-            <a:r>
-              <a:rPr lang="en-US" dirty="0">
-                <a:latin typeface="Consolas" panose="020B0609020204030204" pitchFamily="49" charset="0"/>
-              </a:rPr>
-              <a:t>::vector&lt;T&gt;</a:t>
-            </a:r>
-            <a:endParaRPr lang="en-US" dirty="0" smtClean="0"/>
-          </a:p>
-          <a:p>
-            <a:pPr lvl="2"/>
-            <a:r>
-              <a:rPr lang="en-US" dirty="0" smtClean="0"/>
-              <a:t>Manages data locality through allocator</a:t>
-            </a:r>
-          </a:p>
-          <a:p>
-            <a:pPr lvl="2"/>
-            <a:r>
-              <a:rPr lang="en-US" dirty="0" smtClean="0"/>
-              <a:t>Uses execution target objects for data placement</a:t>
-            </a:r>
-          </a:p>
-          <a:p>
-            <a:pPr lvl="2"/>
-            <a:r>
-              <a:rPr lang="en-US" dirty="0" smtClean="0"/>
-              <a:t>Allows for direct manipulation of data on </a:t>
-            </a:r>
-            <a:r>
-              <a:rPr lang="en-US" dirty="0"/>
-              <a:t>NUMA domains, </a:t>
-            </a:r>
-            <a:r>
-              <a:rPr lang="en-US" dirty="0" smtClean="0"/>
-              <a:t>GPUs, remote nodes, etc.</a:t>
-            </a:r>
-          </a:p>
-          <a:p>
-            <a:pPr lvl="2"/>
-            <a:endParaRPr lang="en-US" dirty="0"/>
-          </a:p>
-          <a:p>
-            <a:pPr lvl="1"/>
-            <a:r>
-              <a:rPr lang="en-US" dirty="0" err="1">
-                <a:latin typeface="Consolas" panose="020B0609020204030204" pitchFamily="49" charset="0"/>
-              </a:rPr>
-              <a:t>h</a:t>
-            </a:r>
-            <a:r>
-              <a:rPr lang="en-US" dirty="0" err="1" smtClean="0">
-                <a:latin typeface="Consolas" panose="020B0609020204030204" pitchFamily="49" charset="0"/>
-              </a:rPr>
-              <a:t>px</a:t>
-            </a:r>
-            <a:r>
-              <a:rPr lang="en-US" dirty="0" smtClean="0">
-                <a:latin typeface="Consolas" panose="020B0609020204030204" pitchFamily="49" charset="0"/>
-              </a:rPr>
-              <a:t>::</a:t>
-            </a:r>
-            <a:r>
-              <a:rPr lang="en-US" dirty="0" err="1" smtClean="0">
-                <a:latin typeface="Consolas" panose="020B0609020204030204" pitchFamily="49" charset="0"/>
-              </a:rPr>
-              <a:t>partitioned_vector</a:t>
-            </a:r>
-            <a:r>
-              <a:rPr lang="en-US" dirty="0" smtClean="0">
-                <a:latin typeface="Consolas" panose="020B0609020204030204" pitchFamily="49" charset="0"/>
-              </a:rPr>
-              <a:t>&lt;T&gt;</a:t>
-            </a:r>
-          </a:p>
-          <a:p>
-            <a:pPr lvl="2"/>
-            <a:r>
-              <a:rPr lang="en-US" dirty="0"/>
-              <a:t>S</a:t>
-            </a:r>
-            <a:r>
-              <a:rPr lang="en-US" dirty="0" smtClean="0"/>
-              <a:t>ame interface as </a:t>
-            </a:r>
-            <a:r>
-              <a:rPr lang="en-US" dirty="0" err="1" smtClean="0">
-                <a:latin typeface="Consolas" panose="020B0609020204030204" pitchFamily="49" charset="0"/>
-              </a:rPr>
-              <a:t>std</a:t>
-            </a:r>
-            <a:r>
-              <a:rPr lang="en-US" dirty="0" smtClean="0">
-                <a:latin typeface="Consolas" panose="020B0609020204030204" pitchFamily="49" charset="0"/>
-              </a:rPr>
-              <a:t>::vector&lt;T&gt;</a:t>
-            </a:r>
-          </a:p>
-          <a:p>
-            <a:pPr lvl="2"/>
-            <a:r>
-              <a:rPr lang="en-US" dirty="0" smtClean="0"/>
-              <a:t>Segmented data store</a:t>
-            </a:r>
-          </a:p>
-          <a:p>
-            <a:pPr lvl="3"/>
-            <a:r>
-              <a:rPr lang="en-US" dirty="0" smtClean="0"/>
-              <a:t>Segments can be </a:t>
-            </a:r>
-            <a:r>
-              <a:rPr lang="en-US" dirty="0" err="1" smtClean="0">
-                <a:latin typeface="Consolas" panose="020B0609020204030204" pitchFamily="49" charset="0"/>
-                <a:cs typeface="Consolas" panose="020B0609020204030204" pitchFamily="49" charset="0"/>
-              </a:rPr>
-              <a:t>hpx</a:t>
-            </a:r>
-            <a:r>
-              <a:rPr lang="en-US" dirty="0" smtClean="0">
-                <a:latin typeface="Consolas" panose="020B0609020204030204" pitchFamily="49" charset="0"/>
-                <a:cs typeface="Consolas" panose="020B0609020204030204" pitchFamily="49" charset="0"/>
-              </a:rPr>
-              <a:t>::vector&lt;T, </a:t>
-            </a:r>
-            <a:r>
-              <a:rPr lang="en-US" dirty="0" err="1" smtClean="0">
-                <a:latin typeface="Consolas" panose="020B0609020204030204" pitchFamily="49" charset="0"/>
-                <a:cs typeface="Consolas" panose="020B0609020204030204" pitchFamily="49" charset="0"/>
-              </a:rPr>
-              <a:t>Alloc</a:t>
-            </a:r>
-            <a:r>
-              <a:rPr lang="en-US" dirty="0" smtClean="0">
-                <a:latin typeface="Consolas" panose="020B0609020204030204" pitchFamily="49" charset="0"/>
-                <a:cs typeface="Consolas" panose="020B0609020204030204" pitchFamily="49" charset="0"/>
-              </a:rPr>
-              <a:t>&gt;</a:t>
-            </a:r>
-          </a:p>
-          <a:p>
-            <a:pPr lvl="2"/>
-            <a:r>
-              <a:rPr lang="en-US" dirty="0" smtClean="0"/>
-              <a:t>Uses </a:t>
-            </a:r>
-            <a:r>
-              <a:rPr lang="en-US" dirty="0" err="1" smtClean="0">
-                <a:latin typeface="Consolas" panose="020B0609020204030204" pitchFamily="49" charset="0"/>
-              </a:rPr>
-              <a:t>distribution_policy</a:t>
-            </a:r>
-            <a:r>
-              <a:rPr lang="en-US" dirty="0" smtClean="0"/>
-              <a:t> for data placement</a:t>
-            </a:r>
-          </a:p>
-          <a:p>
-            <a:pPr lvl="2"/>
-            <a:r>
-              <a:rPr lang="en-US" dirty="0" smtClean="0"/>
-              <a:t>Allows for manipulation of data on several targets</a:t>
-            </a:r>
-          </a:p>
-        </p:txBody>
-      </p:sp>
-      <p:sp>
-        <p:nvSpPr>
-          <p:cNvPr id="4" name="Date Placeholder 3"/>
-          <p:cNvSpPr>
-            <a:spLocks noGrp="1"/>
-          </p:cNvSpPr>
-          <p:nvPr>
-            <p:ph type="dt" sz="half" idx="10"/>
-          </p:nvPr>
-        </p:nvSpPr>
-        <p:spPr/>
-        <p:txBody>
-          <a:bodyPr/>
-          <a:lstStyle/>
-          <a:p>
-            <a:r>
-              <a:rPr lang="en-US" smtClean="0"/>
-              <a:t>10/17/2016</a:t>
-            </a:r>
-            <a:endParaRPr lang="en-US"/>
-          </a:p>
-        </p:txBody>
-      </p:sp>
-      <p:sp>
-        <p:nvSpPr>
-          <p:cNvPr id="5" name="Footer Placeholder 4"/>
-          <p:cNvSpPr>
-            <a:spLocks noGrp="1"/>
-          </p:cNvSpPr>
-          <p:nvPr>
-            <p:ph type="ftr" sz="quarter" idx="11"/>
-          </p:nvPr>
-        </p:nvSpPr>
-        <p:spPr/>
-        <p:txBody>
-          <a:bodyPr/>
-          <a:lstStyle/>
-          <a:p>
-            <a:r>
-              <a:rPr lang="en-US" smtClean="0"/>
-              <a:t>Companions Left Behind, Hartmut Kaiser, Berkeley C++ Summit</a:t>
-            </a:r>
-            <a:endParaRPr lang="en-US"/>
-          </a:p>
-        </p:txBody>
-      </p:sp>
-      <p:sp>
-        <p:nvSpPr>
-          <p:cNvPr id="6" name="Slide Number Placeholder 5"/>
-          <p:cNvSpPr>
-            <a:spLocks noGrp="1"/>
-          </p:cNvSpPr>
-          <p:nvPr>
-            <p:ph type="sldNum" sz="quarter" idx="12"/>
-          </p:nvPr>
-        </p:nvSpPr>
-        <p:spPr/>
-        <p:txBody>
-          <a:bodyPr>
-            <a:normAutofit lnSpcReduction="10000"/>
-          </a:bodyPr>
-          <a:lstStyle/>
-          <a:p>
-            <a:fld id="{52899393-25BE-4C26-9FDC-BEBB44BDB216}" type="slidenum">
-              <a:rPr lang="en-US" smtClean="0"/>
-              <a:t>26</a:t>
-            </a:fld>
-            <a:endParaRPr lang="en-US"/>
-          </a:p>
-        </p:txBody>
-      </p:sp>
-    </p:spTree>
-    <p:extLst>
-      <p:ext uri="{BB962C8B-B14F-4D97-AF65-F5344CB8AC3E}">
-        <p14:creationId xmlns:p14="http://schemas.microsoft.com/office/powerpoint/2010/main" val="2670447740"/>
-      </p:ext>
-    </p:extLst>
-  </p:cSld>
-  <p:clrMapOvr>
-    <a:masterClrMapping/>
-  </p:clrMapOvr>
-  <p:timing>
-    <p:tnLst>
-      <p:par>
-        <p:cTn id="1" dur="indefinite" restart="never" nodeType="tmRoot"/>
-      </p:par>
-    </p:tnLst>
-  </p:timing>
-</p:sld>
-</file>
-
-<file path=ppt/slides/slide27.xml><?xml version="1.0" encoding="utf-8"?>
-<p:sld xmlns:a="http://schemas.openxmlformats.org/drawingml/2006/main" xmlns:r="http://schemas.openxmlformats.org/officeDocument/2006/relationships" xmlns:p="http://schemas.openxmlformats.org/presentationml/2006/main">
-  <p:cSld>
-    <p:spTree>
-      <p:nvGrpSpPr>
-        <p:cNvPr id="1" name=""/>
-        <p:cNvGrpSpPr/>
-        <p:nvPr/>
-      </p:nvGrpSpPr>
-      <p:grpSpPr>
-        <a:xfrm>
-          <a:off x="0" y="0"/>
-          <a:ext cx="0" cy="0"/>
-          <a:chOff x="0" y="0"/>
-          <a:chExt cx="0" cy="0"/>
-        </a:xfrm>
-      </p:grpSpPr>
-      <p:sp>
-        <p:nvSpPr>
-          <p:cNvPr id="2" name="Title 1"/>
-          <p:cNvSpPr>
-            <a:spLocks noGrp="1"/>
-          </p:cNvSpPr>
-          <p:nvPr>
-            <p:ph type="title"/>
-          </p:nvPr>
-        </p:nvSpPr>
-        <p:spPr/>
-        <p:txBody>
-          <a:bodyPr/>
-          <a:lstStyle/>
-          <a:p>
-            <a:r>
-              <a:rPr lang="en-US" dirty="0"/>
-              <a:t>Data Placement</a:t>
-            </a:r>
-          </a:p>
-        </p:txBody>
-      </p:sp>
-      <p:sp>
-        <p:nvSpPr>
-          <p:cNvPr id="3" name="Content Placeholder 2"/>
-          <p:cNvSpPr>
-            <a:spLocks noGrp="1"/>
-          </p:cNvSpPr>
-          <p:nvPr>
-            <p:ph idx="1"/>
-          </p:nvPr>
-        </p:nvSpPr>
-        <p:spPr/>
-        <p:txBody>
-          <a:bodyPr/>
-          <a:lstStyle/>
-          <a:p>
-            <a:r>
-              <a:rPr lang="en-US" dirty="0" smtClean="0"/>
-              <a:t>Extending </a:t>
-            </a:r>
-            <a:r>
-              <a:rPr lang="en-US" dirty="0" err="1" smtClean="0">
-                <a:latin typeface="Consolas" panose="020B0609020204030204" pitchFamily="49" charset="0"/>
-                <a:cs typeface="Consolas" panose="020B0609020204030204" pitchFamily="49" charset="0"/>
-              </a:rPr>
-              <a:t>std</a:t>
-            </a:r>
-            <a:r>
-              <a:rPr lang="en-US" dirty="0" smtClean="0">
-                <a:latin typeface="Consolas" panose="020B0609020204030204" pitchFamily="49" charset="0"/>
-                <a:cs typeface="Consolas" panose="020B0609020204030204" pitchFamily="49" charset="0"/>
-              </a:rPr>
-              <a:t>::</a:t>
-            </a:r>
-            <a:r>
-              <a:rPr lang="en-US" dirty="0" err="1" smtClean="0">
-                <a:latin typeface="Consolas" panose="020B0609020204030204" pitchFamily="49" charset="0"/>
-                <a:cs typeface="Consolas" panose="020B0609020204030204" pitchFamily="49" charset="0"/>
-              </a:rPr>
-              <a:t>allocator_traits</a:t>
-            </a:r>
-            <a:endParaRPr lang="en-US" dirty="0" smtClean="0">
-              <a:latin typeface="Consolas" panose="020B0609020204030204" pitchFamily="49" charset="0"/>
-              <a:cs typeface="Consolas" panose="020B0609020204030204" pitchFamily="49" charset="0"/>
-            </a:endParaRPr>
-          </a:p>
-          <a:p>
-            <a:pPr lvl="1"/>
-            <a:r>
-              <a:rPr lang="en-US" dirty="0" smtClean="0"/>
-              <a:t>Adding functionality to copy data</a:t>
-            </a:r>
-          </a:p>
-          <a:p>
-            <a:pPr lvl="2"/>
-            <a:r>
-              <a:rPr lang="en-US" dirty="0" smtClean="0"/>
-              <a:t>CPU: trivial</a:t>
-            </a:r>
-          </a:p>
-          <a:p>
-            <a:pPr lvl="2"/>
-            <a:r>
-              <a:rPr lang="en-US" dirty="0" smtClean="0"/>
-              <a:t>GPU: platform specific data transfer, hooked into </a:t>
-            </a:r>
-            <a:r>
-              <a:rPr lang="en-US" dirty="0" smtClean="0">
-                <a:latin typeface="Consolas" panose="020B0609020204030204" pitchFamily="49" charset="0"/>
-                <a:cs typeface="Consolas" panose="020B0609020204030204" pitchFamily="49" charset="0"/>
-              </a:rPr>
-              <a:t>parallel::copy</a:t>
-            </a:r>
-          </a:p>
-          <a:p>
-            <a:pPr lvl="2"/>
-            <a:r>
-              <a:rPr lang="en-US" dirty="0" smtClean="0"/>
-              <a:t>Distributed: maps onto network, possibly RDMA (put/get)</a:t>
-            </a:r>
-          </a:p>
-          <a:p>
-            <a:pPr lvl="1"/>
-            <a:r>
-              <a:rPr lang="en-US" dirty="0" smtClean="0"/>
-              <a:t>Adding functionality to access single elements</a:t>
-            </a:r>
-          </a:p>
-          <a:p>
-            <a:pPr lvl="2"/>
-            <a:r>
-              <a:rPr lang="en-US" dirty="0" smtClean="0"/>
-              <a:t>CPU: trivial</a:t>
-            </a:r>
-          </a:p>
-          <a:p>
-            <a:pPr lvl="2"/>
-            <a:r>
-              <a:rPr lang="en-US" dirty="0" smtClean="0"/>
-              <a:t>GPU: slow, but possible</a:t>
-            </a:r>
-          </a:p>
-          <a:p>
-            <a:pPr lvl="2"/>
-            <a:r>
-              <a:rPr lang="en-US" dirty="0" smtClean="0"/>
-              <a:t>Distributed: maps onto network</a:t>
-            </a:r>
-            <a:endParaRPr lang="en-US" dirty="0"/>
-          </a:p>
-        </p:txBody>
-      </p:sp>
-      <p:sp>
-        <p:nvSpPr>
-          <p:cNvPr id="4" name="Date Placeholder 3"/>
-          <p:cNvSpPr>
-            <a:spLocks noGrp="1"/>
-          </p:cNvSpPr>
-          <p:nvPr>
-            <p:ph type="dt" sz="half" idx="10"/>
-          </p:nvPr>
-        </p:nvSpPr>
-        <p:spPr/>
-        <p:txBody>
-          <a:bodyPr/>
-          <a:lstStyle/>
-          <a:p>
-            <a:r>
-              <a:rPr lang="en-US" smtClean="0"/>
-              <a:t>10/17/2016</a:t>
-            </a:r>
-            <a:endParaRPr lang="en-US"/>
-          </a:p>
-        </p:txBody>
-      </p:sp>
-      <p:sp>
-        <p:nvSpPr>
-          <p:cNvPr id="5" name="Footer Placeholder 4"/>
-          <p:cNvSpPr>
-            <a:spLocks noGrp="1"/>
-          </p:cNvSpPr>
-          <p:nvPr>
-            <p:ph type="ftr" sz="quarter" idx="11"/>
-          </p:nvPr>
-        </p:nvSpPr>
-        <p:spPr/>
-        <p:txBody>
-          <a:bodyPr/>
-          <a:lstStyle/>
-          <a:p>
-            <a:r>
-              <a:rPr lang="en-US" smtClean="0"/>
-              <a:t>Companions Left Behind, Hartmut Kaiser, Berkeley C++ Summit</a:t>
-            </a:r>
-            <a:endParaRPr lang="en-US"/>
-          </a:p>
-        </p:txBody>
-      </p:sp>
-      <p:sp>
-        <p:nvSpPr>
-          <p:cNvPr id="6" name="Slide Number Placeholder 5"/>
-          <p:cNvSpPr>
-            <a:spLocks noGrp="1"/>
-          </p:cNvSpPr>
-          <p:nvPr>
-            <p:ph type="sldNum" sz="quarter" idx="12"/>
-          </p:nvPr>
-        </p:nvSpPr>
-        <p:spPr/>
-        <p:txBody>
-          <a:bodyPr>
-            <a:normAutofit lnSpcReduction="10000"/>
-          </a:bodyPr>
-          <a:lstStyle/>
-          <a:p>
-            <a:fld id="{52899393-25BE-4C26-9FDC-BEBB44BDB216}" type="slidenum">
-              <a:rPr lang="en-US" smtClean="0"/>
-              <a:t>27</a:t>
-            </a:fld>
-            <a:endParaRPr lang="en-US"/>
-          </a:p>
-        </p:txBody>
-      </p:sp>
-    </p:spTree>
-    <p:extLst>
-      <p:ext uri="{BB962C8B-B14F-4D97-AF65-F5344CB8AC3E}">
-        <p14:creationId xmlns:p14="http://schemas.microsoft.com/office/powerpoint/2010/main" val="2300588182"/>
-      </p:ext>
-    </p:extLst>
-  </p:cSld>
-  <p:clrMapOvr>
-    <a:masterClrMapping/>
-  </p:clrMapOvr>
-  <p:timing>
-    <p:tnLst>
-      <p:par>
-        <p:cTn id="1" dur="indefinite" restart="never" nodeType="tmRoot"/>
-      </p:par>
-    </p:tnLst>
-  </p:timing>
-</p:sld>
-</file>
-
 <file path=ppt/slides/slide28.xml><?xml version="1.0" encoding="utf-8"?>
 <p:sld xmlns:a="http://schemas.openxmlformats.org/drawingml/2006/main" xmlns:r="http://schemas.openxmlformats.org/officeDocument/2006/relationships" xmlns:p="http://schemas.openxmlformats.org/presentationml/2006/main">
   <p:cSld>
@@ -16785,7 +20147,7 @@
           <a:p>
             <a:r>
               <a:rPr lang="en-US" dirty="0" smtClean="0"/>
-              <a:t>Execution Targets</a:t>
+              <a:t>Data placement</a:t>
             </a:r>
             <a:endParaRPr lang="en-US" dirty="0"/>
           </a:p>
@@ -16806,11 +20168,7 @@
           <a:bodyPr/>
           <a:lstStyle/>
           <a:p>
-            <a:r>
-              <a:rPr lang="en-US" dirty="0" smtClean="0"/>
-              <a:t>One Ring to Rule them All</a:t>
-            </a:r>
-            <a:endParaRPr lang="en-US" dirty="0"/>
+            <a:endParaRPr lang="en-US"/>
           </a:p>
         </p:txBody>
       </p:sp>
@@ -16888,7 +20246,7 @@
     </p:spTree>
     <p:extLst>
       <p:ext uri="{BB962C8B-B14F-4D97-AF65-F5344CB8AC3E}">
-        <p14:creationId xmlns:p14="http://schemas.microsoft.com/office/powerpoint/2010/main" val="1921521701"/>
+        <p14:creationId xmlns:p14="http://schemas.microsoft.com/office/powerpoint/2010/main" val="1758233898"/>
       </p:ext>
     </p:extLst>
   </p:cSld>
@@ -16939,7 +20297,7 @@
           <a:p>
             <a:r>
               <a:rPr lang="en-US" dirty="0" smtClean="0"/>
-              <a:t>Execution Targets</a:t>
+              <a:t>Data Placement</a:t>
             </a:r>
             <a:endParaRPr lang="en-US" dirty="0"/>
           </a:p>
@@ -16964,140 +20322,82 @@
           <a:p>
             <a:r>
               <a:rPr lang="en-US" dirty="0" smtClean="0"/>
-              <a:t>Opaque types which represent a place in the system </a:t>
+              <a:t>Different strategies for different platforms</a:t>
             </a:r>
           </a:p>
           <a:p>
             <a:pPr lvl="1"/>
             <a:r>
+              <a:rPr lang="en-US" dirty="0" smtClean="0"/>
+              <a:t>Need interface to control explicit placement of data</a:t>
+            </a:r>
+          </a:p>
+          <a:p>
+            <a:pPr lvl="2"/>
+            <a:r>
+              <a:rPr lang="en-US" dirty="0" smtClean="0"/>
+              <a:t>NUMA architectures</a:t>
+            </a:r>
+          </a:p>
+          <a:p>
+            <a:pPr lvl="2"/>
+            <a:r>
+              <a:rPr lang="en-US" dirty="0" smtClean="0"/>
+              <a:t>GPUs</a:t>
+            </a:r>
+          </a:p>
+          <a:p>
+            <a:pPr lvl="2"/>
+            <a:r>
+              <a:rPr lang="en-US" dirty="0" smtClean="0"/>
+              <a:t>Distributed systems</a:t>
+            </a:r>
+          </a:p>
+          <a:p>
+            <a:pPr lvl="1"/>
+            <a:r>
               <a:rPr lang="en-US" dirty="0"/>
-              <a:t>Used to identify data placement </a:t>
-            </a:r>
+              <a:t>U</a:t>
+            </a:r>
+            <a:r>
+              <a:rPr lang="en-US" dirty="0" smtClean="0"/>
+              <a:t>se </a:t>
+            </a:r>
+            <a:r>
+              <a:rPr lang="en-US" dirty="0" err="1" smtClean="0">
+                <a:latin typeface="Consolas" panose="020B0609020204030204" pitchFamily="49" charset="0"/>
+              </a:rPr>
+              <a:t>std</a:t>
+            </a:r>
+            <a:r>
+              <a:rPr lang="en-US" dirty="0" smtClean="0">
+                <a:latin typeface="Consolas" panose="020B0609020204030204" pitchFamily="49" charset="0"/>
+              </a:rPr>
+              <a:t>::allocator&lt;T&gt;</a:t>
+            </a:r>
+            <a:r>
+              <a:rPr lang="en-US" dirty="0" smtClean="0"/>
+              <a:t> interfaces</a:t>
+            </a:r>
+            <a:endParaRPr lang="en-US" dirty="0"/>
+          </a:p>
+          <a:p>
+            <a:pPr lvl="2"/>
+            <a:r>
+              <a:rPr lang="en-US" dirty="0" smtClean="0"/>
+              <a:t>NUMA architectures: first touch</a:t>
+            </a:r>
+          </a:p>
+          <a:p>
+            <a:pPr lvl="2"/>
+            <a:r>
+              <a:rPr lang="en-US" dirty="0" smtClean="0"/>
+              <a:t>Slightly extended: bulk-operations for allocation, construction, destruction, and deallocation</a:t>
+            </a:r>
+            <a:endParaRPr lang="en-US" dirty="0"/>
+          </a:p>
+          <a:p>
             <a:endParaRPr lang="en-US" dirty="0" smtClean="0"/>
-          </a:p>
-          <a:p>
-            <a:pPr lvl="1"/>
-            <a:r>
-              <a:rPr lang="en-US" dirty="0" smtClean="0"/>
-              <a:t>Used to specify execution site close to data</a:t>
-            </a:r>
-          </a:p>
-          <a:p>
-            <a:r>
-              <a:rPr lang="en-US" dirty="0" smtClean="0"/>
-              <a:t>Targets encapsulate architecture specifics</a:t>
-            </a:r>
-          </a:p>
-          <a:p>
-            <a:pPr lvl="1"/>
-            <a:r>
-              <a:rPr lang="en-US" dirty="0" smtClean="0"/>
-              <a:t>E.g. </a:t>
-            </a:r>
-            <a:r>
-              <a:rPr lang="en-US" dirty="0" err="1" smtClean="0">
-                <a:latin typeface="Consolas" panose="020B0609020204030204" pitchFamily="49" charset="0"/>
-                <a:cs typeface="Consolas" panose="020B0609020204030204" pitchFamily="49" charset="0"/>
-              </a:rPr>
-              <a:t>cuda</a:t>
-            </a:r>
-            <a:r>
-              <a:rPr lang="en-US" dirty="0" smtClean="0">
-                <a:latin typeface="Consolas" panose="020B0609020204030204" pitchFamily="49" charset="0"/>
-                <a:cs typeface="Consolas" panose="020B0609020204030204" pitchFamily="49" charset="0"/>
-              </a:rPr>
-              <a:t>::target</a:t>
-            </a:r>
-            <a:r>
-              <a:rPr lang="en-US" dirty="0" smtClean="0"/>
-              <a:t>, </a:t>
-            </a:r>
-            <a:r>
-              <a:rPr lang="en-US" dirty="0" smtClean="0">
-                <a:latin typeface="Consolas" panose="020B0609020204030204" pitchFamily="49" charset="0"/>
-                <a:cs typeface="Consolas" panose="020B0609020204030204" pitchFamily="49" charset="0"/>
-              </a:rPr>
-              <a:t>host::target</a:t>
-            </a:r>
-          </a:p>
-          <a:p>
-            <a:r>
-              <a:rPr lang="en-US" dirty="0" smtClean="0"/>
-              <a:t>Allocators to be initialized from targets</a:t>
-            </a:r>
-          </a:p>
-          <a:p>
-            <a:pPr lvl="1"/>
-            <a:r>
-              <a:rPr lang="en-US" dirty="0" smtClean="0"/>
-              <a:t>Customization of data placement</a:t>
-            </a:r>
-          </a:p>
-          <a:p>
-            <a:pPr lvl="2"/>
-            <a:r>
-              <a:rPr lang="en-US" dirty="0" smtClean="0"/>
-              <a:t>NUMA domain: </a:t>
-            </a:r>
-            <a:r>
-              <a:rPr lang="en-US" dirty="0" smtClean="0">
-                <a:latin typeface="Consolas" panose="020B0609020204030204" pitchFamily="49" charset="0"/>
-                <a:cs typeface="Consolas" panose="020B0609020204030204" pitchFamily="49" charset="0"/>
-              </a:rPr>
-              <a:t>host::</a:t>
-            </a:r>
-            <a:r>
-              <a:rPr lang="en-US" dirty="0" err="1" smtClean="0">
-                <a:latin typeface="Consolas" panose="020B0609020204030204" pitchFamily="49" charset="0"/>
-                <a:cs typeface="Consolas" panose="020B0609020204030204" pitchFamily="49" charset="0"/>
-              </a:rPr>
-              <a:t>block_allocator</a:t>
-            </a:r>
-            <a:endParaRPr lang="en-US" dirty="0" smtClean="0">
-              <a:latin typeface="Consolas" panose="020B0609020204030204" pitchFamily="49" charset="0"/>
-              <a:cs typeface="Consolas" panose="020B0609020204030204" pitchFamily="49" charset="0"/>
-            </a:endParaRPr>
-          </a:p>
-          <a:p>
-            <a:pPr lvl="2"/>
-            <a:r>
-              <a:rPr lang="en-US" dirty="0" smtClean="0"/>
-              <a:t>(possibly remote) GPU device: </a:t>
-            </a:r>
-            <a:r>
-              <a:rPr lang="en-US" dirty="0" err="1" smtClean="0">
-                <a:latin typeface="Consolas" panose="020B0609020204030204" pitchFamily="49" charset="0"/>
-                <a:cs typeface="Consolas" panose="020B0609020204030204" pitchFamily="49" charset="0"/>
-              </a:rPr>
-              <a:t>cuda</a:t>
-            </a:r>
-            <a:r>
-              <a:rPr lang="en-US" dirty="0" smtClean="0">
-                <a:latin typeface="Consolas" panose="020B0609020204030204" pitchFamily="49" charset="0"/>
-                <a:cs typeface="Consolas" panose="020B0609020204030204" pitchFamily="49" charset="0"/>
-              </a:rPr>
-              <a:t>::allocator</a:t>
-            </a:r>
-          </a:p>
-          <a:p>
-            <a:pPr lvl="2"/>
-            <a:r>
-              <a:rPr lang="en-US" dirty="0" smtClean="0"/>
-              <a:t>Locality, i.e. (possibly remote) node</a:t>
-            </a:r>
-          </a:p>
-          <a:p>
-            <a:r>
-              <a:rPr lang="en-US" dirty="0" smtClean="0"/>
-              <a:t>Executors to be initialized from targets as well</a:t>
-            </a:r>
-          </a:p>
-          <a:p>
-            <a:pPr lvl="1"/>
-            <a:r>
-              <a:rPr lang="en-US" dirty="0" smtClean="0"/>
-              <a:t>Make sure code is executed close to placed data</a:t>
-            </a:r>
           </a:p>
         </p:txBody>
       </p:sp>
@@ -17175,7 +20475,7 @@
     </p:spTree>
     <p:extLst>
       <p:ext uri="{BB962C8B-B14F-4D97-AF65-F5344CB8AC3E}">
-        <p14:creationId xmlns:p14="http://schemas.microsoft.com/office/powerpoint/2010/main" val="1993725301"/>
+        <p14:creationId xmlns:p14="http://schemas.microsoft.com/office/powerpoint/2010/main" val="4005423671"/>
       </p:ext>
     </p:extLst>
   </p:cSld>
@@ -17341,13 +20641,8 @@
             <a:pPr lvl="2"/>
             <a:r>
               <a:rPr lang="en-US" dirty="0" smtClean="0"/>
-              <a:t>TBB, weakly aligned with C++ Standard </a:t>
-            </a:r>
-            <a:r>
-              <a:rPr lang="en-US" dirty="0" smtClean="0"/>
-              <a:t>library, tasks can’t suspend</a:t>
-            </a:r>
-            <a:endParaRPr lang="en-US" dirty="0" smtClean="0"/>
+              <a:t>TBB, weakly aligned with C++ Standard library, tasks can’t suspend</a:t>
+            </a:r>
           </a:p>
           <a:p>
             <a:pPr lvl="1"/>
@@ -17484,7 +20779,7 @@
           <a:p>
             <a:r>
               <a:rPr lang="en-US" dirty="0" smtClean="0"/>
-              <a:t>Examples</a:t>
+              <a:t>Data Placement</a:t>
             </a:r>
             <a:endParaRPr lang="en-US" dirty="0"/>
           </a:p>
@@ -17492,24 +20787,232 @@
       </p:sp>
       <p:sp>
         <p:nvSpPr>
-          <p:cNvPr id="8" name="Text Placeholder 7"/>
+          <p:cNvPr id="8" name="Content Placeholder 7"/>
           <p:cNvSpPr>
             <a:spLocks noGrp="1"/>
           </p:cNvSpPr>
           <p:nvPr>
-            <p:ph type="body" idx="1"/>
+            <p:ph idx="1"/>
           </p:nvPr>
         </p:nvSpPr>
-        <p:spPr/>
+        <p:spPr>
+          <a:xfrm>
+            <a:off x="1261872" y="1828800"/>
+            <a:ext cx="9368028" cy="4351337"/>
+          </a:xfrm>
+        </p:spPr>
         <p:txBody>
-          <a:bodyPr/>
+          <a:bodyPr>
+            <a:normAutofit/>
+          </a:bodyPr>
           <a:lstStyle/>
           <a:p>
             <a:r>
               <a:rPr lang="en-US" dirty="0" smtClean="0"/>
-              <a:t>Tying it all together</a:t>
-            </a:r>
+              <a:t>HPX: </a:t>
+            </a:r>
+          </a:p>
+          <a:p>
+            <a:pPr lvl="1"/>
+            <a:r>
+              <a:rPr lang="en-US" dirty="0" err="1" smtClean="0">
+                <a:latin typeface="Consolas" panose="020B0609020204030204" pitchFamily="49" charset="0"/>
+              </a:rPr>
+              <a:t>hpx</a:t>
+            </a:r>
+            <a:r>
+              <a:rPr lang="en-US" dirty="0" smtClean="0">
+                <a:latin typeface="Consolas" panose="020B0609020204030204" pitchFamily="49" charset="0"/>
+              </a:rPr>
+              <a:t>::vector&lt;T, </a:t>
+            </a:r>
+            <a:r>
+              <a:rPr lang="en-US" dirty="0" err="1" smtClean="0">
+                <a:latin typeface="Consolas" panose="020B0609020204030204" pitchFamily="49" charset="0"/>
+              </a:rPr>
+              <a:t>Alloc</a:t>
+            </a:r>
+            <a:r>
+              <a:rPr lang="en-US" dirty="0" smtClean="0">
+                <a:latin typeface="Consolas" panose="020B0609020204030204" pitchFamily="49" charset="0"/>
+              </a:rPr>
+              <a:t>&gt;</a:t>
+            </a:r>
+          </a:p>
+          <a:p>
+            <a:pPr lvl="2"/>
+            <a:r>
+              <a:rPr lang="en-US" dirty="0" smtClean="0"/>
+              <a:t>Same interface as </a:t>
+            </a:r>
+            <a:r>
+              <a:rPr lang="en-US" dirty="0" err="1">
+                <a:latin typeface="Consolas" panose="020B0609020204030204" pitchFamily="49" charset="0"/>
+              </a:rPr>
+              <a:t>std</a:t>
+            </a:r>
+            <a:r>
+              <a:rPr lang="en-US" dirty="0">
+                <a:latin typeface="Consolas" panose="020B0609020204030204" pitchFamily="49" charset="0"/>
+              </a:rPr>
+              <a:t>::vector&lt;T&gt;</a:t>
+            </a:r>
+            <a:endParaRPr lang="en-US" dirty="0" smtClean="0"/>
+          </a:p>
+          <a:p>
+            <a:pPr lvl="2"/>
+            <a:r>
+              <a:rPr lang="en-US" dirty="0" smtClean="0"/>
+              <a:t>Manages data locality through allocator</a:t>
+            </a:r>
+          </a:p>
+          <a:p>
+            <a:pPr lvl="2"/>
+            <a:r>
+              <a:rPr lang="en-US" dirty="0" smtClean="0"/>
+              <a:t>Uses execution target objects for data placement</a:t>
+            </a:r>
+          </a:p>
+          <a:p>
+            <a:pPr lvl="2"/>
+            <a:r>
+              <a:rPr lang="en-US" dirty="0" smtClean="0"/>
+              <a:t>Allows for direct manipulation of data on </a:t>
+            </a:r>
+            <a:r>
+              <a:rPr lang="en-US" dirty="0"/>
+              <a:t>NUMA domains, </a:t>
+            </a:r>
+            <a:r>
+              <a:rPr lang="en-US" dirty="0" smtClean="0"/>
+              <a:t>GPUs, remote nodes, etc.</a:t>
+            </a:r>
+          </a:p>
+          <a:p>
+            <a:pPr lvl="2"/>
             <a:endParaRPr lang="en-US" dirty="0"/>
+          </a:p>
+          <a:p>
+            <a:pPr lvl="1"/>
+            <a:r>
+              <a:rPr lang="en-US" dirty="0" err="1">
+                <a:latin typeface="Consolas" panose="020B0609020204030204" pitchFamily="49" charset="0"/>
+              </a:rPr>
+              <a:t>h</a:t>
+            </a:r>
+            <a:r>
+              <a:rPr lang="en-US" dirty="0" err="1" smtClean="0">
+                <a:latin typeface="Consolas" panose="020B0609020204030204" pitchFamily="49" charset="0"/>
+              </a:rPr>
+              <a:t>px</a:t>
+            </a:r>
+            <a:r>
+              <a:rPr lang="en-US" dirty="0" smtClean="0">
+                <a:latin typeface="Consolas" panose="020B0609020204030204" pitchFamily="49" charset="0"/>
+              </a:rPr>
+              <a:t>::</a:t>
+            </a:r>
+            <a:r>
+              <a:rPr lang="en-US" dirty="0" err="1" smtClean="0">
+                <a:latin typeface="Consolas" panose="020B0609020204030204" pitchFamily="49" charset="0"/>
+              </a:rPr>
+              <a:t>partitioned_vector</a:t>
+            </a:r>
+            <a:r>
+              <a:rPr lang="en-US" dirty="0" smtClean="0">
+                <a:latin typeface="Consolas" panose="020B0609020204030204" pitchFamily="49" charset="0"/>
+              </a:rPr>
+              <a:t>&lt;T&gt;</a:t>
+            </a:r>
+          </a:p>
+          <a:p>
+            <a:pPr lvl="2"/>
+            <a:r>
+              <a:rPr lang="en-US" dirty="0"/>
+              <a:t>S</a:t>
+            </a:r>
+            <a:r>
+              <a:rPr lang="en-US" dirty="0" smtClean="0"/>
+              <a:t>ame interface as </a:t>
+            </a:r>
+            <a:r>
+              <a:rPr lang="en-US" dirty="0" err="1" smtClean="0">
+                <a:latin typeface="Consolas" panose="020B0609020204030204" pitchFamily="49" charset="0"/>
+              </a:rPr>
+              <a:t>std</a:t>
+            </a:r>
+            <a:r>
+              <a:rPr lang="en-US" dirty="0" smtClean="0">
+                <a:latin typeface="Consolas" panose="020B0609020204030204" pitchFamily="49" charset="0"/>
+              </a:rPr>
+              <a:t>::vector&lt;T&gt;</a:t>
+            </a:r>
+          </a:p>
+          <a:p>
+            <a:pPr lvl="2"/>
+            <a:r>
+              <a:rPr lang="en-US" dirty="0" smtClean="0"/>
+              <a:t>Segmented data store</a:t>
+            </a:r>
+          </a:p>
+          <a:p>
+            <a:pPr lvl="3"/>
+            <a:r>
+              <a:rPr lang="en-US" dirty="0" smtClean="0"/>
+              <a:t>Segments can be </a:t>
+            </a:r>
+            <a:r>
+              <a:rPr lang="en-US" dirty="0" err="1" smtClean="0">
+                <a:latin typeface="Consolas" panose="020B0609020204030204" pitchFamily="49" charset="0"/>
+                <a:cs typeface="Consolas" panose="020B0609020204030204" pitchFamily="49" charset="0"/>
+              </a:rPr>
+              <a:t>hpx</a:t>
+            </a:r>
+            <a:r>
+              <a:rPr lang="en-US" dirty="0" smtClean="0">
+                <a:latin typeface="Consolas" panose="020B0609020204030204" pitchFamily="49" charset="0"/>
+                <a:cs typeface="Consolas" panose="020B0609020204030204" pitchFamily="49" charset="0"/>
+              </a:rPr>
+              <a:t>::vector&lt;T, </a:t>
+            </a:r>
+            <a:r>
+              <a:rPr lang="en-US" dirty="0" err="1" smtClean="0">
+                <a:latin typeface="Consolas" panose="020B0609020204030204" pitchFamily="49" charset="0"/>
+                <a:cs typeface="Consolas" panose="020B0609020204030204" pitchFamily="49" charset="0"/>
+              </a:rPr>
+              <a:t>Alloc</a:t>
+            </a:r>
+            <a:r>
+              <a:rPr lang="en-US" dirty="0" smtClean="0">
+                <a:latin typeface="Consolas" panose="020B0609020204030204" pitchFamily="49" charset="0"/>
+                <a:cs typeface="Consolas" panose="020B0609020204030204" pitchFamily="49" charset="0"/>
+              </a:rPr>
+              <a:t>&gt;</a:t>
+            </a:r>
+          </a:p>
+          <a:p>
+            <a:pPr lvl="2"/>
+            <a:r>
+              <a:rPr lang="en-US" dirty="0" smtClean="0"/>
+              <a:t>Uses </a:t>
+            </a:r>
+            <a:r>
+              <a:rPr lang="en-US" dirty="0" err="1" smtClean="0">
+                <a:latin typeface="Consolas" panose="020B0609020204030204" pitchFamily="49" charset="0"/>
+              </a:rPr>
+              <a:t>distribution_policy</a:t>
+            </a:r>
+            <a:r>
+              <a:rPr lang="en-US" dirty="0" smtClean="0"/>
+              <a:t> for data placement</a:t>
+            </a:r>
+          </a:p>
+          <a:p>
+            <a:pPr lvl="2"/>
+            <a:r>
+              <a:rPr lang="en-US" dirty="0" smtClean="0"/>
+              <a:t>Allows for manipulation of data on several targets</a:t>
+            </a:r>
           </a:p>
         </p:txBody>
       </p:sp>
@@ -17576,9 +21079,845 @@
           </a:bodyPr>
           <a:lstStyle/>
           <a:p>
+            <a:fld id="{52899393-25BE-4C26-9FDC-BEBB44BDB216}" type="slidenum">
+              <a:rPr lang="en-US" smtClean="0"/>
+              <a:t>30</a:t>
+            </a:fld>
+            <a:endParaRPr lang="en-US"/>
+          </a:p>
+        </p:txBody>
+      </p:sp>
+    </p:spTree>
+    <p:extLst>
+      <p:ext uri="{BB962C8B-B14F-4D97-AF65-F5344CB8AC3E}">
+        <p14:creationId xmlns:p14="http://schemas.microsoft.com/office/powerpoint/2010/main" val="2670447740"/>
+      </p:ext>
+    </p:extLst>
+  </p:cSld>
+  <p:clrMapOvr>
+    <a:masterClrMapping/>
+  </p:clrMapOvr>
+  <p:timing>
+    <p:tnLst>
+      <p:par>
+        <p:cTn id="1" dur="indefinite" restart="never" nodeType="tmRoot"/>
+      </p:par>
+    </p:tnLst>
+  </p:timing>
+</p:sld>
+</file>
+
+<file path=ppt/slides/slide31.xml><?xml version="1.0" encoding="utf-8"?>
+<p:sld xmlns:a="http://schemas.openxmlformats.org/drawingml/2006/main" xmlns:r="http://schemas.openxmlformats.org/officeDocument/2006/relationships" xmlns:p="http://schemas.openxmlformats.org/presentationml/2006/main">
+  <p:cSld>
+    <p:spTree>
+      <p:nvGrpSpPr>
+        <p:cNvPr id="1" name=""/>
+        <p:cNvGrpSpPr/>
+        <p:nvPr/>
+      </p:nvGrpSpPr>
+      <p:grpSpPr>
+        <a:xfrm>
+          <a:off x="0" y="0"/>
+          <a:ext cx="0" cy="0"/>
+          <a:chOff x="0" y="0"/>
+          <a:chExt cx="0" cy="0"/>
+        </a:xfrm>
+      </p:grpSpPr>
+      <p:sp>
+        <p:nvSpPr>
+          <p:cNvPr id="2" name="Title 1"/>
+          <p:cNvSpPr>
+            <a:spLocks noGrp="1"/>
+          </p:cNvSpPr>
+          <p:nvPr>
+            <p:ph type="title"/>
+          </p:nvPr>
+        </p:nvSpPr>
+        <p:spPr/>
+        <p:txBody>
+          <a:bodyPr/>
+          <a:lstStyle/>
+          <a:p>
+            <a:r>
+              <a:rPr lang="en-US" dirty="0"/>
+              <a:t>Data Placement</a:t>
+            </a:r>
+          </a:p>
+        </p:txBody>
+      </p:sp>
+      <p:sp>
+        <p:nvSpPr>
+          <p:cNvPr id="3" name="Content Placeholder 2"/>
+          <p:cNvSpPr>
+            <a:spLocks noGrp="1"/>
+          </p:cNvSpPr>
+          <p:nvPr>
+            <p:ph idx="1"/>
+          </p:nvPr>
+        </p:nvSpPr>
+        <p:spPr/>
+        <p:txBody>
+          <a:bodyPr/>
+          <a:lstStyle/>
+          <a:p>
+            <a:r>
+              <a:rPr lang="en-US" dirty="0" smtClean="0"/>
+              <a:t>Extending </a:t>
+            </a:r>
+            <a:r>
+              <a:rPr lang="en-US" dirty="0" err="1" smtClean="0">
+                <a:latin typeface="Consolas" panose="020B0609020204030204" pitchFamily="49" charset="0"/>
+                <a:cs typeface="Consolas" panose="020B0609020204030204" pitchFamily="49" charset="0"/>
+              </a:rPr>
+              <a:t>std</a:t>
+            </a:r>
+            <a:r>
+              <a:rPr lang="en-US" dirty="0" smtClean="0">
+                <a:latin typeface="Consolas" panose="020B0609020204030204" pitchFamily="49" charset="0"/>
+                <a:cs typeface="Consolas" panose="020B0609020204030204" pitchFamily="49" charset="0"/>
+              </a:rPr>
+              <a:t>::</a:t>
+            </a:r>
+            <a:r>
+              <a:rPr lang="en-US" dirty="0" err="1" smtClean="0">
+                <a:latin typeface="Consolas" panose="020B0609020204030204" pitchFamily="49" charset="0"/>
+                <a:cs typeface="Consolas" panose="020B0609020204030204" pitchFamily="49" charset="0"/>
+              </a:rPr>
+              <a:t>allocator_traits</a:t>
+            </a:r>
+            <a:endParaRPr lang="en-US" dirty="0" smtClean="0">
+              <a:latin typeface="Consolas" panose="020B0609020204030204" pitchFamily="49" charset="0"/>
+              <a:cs typeface="Consolas" panose="020B0609020204030204" pitchFamily="49" charset="0"/>
+            </a:endParaRPr>
+          </a:p>
+          <a:p>
+            <a:pPr lvl="1"/>
+            <a:r>
+              <a:rPr lang="en-US" dirty="0" smtClean="0"/>
+              <a:t>Adding functionality to copy data</a:t>
+            </a:r>
+          </a:p>
+          <a:p>
+            <a:pPr lvl="2"/>
+            <a:r>
+              <a:rPr lang="en-US" dirty="0" smtClean="0"/>
+              <a:t>CPU: trivial</a:t>
+            </a:r>
+          </a:p>
+          <a:p>
+            <a:pPr lvl="2"/>
+            <a:r>
+              <a:rPr lang="en-US" dirty="0" smtClean="0"/>
+              <a:t>GPU: platform specific data transfer, hooked into </a:t>
+            </a:r>
+            <a:r>
+              <a:rPr lang="en-US" dirty="0" smtClean="0">
+                <a:latin typeface="Consolas" panose="020B0609020204030204" pitchFamily="49" charset="0"/>
+                <a:cs typeface="Consolas" panose="020B0609020204030204" pitchFamily="49" charset="0"/>
+              </a:rPr>
+              <a:t>parallel::copy</a:t>
+            </a:r>
+          </a:p>
+          <a:p>
+            <a:pPr lvl="2"/>
+            <a:r>
+              <a:rPr lang="en-US" dirty="0" smtClean="0"/>
+              <a:t>Distributed: maps onto network, possibly RDMA (put/get)</a:t>
+            </a:r>
+          </a:p>
+          <a:p>
+            <a:pPr lvl="1"/>
+            <a:r>
+              <a:rPr lang="en-US" dirty="0" smtClean="0"/>
+              <a:t>Adding functionality to access single elements</a:t>
+            </a:r>
+          </a:p>
+          <a:p>
+            <a:pPr lvl="2"/>
+            <a:r>
+              <a:rPr lang="en-US" dirty="0" smtClean="0"/>
+              <a:t>CPU: trivial</a:t>
+            </a:r>
+          </a:p>
+          <a:p>
+            <a:pPr lvl="2"/>
+            <a:r>
+              <a:rPr lang="en-US" dirty="0" smtClean="0"/>
+              <a:t>GPU: slow, but possible</a:t>
+            </a:r>
+          </a:p>
+          <a:p>
+            <a:pPr lvl="2"/>
+            <a:r>
+              <a:rPr lang="en-US" dirty="0" smtClean="0"/>
+              <a:t>Distributed: maps onto network</a:t>
+            </a:r>
+            <a:endParaRPr lang="en-US" dirty="0"/>
+          </a:p>
+        </p:txBody>
+      </p:sp>
+      <p:sp>
+        <p:nvSpPr>
+          <p:cNvPr id="4" name="Date Placeholder 3"/>
+          <p:cNvSpPr>
+            <a:spLocks noGrp="1"/>
+          </p:cNvSpPr>
+          <p:nvPr>
+            <p:ph type="dt" sz="half" idx="10"/>
+          </p:nvPr>
+        </p:nvSpPr>
+        <p:spPr/>
+        <p:txBody>
+          <a:bodyPr/>
+          <a:lstStyle/>
+          <a:p>
+            <a:r>
+              <a:rPr lang="en-US" smtClean="0"/>
+              <a:t>10/17/2016</a:t>
+            </a:r>
+            <a:endParaRPr lang="en-US"/>
+          </a:p>
+        </p:txBody>
+      </p:sp>
+      <p:sp>
+        <p:nvSpPr>
+          <p:cNvPr id="5" name="Footer Placeholder 4"/>
+          <p:cNvSpPr>
+            <a:spLocks noGrp="1"/>
+          </p:cNvSpPr>
+          <p:nvPr>
+            <p:ph type="ftr" sz="quarter" idx="11"/>
+          </p:nvPr>
+        </p:nvSpPr>
+        <p:spPr/>
+        <p:txBody>
+          <a:bodyPr/>
+          <a:lstStyle/>
+          <a:p>
+            <a:r>
+              <a:rPr lang="en-US" smtClean="0"/>
+              <a:t>Companions Left Behind, Hartmut Kaiser, Berkeley C++ Summit</a:t>
+            </a:r>
+            <a:endParaRPr lang="en-US"/>
+          </a:p>
+        </p:txBody>
+      </p:sp>
+      <p:sp>
+        <p:nvSpPr>
+          <p:cNvPr id="6" name="Slide Number Placeholder 5"/>
+          <p:cNvSpPr>
+            <a:spLocks noGrp="1"/>
+          </p:cNvSpPr>
+          <p:nvPr>
+            <p:ph type="sldNum" sz="quarter" idx="12"/>
+          </p:nvPr>
+        </p:nvSpPr>
+        <p:spPr/>
+        <p:txBody>
+          <a:bodyPr>
+            <a:normAutofit lnSpcReduction="10000"/>
+          </a:bodyPr>
+          <a:lstStyle/>
+          <a:p>
+            <a:fld id="{52899393-25BE-4C26-9FDC-BEBB44BDB216}" type="slidenum">
+              <a:rPr lang="en-US" smtClean="0"/>
+              <a:t>31</a:t>
+            </a:fld>
+            <a:endParaRPr lang="en-US"/>
+          </a:p>
+        </p:txBody>
+      </p:sp>
+    </p:spTree>
+    <p:extLst>
+      <p:ext uri="{BB962C8B-B14F-4D97-AF65-F5344CB8AC3E}">
+        <p14:creationId xmlns:p14="http://schemas.microsoft.com/office/powerpoint/2010/main" val="2300588182"/>
+      </p:ext>
+    </p:extLst>
+  </p:cSld>
+  <p:clrMapOvr>
+    <a:masterClrMapping/>
+  </p:clrMapOvr>
+  <p:timing>
+    <p:tnLst>
+      <p:par>
+        <p:cTn id="1" dur="indefinite" restart="never" nodeType="tmRoot"/>
+      </p:par>
+    </p:tnLst>
+  </p:timing>
+</p:sld>
+</file>
+
+<file path=ppt/slides/slide32.xml><?xml version="1.0" encoding="utf-8"?>
+<p:sld xmlns:a="http://schemas.openxmlformats.org/drawingml/2006/main" xmlns:r="http://schemas.openxmlformats.org/officeDocument/2006/relationships" xmlns:p="http://schemas.openxmlformats.org/presentationml/2006/main">
+  <p:cSld>
+    <p:spTree>
+      <p:nvGrpSpPr>
+        <p:cNvPr id="1" name=""/>
+        <p:cNvGrpSpPr/>
+        <p:nvPr/>
+      </p:nvGrpSpPr>
+      <p:grpSpPr>
+        <a:xfrm>
+          <a:off x="0" y="0"/>
+          <a:ext cx="0" cy="0"/>
+          <a:chOff x="0" y="0"/>
+          <a:chExt cx="0" cy="0"/>
+        </a:xfrm>
+      </p:grpSpPr>
+      <p:sp>
+        <p:nvSpPr>
+          <p:cNvPr id="7" name="Title 6"/>
+          <p:cNvSpPr>
+            <a:spLocks noGrp="1"/>
+          </p:cNvSpPr>
+          <p:nvPr>
+            <p:ph type="title"/>
+          </p:nvPr>
+        </p:nvSpPr>
+        <p:spPr/>
+        <p:txBody>
+          <a:bodyPr/>
+          <a:lstStyle/>
+          <a:p>
+            <a:r>
+              <a:rPr lang="en-US" dirty="0" smtClean="0"/>
+              <a:t>Execution Targets</a:t>
+            </a:r>
+            <a:endParaRPr lang="en-US" dirty="0"/>
+          </a:p>
+        </p:txBody>
+      </p:sp>
+      <p:sp>
+        <p:nvSpPr>
+          <p:cNvPr id="8" name="Text Placeholder 7"/>
+          <p:cNvSpPr>
+            <a:spLocks noGrp="1"/>
+          </p:cNvSpPr>
+          <p:nvPr>
+            <p:ph type="body" idx="1"/>
+          </p:nvPr>
+        </p:nvSpPr>
+        <p:spPr/>
+        <p:txBody>
+          <a:bodyPr/>
+          <a:lstStyle/>
+          <a:p>
+            <a:r>
+              <a:rPr lang="en-US" dirty="0" smtClean="0"/>
+              <a:t>One Ring to Rule them All</a:t>
+            </a:r>
+            <a:endParaRPr lang="en-US" dirty="0"/>
+          </a:p>
+        </p:txBody>
+      </p:sp>
+      <p:sp>
+        <p:nvSpPr>
+          <p:cNvPr id="4" name="Date Placeholder 3"/>
+          <p:cNvSpPr>
+            <a:spLocks noGrp="1"/>
+          </p:cNvSpPr>
+          <p:nvPr>
+            <p:ph type="dt" sz="half" idx="10"/>
+          </p:nvPr>
+        </p:nvSpPr>
+        <p:spPr/>
+        <p:txBody>
+          <a:bodyPr/>
+          <a:lstStyle/>
+          <a:p>
+            <a:r>
+              <a:rPr lang="en-US" smtClean="0"/>
+              <a:t>10/17/2016</a:t>
+            </a:r>
+            <a:endParaRPr lang="en-US"/>
+          </a:p>
+        </p:txBody>
+      </p:sp>
+      <p:sp>
+        <p:nvSpPr>
+          <p:cNvPr id="5" name="Footer Placeholder 4"/>
+          <p:cNvSpPr>
+            <a:spLocks noGrp="1"/>
+          </p:cNvSpPr>
+          <p:nvPr>
+            <p:ph type="ftr" sz="quarter" idx="11"/>
+          </p:nvPr>
+        </p:nvSpPr>
+        <p:spPr/>
+        <p:txBody>
+          <a:bodyPr/>
+          <a:lstStyle/>
+          <a:p>
+            <a:r>
+              <a:rPr lang="en-US" smtClean="0"/>
+              <a:t>Companions Left Behind, Hartmut Kaiser, Berkeley C++ Summit</a:t>
+            </a:r>
+            <a:endParaRPr lang="en-US"/>
+          </a:p>
+        </p:txBody>
+      </p:sp>
+      <p:sp>
+        <p:nvSpPr>
+          <p:cNvPr id="6" name="Slide Number Placeholder 5"/>
+          <p:cNvSpPr>
+            <a:spLocks noGrp="1"/>
+          </p:cNvSpPr>
+          <p:nvPr>
+            <p:ph type="sldNum" sz="quarter" idx="12"/>
+          </p:nvPr>
+        </p:nvSpPr>
+        <p:spPr/>
+        <p:txBody>
+          <a:bodyPr>
+            <a:normAutofit lnSpcReduction="10000"/>
+          </a:bodyPr>
+          <a:lstStyle/>
+          <a:p>
+            <a:fld id="{52899393-25BE-4C26-9FDC-BEBB44BDB216}" type="slidenum">
+              <a:rPr lang="en-US" smtClean="0"/>
+              <a:t>32</a:t>
+            </a:fld>
+            <a:endParaRPr lang="en-US"/>
+          </a:p>
+        </p:txBody>
+      </p:sp>
+    </p:spTree>
+    <p:extLst>
+      <p:ext uri="{BB962C8B-B14F-4D97-AF65-F5344CB8AC3E}">
+        <p14:creationId xmlns:p14="http://schemas.microsoft.com/office/powerpoint/2010/main" val="1921521701"/>
+      </p:ext>
+    </p:extLst>
+  </p:cSld>
+  <p:clrMapOvr>
+    <a:masterClrMapping/>
+  </p:clrMapOvr>
+  <p:timing>
+    <p:tnLst>
+      <p:par>
+        <p:cTn id="1" dur="indefinite" restart="never" nodeType="tmRoot"/>
+      </p:par>
+    </p:tnLst>
+  </p:timing>
+</p:sld>
+</file>
+
+<file path=ppt/slides/slide33.xml><?xml version="1.0" encoding="utf-8"?>
+<p:sld xmlns:a="http://schemas.openxmlformats.org/drawingml/2006/main" xmlns:r="http://schemas.openxmlformats.org/officeDocument/2006/relationships" xmlns:p="http://schemas.openxmlformats.org/presentationml/2006/main">
+  <p:cSld>
+    <p:spTree>
+      <p:nvGrpSpPr>
+        <p:cNvPr id="1" name=""/>
+        <p:cNvGrpSpPr/>
+        <p:nvPr/>
+      </p:nvGrpSpPr>
+      <p:grpSpPr>
+        <a:xfrm>
+          <a:off x="0" y="0"/>
+          <a:ext cx="0" cy="0"/>
+          <a:chOff x="0" y="0"/>
+          <a:chExt cx="0" cy="0"/>
+        </a:xfrm>
+      </p:grpSpPr>
+      <p:sp>
+        <p:nvSpPr>
+          <p:cNvPr id="7" name="Title 6"/>
+          <p:cNvSpPr>
+            <a:spLocks noGrp="1"/>
+          </p:cNvSpPr>
+          <p:nvPr>
+            <p:ph type="title"/>
+          </p:nvPr>
+        </p:nvSpPr>
+        <p:spPr/>
+        <p:txBody>
+          <a:bodyPr/>
+          <a:lstStyle/>
+          <a:p>
+            <a:r>
+              <a:rPr lang="en-US" dirty="0" smtClean="0"/>
+              <a:t>Execution Targets</a:t>
+            </a:r>
+            <a:endParaRPr lang="en-US" dirty="0"/>
+          </a:p>
+        </p:txBody>
+      </p:sp>
+      <p:sp>
+        <p:nvSpPr>
+          <p:cNvPr id="8" name="Content Placeholder 7"/>
+          <p:cNvSpPr>
+            <a:spLocks noGrp="1"/>
+          </p:cNvSpPr>
+          <p:nvPr>
+            <p:ph idx="1"/>
+          </p:nvPr>
+        </p:nvSpPr>
+        <p:spPr/>
+        <p:txBody>
+          <a:bodyPr>
+            <a:normAutofit/>
+          </a:bodyPr>
+          <a:lstStyle/>
+          <a:p>
+            <a:r>
+              <a:rPr lang="en-US" dirty="0" smtClean="0"/>
+              <a:t>Opaque types which represent a place in the system </a:t>
+            </a:r>
+          </a:p>
+          <a:p>
+            <a:pPr lvl="1"/>
+            <a:r>
+              <a:rPr lang="en-US" dirty="0"/>
+              <a:t>Used to identify data placement </a:t>
+            </a:r>
+            <a:endParaRPr lang="en-US" dirty="0" smtClean="0"/>
+          </a:p>
+          <a:p>
+            <a:pPr lvl="1"/>
+            <a:r>
+              <a:rPr lang="en-US" dirty="0" smtClean="0"/>
+              <a:t>Used to specify execution site close to data</a:t>
+            </a:r>
+          </a:p>
+          <a:p>
+            <a:r>
+              <a:rPr lang="en-US" dirty="0" smtClean="0"/>
+              <a:t>Targets encapsulate architecture specifics</a:t>
+            </a:r>
+          </a:p>
+          <a:p>
+            <a:pPr lvl="1"/>
+            <a:r>
+              <a:rPr lang="en-US" dirty="0" smtClean="0"/>
+              <a:t>E.g. </a:t>
+            </a:r>
+            <a:r>
+              <a:rPr lang="en-US" dirty="0" err="1" smtClean="0">
+                <a:latin typeface="Consolas" panose="020B0609020204030204" pitchFamily="49" charset="0"/>
+                <a:cs typeface="Consolas" panose="020B0609020204030204" pitchFamily="49" charset="0"/>
+              </a:rPr>
+              <a:t>cuda</a:t>
+            </a:r>
+            <a:r>
+              <a:rPr lang="en-US" dirty="0" smtClean="0">
+                <a:latin typeface="Consolas" panose="020B0609020204030204" pitchFamily="49" charset="0"/>
+                <a:cs typeface="Consolas" panose="020B0609020204030204" pitchFamily="49" charset="0"/>
+              </a:rPr>
+              <a:t>::target</a:t>
+            </a:r>
+            <a:r>
+              <a:rPr lang="en-US" dirty="0" smtClean="0"/>
+              <a:t>, </a:t>
+            </a:r>
+            <a:r>
+              <a:rPr lang="en-US" dirty="0" smtClean="0">
+                <a:latin typeface="Consolas" panose="020B0609020204030204" pitchFamily="49" charset="0"/>
+                <a:cs typeface="Consolas" panose="020B0609020204030204" pitchFamily="49" charset="0"/>
+              </a:rPr>
+              <a:t>host::target</a:t>
+            </a:r>
+          </a:p>
+          <a:p>
+            <a:r>
+              <a:rPr lang="en-US" dirty="0" smtClean="0"/>
+              <a:t>Allocators to be initialized from targets</a:t>
+            </a:r>
+          </a:p>
+          <a:p>
+            <a:pPr lvl="1"/>
+            <a:r>
+              <a:rPr lang="en-US" dirty="0" smtClean="0"/>
+              <a:t>Customization of data placement</a:t>
+            </a:r>
+          </a:p>
+          <a:p>
+            <a:pPr lvl="2"/>
+            <a:r>
+              <a:rPr lang="en-US" dirty="0" smtClean="0"/>
+              <a:t>NUMA domain: </a:t>
+            </a:r>
+            <a:r>
+              <a:rPr lang="en-US" dirty="0" smtClean="0">
+                <a:latin typeface="Consolas" panose="020B0609020204030204" pitchFamily="49" charset="0"/>
+                <a:cs typeface="Consolas" panose="020B0609020204030204" pitchFamily="49" charset="0"/>
+              </a:rPr>
+              <a:t>host::</a:t>
+            </a:r>
+            <a:r>
+              <a:rPr lang="en-US" dirty="0" err="1" smtClean="0">
+                <a:latin typeface="Consolas" panose="020B0609020204030204" pitchFamily="49" charset="0"/>
+                <a:cs typeface="Consolas" panose="020B0609020204030204" pitchFamily="49" charset="0"/>
+              </a:rPr>
+              <a:t>block_allocator</a:t>
+            </a:r>
+            <a:endParaRPr lang="en-US" dirty="0" smtClean="0">
+              <a:latin typeface="Consolas" panose="020B0609020204030204" pitchFamily="49" charset="0"/>
+              <a:cs typeface="Consolas" panose="020B0609020204030204" pitchFamily="49" charset="0"/>
+            </a:endParaRPr>
+          </a:p>
+          <a:p>
+            <a:pPr lvl="2"/>
+            <a:r>
+              <a:rPr lang="en-US" dirty="0" smtClean="0"/>
+              <a:t>(possibly remote) GPU device: </a:t>
+            </a:r>
+            <a:r>
+              <a:rPr lang="en-US" dirty="0" err="1" smtClean="0">
+                <a:latin typeface="Consolas" panose="020B0609020204030204" pitchFamily="49" charset="0"/>
+                <a:cs typeface="Consolas" panose="020B0609020204030204" pitchFamily="49" charset="0"/>
+              </a:rPr>
+              <a:t>cuda</a:t>
+            </a:r>
+            <a:r>
+              <a:rPr lang="en-US" dirty="0" smtClean="0">
+                <a:latin typeface="Consolas" panose="020B0609020204030204" pitchFamily="49" charset="0"/>
+                <a:cs typeface="Consolas" panose="020B0609020204030204" pitchFamily="49" charset="0"/>
+              </a:rPr>
+              <a:t>::allocator</a:t>
+            </a:r>
+          </a:p>
+          <a:p>
+            <a:pPr lvl="2"/>
+            <a:r>
+              <a:rPr lang="en-US" dirty="0" smtClean="0"/>
+              <a:t>Locality, i.e. (possibly remote) node</a:t>
+            </a:r>
+          </a:p>
+          <a:p>
+            <a:r>
+              <a:rPr lang="en-US" dirty="0" smtClean="0"/>
+              <a:t>Executors to be initialized from targets as well</a:t>
+            </a:r>
+          </a:p>
+          <a:p>
+            <a:pPr lvl="1"/>
+            <a:r>
+              <a:rPr lang="en-US" dirty="0" smtClean="0"/>
+              <a:t>Make sure code is executed close to placed data</a:t>
+            </a:r>
+          </a:p>
+        </p:txBody>
+      </p:sp>
+      <p:sp>
+        <p:nvSpPr>
+          <p:cNvPr id="4" name="Date Placeholder 3"/>
+          <p:cNvSpPr>
+            <a:spLocks noGrp="1"/>
+          </p:cNvSpPr>
+          <p:nvPr>
+            <p:ph type="dt" sz="half" idx="10"/>
+          </p:nvPr>
+        </p:nvSpPr>
+        <p:spPr/>
+        <p:txBody>
+          <a:bodyPr/>
+          <a:lstStyle/>
+          <a:p>
+            <a:r>
+              <a:rPr lang="en-US" smtClean="0"/>
+              <a:t>10/17/2016</a:t>
+            </a:r>
+            <a:endParaRPr lang="en-US"/>
+          </a:p>
+        </p:txBody>
+      </p:sp>
+      <p:sp>
+        <p:nvSpPr>
+          <p:cNvPr id="5" name="Footer Placeholder 4"/>
+          <p:cNvSpPr>
+            <a:spLocks noGrp="1"/>
+          </p:cNvSpPr>
+          <p:nvPr>
+            <p:ph type="ftr" sz="quarter" idx="11"/>
+          </p:nvPr>
+        </p:nvSpPr>
+        <p:spPr/>
+        <p:txBody>
+          <a:bodyPr/>
+          <a:lstStyle/>
+          <a:p>
+            <a:r>
+              <a:rPr lang="en-US" smtClean="0"/>
+              <a:t>Companions Left Behind, Hartmut Kaiser, Berkeley C++ Summit</a:t>
+            </a:r>
+            <a:endParaRPr lang="en-US"/>
+          </a:p>
+        </p:txBody>
+      </p:sp>
+      <p:sp>
+        <p:nvSpPr>
+          <p:cNvPr id="6" name="Slide Number Placeholder 5"/>
+          <p:cNvSpPr>
+            <a:spLocks noGrp="1"/>
+          </p:cNvSpPr>
+          <p:nvPr>
+            <p:ph type="sldNum" sz="quarter" idx="12"/>
+          </p:nvPr>
+        </p:nvSpPr>
+        <p:spPr/>
+        <p:txBody>
+          <a:bodyPr>
+            <a:normAutofit lnSpcReduction="10000"/>
+          </a:bodyPr>
+          <a:lstStyle/>
+          <a:p>
+            <a:fld id="{52899393-25BE-4C26-9FDC-BEBB44BDB216}" type="slidenum">
+              <a:rPr lang="en-US" smtClean="0"/>
+              <a:t>33</a:t>
+            </a:fld>
+            <a:endParaRPr lang="en-US"/>
+          </a:p>
+        </p:txBody>
+      </p:sp>
+    </p:spTree>
+    <p:extLst>
+      <p:ext uri="{BB962C8B-B14F-4D97-AF65-F5344CB8AC3E}">
+        <p14:creationId xmlns:p14="http://schemas.microsoft.com/office/powerpoint/2010/main" val="1993725301"/>
+      </p:ext>
+    </p:extLst>
+  </p:cSld>
+  <p:clrMapOvr>
+    <a:masterClrMapping/>
+  </p:clrMapOvr>
+  <p:timing>
+    <p:tnLst>
+      <p:par>
+        <p:cTn id="1" dur="indefinite" restart="never" nodeType="tmRoot"/>
+      </p:par>
+    </p:tnLst>
+  </p:timing>
+</p:sld>
+</file>
+
+<file path=ppt/slides/slide34.xml><?xml version="1.0" encoding="utf-8"?>
+<p:sld xmlns:a="http://schemas.openxmlformats.org/drawingml/2006/main" xmlns:r="http://schemas.openxmlformats.org/officeDocument/2006/relationships" xmlns:p="http://schemas.openxmlformats.org/presentationml/2006/main">
+  <p:cSld>
+    <p:spTree>
+      <p:nvGrpSpPr>
+        <p:cNvPr id="1" name=""/>
+        <p:cNvGrpSpPr/>
+        <p:nvPr/>
+      </p:nvGrpSpPr>
+      <p:grpSpPr>
+        <a:xfrm>
+          <a:off x="0" y="0"/>
+          <a:ext cx="0" cy="0"/>
+          <a:chOff x="0" y="0"/>
+          <a:chExt cx="0" cy="0"/>
+        </a:xfrm>
+      </p:grpSpPr>
+      <p:sp>
+        <p:nvSpPr>
+          <p:cNvPr id="7" name="Title 6"/>
+          <p:cNvSpPr>
+            <a:spLocks noGrp="1"/>
+          </p:cNvSpPr>
+          <p:nvPr>
+            <p:ph type="title"/>
+          </p:nvPr>
+        </p:nvSpPr>
+        <p:spPr/>
+        <p:txBody>
+          <a:bodyPr/>
+          <a:lstStyle/>
+          <a:p>
+            <a:r>
+              <a:rPr lang="en-US" dirty="0" smtClean="0"/>
+              <a:t>Examples</a:t>
+            </a:r>
+            <a:endParaRPr lang="en-US" dirty="0"/>
+          </a:p>
+        </p:txBody>
+      </p:sp>
+      <p:sp>
+        <p:nvSpPr>
+          <p:cNvPr id="8" name="Text Placeholder 7"/>
+          <p:cNvSpPr>
+            <a:spLocks noGrp="1"/>
+          </p:cNvSpPr>
+          <p:nvPr>
+            <p:ph type="body" idx="1"/>
+          </p:nvPr>
+        </p:nvSpPr>
+        <p:spPr/>
+        <p:txBody>
+          <a:bodyPr/>
+          <a:lstStyle/>
+          <a:p>
+            <a:r>
+              <a:rPr lang="en-US" dirty="0" smtClean="0"/>
+              <a:t>Tying it all together</a:t>
+            </a:r>
+            <a:endParaRPr lang="en-US" dirty="0"/>
+          </a:p>
+        </p:txBody>
+      </p:sp>
+      <p:sp>
+        <p:nvSpPr>
+          <p:cNvPr id="4" name="Date Placeholder 3"/>
+          <p:cNvSpPr>
+            <a:spLocks noGrp="1"/>
+          </p:cNvSpPr>
+          <p:nvPr>
+            <p:ph type="dt" sz="half" idx="10"/>
+          </p:nvPr>
+        </p:nvSpPr>
+        <p:spPr/>
+        <p:txBody>
+          <a:bodyPr/>
+          <a:lstStyle/>
+          <a:p>
+            <a:r>
+              <a:rPr lang="en-US" smtClean="0"/>
+              <a:t>10/17/2016</a:t>
+            </a:r>
+            <a:endParaRPr lang="en-US"/>
+          </a:p>
+        </p:txBody>
+      </p:sp>
+      <p:sp>
+        <p:nvSpPr>
+          <p:cNvPr id="5" name="Footer Placeholder 4"/>
+          <p:cNvSpPr>
+            <a:spLocks noGrp="1"/>
+          </p:cNvSpPr>
+          <p:nvPr>
+            <p:ph type="ftr" sz="quarter" idx="11"/>
+          </p:nvPr>
+        </p:nvSpPr>
+        <p:spPr/>
+        <p:txBody>
+          <a:bodyPr/>
+          <a:lstStyle/>
+          <a:p>
+            <a:r>
+              <a:rPr lang="en-US" smtClean="0"/>
+              <a:t>Companions Left Behind, Hartmut Kaiser, Berkeley C++ Summit</a:t>
+            </a:r>
+            <a:endParaRPr lang="en-US"/>
+          </a:p>
+        </p:txBody>
+      </p:sp>
+      <p:sp>
+        <p:nvSpPr>
+          <p:cNvPr id="6" name="Slide Number Placeholder 5"/>
+          <p:cNvSpPr>
+            <a:spLocks noGrp="1"/>
+          </p:cNvSpPr>
+          <p:nvPr>
+            <p:ph type="sldNum" sz="quarter" idx="12"/>
+          </p:nvPr>
+        </p:nvSpPr>
+        <p:spPr/>
+        <p:txBody>
+          <a:bodyPr>
+            <a:normAutofit lnSpcReduction="10000"/>
+          </a:bodyPr>
+          <a:lstStyle/>
+          <a:p>
             <a:fld id="{9C258B88-CF52-443C-8272-F67BF66C7540}" type="slidenum">
               <a:rPr lang="en-US" smtClean="0"/>
-              <a:t>30</a:t>
+              <a:t>34</a:t>
             </a:fld>
             <a:endParaRPr lang="en-US"/>
           </a:p>
@@ -17597,7 +21936,7 @@
 </p:sld>
 </file>
 
-<file path=ppt/slides/slide31.xml><?xml version="1.0" encoding="utf-8"?>
+<file path=ppt/slides/slide35.xml><?xml version="1.0" encoding="utf-8"?>
 <p:sld xmlns:a="http://schemas.openxmlformats.org/drawingml/2006/main" xmlns:r="http://schemas.openxmlformats.org/officeDocument/2006/relationships" xmlns:p="http://schemas.openxmlformats.org/presentationml/2006/main">
   <p:cSld>
     <p:spTree>
@@ -17865,7 +22204,7 @@
           <a:p>
             <a:fld id="{65339F38-439B-42BE-A6DB-D203DE66964E}" type="slidenum">
               <a:rPr lang="en-US" smtClean="0"/>
-              <a:t>31</a:t>
+              <a:t>35</a:t>
             </a:fld>
             <a:endParaRPr lang="en-US"/>
           </a:p>
@@ -17891,7 +22230,7 @@
 </p:sld>
 </file>
 
-<file path=ppt/slides/slide32.xml><?xml version="1.0" encoding="utf-8"?>
+<file path=ppt/slides/slide36.xml><?xml version="1.0" encoding="utf-8"?>
 <p:sld xmlns:a="http://schemas.openxmlformats.org/drawingml/2006/main" xmlns:r="http://schemas.openxmlformats.org/officeDocument/2006/relationships" xmlns:p="http://schemas.openxmlformats.org/presentationml/2006/main">
   <p:cSld>
     <p:spTree>
@@ -18904,7 +23243,7 @@
           <a:p>
             <a:fld id="{52899393-25BE-4C26-9FDC-BEBB44BDB216}" type="slidenum">
               <a:rPr lang="en-US" smtClean="0"/>
-              <a:t>32</a:t>
+              <a:t>36</a:t>
             </a:fld>
             <a:endParaRPr lang="en-US"/>
           </a:p>
@@ -19999,7 +24338,7 @@
 </p:sld>
 </file>
 
-<file path=ppt/slides/slide33.xml><?xml version="1.0" encoding="utf-8"?>
+<file path=ppt/slides/slide37.xml><?xml version="1.0" encoding="utf-8"?>
 <p:sld xmlns:a="http://schemas.openxmlformats.org/drawingml/2006/main" xmlns:r="http://schemas.openxmlformats.org/officeDocument/2006/relationships" xmlns:p="http://schemas.openxmlformats.org/presentationml/2006/main">
   <p:cSld>
     <p:spTree>
@@ -20822,7 +25161,7 @@
           <a:p>
             <a:fld id="{52899393-25BE-4C26-9FDC-BEBB44BDB216}" type="slidenum">
               <a:rPr lang="en-US" smtClean="0"/>
-              <a:t>33</a:t>
+              <a:t>37</a:t>
             </a:fld>
             <a:endParaRPr lang="en-US"/>
           </a:p>
@@ -21935,7 +26274,7 @@
 </p:sld>
 </file>
 
-<file path=ppt/slides/slide34.xml><?xml version="1.0" encoding="utf-8"?>
+<file path=ppt/slides/slide38.xml><?xml version="1.0" encoding="utf-8"?>
 <p:sld xmlns:a="http://schemas.openxmlformats.org/drawingml/2006/main" xmlns:r="http://schemas.openxmlformats.org/officeDocument/2006/relationships" xmlns:p="http://schemas.openxmlformats.org/presentationml/2006/main">
   <p:cSld>
     <p:spTree>
@@ -22051,7 +26390,7 @@
           <a:p>
             <a:fld id="{65339F38-439B-42BE-A6DB-D203DE66964E}" type="slidenum">
               <a:rPr lang="en-US" smtClean="0"/>
-              <a:t>34</a:t>
+              <a:t>38</a:t>
             </a:fld>
             <a:endParaRPr lang="en-US"/>
           </a:p>
@@ -22106,7 +26445,7 @@
 </p:sld>
 </file>
 
-<file path=ppt/slides/slide35.xml><?xml version="1.0" encoding="utf-8"?>
+<file path=ppt/slides/slide39.xml><?xml version="1.0" encoding="utf-8"?>
 <p:sld xmlns:a="http://schemas.openxmlformats.org/drawingml/2006/main" xmlns:r="http://schemas.openxmlformats.org/officeDocument/2006/relationships" xmlns:p="http://schemas.openxmlformats.org/presentationml/2006/main">
   <p:cSld>
     <p:spTree>
@@ -22230,7 +26569,7 @@
           <a:p>
             <a:fld id="{52899393-25BE-4C26-9FDC-BEBB44BDB216}" type="slidenum">
               <a:rPr lang="en-US" smtClean="0"/>
-              <a:t>35</a:t>
+              <a:t>39</a:t>
             </a:fld>
             <a:endParaRPr lang="en-US"/>
           </a:p>
@@ -22256,7 +26595,198 @@
 </p:sld>
 </file>
 
-<file path=ppt/slides/slide36.xml><?xml version="1.0" encoding="utf-8"?>
+<file path=ppt/slides/slide4.xml><?xml version="1.0" encoding="utf-8"?>
+<p:sld xmlns:a="http://schemas.openxmlformats.org/drawingml/2006/main" xmlns:r="http://schemas.openxmlformats.org/officeDocument/2006/relationships" xmlns:p="http://schemas.openxmlformats.org/presentationml/2006/main">
+  <p:cSld>
+    <p:spTree>
+      <p:nvGrpSpPr>
+        <p:cNvPr id="1" name=""/>
+        <p:cNvGrpSpPr/>
+        <p:nvPr/>
+      </p:nvGrpSpPr>
+      <p:grpSpPr>
+        <a:xfrm>
+          <a:off x="0" y="0"/>
+          <a:ext cx="0" cy="0"/>
+          <a:chOff x="0" y="0"/>
+          <a:chExt cx="0" cy="0"/>
+        </a:xfrm>
+      </p:grpSpPr>
+      <p:sp>
+        <p:nvSpPr>
+          <p:cNvPr id="2" name="Title 1"/>
+          <p:cNvSpPr>
+            <a:spLocks noGrp="1"/>
+          </p:cNvSpPr>
+          <p:nvPr>
+            <p:ph type="title"/>
+          </p:nvPr>
+        </p:nvSpPr>
+        <p:spPr/>
+        <p:txBody>
+          <a:bodyPr/>
+          <a:lstStyle/>
+          <a:p>
+            <a:r>
+              <a:rPr lang="en-US" dirty="0" smtClean="0"/>
+              <a:t>Types of Parallelism</a:t>
+            </a:r>
+            <a:endParaRPr lang="en-US" dirty="0"/>
+          </a:p>
+        </p:txBody>
+      </p:sp>
+      <p:sp>
+        <p:nvSpPr>
+          <p:cNvPr id="3" name="Content Placeholder 2"/>
+          <p:cNvSpPr>
+            <a:spLocks noGrp="1"/>
+          </p:cNvSpPr>
+          <p:nvPr>
+            <p:ph idx="1"/>
+          </p:nvPr>
+        </p:nvSpPr>
+        <p:spPr/>
+        <p:txBody>
+          <a:bodyPr>
+            <a:normAutofit/>
+          </a:bodyPr>
+          <a:lstStyle/>
+          <a:p>
+            <a:r>
+              <a:rPr lang="en-US" dirty="0"/>
+              <a:t>Instruction Level </a:t>
+            </a:r>
+            <a:r>
+              <a:rPr lang="en-US" dirty="0" smtClean="0"/>
+              <a:t>Parallelism</a:t>
+            </a:r>
+          </a:p>
+          <a:p>
+            <a:pPr lvl="1"/>
+            <a:r>
+              <a:rPr lang="en-US" dirty="0"/>
+              <a:t>Vectorization, SIMD instructions</a:t>
+            </a:r>
+          </a:p>
+          <a:p>
+            <a:pPr lvl="2"/>
+            <a:r>
+              <a:rPr lang="en-US" dirty="0"/>
+              <a:t>#pragma </a:t>
+            </a:r>
+            <a:r>
+              <a:rPr lang="en-US" dirty="0" err="1"/>
+              <a:t>simd</a:t>
+            </a:r>
+            <a:endParaRPr lang="en-US" dirty="0"/>
+          </a:p>
+          <a:p>
+            <a:r>
+              <a:rPr lang="en-US" dirty="0" smtClean="0"/>
+              <a:t>Distributed computing</a:t>
+            </a:r>
+          </a:p>
+          <a:p>
+            <a:pPr lvl="1"/>
+            <a:r>
+              <a:rPr lang="en-US" dirty="0" smtClean="0"/>
+              <a:t>MPI, mostly data transfer, coarse grain coordination (barriers)</a:t>
+            </a:r>
+          </a:p>
+          <a:p>
+            <a:pPr lvl="1"/>
+            <a:r>
+              <a:rPr lang="en-US" dirty="0" smtClean="0"/>
+              <a:t>Difficult to use in conjunction with any of the above</a:t>
+            </a:r>
+          </a:p>
+        </p:txBody>
+      </p:sp>
+      <p:sp>
+        <p:nvSpPr>
+          <p:cNvPr id="4" name="Footer Placeholder 3"/>
+          <p:cNvSpPr>
+            <a:spLocks noGrp="1"/>
+          </p:cNvSpPr>
+          <p:nvPr>
+            <p:ph type="ftr" sz="quarter" idx="11"/>
+          </p:nvPr>
+        </p:nvSpPr>
+        <p:spPr/>
+        <p:txBody>
+          <a:bodyPr/>
+          <a:lstStyle/>
+          <a:p>
+            <a:r>
+              <a:rPr lang="en-US" smtClean="0"/>
+              <a:t>Companions Left Behind, Hartmut Kaiser, Berkeley C++ Summit</a:t>
+            </a:r>
+            <a:endParaRPr lang="en-US"/>
+          </a:p>
+        </p:txBody>
+      </p:sp>
+      <p:sp>
+        <p:nvSpPr>
+          <p:cNvPr id="5" name="Date Placeholder 4"/>
+          <p:cNvSpPr>
+            <a:spLocks noGrp="1"/>
+          </p:cNvSpPr>
+          <p:nvPr>
+            <p:ph type="dt" sz="half" idx="10"/>
+          </p:nvPr>
+        </p:nvSpPr>
+        <p:spPr/>
+        <p:txBody>
+          <a:bodyPr/>
+          <a:lstStyle/>
+          <a:p>
+            <a:r>
+              <a:rPr lang="en-US" smtClean="0"/>
+              <a:t>10/17/2016</a:t>
+            </a:r>
+            <a:endParaRPr lang="en-US"/>
+          </a:p>
+        </p:txBody>
+      </p:sp>
+      <p:sp>
+        <p:nvSpPr>
+          <p:cNvPr id="6" name="Slide Number Placeholder 5"/>
+          <p:cNvSpPr>
+            <a:spLocks noGrp="1"/>
+          </p:cNvSpPr>
+          <p:nvPr>
+            <p:ph type="sldNum" sz="quarter" idx="12"/>
+          </p:nvPr>
+        </p:nvSpPr>
+        <p:spPr/>
+        <p:txBody>
+          <a:bodyPr>
+            <a:normAutofit lnSpcReduction="10000"/>
+          </a:bodyPr>
+          <a:lstStyle/>
+          <a:p>
+            <a:fld id="{9C258B88-CF52-443C-8272-F67BF66C7540}" type="slidenum">
+              <a:rPr lang="en-US" smtClean="0"/>
+              <a:t>4</a:t>
+            </a:fld>
+            <a:endParaRPr lang="en-US"/>
+          </a:p>
+        </p:txBody>
+      </p:sp>
+    </p:spTree>
+    <p:extLst>
+      <p:ext uri="{BB962C8B-B14F-4D97-AF65-F5344CB8AC3E}">
+        <p14:creationId xmlns:p14="http://schemas.microsoft.com/office/powerpoint/2010/main" val="1489485507"/>
+      </p:ext>
+    </p:extLst>
+  </p:cSld>
+  <p:clrMapOvr>
+    <a:masterClrMapping/>
+  </p:clrMapOvr>
+</p:sld>
+</file>
+
+<file path=ppt/slides/slide40.xml><?xml version="1.0" encoding="utf-8"?>
 <p:sld xmlns:a="http://schemas.openxmlformats.org/drawingml/2006/main" xmlns:r="http://schemas.openxmlformats.org/officeDocument/2006/relationships" xmlns:p="http://schemas.openxmlformats.org/presentationml/2006/main">
   <p:cSld>
     <p:spTree>
@@ -23068,7 +27598,7 @@
           <a:p>
             <a:fld id="{52899393-25BE-4C26-9FDC-BEBB44BDB216}" type="slidenum">
               <a:rPr lang="en-US" smtClean="0"/>
-              <a:t>36</a:t>
+              <a:t>40</a:t>
             </a:fld>
             <a:endParaRPr lang="en-US"/>
           </a:p>
@@ -24075,7 +28605,7 @@
 </p:sld>
 </file>
 
-<file path=ppt/slides/slide37.xml><?xml version="1.0" encoding="utf-8"?>
+<file path=ppt/slides/slide41.xml><?xml version="1.0" encoding="utf-8"?>
 <p:sld xmlns:a="http://schemas.openxmlformats.org/drawingml/2006/main" xmlns:r="http://schemas.openxmlformats.org/officeDocument/2006/relationships" xmlns:p="http://schemas.openxmlformats.org/presentationml/2006/main">
   <p:cSld>
     <p:spTree>
@@ -24186,7 +28716,7 @@
           <a:p>
             <a:fld id="{52899393-25BE-4C26-9FDC-BEBB44BDB216}" type="slidenum">
               <a:rPr lang="en-US" smtClean="0"/>
-              <a:t>37</a:t>
+              <a:t>41</a:t>
             </a:fld>
             <a:endParaRPr lang="en-US"/>
           </a:p>
@@ -24387,7 +28917,7 @@
 </p:sld>
 </file>
 
-<file path=ppt/slides/slide38.xml><?xml version="1.0" encoding="utf-8"?>
+<file path=ppt/slides/slide42.xml><?xml version="1.0" encoding="utf-8"?>
 <p:sld xmlns:a="http://schemas.openxmlformats.org/drawingml/2006/main" xmlns:r="http://schemas.openxmlformats.org/officeDocument/2006/relationships" xmlns:p="http://schemas.openxmlformats.org/presentationml/2006/main">
   <p:cSld>
     <p:spTree>
@@ -24511,7 +29041,7 @@
           <a:p>
             <a:fld id="{52899393-25BE-4C26-9FDC-BEBB44BDB216}" type="slidenum">
               <a:rPr lang="en-US" smtClean="0"/>
-              <a:t>38</a:t>
+              <a:t>42</a:t>
             </a:fld>
             <a:endParaRPr lang="en-US"/>
           </a:p>
@@ -24537,7 +29067,7 @@
 </p:sld>
 </file>
 
-<file path=ppt/slides/slide39.xml><?xml version="1.0" encoding="utf-8"?>
+<file path=ppt/slides/slide43.xml><?xml version="1.0" encoding="utf-8"?>
 <p:sld xmlns:a="http://schemas.openxmlformats.org/drawingml/2006/main" xmlns:r="http://schemas.openxmlformats.org/officeDocument/2006/relationships" xmlns:p="http://schemas.openxmlformats.org/presentationml/2006/main">
   <p:cSld>
     <p:spTree>
@@ -25484,7 +30014,7 @@
           <a:p>
             <a:fld id="{52899393-25BE-4C26-9FDC-BEBB44BDB216}" type="slidenum">
               <a:rPr lang="en-US" smtClean="0"/>
-              <a:t>39</a:t>
+              <a:t>43</a:t>
             </a:fld>
             <a:endParaRPr lang="en-US"/>
           </a:p>
@@ -25510,198 +30040,7 @@
 </p:sld>
 </file>
 
-<file path=ppt/slides/slide4.xml><?xml version="1.0" encoding="utf-8"?>
-<p:sld xmlns:a="http://schemas.openxmlformats.org/drawingml/2006/main" xmlns:r="http://schemas.openxmlformats.org/officeDocument/2006/relationships" xmlns:p="http://schemas.openxmlformats.org/presentationml/2006/main">
-  <p:cSld>
-    <p:spTree>
-      <p:nvGrpSpPr>
-        <p:cNvPr id="1" name=""/>
-        <p:cNvGrpSpPr/>
-        <p:nvPr/>
-      </p:nvGrpSpPr>
-      <p:grpSpPr>
-        <a:xfrm>
-          <a:off x="0" y="0"/>
-          <a:ext cx="0" cy="0"/>
-          <a:chOff x="0" y="0"/>
-          <a:chExt cx="0" cy="0"/>
-        </a:xfrm>
-      </p:grpSpPr>
-      <p:sp>
-        <p:nvSpPr>
-          <p:cNvPr id="2" name="Title 1"/>
-          <p:cNvSpPr>
-            <a:spLocks noGrp="1"/>
-          </p:cNvSpPr>
-          <p:nvPr>
-            <p:ph type="title"/>
-          </p:nvPr>
-        </p:nvSpPr>
-        <p:spPr/>
-        <p:txBody>
-          <a:bodyPr/>
-          <a:lstStyle/>
-          <a:p>
-            <a:r>
-              <a:rPr lang="en-US" dirty="0" smtClean="0"/>
-              <a:t>Types of Parallelism</a:t>
-            </a:r>
-            <a:endParaRPr lang="en-US" dirty="0"/>
-          </a:p>
-        </p:txBody>
-      </p:sp>
-      <p:sp>
-        <p:nvSpPr>
-          <p:cNvPr id="3" name="Content Placeholder 2"/>
-          <p:cNvSpPr>
-            <a:spLocks noGrp="1"/>
-          </p:cNvSpPr>
-          <p:nvPr>
-            <p:ph idx="1"/>
-          </p:nvPr>
-        </p:nvSpPr>
-        <p:spPr/>
-        <p:txBody>
-          <a:bodyPr>
-            <a:normAutofit/>
-          </a:bodyPr>
-          <a:lstStyle/>
-          <a:p>
-            <a:r>
-              <a:rPr lang="en-US" dirty="0"/>
-              <a:t>Instruction Level </a:t>
-            </a:r>
-            <a:r>
-              <a:rPr lang="en-US" dirty="0" smtClean="0"/>
-              <a:t>Parallelism</a:t>
-            </a:r>
-          </a:p>
-          <a:p>
-            <a:pPr lvl="1"/>
-            <a:r>
-              <a:rPr lang="en-US" dirty="0"/>
-              <a:t>Vectorization, SIMD instructions</a:t>
-            </a:r>
-          </a:p>
-          <a:p>
-            <a:pPr lvl="2"/>
-            <a:r>
-              <a:rPr lang="en-US" dirty="0"/>
-              <a:t>#pragma </a:t>
-            </a:r>
-            <a:r>
-              <a:rPr lang="en-US" dirty="0" err="1"/>
-              <a:t>simd</a:t>
-            </a:r>
-            <a:endParaRPr lang="en-US" dirty="0"/>
-          </a:p>
-          <a:p>
-            <a:r>
-              <a:rPr lang="en-US" dirty="0" smtClean="0"/>
-              <a:t>Distributed computing</a:t>
-            </a:r>
-          </a:p>
-          <a:p>
-            <a:pPr lvl="1"/>
-            <a:r>
-              <a:rPr lang="en-US" dirty="0" smtClean="0"/>
-              <a:t>MPI, mostly data transfer, coarse grain coordination (barriers)</a:t>
-            </a:r>
-          </a:p>
-          <a:p>
-            <a:pPr lvl="1"/>
-            <a:r>
-              <a:rPr lang="en-US" dirty="0" smtClean="0"/>
-              <a:t>Difficult to use in conjunction with any of the above</a:t>
-            </a:r>
-          </a:p>
-        </p:txBody>
-      </p:sp>
-      <p:sp>
-        <p:nvSpPr>
-          <p:cNvPr id="4" name="Footer Placeholder 3"/>
-          <p:cNvSpPr>
-            <a:spLocks noGrp="1"/>
-          </p:cNvSpPr>
-          <p:nvPr>
-            <p:ph type="ftr" sz="quarter" idx="11"/>
-          </p:nvPr>
-        </p:nvSpPr>
-        <p:spPr/>
-        <p:txBody>
-          <a:bodyPr/>
-          <a:lstStyle/>
-          <a:p>
-            <a:r>
-              <a:rPr lang="en-US" smtClean="0"/>
-              <a:t>Companions Left Behind, Hartmut Kaiser, Berkeley C++ Summit</a:t>
-            </a:r>
-            <a:endParaRPr lang="en-US"/>
-          </a:p>
-        </p:txBody>
-      </p:sp>
-      <p:sp>
-        <p:nvSpPr>
-          <p:cNvPr id="5" name="Date Placeholder 4"/>
-          <p:cNvSpPr>
-            <a:spLocks noGrp="1"/>
-          </p:cNvSpPr>
-          <p:nvPr>
-            <p:ph type="dt" sz="half" idx="10"/>
-          </p:nvPr>
-        </p:nvSpPr>
-        <p:spPr/>
-        <p:txBody>
-          <a:bodyPr/>
-          <a:lstStyle/>
-          <a:p>
-            <a:r>
-              <a:rPr lang="en-US" smtClean="0"/>
-              <a:t>10/17/2016</a:t>
-            </a:r>
-            <a:endParaRPr lang="en-US"/>
-          </a:p>
-        </p:txBody>
-      </p:sp>
-      <p:sp>
-        <p:nvSpPr>
-          <p:cNvPr id="6" name="Slide Number Placeholder 5"/>
-          <p:cNvSpPr>
-            <a:spLocks noGrp="1"/>
-          </p:cNvSpPr>
-          <p:nvPr>
-            <p:ph type="sldNum" sz="quarter" idx="12"/>
-          </p:nvPr>
-        </p:nvSpPr>
-        <p:spPr/>
-        <p:txBody>
-          <a:bodyPr>
-            <a:normAutofit lnSpcReduction="10000"/>
-          </a:bodyPr>
-          <a:lstStyle/>
-          <a:p>
-            <a:fld id="{9C258B88-CF52-443C-8272-F67BF66C7540}" type="slidenum">
-              <a:rPr lang="en-US" smtClean="0"/>
-              <a:t>4</a:t>
-            </a:fld>
-            <a:endParaRPr lang="en-US"/>
-          </a:p>
-        </p:txBody>
-      </p:sp>
-    </p:spTree>
-    <p:extLst>
-      <p:ext uri="{BB962C8B-B14F-4D97-AF65-F5344CB8AC3E}">
-        <p14:creationId xmlns:p14="http://schemas.microsoft.com/office/powerpoint/2010/main" val="1489485507"/>
-      </p:ext>
-    </p:extLst>
-  </p:cSld>
-  <p:clrMapOvr>
-    <a:masterClrMapping/>
-  </p:clrMapOvr>
-</p:sld>
-</file>
-
-<file path=ppt/slides/slide40.xml><?xml version="1.0" encoding="utf-8"?>
+<file path=ppt/slides/slide44.xml><?xml version="1.0" encoding="utf-8"?>
 <p:sld xmlns:a="http://schemas.openxmlformats.org/drawingml/2006/main" xmlns:r="http://schemas.openxmlformats.org/officeDocument/2006/relationships" xmlns:p="http://schemas.openxmlformats.org/presentationml/2006/main">
   <p:cSld>
     <p:spTree>
@@ -26680,7 +31019,7 @@
           <a:p>
             <a:fld id="{52899393-25BE-4C26-9FDC-BEBB44BDB216}" type="slidenum">
               <a:rPr lang="en-US" smtClean="0"/>
-              <a:t>40</a:t>
+              <a:t>44</a:t>
             </a:fld>
             <a:endParaRPr lang="en-US"/>
           </a:p>
@@ -26706,7 +31045,7 @@
 </p:sld>
 </file>
 
-<file path=ppt/slides/slide41.xml><?xml version="1.0" encoding="utf-8"?>
+<file path=ppt/slides/slide45.xml><?xml version="1.0" encoding="utf-8"?>
 <p:sld xmlns:a="http://schemas.openxmlformats.org/drawingml/2006/main" xmlns:r="http://schemas.openxmlformats.org/officeDocument/2006/relationships" xmlns:p="http://schemas.openxmlformats.org/presentationml/2006/main">
   <p:cSld>
     <p:spTree>
@@ -26831,7 +31170,7 @@
           <a:p>
             <a:fld id="{52899393-25BE-4C26-9FDC-BEBB44BDB216}" type="slidenum">
               <a:rPr lang="en-US" smtClean="0"/>
-              <a:t>41</a:t>
+              <a:t>45</a:t>
             </a:fld>
             <a:endParaRPr lang="en-US"/>
           </a:p>
@@ -27110,7 +31449,7 @@
 </p:sld>
 </file>
 
-<file path=ppt/slides/slide42.xml><?xml version="1.0" encoding="utf-8"?>
+<file path=ppt/slides/slide46.xml><?xml version="1.0" encoding="utf-8"?>
 <p:sld xmlns:a="http://schemas.openxmlformats.org/drawingml/2006/main" xmlns:r="http://schemas.openxmlformats.org/officeDocument/2006/relationships" xmlns:p="http://schemas.openxmlformats.org/presentationml/2006/main">
   <p:cSld>
     <p:spTree>
@@ -27406,7 +31745,7 @@
           <a:p>
             <a:fld id="{65339F38-439B-42BE-A6DB-D203DE66964E}" type="slidenum">
               <a:rPr lang="en-US" smtClean="0"/>
-              <a:t>42</a:t>
+              <a:t>46</a:t>
             </a:fld>
             <a:endParaRPr lang="en-US"/>
           </a:p>
